--- a/doc/unfinished/Presentation/5_発表資料.pptx
+++ b/doc/unfinished/Presentation/5_発表資料.pptx
@@ -5,16 +5,15 @@
     <p:sldMasterId id="2147483648" r:id="rId1"/>
   </p:sldMasterIdLst>
   <p:notesMasterIdLst>
-    <p:notesMasterId r:id="rId6"/>
+    <p:notesMasterId r:id="rId5"/>
   </p:notesMasterIdLst>
   <p:handoutMasterIdLst>
-    <p:handoutMasterId r:id="rId7"/>
+    <p:handoutMasterId r:id="rId6"/>
   </p:handoutMasterIdLst>
   <p:sldIdLst>
     <p:sldId id="256" r:id="rId2"/>
-    <p:sldId id="260" r:id="rId3"/>
-    <p:sldId id="259" r:id="rId4"/>
-    <p:sldId id="261" r:id="rId5"/>
+    <p:sldId id="262" r:id="rId3"/>
+    <p:sldId id="263" r:id="rId4"/>
   </p:sldIdLst>
   <p:sldSz cx="9144000" cy="6858000" type="screen4x3"/>
   <p:notesSz cx="6858000" cy="9945688"/>
@@ -114,6 +113,5264 @@
     </a:lvl9pPr>
   </p:defaultTextStyle>
 </p:presentation>
+</file>
+
+<file path=ppt/diagrams/colors1.xml><?xml version="1.0" encoding="utf-8"?>
+<dgm:colorsDef xmlns:dgm="http://schemas.openxmlformats.org/drawingml/2006/diagram" xmlns:a="http://schemas.openxmlformats.org/drawingml/2006/main" uniqueId="urn:microsoft.com/office/officeart/2005/8/colors/accent0_1">
+  <dgm:title val=""/>
+  <dgm:desc val=""/>
+  <dgm:catLst>
+    <dgm:cat type="mainScheme" pri="10100"/>
+  </dgm:catLst>
+  <dgm:styleLbl name="node0">
+    <dgm:fillClrLst meth="repeat">
+      <a:schemeClr val="lt1"/>
+    </dgm:fillClrLst>
+    <dgm:linClrLst meth="repeat">
+      <a:schemeClr val="dk1">
+        <a:shade val="80000"/>
+      </a:schemeClr>
+    </dgm:linClrLst>
+    <dgm:effectClrLst/>
+    <dgm:txLinClrLst/>
+    <dgm:txFillClrLst meth="repeat">
+      <a:schemeClr val="dk1"/>
+    </dgm:txFillClrLst>
+    <dgm:txEffectClrLst/>
+  </dgm:styleLbl>
+  <dgm:styleLbl name="node1">
+    <dgm:fillClrLst meth="repeat">
+      <a:schemeClr val="lt1"/>
+    </dgm:fillClrLst>
+    <dgm:linClrLst meth="repeat">
+      <a:schemeClr val="dk1">
+        <a:shade val="80000"/>
+      </a:schemeClr>
+    </dgm:linClrLst>
+    <dgm:effectClrLst/>
+    <dgm:txLinClrLst/>
+    <dgm:txFillClrLst meth="repeat">
+      <a:schemeClr val="dk1"/>
+    </dgm:txFillClrLst>
+    <dgm:txEffectClrLst/>
+  </dgm:styleLbl>
+  <dgm:styleLbl name="alignNode1">
+    <dgm:fillClrLst meth="repeat">
+      <a:schemeClr val="lt1"/>
+    </dgm:fillClrLst>
+    <dgm:linClrLst meth="repeat">
+      <a:schemeClr val="dk1">
+        <a:shade val="80000"/>
+      </a:schemeClr>
+    </dgm:linClrLst>
+    <dgm:effectClrLst/>
+    <dgm:txLinClrLst/>
+    <dgm:txFillClrLst meth="repeat">
+      <a:schemeClr val="dk1"/>
+    </dgm:txFillClrLst>
+    <dgm:txEffectClrLst/>
+  </dgm:styleLbl>
+  <dgm:styleLbl name="lnNode1">
+    <dgm:fillClrLst meth="repeat">
+      <a:schemeClr val="lt1"/>
+    </dgm:fillClrLst>
+    <dgm:linClrLst meth="repeat">
+      <a:schemeClr val="dk1">
+        <a:shade val="80000"/>
+      </a:schemeClr>
+    </dgm:linClrLst>
+    <dgm:effectClrLst/>
+    <dgm:txLinClrLst/>
+    <dgm:txFillClrLst meth="repeat">
+      <a:schemeClr val="dk1"/>
+    </dgm:txFillClrLst>
+    <dgm:txEffectClrLst/>
+  </dgm:styleLbl>
+  <dgm:styleLbl name="vennNode1">
+    <dgm:fillClrLst meth="repeat">
+      <a:schemeClr val="lt1">
+        <a:alpha val="50000"/>
+      </a:schemeClr>
+    </dgm:fillClrLst>
+    <dgm:linClrLst meth="repeat">
+      <a:schemeClr val="dk1">
+        <a:shade val="80000"/>
+      </a:schemeClr>
+    </dgm:linClrLst>
+    <dgm:effectClrLst/>
+    <dgm:txLinClrLst/>
+    <dgm:txFillClrLst/>
+    <dgm:txEffectClrLst/>
+  </dgm:styleLbl>
+  <dgm:styleLbl name="node2">
+    <dgm:fillClrLst meth="repeat">
+      <a:schemeClr val="lt1"/>
+    </dgm:fillClrLst>
+    <dgm:linClrLst meth="repeat">
+      <a:schemeClr val="dk1">
+        <a:shade val="80000"/>
+      </a:schemeClr>
+    </dgm:linClrLst>
+    <dgm:effectClrLst/>
+    <dgm:txLinClrLst/>
+    <dgm:txFillClrLst meth="repeat">
+      <a:schemeClr val="dk1"/>
+    </dgm:txFillClrLst>
+    <dgm:txEffectClrLst/>
+  </dgm:styleLbl>
+  <dgm:styleLbl name="node3">
+    <dgm:fillClrLst meth="repeat">
+      <a:schemeClr val="lt1"/>
+    </dgm:fillClrLst>
+    <dgm:linClrLst meth="repeat">
+      <a:schemeClr val="dk1">
+        <a:shade val="80000"/>
+      </a:schemeClr>
+    </dgm:linClrLst>
+    <dgm:effectClrLst/>
+    <dgm:txLinClrLst/>
+    <dgm:txFillClrLst meth="repeat">
+      <a:schemeClr val="dk1"/>
+    </dgm:txFillClrLst>
+    <dgm:txEffectClrLst/>
+  </dgm:styleLbl>
+  <dgm:styleLbl name="node4">
+    <dgm:fillClrLst meth="repeat">
+      <a:schemeClr val="lt1"/>
+    </dgm:fillClrLst>
+    <dgm:linClrLst meth="repeat">
+      <a:schemeClr val="dk1">
+        <a:shade val="80000"/>
+      </a:schemeClr>
+    </dgm:linClrLst>
+    <dgm:effectClrLst/>
+    <dgm:txLinClrLst/>
+    <dgm:txFillClrLst meth="repeat">
+      <a:schemeClr val="dk1"/>
+    </dgm:txFillClrLst>
+    <dgm:txEffectClrLst/>
+  </dgm:styleLbl>
+  <dgm:styleLbl name="fgImgPlace1">
+    <dgm:fillClrLst meth="repeat">
+      <a:schemeClr val="dk1">
+        <a:tint val="40000"/>
+      </a:schemeClr>
+    </dgm:fillClrLst>
+    <dgm:linClrLst meth="repeat">
+      <a:schemeClr val="dk1">
+        <a:shade val="80000"/>
+      </a:schemeClr>
+    </dgm:linClrLst>
+    <dgm:effectClrLst/>
+    <dgm:txLinClrLst/>
+    <dgm:txFillClrLst meth="repeat">
+      <a:schemeClr val="lt1"/>
+    </dgm:txFillClrLst>
+    <dgm:txEffectClrLst/>
+  </dgm:styleLbl>
+  <dgm:styleLbl name="alignImgPlace1">
+    <dgm:fillClrLst meth="repeat">
+      <a:schemeClr val="dk1">
+        <a:tint val="40000"/>
+      </a:schemeClr>
+    </dgm:fillClrLst>
+    <dgm:linClrLst meth="repeat">
+      <a:schemeClr val="dk1">
+        <a:shade val="80000"/>
+      </a:schemeClr>
+    </dgm:linClrLst>
+    <dgm:effectClrLst/>
+    <dgm:txLinClrLst/>
+    <dgm:txFillClrLst meth="repeat">
+      <a:schemeClr val="lt1"/>
+    </dgm:txFillClrLst>
+    <dgm:txEffectClrLst/>
+  </dgm:styleLbl>
+  <dgm:styleLbl name="bgImgPlace1">
+    <dgm:fillClrLst meth="repeat">
+      <a:schemeClr val="dk1">
+        <a:tint val="40000"/>
+      </a:schemeClr>
+    </dgm:fillClrLst>
+    <dgm:linClrLst meth="repeat">
+      <a:schemeClr val="dk1">
+        <a:shade val="80000"/>
+      </a:schemeClr>
+    </dgm:linClrLst>
+    <dgm:effectClrLst/>
+    <dgm:txLinClrLst/>
+    <dgm:txFillClrLst meth="repeat">
+      <a:schemeClr val="lt1"/>
+    </dgm:txFillClrLst>
+    <dgm:txEffectClrLst/>
+  </dgm:styleLbl>
+  <dgm:styleLbl name="sibTrans2D1">
+    <dgm:fillClrLst meth="repeat">
+      <a:schemeClr val="dk1">
+        <a:tint val="60000"/>
+      </a:schemeClr>
+    </dgm:fillClrLst>
+    <dgm:linClrLst meth="repeat">
+      <a:schemeClr val="dk1">
+        <a:tint val="60000"/>
+      </a:schemeClr>
+    </dgm:linClrLst>
+    <dgm:effectClrLst/>
+    <dgm:txLinClrLst/>
+    <dgm:txFillClrLst meth="repeat">
+      <a:schemeClr val="dk1"/>
+    </dgm:txFillClrLst>
+    <dgm:txEffectClrLst/>
+  </dgm:styleLbl>
+  <dgm:styleLbl name="fgSibTrans2D1">
+    <dgm:fillClrLst meth="repeat">
+      <a:schemeClr val="dk1">
+        <a:tint val="60000"/>
+      </a:schemeClr>
+    </dgm:fillClrLst>
+    <dgm:linClrLst meth="repeat">
+      <a:schemeClr val="dk1">
+        <a:tint val="60000"/>
+      </a:schemeClr>
+    </dgm:linClrLst>
+    <dgm:effectClrLst/>
+    <dgm:txLinClrLst/>
+    <dgm:txFillClrLst meth="repeat">
+      <a:schemeClr val="dk1"/>
+    </dgm:txFillClrLst>
+    <dgm:txEffectClrLst/>
+  </dgm:styleLbl>
+  <dgm:styleLbl name="bgSibTrans2D1">
+    <dgm:fillClrLst meth="repeat">
+      <a:schemeClr val="dk1">
+        <a:tint val="60000"/>
+      </a:schemeClr>
+    </dgm:fillClrLst>
+    <dgm:linClrLst meth="repeat">
+      <a:schemeClr val="dk1">
+        <a:tint val="60000"/>
+      </a:schemeClr>
+    </dgm:linClrLst>
+    <dgm:effectClrLst/>
+    <dgm:txLinClrLst/>
+    <dgm:txFillClrLst meth="repeat">
+      <a:schemeClr val="dk1"/>
+    </dgm:txFillClrLst>
+    <dgm:txEffectClrLst/>
+  </dgm:styleLbl>
+  <dgm:styleLbl name="sibTrans1D1">
+    <dgm:fillClrLst meth="repeat">
+      <a:schemeClr val="dk1"/>
+    </dgm:fillClrLst>
+    <dgm:linClrLst meth="repeat">
+      <a:schemeClr val="dk1"/>
+    </dgm:linClrLst>
+    <dgm:effectClrLst/>
+    <dgm:txLinClrLst/>
+    <dgm:txFillClrLst meth="repeat">
+      <a:schemeClr val="tx1"/>
+    </dgm:txFillClrLst>
+    <dgm:txEffectClrLst/>
+  </dgm:styleLbl>
+  <dgm:styleLbl name="callout">
+    <dgm:fillClrLst meth="repeat">
+      <a:schemeClr val="dk1"/>
+    </dgm:fillClrLst>
+    <dgm:linClrLst meth="repeat">
+      <a:schemeClr val="dk1"/>
+    </dgm:linClrLst>
+    <dgm:effectClrLst/>
+    <dgm:txLinClrLst/>
+    <dgm:txFillClrLst meth="repeat">
+      <a:schemeClr val="tx1"/>
+    </dgm:txFillClrLst>
+    <dgm:txEffectClrLst/>
+  </dgm:styleLbl>
+  <dgm:styleLbl name="asst0">
+    <dgm:fillClrLst meth="repeat">
+      <a:schemeClr val="lt1"/>
+    </dgm:fillClrLst>
+    <dgm:linClrLst meth="repeat">
+      <a:schemeClr val="dk1">
+        <a:shade val="80000"/>
+      </a:schemeClr>
+    </dgm:linClrLst>
+    <dgm:effectClrLst/>
+    <dgm:txLinClrLst/>
+    <dgm:txFillClrLst meth="repeat">
+      <a:schemeClr val="dk1"/>
+    </dgm:txFillClrLst>
+    <dgm:txEffectClrLst/>
+  </dgm:styleLbl>
+  <dgm:styleLbl name="asst1">
+    <dgm:fillClrLst meth="repeat">
+      <a:schemeClr val="lt1"/>
+    </dgm:fillClrLst>
+    <dgm:linClrLst meth="repeat">
+      <a:schemeClr val="dk1">
+        <a:shade val="80000"/>
+      </a:schemeClr>
+    </dgm:linClrLst>
+    <dgm:effectClrLst/>
+    <dgm:txLinClrLst/>
+    <dgm:txFillClrLst meth="repeat">
+      <a:schemeClr val="dk1"/>
+    </dgm:txFillClrLst>
+    <dgm:txEffectClrLst/>
+  </dgm:styleLbl>
+  <dgm:styleLbl name="asst2">
+    <dgm:fillClrLst meth="repeat">
+      <a:schemeClr val="lt1"/>
+    </dgm:fillClrLst>
+    <dgm:linClrLst meth="repeat">
+      <a:schemeClr val="dk1">
+        <a:shade val="80000"/>
+      </a:schemeClr>
+    </dgm:linClrLst>
+    <dgm:effectClrLst/>
+    <dgm:txLinClrLst/>
+    <dgm:txFillClrLst meth="repeat">
+      <a:schemeClr val="dk1"/>
+    </dgm:txFillClrLst>
+    <dgm:txEffectClrLst/>
+  </dgm:styleLbl>
+  <dgm:styleLbl name="asst3">
+    <dgm:fillClrLst meth="repeat">
+      <a:schemeClr val="lt1"/>
+    </dgm:fillClrLst>
+    <dgm:linClrLst meth="repeat">
+      <a:schemeClr val="dk1">
+        <a:shade val="80000"/>
+      </a:schemeClr>
+    </dgm:linClrLst>
+    <dgm:effectClrLst/>
+    <dgm:txLinClrLst/>
+    <dgm:txFillClrLst meth="repeat">
+      <a:schemeClr val="dk1"/>
+    </dgm:txFillClrLst>
+    <dgm:txEffectClrLst/>
+  </dgm:styleLbl>
+  <dgm:styleLbl name="asst4">
+    <dgm:fillClrLst meth="repeat">
+      <a:schemeClr val="lt1"/>
+    </dgm:fillClrLst>
+    <dgm:linClrLst meth="repeat">
+      <a:schemeClr val="dk1">
+        <a:shade val="80000"/>
+      </a:schemeClr>
+    </dgm:linClrLst>
+    <dgm:effectClrLst/>
+    <dgm:txLinClrLst/>
+    <dgm:txFillClrLst meth="repeat">
+      <a:schemeClr val="dk1"/>
+    </dgm:txFillClrLst>
+    <dgm:txEffectClrLst/>
+  </dgm:styleLbl>
+  <dgm:styleLbl name="parChTrans2D1">
+    <dgm:fillClrLst meth="repeat">
+      <a:schemeClr val="dk1">
+        <a:tint val="60000"/>
+      </a:schemeClr>
+    </dgm:fillClrLst>
+    <dgm:linClrLst meth="repeat">
+      <a:schemeClr val="dk1">
+        <a:tint val="60000"/>
+      </a:schemeClr>
+    </dgm:linClrLst>
+    <dgm:effectClrLst/>
+    <dgm:txLinClrLst/>
+    <dgm:txFillClrLst/>
+    <dgm:txEffectClrLst/>
+  </dgm:styleLbl>
+  <dgm:styleLbl name="parChTrans2D2">
+    <dgm:fillClrLst meth="repeat">
+      <a:schemeClr val="dk1"/>
+    </dgm:fillClrLst>
+    <dgm:linClrLst meth="repeat">
+      <a:schemeClr val="dk1"/>
+    </dgm:linClrLst>
+    <dgm:effectClrLst/>
+    <dgm:txLinClrLst/>
+    <dgm:txFillClrLst/>
+    <dgm:txEffectClrLst/>
+  </dgm:styleLbl>
+  <dgm:styleLbl name="parChTrans2D3">
+    <dgm:fillClrLst meth="repeat">
+      <a:schemeClr val="dk1"/>
+    </dgm:fillClrLst>
+    <dgm:linClrLst meth="repeat">
+      <a:schemeClr val="dk1"/>
+    </dgm:linClrLst>
+    <dgm:effectClrLst/>
+    <dgm:txLinClrLst/>
+    <dgm:txFillClrLst/>
+    <dgm:txEffectClrLst/>
+  </dgm:styleLbl>
+  <dgm:styleLbl name="parChTrans2D4">
+    <dgm:fillClrLst meth="repeat">
+      <a:schemeClr val="dk1"/>
+    </dgm:fillClrLst>
+    <dgm:linClrLst meth="repeat">
+      <a:schemeClr val="dk1"/>
+    </dgm:linClrLst>
+    <dgm:effectClrLst/>
+    <dgm:txLinClrLst/>
+    <dgm:txFillClrLst meth="repeat">
+      <a:schemeClr val="lt1"/>
+    </dgm:txFillClrLst>
+    <dgm:txEffectClrLst/>
+  </dgm:styleLbl>
+  <dgm:styleLbl name="parChTrans1D1">
+    <dgm:fillClrLst meth="repeat">
+      <a:schemeClr val="dk1"/>
+    </dgm:fillClrLst>
+    <dgm:linClrLst meth="repeat">
+      <a:schemeClr val="dk1">
+        <a:shade val="60000"/>
+      </a:schemeClr>
+    </dgm:linClrLst>
+    <dgm:effectClrLst/>
+    <dgm:txLinClrLst/>
+    <dgm:txFillClrLst meth="repeat">
+      <a:schemeClr val="tx1"/>
+    </dgm:txFillClrLst>
+    <dgm:txEffectClrLst/>
+  </dgm:styleLbl>
+  <dgm:styleLbl name="parChTrans1D2">
+    <dgm:fillClrLst meth="repeat">
+      <a:schemeClr val="dk1"/>
+    </dgm:fillClrLst>
+    <dgm:linClrLst meth="repeat">
+      <a:schemeClr val="dk1">
+        <a:shade val="60000"/>
+      </a:schemeClr>
+    </dgm:linClrLst>
+    <dgm:effectClrLst/>
+    <dgm:txLinClrLst/>
+    <dgm:txFillClrLst meth="repeat">
+      <a:schemeClr val="tx1"/>
+    </dgm:txFillClrLst>
+    <dgm:txEffectClrLst/>
+  </dgm:styleLbl>
+  <dgm:styleLbl name="parChTrans1D3">
+    <dgm:fillClrLst meth="repeat">
+      <a:schemeClr val="dk1"/>
+    </dgm:fillClrLst>
+    <dgm:linClrLst meth="repeat">
+      <a:schemeClr val="dk1">
+        <a:shade val="80000"/>
+      </a:schemeClr>
+    </dgm:linClrLst>
+    <dgm:effectClrLst/>
+    <dgm:txLinClrLst/>
+    <dgm:txFillClrLst meth="repeat">
+      <a:schemeClr val="tx1"/>
+    </dgm:txFillClrLst>
+    <dgm:txEffectClrLst/>
+  </dgm:styleLbl>
+  <dgm:styleLbl name="parChTrans1D4">
+    <dgm:fillClrLst meth="repeat">
+      <a:schemeClr val="dk1"/>
+    </dgm:fillClrLst>
+    <dgm:linClrLst meth="repeat">
+      <a:schemeClr val="dk1">
+        <a:shade val="80000"/>
+      </a:schemeClr>
+    </dgm:linClrLst>
+    <dgm:effectClrLst/>
+    <dgm:txLinClrLst/>
+    <dgm:txFillClrLst meth="repeat">
+      <a:schemeClr val="tx1"/>
+    </dgm:txFillClrLst>
+    <dgm:txEffectClrLst/>
+  </dgm:styleLbl>
+  <dgm:styleLbl name="fgAcc1">
+    <dgm:fillClrLst meth="repeat">
+      <a:schemeClr val="dk1">
+        <a:alpha val="90000"/>
+        <a:tint val="40000"/>
+      </a:schemeClr>
+    </dgm:fillClrLst>
+    <dgm:linClrLst meth="repeat">
+      <a:schemeClr val="dk1"/>
+    </dgm:linClrLst>
+    <dgm:effectClrLst/>
+    <dgm:txLinClrLst/>
+    <dgm:txFillClrLst meth="repeat">
+      <a:schemeClr val="dk1"/>
+    </dgm:txFillClrLst>
+    <dgm:txEffectClrLst/>
+  </dgm:styleLbl>
+  <dgm:styleLbl name="conFgAcc1">
+    <dgm:fillClrLst meth="repeat">
+      <a:schemeClr val="dk1">
+        <a:alpha val="90000"/>
+        <a:tint val="40000"/>
+      </a:schemeClr>
+    </dgm:fillClrLst>
+    <dgm:linClrLst meth="repeat">
+      <a:schemeClr val="dk1"/>
+    </dgm:linClrLst>
+    <dgm:effectClrLst/>
+    <dgm:txLinClrLst/>
+    <dgm:txFillClrLst meth="repeat">
+      <a:schemeClr val="dk1"/>
+    </dgm:txFillClrLst>
+    <dgm:txEffectClrLst/>
+  </dgm:styleLbl>
+  <dgm:styleLbl name="alignAcc1">
+    <dgm:fillClrLst meth="repeat">
+      <a:schemeClr val="dk1">
+        <a:alpha val="90000"/>
+        <a:tint val="40000"/>
+      </a:schemeClr>
+    </dgm:fillClrLst>
+    <dgm:linClrLst meth="repeat">
+      <a:schemeClr val="dk1"/>
+    </dgm:linClrLst>
+    <dgm:effectClrLst/>
+    <dgm:txLinClrLst/>
+    <dgm:txFillClrLst meth="repeat">
+      <a:schemeClr val="dk1"/>
+    </dgm:txFillClrLst>
+    <dgm:txEffectClrLst/>
+  </dgm:styleLbl>
+  <dgm:styleLbl name="trAlignAcc1">
+    <dgm:fillClrLst meth="repeat">
+      <a:schemeClr val="dk1">
+        <a:alpha val="40000"/>
+        <a:tint val="40000"/>
+      </a:schemeClr>
+    </dgm:fillClrLst>
+    <dgm:linClrLst meth="repeat">
+      <a:schemeClr val="dk1"/>
+    </dgm:linClrLst>
+    <dgm:effectClrLst/>
+    <dgm:txLinClrLst/>
+    <dgm:txFillClrLst meth="repeat">
+      <a:schemeClr val="dk1"/>
+    </dgm:txFillClrLst>
+    <dgm:txEffectClrLst/>
+  </dgm:styleLbl>
+  <dgm:styleLbl name="bgAcc1">
+    <dgm:fillClrLst meth="repeat">
+      <a:schemeClr val="dk1">
+        <a:alpha val="90000"/>
+        <a:tint val="40000"/>
+      </a:schemeClr>
+    </dgm:fillClrLst>
+    <dgm:linClrLst meth="repeat">
+      <a:schemeClr val="dk1"/>
+    </dgm:linClrLst>
+    <dgm:effectClrLst/>
+    <dgm:txLinClrLst/>
+    <dgm:txFillClrLst meth="repeat">
+      <a:schemeClr val="dk1"/>
+    </dgm:txFillClrLst>
+    <dgm:txEffectClrLst/>
+  </dgm:styleLbl>
+  <dgm:styleLbl name="solidFgAcc1">
+    <dgm:fillClrLst meth="repeat">
+      <a:schemeClr val="lt1"/>
+    </dgm:fillClrLst>
+    <dgm:linClrLst meth="repeat">
+      <a:schemeClr val="dk1"/>
+    </dgm:linClrLst>
+    <dgm:effectClrLst/>
+    <dgm:txLinClrLst/>
+    <dgm:txFillClrLst meth="repeat">
+      <a:schemeClr val="dk1"/>
+    </dgm:txFillClrLst>
+    <dgm:txEffectClrLst/>
+  </dgm:styleLbl>
+  <dgm:styleLbl name="solidAlignAcc1">
+    <dgm:fillClrLst meth="repeat">
+      <a:schemeClr val="lt1"/>
+    </dgm:fillClrLst>
+    <dgm:linClrLst meth="repeat">
+      <a:schemeClr val="dk1"/>
+    </dgm:linClrLst>
+    <dgm:effectClrLst/>
+    <dgm:txLinClrLst/>
+    <dgm:txFillClrLst meth="repeat">
+      <a:schemeClr val="dk1"/>
+    </dgm:txFillClrLst>
+    <dgm:txEffectClrLst/>
+  </dgm:styleLbl>
+  <dgm:styleLbl name="solidBgAcc1">
+    <dgm:fillClrLst meth="repeat">
+      <a:schemeClr val="lt1"/>
+    </dgm:fillClrLst>
+    <dgm:linClrLst meth="repeat">
+      <a:schemeClr val="dk1"/>
+    </dgm:linClrLst>
+    <dgm:effectClrLst/>
+    <dgm:txLinClrLst/>
+    <dgm:txFillClrLst meth="repeat">
+      <a:schemeClr val="dk1"/>
+    </dgm:txFillClrLst>
+    <dgm:txEffectClrLst/>
+  </dgm:styleLbl>
+  <dgm:styleLbl name="fgAccFollowNode1">
+    <dgm:fillClrLst meth="repeat">
+      <a:schemeClr val="lt1">
+        <a:alpha val="90000"/>
+        <a:tint val="40000"/>
+      </a:schemeClr>
+    </dgm:fillClrLst>
+    <dgm:linClrLst meth="repeat">
+      <a:schemeClr val="dk1">
+        <a:alpha val="90000"/>
+      </a:schemeClr>
+    </dgm:linClrLst>
+    <dgm:effectClrLst/>
+    <dgm:txLinClrLst/>
+    <dgm:txFillClrLst meth="repeat">
+      <a:schemeClr val="dk1"/>
+    </dgm:txFillClrLst>
+    <dgm:txEffectClrLst/>
+  </dgm:styleLbl>
+  <dgm:styleLbl name="alignAccFollowNode1">
+    <dgm:fillClrLst meth="repeat">
+      <a:schemeClr val="lt1">
+        <a:alpha val="90000"/>
+        <a:tint val="40000"/>
+      </a:schemeClr>
+    </dgm:fillClrLst>
+    <dgm:linClrLst meth="repeat">
+      <a:schemeClr val="dk1">
+        <a:alpha val="90000"/>
+      </a:schemeClr>
+    </dgm:linClrLst>
+    <dgm:effectClrLst/>
+    <dgm:txLinClrLst/>
+    <dgm:txFillClrLst meth="repeat">
+      <a:schemeClr val="dk1"/>
+    </dgm:txFillClrLst>
+    <dgm:txEffectClrLst/>
+  </dgm:styleLbl>
+  <dgm:styleLbl name="bgAccFollowNode1">
+    <dgm:fillClrLst meth="repeat">
+      <a:schemeClr val="lt1">
+        <a:alpha val="90000"/>
+        <a:tint val="40000"/>
+      </a:schemeClr>
+    </dgm:fillClrLst>
+    <dgm:linClrLst meth="repeat">
+      <a:schemeClr val="dk1">
+        <a:alpha val="90000"/>
+      </a:schemeClr>
+    </dgm:linClrLst>
+    <dgm:effectClrLst/>
+    <dgm:txLinClrLst/>
+    <dgm:txFillClrLst meth="repeat">
+      <a:schemeClr val="dk1"/>
+    </dgm:txFillClrLst>
+    <dgm:txEffectClrLst/>
+  </dgm:styleLbl>
+  <dgm:styleLbl name="fgAcc0">
+    <dgm:fillClrLst meth="repeat">
+      <a:schemeClr val="dk1">
+        <a:alpha val="90000"/>
+        <a:tint val="40000"/>
+      </a:schemeClr>
+    </dgm:fillClrLst>
+    <dgm:linClrLst meth="repeat">
+      <a:schemeClr val="dk1"/>
+    </dgm:linClrLst>
+    <dgm:effectClrLst/>
+    <dgm:txLinClrLst/>
+    <dgm:txFillClrLst meth="repeat">
+      <a:schemeClr val="dk1"/>
+    </dgm:txFillClrLst>
+    <dgm:txEffectClrLst/>
+  </dgm:styleLbl>
+  <dgm:styleLbl name="fgAcc2">
+    <dgm:fillClrLst meth="repeat">
+      <a:schemeClr val="dk1">
+        <a:alpha val="90000"/>
+        <a:tint val="40000"/>
+      </a:schemeClr>
+    </dgm:fillClrLst>
+    <dgm:linClrLst meth="repeat">
+      <a:schemeClr val="dk1"/>
+    </dgm:linClrLst>
+    <dgm:effectClrLst/>
+    <dgm:txLinClrLst/>
+    <dgm:txFillClrLst meth="repeat">
+      <a:schemeClr val="dk1"/>
+    </dgm:txFillClrLst>
+    <dgm:txEffectClrLst/>
+  </dgm:styleLbl>
+  <dgm:styleLbl name="fgAcc3">
+    <dgm:fillClrLst meth="repeat">
+      <a:schemeClr val="dk1">
+        <a:alpha val="90000"/>
+        <a:tint val="40000"/>
+      </a:schemeClr>
+    </dgm:fillClrLst>
+    <dgm:linClrLst meth="repeat">
+      <a:schemeClr val="dk1"/>
+    </dgm:linClrLst>
+    <dgm:effectClrLst/>
+    <dgm:txLinClrLst/>
+    <dgm:txFillClrLst meth="repeat">
+      <a:schemeClr val="dk1"/>
+    </dgm:txFillClrLst>
+    <dgm:txEffectClrLst/>
+  </dgm:styleLbl>
+  <dgm:styleLbl name="fgAcc4">
+    <dgm:fillClrLst meth="repeat">
+      <a:schemeClr val="dk1">
+        <a:alpha val="90000"/>
+        <a:tint val="40000"/>
+      </a:schemeClr>
+    </dgm:fillClrLst>
+    <dgm:linClrLst meth="repeat">
+      <a:schemeClr val="dk1"/>
+    </dgm:linClrLst>
+    <dgm:effectClrLst/>
+    <dgm:txLinClrLst/>
+    <dgm:txFillClrLst meth="repeat">
+      <a:schemeClr val="dk1"/>
+    </dgm:txFillClrLst>
+    <dgm:txEffectClrLst/>
+  </dgm:styleLbl>
+  <dgm:styleLbl name="bgShp">
+    <dgm:fillClrLst meth="repeat">
+      <a:schemeClr val="dk1">
+        <a:tint val="40000"/>
+      </a:schemeClr>
+    </dgm:fillClrLst>
+    <dgm:linClrLst meth="repeat">
+      <a:schemeClr val="dk1"/>
+    </dgm:linClrLst>
+    <dgm:effectClrLst/>
+    <dgm:txLinClrLst/>
+    <dgm:txFillClrLst meth="repeat">
+      <a:schemeClr val="dk1"/>
+    </dgm:txFillClrLst>
+    <dgm:txEffectClrLst/>
+  </dgm:styleLbl>
+  <dgm:styleLbl name="dkBgShp">
+    <dgm:fillClrLst meth="repeat">
+      <a:schemeClr val="dk1">
+        <a:shade val="80000"/>
+      </a:schemeClr>
+    </dgm:fillClrLst>
+    <dgm:linClrLst meth="repeat">
+      <a:schemeClr val="dk1"/>
+    </dgm:linClrLst>
+    <dgm:effectClrLst/>
+    <dgm:txLinClrLst/>
+    <dgm:txFillClrLst meth="repeat">
+      <a:schemeClr val="lt1"/>
+    </dgm:txFillClrLst>
+    <dgm:txEffectClrLst/>
+  </dgm:styleLbl>
+  <dgm:styleLbl name="trBgShp">
+    <dgm:fillClrLst meth="repeat">
+      <a:schemeClr val="dk1">
+        <a:tint val="50000"/>
+        <a:alpha val="40000"/>
+      </a:schemeClr>
+    </dgm:fillClrLst>
+    <dgm:linClrLst meth="repeat">
+      <a:schemeClr val="dk1"/>
+    </dgm:linClrLst>
+    <dgm:effectClrLst/>
+    <dgm:txLinClrLst/>
+    <dgm:txFillClrLst meth="repeat">
+      <a:schemeClr val="lt1"/>
+    </dgm:txFillClrLst>
+    <dgm:txEffectClrLst/>
+  </dgm:styleLbl>
+  <dgm:styleLbl name="fgShp">
+    <dgm:fillClrLst meth="repeat">
+      <a:schemeClr val="dk1">
+        <a:tint val="60000"/>
+      </a:schemeClr>
+    </dgm:fillClrLst>
+    <dgm:linClrLst meth="repeat">
+      <a:schemeClr val="lt1"/>
+    </dgm:linClrLst>
+    <dgm:effectClrLst/>
+    <dgm:txLinClrLst/>
+    <dgm:txFillClrLst meth="repeat">
+      <a:schemeClr val="dk1"/>
+    </dgm:txFillClrLst>
+    <dgm:txEffectClrLst/>
+  </dgm:styleLbl>
+  <dgm:styleLbl name="revTx">
+    <dgm:fillClrLst meth="repeat">
+      <a:schemeClr val="lt1">
+        <a:alpha val="0"/>
+      </a:schemeClr>
+    </dgm:fillClrLst>
+    <dgm:linClrLst meth="repeat">
+      <a:schemeClr val="dk1">
+        <a:alpha val="0"/>
+      </a:schemeClr>
+    </dgm:linClrLst>
+    <dgm:effectClrLst/>
+    <dgm:txLinClrLst/>
+    <dgm:txFillClrLst meth="repeat">
+      <a:schemeClr val="tx1"/>
+    </dgm:txFillClrLst>
+    <dgm:txEffectClrLst/>
+  </dgm:styleLbl>
+</dgm:colorsDef>
+</file>
+
+<file path=ppt/diagrams/data1.xml><?xml version="1.0" encoding="utf-8"?>
+<dgm:dataModel xmlns:dgm="http://schemas.openxmlformats.org/drawingml/2006/diagram" xmlns:a="http://schemas.openxmlformats.org/drawingml/2006/main">
+  <dgm:ptLst>
+    <dgm:pt modelId="{0FC7C952-0B94-4665-A9F3-8AE3C567FDA6}" type="doc">
+      <dgm:prSet loTypeId="urn:microsoft.com/office/officeart/2008/layout/NameandTitleOrganizationalChart" loCatId="hierarchy" qsTypeId="urn:microsoft.com/office/officeart/2005/8/quickstyle/simple1" qsCatId="simple" csTypeId="urn:microsoft.com/office/officeart/2005/8/colors/accent0_1" csCatId="mainScheme" phldr="1"/>
+      <dgm:spPr/>
+      <dgm:t>
+        <a:bodyPr/>
+        <a:lstStyle/>
+        <a:p>
+          <a:endParaRPr kumimoji="1" lang="ja-JP" altLang="en-US"/>
+        </a:p>
+      </dgm:t>
+    </dgm:pt>
+    <dgm:pt modelId="{8EF25710-4762-4C93-980C-CEFB96B1690F}">
+      <dgm:prSet phldrT="[テキスト]"/>
+      <dgm:spPr/>
+      <dgm:t>
+        <a:bodyPr/>
+        <a:lstStyle/>
+        <a:p>
+          <a:r>
+            <a:rPr kumimoji="1" lang="ja-JP" altLang="en-US" dirty="0"/>
+            <a:t>プロジェクト責任者</a:t>
+          </a:r>
+        </a:p>
+      </dgm:t>
+    </dgm:pt>
+    <dgm:pt modelId="{32BC47DD-EE7D-4633-ABAF-CC4147C805AD}" type="parTrans" cxnId="{DF5CEC85-BB2B-472B-B8E8-B55C85BB1AA1}">
+      <dgm:prSet/>
+      <dgm:spPr/>
+      <dgm:t>
+        <a:bodyPr/>
+        <a:lstStyle/>
+        <a:p>
+          <a:endParaRPr kumimoji="1" lang="ja-JP" altLang="en-US"/>
+        </a:p>
+      </dgm:t>
+    </dgm:pt>
+    <dgm:pt modelId="{AFDB26A8-9566-431F-B588-13410D4CD040}" type="sibTrans" cxnId="{DF5CEC85-BB2B-472B-B8E8-B55C85BB1AA1}">
+      <dgm:prSet/>
+      <dgm:spPr/>
+      <dgm:t>
+        <a:bodyPr/>
+        <a:lstStyle/>
+        <a:p>
+          <a:r>
+            <a:rPr kumimoji="1" lang="ja-JP" altLang="en-US"/>
+            <a:t>星野 圭亮</a:t>
+          </a:r>
+          <a:endParaRPr kumimoji="1" lang="en-US" altLang="ja-JP"/>
+        </a:p>
+      </dgm:t>
+    </dgm:pt>
+    <dgm:pt modelId="{70058033-2E0C-4A99-A445-C78A34C4D23A}" type="asst">
+      <dgm:prSet phldrT="[テキスト]"/>
+      <dgm:spPr/>
+      <dgm:t>
+        <a:bodyPr/>
+        <a:lstStyle/>
+        <a:p>
+          <a:r>
+            <a:rPr kumimoji="1" lang="ja-JP" altLang="en-US"/>
+            <a:t>プロジェクトリーダー</a:t>
+          </a:r>
+        </a:p>
+      </dgm:t>
+    </dgm:pt>
+    <dgm:pt modelId="{07D46927-CE79-490F-8A99-13BDC1FD4532}" type="parTrans" cxnId="{C4986D7E-871C-4A40-8CD7-AF151459EE94}">
+      <dgm:prSet/>
+      <dgm:spPr/>
+      <dgm:t>
+        <a:bodyPr/>
+        <a:lstStyle/>
+        <a:p>
+          <a:endParaRPr kumimoji="1" lang="ja-JP" altLang="en-US"/>
+        </a:p>
+      </dgm:t>
+    </dgm:pt>
+    <dgm:pt modelId="{6AE5AC3A-D5F3-40A3-B2B6-B2BC4B05AC62}" type="sibTrans" cxnId="{C4986D7E-871C-4A40-8CD7-AF151459EE94}">
+      <dgm:prSet/>
+      <dgm:spPr/>
+      <dgm:t>
+        <a:bodyPr/>
+        <a:lstStyle/>
+        <a:p>
+          <a:r>
+            <a:rPr kumimoji="1" lang="ja-JP" altLang="en-US"/>
+            <a:t>駒木 康宏</a:t>
+          </a:r>
+        </a:p>
+      </dgm:t>
+    </dgm:pt>
+    <dgm:pt modelId="{B4BF54C7-FC88-4908-A2C5-559CF4E6426C}">
+      <dgm:prSet phldrT="[テキスト]"/>
+      <dgm:spPr/>
+      <dgm:t>
+        <a:bodyPr/>
+        <a:lstStyle/>
+        <a:p>
+          <a:r>
+            <a:rPr kumimoji="1" lang="ja-JP" altLang="en-US"/>
+            <a:t>プロジェクトサブリーダー</a:t>
+          </a:r>
+        </a:p>
+      </dgm:t>
+    </dgm:pt>
+    <dgm:pt modelId="{09018E6E-6FDF-4293-BAAF-59CAA8ABF8BC}" type="parTrans" cxnId="{FD86DF7B-99A3-458B-84F3-DB8EB15A7AE1}">
+      <dgm:prSet/>
+      <dgm:spPr/>
+      <dgm:t>
+        <a:bodyPr/>
+        <a:lstStyle/>
+        <a:p>
+          <a:endParaRPr kumimoji="1" lang="ja-JP" altLang="en-US"/>
+        </a:p>
+      </dgm:t>
+    </dgm:pt>
+    <dgm:pt modelId="{A2CE8965-7BCE-44A0-9B2B-395BBB8711E7}" type="sibTrans" cxnId="{FD86DF7B-99A3-458B-84F3-DB8EB15A7AE1}">
+      <dgm:prSet/>
+      <dgm:spPr/>
+      <dgm:t>
+        <a:bodyPr/>
+        <a:lstStyle/>
+        <a:p>
+          <a:r>
+            <a:rPr kumimoji="1" lang="ja-JP" altLang="en-US"/>
+            <a:t>越 貴章</a:t>
+          </a:r>
+        </a:p>
+      </dgm:t>
+    </dgm:pt>
+    <dgm:pt modelId="{1E8051FD-E4B4-4466-8701-977057190B71}">
+      <dgm:prSet phldrT="[テキスト]"/>
+      <dgm:spPr/>
+      <dgm:t>
+        <a:bodyPr/>
+        <a:lstStyle/>
+        <a:p>
+          <a:r>
+            <a:rPr kumimoji="1" lang="ja-JP" altLang="en-US"/>
+            <a:t>テクニカル</a:t>
+          </a:r>
+          <a:r>
+            <a:rPr kumimoji="1" lang="en-US" altLang="ja-JP"/>
+            <a:t/>
+          </a:r>
+          <a:br>
+            <a:rPr kumimoji="1" lang="en-US" altLang="ja-JP"/>
+          </a:br>
+          <a:r>
+            <a:rPr kumimoji="1" lang="ja-JP" altLang="en-US"/>
+            <a:t>リーダー</a:t>
+          </a:r>
+        </a:p>
+      </dgm:t>
+    </dgm:pt>
+    <dgm:pt modelId="{B51AF3D4-AE25-4105-BE1C-27401F4B155D}" type="parTrans" cxnId="{BDB970CB-FA55-414F-B3D4-DA159B9F71A0}">
+      <dgm:prSet/>
+      <dgm:spPr/>
+      <dgm:t>
+        <a:bodyPr/>
+        <a:lstStyle/>
+        <a:p>
+          <a:endParaRPr kumimoji="1" lang="ja-JP" altLang="en-US"/>
+        </a:p>
+      </dgm:t>
+    </dgm:pt>
+    <dgm:pt modelId="{5069AA8F-5A0E-449D-ADE9-04941A082A9C}" type="sibTrans" cxnId="{BDB970CB-FA55-414F-B3D4-DA159B9F71A0}">
+      <dgm:prSet/>
+      <dgm:spPr/>
+      <dgm:t>
+        <a:bodyPr/>
+        <a:lstStyle/>
+        <a:p>
+          <a:r>
+            <a:rPr kumimoji="1" lang="ja-JP" altLang="en-US"/>
+            <a:t>ムン アヒョン</a:t>
+          </a:r>
+        </a:p>
+      </dgm:t>
+    </dgm:pt>
+    <dgm:pt modelId="{E2FDA2D0-ABF6-427C-A9EB-0A76B7D559F5}">
+      <dgm:prSet phldrT="[テキスト]"/>
+      <dgm:spPr/>
+      <dgm:t>
+        <a:bodyPr/>
+        <a:lstStyle/>
+        <a:p>
+          <a:r>
+            <a:rPr kumimoji="1" lang="ja-JP" altLang="en-US"/>
+            <a:t>ライブラリ</a:t>
+          </a:r>
+          <a:r>
+            <a:rPr kumimoji="1" lang="en-US" altLang="ja-JP"/>
+            <a:t/>
+          </a:r>
+          <a:br>
+            <a:rPr kumimoji="1" lang="en-US" altLang="ja-JP"/>
+          </a:br>
+          <a:r>
+            <a:rPr kumimoji="1" lang="ja-JP" altLang="en-US"/>
+            <a:t>リーダー</a:t>
+          </a:r>
+        </a:p>
+      </dgm:t>
+    </dgm:pt>
+    <dgm:pt modelId="{6D3803EF-AB96-48BD-9350-667F13CC3121}" type="parTrans" cxnId="{3C401597-0E09-4EE3-93AB-274D262341DA}">
+      <dgm:prSet/>
+      <dgm:spPr/>
+      <dgm:t>
+        <a:bodyPr/>
+        <a:lstStyle/>
+        <a:p>
+          <a:endParaRPr kumimoji="1" lang="ja-JP" altLang="en-US"/>
+        </a:p>
+      </dgm:t>
+    </dgm:pt>
+    <dgm:pt modelId="{9BED3299-3A18-47AD-9189-AC067E841BDA}" type="sibTrans" cxnId="{3C401597-0E09-4EE3-93AB-274D262341DA}">
+      <dgm:prSet/>
+      <dgm:spPr/>
+      <dgm:t>
+        <a:bodyPr/>
+        <a:lstStyle/>
+        <a:p>
+          <a:r>
+            <a:rPr kumimoji="1" lang="ja-JP" altLang="en-US"/>
+            <a:t>鳥海 大海</a:t>
+          </a:r>
+        </a:p>
+      </dgm:t>
+    </dgm:pt>
+    <dgm:pt modelId="{810ACD85-898A-4598-8EE3-E6A5D4E9C4AA}">
+      <dgm:prSet phldrT="[テキスト]"/>
+      <dgm:spPr/>
+      <dgm:t>
+        <a:bodyPr/>
+        <a:lstStyle/>
+        <a:p>
+          <a:r>
+            <a:rPr kumimoji="1" lang="ja-JP" altLang="en-US"/>
+            <a:t>品質管理</a:t>
+          </a:r>
+        </a:p>
+      </dgm:t>
+    </dgm:pt>
+    <dgm:pt modelId="{9AB78B8D-49A2-4491-9356-563BB55E7519}" type="parTrans" cxnId="{67248A6B-CC12-412D-8A17-0E4D4E2F6A7F}">
+      <dgm:prSet/>
+      <dgm:spPr/>
+      <dgm:t>
+        <a:bodyPr/>
+        <a:lstStyle/>
+        <a:p>
+          <a:endParaRPr kumimoji="1" lang="ja-JP" altLang="en-US"/>
+        </a:p>
+      </dgm:t>
+    </dgm:pt>
+    <dgm:pt modelId="{37777D4E-7062-40E3-BFF0-FEEAE2E104B4}" type="sibTrans" cxnId="{67248A6B-CC12-412D-8A17-0E4D4E2F6A7F}">
+      <dgm:prSet/>
+      <dgm:spPr/>
+      <dgm:t>
+        <a:bodyPr/>
+        <a:lstStyle/>
+        <a:p>
+          <a:r>
+            <a:rPr kumimoji="1" lang="ja-JP" altLang="en-US"/>
+            <a:t>香川 遼太</a:t>
+          </a:r>
+        </a:p>
+      </dgm:t>
+    </dgm:pt>
+    <dgm:pt modelId="{6E780426-7388-48CA-A2B7-99464D1BD285}" type="pres">
+      <dgm:prSet presAssocID="{0FC7C952-0B94-4665-A9F3-8AE3C567FDA6}" presName="hierChild1" presStyleCnt="0">
+        <dgm:presLayoutVars>
+          <dgm:orgChart val="1"/>
+          <dgm:chPref val="1"/>
+          <dgm:dir/>
+          <dgm:animOne val="branch"/>
+          <dgm:animLvl val="lvl"/>
+          <dgm:resizeHandles/>
+        </dgm:presLayoutVars>
+      </dgm:prSet>
+      <dgm:spPr/>
+      <dgm:t>
+        <a:bodyPr/>
+        <a:lstStyle/>
+        <a:p>
+          <a:endParaRPr kumimoji="1" lang="ja-JP" altLang="en-US"/>
+        </a:p>
+      </dgm:t>
+    </dgm:pt>
+    <dgm:pt modelId="{FA21EA4B-462A-4C99-8CDA-876BE5122513}" type="pres">
+      <dgm:prSet presAssocID="{8EF25710-4762-4C93-980C-CEFB96B1690F}" presName="hierRoot1" presStyleCnt="0">
+        <dgm:presLayoutVars>
+          <dgm:hierBranch val="init"/>
+        </dgm:presLayoutVars>
+      </dgm:prSet>
+      <dgm:spPr/>
+      <dgm:t>
+        <a:bodyPr/>
+        <a:lstStyle/>
+        <a:p>
+          <a:endParaRPr kumimoji="1" lang="ja-JP" altLang="en-US"/>
+        </a:p>
+      </dgm:t>
+    </dgm:pt>
+    <dgm:pt modelId="{238BC89C-8CEB-4FDE-9330-F680B59130FC}" type="pres">
+      <dgm:prSet presAssocID="{8EF25710-4762-4C93-980C-CEFB96B1690F}" presName="rootComposite1" presStyleCnt="0"/>
+      <dgm:spPr/>
+      <dgm:t>
+        <a:bodyPr/>
+        <a:lstStyle/>
+        <a:p>
+          <a:endParaRPr kumimoji="1" lang="ja-JP" altLang="en-US"/>
+        </a:p>
+      </dgm:t>
+    </dgm:pt>
+    <dgm:pt modelId="{AC10FA49-5CFE-44D4-88FE-FDD71266B81A}" type="pres">
+      <dgm:prSet presAssocID="{8EF25710-4762-4C93-980C-CEFB96B1690F}" presName="rootText1" presStyleLbl="node0" presStyleIdx="0" presStyleCnt="1">
+        <dgm:presLayoutVars>
+          <dgm:chMax/>
+          <dgm:chPref val="3"/>
+        </dgm:presLayoutVars>
+      </dgm:prSet>
+      <dgm:spPr/>
+      <dgm:t>
+        <a:bodyPr/>
+        <a:lstStyle/>
+        <a:p>
+          <a:endParaRPr kumimoji="1" lang="ja-JP" altLang="en-US"/>
+        </a:p>
+      </dgm:t>
+    </dgm:pt>
+    <dgm:pt modelId="{24FF90D0-4482-4A15-BDDE-C29A6433E6E2}" type="pres">
+      <dgm:prSet presAssocID="{8EF25710-4762-4C93-980C-CEFB96B1690F}" presName="titleText1" presStyleLbl="fgAcc0" presStyleIdx="0" presStyleCnt="1">
+        <dgm:presLayoutVars>
+          <dgm:chMax val="0"/>
+          <dgm:chPref val="0"/>
+        </dgm:presLayoutVars>
+      </dgm:prSet>
+      <dgm:spPr/>
+      <dgm:t>
+        <a:bodyPr/>
+        <a:lstStyle/>
+        <a:p>
+          <a:endParaRPr kumimoji="1" lang="ja-JP" altLang="en-US"/>
+        </a:p>
+      </dgm:t>
+    </dgm:pt>
+    <dgm:pt modelId="{3E5F1458-F3C2-447A-8B60-9A0E059BD2BF}" type="pres">
+      <dgm:prSet presAssocID="{8EF25710-4762-4C93-980C-CEFB96B1690F}" presName="rootConnector1" presStyleLbl="node1" presStyleIdx="0" presStyleCnt="4"/>
+      <dgm:spPr/>
+      <dgm:t>
+        <a:bodyPr/>
+        <a:lstStyle/>
+        <a:p>
+          <a:endParaRPr kumimoji="1" lang="ja-JP" altLang="en-US"/>
+        </a:p>
+      </dgm:t>
+    </dgm:pt>
+    <dgm:pt modelId="{0DD87EFB-551F-4B11-9D7B-2CB9A0328738}" type="pres">
+      <dgm:prSet presAssocID="{8EF25710-4762-4C93-980C-CEFB96B1690F}" presName="hierChild2" presStyleCnt="0"/>
+      <dgm:spPr/>
+      <dgm:t>
+        <a:bodyPr/>
+        <a:lstStyle/>
+        <a:p>
+          <a:endParaRPr kumimoji="1" lang="ja-JP" altLang="en-US"/>
+        </a:p>
+      </dgm:t>
+    </dgm:pt>
+    <dgm:pt modelId="{BD452632-A25A-46FE-8690-ED19D933D1C4}" type="pres">
+      <dgm:prSet presAssocID="{09018E6E-6FDF-4293-BAAF-59CAA8ABF8BC}" presName="Name37" presStyleLbl="parChTrans1D2" presStyleIdx="0" presStyleCnt="5"/>
+      <dgm:spPr/>
+      <dgm:t>
+        <a:bodyPr/>
+        <a:lstStyle/>
+        <a:p>
+          <a:endParaRPr kumimoji="1" lang="ja-JP" altLang="en-US"/>
+        </a:p>
+      </dgm:t>
+    </dgm:pt>
+    <dgm:pt modelId="{8F579B91-5136-439A-9D6B-641793EEBC97}" type="pres">
+      <dgm:prSet presAssocID="{B4BF54C7-FC88-4908-A2C5-559CF4E6426C}" presName="hierRoot2" presStyleCnt="0">
+        <dgm:presLayoutVars>
+          <dgm:hierBranch val="init"/>
+        </dgm:presLayoutVars>
+      </dgm:prSet>
+      <dgm:spPr/>
+      <dgm:t>
+        <a:bodyPr/>
+        <a:lstStyle/>
+        <a:p>
+          <a:endParaRPr kumimoji="1" lang="ja-JP" altLang="en-US"/>
+        </a:p>
+      </dgm:t>
+    </dgm:pt>
+    <dgm:pt modelId="{7AAA2233-EFFA-4110-99FF-A2FA4918FF09}" type="pres">
+      <dgm:prSet presAssocID="{B4BF54C7-FC88-4908-A2C5-559CF4E6426C}" presName="rootComposite" presStyleCnt="0"/>
+      <dgm:spPr/>
+      <dgm:t>
+        <a:bodyPr/>
+        <a:lstStyle/>
+        <a:p>
+          <a:endParaRPr kumimoji="1" lang="ja-JP" altLang="en-US"/>
+        </a:p>
+      </dgm:t>
+    </dgm:pt>
+    <dgm:pt modelId="{BF1EA690-780A-44C3-9D1D-1D757C3BA9AF}" type="pres">
+      <dgm:prSet presAssocID="{B4BF54C7-FC88-4908-A2C5-559CF4E6426C}" presName="rootText" presStyleLbl="node1" presStyleIdx="0" presStyleCnt="4">
+        <dgm:presLayoutVars>
+          <dgm:chMax/>
+          <dgm:chPref val="3"/>
+        </dgm:presLayoutVars>
+      </dgm:prSet>
+      <dgm:spPr/>
+      <dgm:t>
+        <a:bodyPr/>
+        <a:lstStyle/>
+        <a:p>
+          <a:endParaRPr kumimoji="1" lang="ja-JP" altLang="en-US"/>
+        </a:p>
+      </dgm:t>
+    </dgm:pt>
+    <dgm:pt modelId="{CC473E9B-CEDB-4D69-948D-F3C81E0ACF84}" type="pres">
+      <dgm:prSet presAssocID="{B4BF54C7-FC88-4908-A2C5-559CF4E6426C}" presName="titleText2" presStyleLbl="fgAcc1" presStyleIdx="0" presStyleCnt="4">
+        <dgm:presLayoutVars>
+          <dgm:chMax val="0"/>
+          <dgm:chPref val="0"/>
+        </dgm:presLayoutVars>
+      </dgm:prSet>
+      <dgm:spPr/>
+      <dgm:t>
+        <a:bodyPr/>
+        <a:lstStyle/>
+        <a:p>
+          <a:endParaRPr kumimoji="1" lang="ja-JP" altLang="en-US"/>
+        </a:p>
+      </dgm:t>
+    </dgm:pt>
+    <dgm:pt modelId="{8FFF5A0C-D89E-4B6E-B1A4-FDD695D4649C}" type="pres">
+      <dgm:prSet presAssocID="{B4BF54C7-FC88-4908-A2C5-559CF4E6426C}" presName="rootConnector" presStyleLbl="node2" presStyleIdx="0" presStyleCnt="0"/>
+      <dgm:spPr/>
+      <dgm:t>
+        <a:bodyPr/>
+        <a:lstStyle/>
+        <a:p>
+          <a:endParaRPr kumimoji="1" lang="ja-JP" altLang="en-US"/>
+        </a:p>
+      </dgm:t>
+    </dgm:pt>
+    <dgm:pt modelId="{9F49B73D-5F09-4264-9577-192DA4F2381E}" type="pres">
+      <dgm:prSet presAssocID="{B4BF54C7-FC88-4908-A2C5-559CF4E6426C}" presName="hierChild4" presStyleCnt="0"/>
+      <dgm:spPr/>
+      <dgm:t>
+        <a:bodyPr/>
+        <a:lstStyle/>
+        <a:p>
+          <a:endParaRPr kumimoji="1" lang="ja-JP" altLang="en-US"/>
+        </a:p>
+      </dgm:t>
+    </dgm:pt>
+    <dgm:pt modelId="{200A702B-C231-42BC-AB9B-A673F5CD7B04}" type="pres">
+      <dgm:prSet presAssocID="{B4BF54C7-FC88-4908-A2C5-559CF4E6426C}" presName="hierChild5" presStyleCnt="0"/>
+      <dgm:spPr/>
+      <dgm:t>
+        <a:bodyPr/>
+        <a:lstStyle/>
+        <a:p>
+          <a:endParaRPr kumimoji="1" lang="ja-JP" altLang="en-US"/>
+        </a:p>
+      </dgm:t>
+    </dgm:pt>
+    <dgm:pt modelId="{BA0D3B27-D8D2-459F-BC3A-835125273025}" type="pres">
+      <dgm:prSet presAssocID="{B51AF3D4-AE25-4105-BE1C-27401F4B155D}" presName="Name37" presStyleLbl="parChTrans1D2" presStyleIdx="1" presStyleCnt="5"/>
+      <dgm:spPr/>
+      <dgm:t>
+        <a:bodyPr/>
+        <a:lstStyle/>
+        <a:p>
+          <a:endParaRPr kumimoji="1" lang="ja-JP" altLang="en-US"/>
+        </a:p>
+      </dgm:t>
+    </dgm:pt>
+    <dgm:pt modelId="{072C6810-538A-48C0-8A82-D6621FB7F362}" type="pres">
+      <dgm:prSet presAssocID="{1E8051FD-E4B4-4466-8701-977057190B71}" presName="hierRoot2" presStyleCnt="0">
+        <dgm:presLayoutVars>
+          <dgm:hierBranch val="init"/>
+        </dgm:presLayoutVars>
+      </dgm:prSet>
+      <dgm:spPr/>
+      <dgm:t>
+        <a:bodyPr/>
+        <a:lstStyle/>
+        <a:p>
+          <a:endParaRPr kumimoji="1" lang="ja-JP" altLang="en-US"/>
+        </a:p>
+      </dgm:t>
+    </dgm:pt>
+    <dgm:pt modelId="{DCF45E16-CCA2-4DAD-B619-83FB25C22847}" type="pres">
+      <dgm:prSet presAssocID="{1E8051FD-E4B4-4466-8701-977057190B71}" presName="rootComposite" presStyleCnt="0"/>
+      <dgm:spPr/>
+      <dgm:t>
+        <a:bodyPr/>
+        <a:lstStyle/>
+        <a:p>
+          <a:endParaRPr kumimoji="1" lang="ja-JP" altLang="en-US"/>
+        </a:p>
+      </dgm:t>
+    </dgm:pt>
+    <dgm:pt modelId="{936B8E1C-AE89-470A-9370-0F5C9FAA8B98}" type="pres">
+      <dgm:prSet presAssocID="{1E8051FD-E4B4-4466-8701-977057190B71}" presName="rootText" presStyleLbl="node1" presStyleIdx="1" presStyleCnt="4">
+        <dgm:presLayoutVars>
+          <dgm:chMax/>
+          <dgm:chPref val="3"/>
+        </dgm:presLayoutVars>
+      </dgm:prSet>
+      <dgm:spPr/>
+      <dgm:t>
+        <a:bodyPr/>
+        <a:lstStyle/>
+        <a:p>
+          <a:endParaRPr kumimoji="1" lang="ja-JP" altLang="en-US"/>
+        </a:p>
+      </dgm:t>
+    </dgm:pt>
+    <dgm:pt modelId="{D19A578E-A245-414A-9C62-15D37D814853}" type="pres">
+      <dgm:prSet presAssocID="{1E8051FD-E4B4-4466-8701-977057190B71}" presName="titleText2" presStyleLbl="fgAcc1" presStyleIdx="1" presStyleCnt="4">
+        <dgm:presLayoutVars>
+          <dgm:chMax val="0"/>
+          <dgm:chPref val="0"/>
+        </dgm:presLayoutVars>
+      </dgm:prSet>
+      <dgm:spPr/>
+      <dgm:t>
+        <a:bodyPr/>
+        <a:lstStyle/>
+        <a:p>
+          <a:endParaRPr kumimoji="1" lang="ja-JP" altLang="en-US"/>
+        </a:p>
+      </dgm:t>
+    </dgm:pt>
+    <dgm:pt modelId="{DCB15E52-79E8-491A-AE3B-1B49B6695ABF}" type="pres">
+      <dgm:prSet presAssocID="{1E8051FD-E4B4-4466-8701-977057190B71}" presName="rootConnector" presStyleLbl="node2" presStyleIdx="0" presStyleCnt="0"/>
+      <dgm:spPr/>
+      <dgm:t>
+        <a:bodyPr/>
+        <a:lstStyle/>
+        <a:p>
+          <a:endParaRPr kumimoji="1" lang="ja-JP" altLang="en-US"/>
+        </a:p>
+      </dgm:t>
+    </dgm:pt>
+    <dgm:pt modelId="{40494542-2771-4086-8CF6-434DB12C6218}" type="pres">
+      <dgm:prSet presAssocID="{1E8051FD-E4B4-4466-8701-977057190B71}" presName="hierChild4" presStyleCnt="0"/>
+      <dgm:spPr/>
+      <dgm:t>
+        <a:bodyPr/>
+        <a:lstStyle/>
+        <a:p>
+          <a:endParaRPr kumimoji="1" lang="ja-JP" altLang="en-US"/>
+        </a:p>
+      </dgm:t>
+    </dgm:pt>
+    <dgm:pt modelId="{71D0E2A5-3946-4212-8DF8-5ADD0DBD7E32}" type="pres">
+      <dgm:prSet presAssocID="{1E8051FD-E4B4-4466-8701-977057190B71}" presName="hierChild5" presStyleCnt="0"/>
+      <dgm:spPr/>
+      <dgm:t>
+        <a:bodyPr/>
+        <a:lstStyle/>
+        <a:p>
+          <a:endParaRPr kumimoji="1" lang="ja-JP" altLang="en-US"/>
+        </a:p>
+      </dgm:t>
+    </dgm:pt>
+    <dgm:pt modelId="{8C926603-2224-44F7-95F7-61A92CB501D1}" type="pres">
+      <dgm:prSet presAssocID="{9AB78B8D-49A2-4491-9356-563BB55E7519}" presName="Name37" presStyleLbl="parChTrans1D2" presStyleIdx="2" presStyleCnt="5"/>
+      <dgm:spPr/>
+      <dgm:t>
+        <a:bodyPr/>
+        <a:lstStyle/>
+        <a:p>
+          <a:endParaRPr kumimoji="1" lang="ja-JP" altLang="en-US"/>
+        </a:p>
+      </dgm:t>
+    </dgm:pt>
+    <dgm:pt modelId="{68F123F5-DF2C-4048-8DB6-0009C5A96276}" type="pres">
+      <dgm:prSet presAssocID="{810ACD85-898A-4598-8EE3-E6A5D4E9C4AA}" presName="hierRoot2" presStyleCnt="0">
+        <dgm:presLayoutVars>
+          <dgm:hierBranch val="init"/>
+        </dgm:presLayoutVars>
+      </dgm:prSet>
+      <dgm:spPr/>
+      <dgm:t>
+        <a:bodyPr/>
+        <a:lstStyle/>
+        <a:p>
+          <a:endParaRPr kumimoji="1" lang="ja-JP" altLang="en-US"/>
+        </a:p>
+      </dgm:t>
+    </dgm:pt>
+    <dgm:pt modelId="{D7855712-2866-4384-A385-249F7C5A3C1B}" type="pres">
+      <dgm:prSet presAssocID="{810ACD85-898A-4598-8EE3-E6A5D4E9C4AA}" presName="rootComposite" presStyleCnt="0"/>
+      <dgm:spPr/>
+      <dgm:t>
+        <a:bodyPr/>
+        <a:lstStyle/>
+        <a:p>
+          <a:endParaRPr kumimoji="1" lang="ja-JP" altLang="en-US"/>
+        </a:p>
+      </dgm:t>
+    </dgm:pt>
+    <dgm:pt modelId="{AE333CCA-9B6A-42D1-895E-DE6FBFD2DB96}" type="pres">
+      <dgm:prSet presAssocID="{810ACD85-898A-4598-8EE3-E6A5D4E9C4AA}" presName="rootText" presStyleLbl="node1" presStyleIdx="2" presStyleCnt="4">
+        <dgm:presLayoutVars>
+          <dgm:chMax/>
+          <dgm:chPref val="3"/>
+        </dgm:presLayoutVars>
+      </dgm:prSet>
+      <dgm:spPr/>
+      <dgm:t>
+        <a:bodyPr/>
+        <a:lstStyle/>
+        <a:p>
+          <a:endParaRPr kumimoji="1" lang="ja-JP" altLang="en-US"/>
+        </a:p>
+      </dgm:t>
+    </dgm:pt>
+    <dgm:pt modelId="{8508A163-ABFD-4730-893E-600790472B4F}" type="pres">
+      <dgm:prSet presAssocID="{810ACD85-898A-4598-8EE3-E6A5D4E9C4AA}" presName="titleText2" presStyleLbl="fgAcc1" presStyleIdx="2" presStyleCnt="4">
+        <dgm:presLayoutVars>
+          <dgm:chMax val="0"/>
+          <dgm:chPref val="0"/>
+        </dgm:presLayoutVars>
+      </dgm:prSet>
+      <dgm:spPr/>
+      <dgm:t>
+        <a:bodyPr/>
+        <a:lstStyle/>
+        <a:p>
+          <a:endParaRPr kumimoji="1" lang="ja-JP" altLang="en-US"/>
+        </a:p>
+      </dgm:t>
+    </dgm:pt>
+    <dgm:pt modelId="{D1F46193-4C90-40E4-BF62-3EBF4EB4629A}" type="pres">
+      <dgm:prSet presAssocID="{810ACD85-898A-4598-8EE3-E6A5D4E9C4AA}" presName="rootConnector" presStyleLbl="node2" presStyleIdx="0" presStyleCnt="0"/>
+      <dgm:spPr/>
+      <dgm:t>
+        <a:bodyPr/>
+        <a:lstStyle/>
+        <a:p>
+          <a:endParaRPr kumimoji="1" lang="ja-JP" altLang="en-US"/>
+        </a:p>
+      </dgm:t>
+    </dgm:pt>
+    <dgm:pt modelId="{3D86329C-FF19-4A30-8247-D410473C7669}" type="pres">
+      <dgm:prSet presAssocID="{810ACD85-898A-4598-8EE3-E6A5D4E9C4AA}" presName="hierChild4" presStyleCnt="0"/>
+      <dgm:spPr/>
+      <dgm:t>
+        <a:bodyPr/>
+        <a:lstStyle/>
+        <a:p>
+          <a:endParaRPr kumimoji="1" lang="ja-JP" altLang="en-US"/>
+        </a:p>
+      </dgm:t>
+    </dgm:pt>
+    <dgm:pt modelId="{6D6EA0D6-E9FE-4BC5-A811-57DC471D6EB3}" type="pres">
+      <dgm:prSet presAssocID="{810ACD85-898A-4598-8EE3-E6A5D4E9C4AA}" presName="hierChild5" presStyleCnt="0"/>
+      <dgm:spPr/>
+      <dgm:t>
+        <a:bodyPr/>
+        <a:lstStyle/>
+        <a:p>
+          <a:endParaRPr kumimoji="1" lang="ja-JP" altLang="en-US"/>
+        </a:p>
+      </dgm:t>
+    </dgm:pt>
+    <dgm:pt modelId="{3666D745-93E6-4ABF-95B9-94E0C678F32D}" type="pres">
+      <dgm:prSet presAssocID="{6D3803EF-AB96-48BD-9350-667F13CC3121}" presName="Name37" presStyleLbl="parChTrans1D2" presStyleIdx="3" presStyleCnt="5"/>
+      <dgm:spPr/>
+      <dgm:t>
+        <a:bodyPr/>
+        <a:lstStyle/>
+        <a:p>
+          <a:endParaRPr kumimoji="1" lang="ja-JP" altLang="en-US"/>
+        </a:p>
+      </dgm:t>
+    </dgm:pt>
+    <dgm:pt modelId="{77EA4D23-CFEC-4A54-ADD8-4FD33F3DA37C}" type="pres">
+      <dgm:prSet presAssocID="{E2FDA2D0-ABF6-427C-A9EB-0A76B7D559F5}" presName="hierRoot2" presStyleCnt="0">
+        <dgm:presLayoutVars>
+          <dgm:hierBranch val="init"/>
+        </dgm:presLayoutVars>
+      </dgm:prSet>
+      <dgm:spPr/>
+      <dgm:t>
+        <a:bodyPr/>
+        <a:lstStyle/>
+        <a:p>
+          <a:endParaRPr kumimoji="1" lang="ja-JP" altLang="en-US"/>
+        </a:p>
+      </dgm:t>
+    </dgm:pt>
+    <dgm:pt modelId="{63EA7EF9-2486-495C-B1A4-F06CDD0EE590}" type="pres">
+      <dgm:prSet presAssocID="{E2FDA2D0-ABF6-427C-A9EB-0A76B7D559F5}" presName="rootComposite" presStyleCnt="0"/>
+      <dgm:spPr/>
+      <dgm:t>
+        <a:bodyPr/>
+        <a:lstStyle/>
+        <a:p>
+          <a:endParaRPr kumimoji="1" lang="ja-JP" altLang="en-US"/>
+        </a:p>
+      </dgm:t>
+    </dgm:pt>
+    <dgm:pt modelId="{1785C501-1EC8-4649-A052-E2CD4BA94323}" type="pres">
+      <dgm:prSet presAssocID="{E2FDA2D0-ABF6-427C-A9EB-0A76B7D559F5}" presName="rootText" presStyleLbl="node1" presStyleIdx="3" presStyleCnt="4">
+        <dgm:presLayoutVars>
+          <dgm:chMax/>
+          <dgm:chPref val="3"/>
+        </dgm:presLayoutVars>
+      </dgm:prSet>
+      <dgm:spPr/>
+      <dgm:t>
+        <a:bodyPr/>
+        <a:lstStyle/>
+        <a:p>
+          <a:endParaRPr kumimoji="1" lang="ja-JP" altLang="en-US"/>
+        </a:p>
+      </dgm:t>
+    </dgm:pt>
+    <dgm:pt modelId="{ED306078-2E3A-4C99-ACB6-C8936C15CAB7}" type="pres">
+      <dgm:prSet presAssocID="{E2FDA2D0-ABF6-427C-A9EB-0A76B7D559F5}" presName="titleText2" presStyleLbl="fgAcc1" presStyleIdx="3" presStyleCnt="4">
+        <dgm:presLayoutVars>
+          <dgm:chMax val="0"/>
+          <dgm:chPref val="0"/>
+        </dgm:presLayoutVars>
+      </dgm:prSet>
+      <dgm:spPr/>
+      <dgm:t>
+        <a:bodyPr/>
+        <a:lstStyle/>
+        <a:p>
+          <a:endParaRPr kumimoji="1" lang="ja-JP" altLang="en-US"/>
+        </a:p>
+      </dgm:t>
+    </dgm:pt>
+    <dgm:pt modelId="{6DB85DD1-0D2F-4939-9814-C13391EA2948}" type="pres">
+      <dgm:prSet presAssocID="{E2FDA2D0-ABF6-427C-A9EB-0A76B7D559F5}" presName="rootConnector" presStyleLbl="node2" presStyleIdx="0" presStyleCnt="0"/>
+      <dgm:spPr/>
+      <dgm:t>
+        <a:bodyPr/>
+        <a:lstStyle/>
+        <a:p>
+          <a:endParaRPr kumimoji="1" lang="ja-JP" altLang="en-US"/>
+        </a:p>
+      </dgm:t>
+    </dgm:pt>
+    <dgm:pt modelId="{695A74C9-2848-4FCF-B86B-1B196427F0B2}" type="pres">
+      <dgm:prSet presAssocID="{E2FDA2D0-ABF6-427C-A9EB-0A76B7D559F5}" presName="hierChild4" presStyleCnt="0"/>
+      <dgm:spPr/>
+      <dgm:t>
+        <a:bodyPr/>
+        <a:lstStyle/>
+        <a:p>
+          <a:endParaRPr kumimoji="1" lang="ja-JP" altLang="en-US"/>
+        </a:p>
+      </dgm:t>
+    </dgm:pt>
+    <dgm:pt modelId="{7253D96A-B5E4-46C0-8EB5-D47CBF00CFC8}" type="pres">
+      <dgm:prSet presAssocID="{E2FDA2D0-ABF6-427C-A9EB-0A76B7D559F5}" presName="hierChild5" presStyleCnt="0"/>
+      <dgm:spPr/>
+      <dgm:t>
+        <a:bodyPr/>
+        <a:lstStyle/>
+        <a:p>
+          <a:endParaRPr kumimoji="1" lang="ja-JP" altLang="en-US"/>
+        </a:p>
+      </dgm:t>
+    </dgm:pt>
+    <dgm:pt modelId="{76D3ADEF-ACF9-43E0-9781-3F3254462553}" type="pres">
+      <dgm:prSet presAssocID="{8EF25710-4762-4C93-980C-CEFB96B1690F}" presName="hierChild3" presStyleCnt="0"/>
+      <dgm:spPr/>
+      <dgm:t>
+        <a:bodyPr/>
+        <a:lstStyle/>
+        <a:p>
+          <a:endParaRPr kumimoji="1" lang="ja-JP" altLang="en-US"/>
+        </a:p>
+      </dgm:t>
+    </dgm:pt>
+    <dgm:pt modelId="{0BDE6D8E-6D2D-4DF9-A2E7-FE11086916AD}" type="pres">
+      <dgm:prSet presAssocID="{07D46927-CE79-490F-8A99-13BDC1FD4532}" presName="Name96" presStyleLbl="parChTrans1D2" presStyleIdx="4" presStyleCnt="5"/>
+      <dgm:spPr/>
+      <dgm:t>
+        <a:bodyPr/>
+        <a:lstStyle/>
+        <a:p>
+          <a:endParaRPr kumimoji="1" lang="ja-JP" altLang="en-US"/>
+        </a:p>
+      </dgm:t>
+    </dgm:pt>
+    <dgm:pt modelId="{541C6C7C-F288-4A05-BCB8-2E1F6583BBA9}" type="pres">
+      <dgm:prSet presAssocID="{70058033-2E0C-4A99-A445-C78A34C4D23A}" presName="hierRoot3" presStyleCnt="0">
+        <dgm:presLayoutVars>
+          <dgm:hierBranch val="init"/>
+        </dgm:presLayoutVars>
+      </dgm:prSet>
+      <dgm:spPr/>
+      <dgm:t>
+        <a:bodyPr/>
+        <a:lstStyle/>
+        <a:p>
+          <a:endParaRPr kumimoji="1" lang="ja-JP" altLang="en-US"/>
+        </a:p>
+      </dgm:t>
+    </dgm:pt>
+    <dgm:pt modelId="{581147DC-5490-4576-AFBA-064F9E53E524}" type="pres">
+      <dgm:prSet presAssocID="{70058033-2E0C-4A99-A445-C78A34C4D23A}" presName="rootComposite3" presStyleCnt="0"/>
+      <dgm:spPr/>
+      <dgm:t>
+        <a:bodyPr/>
+        <a:lstStyle/>
+        <a:p>
+          <a:endParaRPr kumimoji="1" lang="ja-JP" altLang="en-US"/>
+        </a:p>
+      </dgm:t>
+    </dgm:pt>
+    <dgm:pt modelId="{185CB762-7F7F-4E52-9C3A-4B5E7244C072}" type="pres">
+      <dgm:prSet presAssocID="{70058033-2E0C-4A99-A445-C78A34C4D23A}" presName="rootText3" presStyleLbl="asst1" presStyleIdx="0" presStyleCnt="1">
+        <dgm:presLayoutVars>
+          <dgm:chPref val="3"/>
+        </dgm:presLayoutVars>
+      </dgm:prSet>
+      <dgm:spPr/>
+      <dgm:t>
+        <a:bodyPr/>
+        <a:lstStyle/>
+        <a:p>
+          <a:endParaRPr kumimoji="1" lang="ja-JP" altLang="en-US"/>
+        </a:p>
+      </dgm:t>
+    </dgm:pt>
+    <dgm:pt modelId="{31DE2AFF-39D1-4A7A-AF0A-5DAC596CCF68}" type="pres">
+      <dgm:prSet presAssocID="{70058033-2E0C-4A99-A445-C78A34C4D23A}" presName="titleText3" presStyleLbl="fgAcc2" presStyleIdx="0" presStyleCnt="1">
+        <dgm:presLayoutVars>
+          <dgm:chMax val="0"/>
+          <dgm:chPref val="0"/>
+        </dgm:presLayoutVars>
+      </dgm:prSet>
+      <dgm:spPr/>
+      <dgm:t>
+        <a:bodyPr/>
+        <a:lstStyle/>
+        <a:p>
+          <a:endParaRPr kumimoji="1" lang="ja-JP" altLang="en-US"/>
+        </a:p>
+      </dgm:t>
+    </dgm:pt>
+    <dgm:pt modelId="{6CF36DCA-D614-47E8-9145-ADFB737DA66F}" type="pres">
+      <dgm:prSet presAssocID="{70058033-2E0C-4A99-A445-C78A34C4D23A}" presName="rootConnector3" presStyleLbl="asst1" presStyleIdx="0" presStyleCnt="1"/>
+      <dgm:spPr/>
+      <dgm:t>
+        <a:bodyPr/>
+        <a:lstStyle/>
+        <a:p>
+          <a:endParaRPr kumimoji="1" lang="ja-JP" altLang="en-US"/>
+        </a:p>
+      </dgm:t>
+    </dgm:pt>
+    <dgm:pt modelId="{2641F4EE-F3E7-44FD-B37A-83ADBF60D224}" type="pres">
+      <dgm:prSet presAssocID="{70058033-2E0C-4A99-A445-C78A34C4D23A}" presName="hierChild6" presStyleCnt="0"/>
+      <dgm:spPr/>
+      <dgm:t>
+        <a:bodyPr/>
+        <a:lstStyle/>
+        <a:p>
+          <a:endParaRPr kumimoji="1" lang="ja-JP" altLang="en-US"/>
+        </a:p>
+      </dgm:t>
+    </dgm:pt>
+    <dgm:pt modelId="{B1193731-9F05-4C29-87FA-D07D76AFEB1F}" type="pres">
+      <dgm:prSet presAssocID="{70058033-2E0C-4A99-A445-C78A34C4D23A}" presName="hierChild7" presStyleCnt="0"/>
+      <dgm:spPr/>
+      <dgm:t>
+        <a:bodyPr/>
+        <a:lstStyle/>
+        <a:p>
+          <a:endParaRPr kumimoji="1" lang="ja-JP" altLang="en-US"/>
+        </a:p>
+      </dgm:t>
+    </dgm:pt>
+  </dgm:ptLst>
+  <dgm:cxnLst>
+    <dgm:cxn modelId="{348B7B56-97B8-4EE3-AFC0-8FA78FB73F21}" type="presOf" srcId="{E2FDA2D0-ABF6-427C-A9EB-0A76B7D559F5}" destId="{6DB85DD1-0D2F-4939-9814-C13391EA2948}" srcOrd="1" destOrd="0" presId="urn:microsoft.com/office/officeart/2008/layout/NameandTitleOrganizationalChart"/>
+    <dgm:cxn modelId="{67248A6B-CC12-412D-8A17-0E4D4E2F6A7F}" srcId="{8EF25710-4762-4C93-980C-CEFB96B1690F}" destId="{810ACD85-898A-4598-8EE3-E6A5D4E9C4AA}" srcOrd="3" destOrd="0" parTransId="{9AB78B8D-49A2-4491-9356-563BB55E7519}" sibTransId="{37777D4E-7062-40E3-BFF0-FEEAE2E104B4}"/>
+    <dgm:cxn modelId="{CACCBB2E-2C88-47B4-A203-4CB632CE8639}" type="presOf" srcId="{6D3803EF-AB96-48BD-9350-667F13CC3121}" destId="{3666D745-93E6-4ABF-95B9-94E0C678F32D}" srcOrd="0" destOrd="0" presId="urn:microsoft.com/office/officeart/2008/layout/NameandTitleOrganizationalChart"/>
+    <dgm:cxn modelId="{9975F93F-9A23-4838-ABE4-6895AA3974F1}" type="presOf" srcId="{9BED3299-3A18-47AD-9189-AC067E841BDA}" destId="{ED306078-2E3A-4C99-ACB6-C8936C15CAB7}" srcOrd="0" destOrd="0" presId="urn:microsoft.com/office/officeart/2008/layout/NameandTitleOrganizationalChart"/>
+    <dgm:cxn modelId="{CC7F7757-9285-43F6-9A0C-9C83C917E6EB}" type="presOf" srcId="{8EF25710-4762-4C93-980C-CEFB96B1690F}" destId="{AC10FA49-5CFE-44D4-88FE-FDD71266B81A}" srcOrd="0" destOrd="0" presId="urn:microsoft.com/office/officeart/2008/layout/NameandTitleOrganizationalChart"/>
+    <dgm:cxn modelId="{80DAEA4E-06A2-41D5-BECC-88AA8F894381}" type="presOf" srcId="{B4BF54C7-FC88-4908-A2C5-559CF4E6426C}" destId="{BF1EA690-780A-44C3-9D1D-1D757C3BA9AF}" srcOrd="0" destOrd="0" presId="urn:microsoft.com/office/officeart/2008/layout/NameandTitleOrganizationalChart"/>
+    <dgm:cxn modelId="{DC92131F-89D1-408B-93FC-6FAF9F954E8D}" type="presOf" srcId="{70058033-2E0C-4A99-A445-C78A34C4D23A}" destId="{185CB762-7F7F-4E52-9C3A-4B5E7244C072}" srcOrd="0" destOrd="0" presId="urn:microsoft.com/office/officeart/2008/layout/NameandTitleOrganizationalChart"/>
+    <dgm:cxn modelId="{344F0CBB-933B-49FF-869D-BCFD01202015}" type="presOf" srcId="{1E8051FD-E4B4-4466-8701-977057190B71}" destId="{936B8E1C-AE89-470A-9370-0F5C9FAA8B98}" srcOrd="0" destOrd="0" presId="urn:microsoft.com/office/officeart/2008/layout/NameandTitleOrganizationalChart"/>
+    <dgm:cxn modelId="{2AAEB73E-5F39-4615-B5DD-823D2CFD9B54}" type="presOf" srcId="{B51AF3D4-AE25-4105-BE1C-27401F4B155D}" destId="{BA0D3B27-D8D2-459F-BC3A-835125273025}" srcOrd="0" destOrd="0" presId="urn:microsoft.com/office/officeart/2008/layout/NameandTitleOrganizationalChart"/>
+    <dgm:cxn modelId="{1710FC78-11C7-4906-BF34-76741FCC6804}" type="presOf" srcId="{AFDB26A8-9566-431F-B588-13410D4CD040}" destId="{24FF90D0-4482-4A15-BDDE-C29A6433E6E2}" srcOrd="0" destOrd="0" presId="urn:microsoft.com/office/officeart/2008/layout/NameandTitleOrganizationalChart"/>
+    <dgm:cxn modelId="{DF5CEC85-BB2B-472B-B8E8-B55C85BB1AA1}" srcId="{0FC7C952-0B94-4665-A9F3-8AE3C567FDA6}" destId="{8EF25710-4762-4C93-980C-CEFB96B1690F}" srcOrd="0" destOrd="0" parTransId="{32BC47DD-EE7D-4633-ABAF-CC4147C805AD}" sibTransId="{AFDB26A8-9566-431F-B588-13410D4CD040}"/>
+    <dgm:cxn modelId="{1B90058D-8966-437C-8A40-9E1DBD756119}" type="presOf" srcId="{09018E6E-6FDF-4293-BAAF-59CAA8ABF8BC}" destId="{BD452632-A25A-46FE-8690-ED19D933D1C4}" srcOrd="0" destOrd="0" presId="urn:microsoft.com/office/officeart/2008/layout/NameandTitleOrganizationalChart"/>
+    <dgm:cxn modelId="{F5A061BF-6121-4F9E-96B8-E334FB895B0C}" type="presOf" srcId="{1E8051FD-E4B4-4466-8701-977057190B71}" destId="{DCB15E52-79E8-491A-AE3B-1B49B6695ABF}" srcOrd="1" destOrd="0" presId="urn:microsoft.com/office/officeart/2008/layout/NameandTitleOrganizationalChart"/>
+    <dgm:cxn modelId="{B727FD60-C035-47B1-9D73-37CEB2CF839A}" type="presOf" srcId="{07D46927-CE79-490F-8A99-13BDC1FD4532}" destId="{0BDE6D8E-6D2D-4DF9-A2E7-FE11086916AD}" srcOrd="0" destOrd="0" presId="urn:microsoft.com/office/officeart/2008/layout/NameandTitleOrganizationalChart"/>
+    <dgm:cxn modelId="{C4986D7E-871C-4A40-8CD7-AF151459EE94}" srcId="{8EF25710-4762-4C93-980C-CEFB96B1690F}" destId="{70058033-2E0C-4A99-A445-C78A34C4D23A}" srcOrd="0" destOrd="0" parTransId="{07D46927-CE79-490F-8A99-13BDC1FD4532}" sibTransId="{6AE5AC3A-D5F3-40A3-B2B6-B2BC4B05AC62}"/>
+    <dgm:cxn modelId="{3C401597-0E09-4EE3-93AB-274D262341DA}" srcId="{8EF25710-4762-4C93-980C-CEFB96B1690F}" destId="{E2FDA2D0-ABF6-427C-A9EB-0A76B7D559F5}" srcOrd="4" destOrd="0" parTransId="{6D3803EF-AB96-48BD-9350-667F13CC3121}" sibTransId="{9BED3299-3A18-47AD-9189-AC067E841BDA}"/>
+    <dgm:cxn modelId="{BDB970CB-FA55-414F-B3D4-DA159B9F71A0}" srcId="{8EF25710-4762-4C93-980C-CEFB96B1690F}" destId="{1E8051FD-E4B4-4466-8701-977057190B71}" srcOrd="2" destOrd="0" parTransId="{B51AF3D4-AE25-4105-BE1C-27401F4B155D}" sibTransId="{5069AA8F-5A0E-449D-ADE9-04941A082A9C}"/>
+    <dgm:cxn modelId="{626924DD-7568-4CD8-8641-89AEB2A4FBBC}" type="presOf" srcId="{B4BF54C7-FC88-4908-A2C5-559CF4E6426C}" destId="{8FFF5A0C-D89E-4B6E-B1A4-FDD695D4649C}" srcOrd="1" destOrd="0" presId="urn:microsoft.com/office/officeart/2008/layout/NameandTitleOrganizationalChart"/>
+    <dgm:cxn modelId="{664835C0-CACB-4AA4-B6E1-B55CE0E21FB8}" type="presOf" srcId="{E2FDA2D0-ABF6-427C-A9EB-0A76B7D559F5}" destId="{1785C501-1EC8-4649-A052-E2CD4BA94323}" srcOrd="0" destOrd="0" presId="urn:microsoft.com/office/officeart/2008/layout/NameandTitleOrganizationalChart"/>
+    <dgm:cxn modelId="{B3FC5073-767B-4F93-9BB1-A96AFFFBB7EC}" type="presOf" srcId="{0FC7C952-0B94-4665-A9F3-8AE3C567FDA6}" destId="{6E780426-7388-48CA-A2B7-99464D1BD285}" srcOrd="0" destOrd="0" presId="urn:microsoft.com/office/officeart/2008/layout/NameandTitleOrganizationalChart"/>
+    <dgm:cxn modelId="{5F25CE4B-0DA3-47A6-8037-189116545E32}" type="presOf" srcId="{810ACD85-898A-4598-8EE3-E6A5D4E9C4AA}" destId="{AE333CCA-9B6A-42D1-895E-DE6FBFD2DB96}" srcOrd="0" destOrd="0" presId="urn:microsoft.com/office/officeart/2008/layout/NameandTitleOrganizationalChart"/>
+    <dgm:cxn modelId="{CD6ACCBC-EB64-48A5-AB47-E333782E1697}" type="presOf" srcId="{5069AA8F-5A0E-449D-ADE9-04941A082A9C}" destId="{D19A578E-A245-414A-9C62-15D37D814853}" srcOrd="0" destOrd="0" presId="urn:microsoft.com/office/officeart/2008/layout/NameandTitleOrganizationalChart"/>
+    <dgm:cxn modelId="{77B472A4-C477-4FB7-9F34-2FFA58FF199E}" type="presOf" srcId="{37777D4E-7062-40E3-BFF0-FEEAE2E104B4}" destId="{8508A163-ABFD-4730-893E-600790472B4F}" srcOrd="0" destOrd="0" presId="urn:microsoft.com/office/officeart/2008/layout/NameandTitleOrganizationalChart"/>
+    <dgm:cxn modelId="{591D0FE7-6B7A-4E51-9AEA-308B697B173E}" type="presOf" srcId="{9AB78B8D-49A2-4491-9356-563BB55E7519}" destId="{8C926603-2224-44F7-95F7-61A92CB501D1}" srcOrd="0" destOrd="0" presId="urn:microsoft.com/office/officeart/2008/layout/NameandTitleOrganizationalChart"/>
+    <dgm:cxn modelId="{FD86DF7B-99A3-458B-84F3-DB8EB15A7AE1}" srcId="{8EF25710-4762-4C93-980C-CEFB96B1690F}" destId="{B4BF54C7-FC88-4908-A2C5-559CF4E6426C}" srcOrd="1" destOrd="0" parTransId="{09018E6E-6FDF-4293-BAAF-59CAA8ABF8BC}" sibTransId="{A2CE8965-7BCE-44A0-9B2B-395BBB8711E7}"/>
+    <dgm:cxn modelId="{4DAE739F-10C4-43EB-977B-F92A61D35B5D}" type="presOf" srcId="{A2CE8965-7BCE-44A0-9B2B-395BBB8711E7}" destId="{CC473E9B-CEDB-4D69-948D-F3C81E0ACF84}" srcOrd="0" destOrd="0" presId="urn:microsoft.com/office/officeart/2008/layout/NameandTitleOrganizationalChart"/>
+    <dgm:cxn modelId="{91077925-6894-4526-B67D-BB2021ADA216}" type="presOf" srcId="{810ACD85-898A-4598-8EE3-E6A5D4E9C4AA}" destId="{D1F46193-4C90-40E4-BF62-3EBF4EB4629A}" srcOrd="1" destOrd="0" presId="urn:microsoft.com/office/officeart/2008/layout/NameandTitleOrganizationalChart"/>
+    <dgm:cxn modelId="{651E77DE-26A4-4D19-B59F-B772533435D0}" type="presOf" srcId="{8EF25710-4762-4C93-980C-CEFB96B1690F}" destId="{3E5F1458-F3C2-447A-8B60-9A0E059BD2BF}" srcOrd="1" destOrd="0" presId="urn:microsoft.com/office/officeart/2008/layout/NameandTitleOrganizationalChart"/>
+    <dgm:cxn modelId="{D13A70C5-6EAC-456D-A942-7C1B33CE8264}" type="presOf" srcId="{70058033-2E0C-4A99-A445-C78A34C4D23A}" destId="{6CF36DCA-D614-47E8-9145-ADFB737DA66F}" srcOrd="1" destOrd="0" presId="urn:microsoft.com/office/officeart/2008/layout/NameandTitleOrganizationalChart"/>
+    <dgm:cxn modelId="{5EE790A3-F71C-4E7E-A97D-0AA82045F903}" type="presOf" srcId="{6AE5AC3A-D5F3-40A3-B2B6-B2BC4B05AC62}" destId="{31DE2AFF-39D1-4A7A-AF0A-5DAC596CCF68}" srcOrd="0" destOrd="0" presId="urn:microsoft.com/office/officeart/2008/layout/NameandTitleOrganizationalChart"/>
+    <dgm:cxn modelId="{9CF38B37-C0B9-4D77-AB69-63DA0C5F6304}" type="presParOf" srcId="{6E780426-7388-48CA-A2B7-99464D1BD285}" destId="{FA21EA4B-462A-4C99-8CDA-876BE5122513}" srcOrd="0" destOrd="0" presId="urn:microsoft.com/office/officeart/2008/layout/NameandTitleOrganizationalChart"/>
+    <dgm:cxn modelId="{DE9B4498-8E3E-4DE8-A746-2AC22F8BEB1F}" type="presParOf" srcId="{FA21EA4B-462A-4C99-8CDA-876BE5122513}" destId="{238BC89C-8CEB-4FDE-9330-F680B59130FC}" srcOrd="0" destOrd="0" presId="urn:microsoft.com/office/officeart/2008/layout/NameandTitleOrganizationalChart"/>
+    <dgm:cxn modelId="{F94B692B-6311-4C70-A7D0-186A5792EA73}" type="presParOf" srcId="{238BC89C-8CEB-4FDE-9330-F680B59130FC}" destId="{AC10FA49-5CFE-44D4-88FE-FDD71266B81A}" srcOrd="0" destOrd="0" presId="urn:microsoft.com/office/officeart/2008/layout/NameandTitleOrganizationalChart"/>
+    <dgm:cxn modelId="{1B479B37-0D1F-464D-810A-CCF4E4627FE6}" type="presParOf" srcId="{238BC89C-8CEB-4FDE-9330-F680B59130FC}" destId="{24FF90D0-4482-4A15-BDDE-C29A6433E6E2}" srcOrd="1" destOrd="0" presId="urn:microsoft.com/office/officeart/2008/layout/NameandTitleOrganizationalChart"/>
+    <dgm:cxn modelId="{38B9E894-50A5-41E9-B5F1-68546C188FBF}" type="presParOf" srcId="{238BC89C-8CEB-4FDE-9330-F680B59130FC}" destId="{3E5F1458-F3C2-447A-8B60-9A0E059BD2BF}" srcOrd="2" destOrd="0" presId="urn:microsoft.com/office/officeart/2008/layout/NameandTitleOrganizationalChart"/>
+    <dgm:cxn modelId="{8D892F3F-6F6E-43B6-9241-B0F4D1974C25}" type="presParOf" srcId="{FA21EA4B-462A-4C99-8CDA-876BE5122513}" destId="{0DD87EFB-551F-4B11-9D7B-2CB9A0328738}" srcOrd="1" destOrd="0" presId="urn:microsoft.com/office/officeart/2008/layout/NameandTitleOrganizationalChart"/>
+    <dgm:cxn modelId="{46122C77-9474-4408-8A7E-ADB5B7809CC7}" type="presParOf" srcId="{0DD87EFB-551F-4B11-9D7B-2CB9A0328738}" destId="{BD452632-A25A-46FE-8690-ED19D933D1C4}" srcOrd="0" destOrd="0" presId="urn:microsoft.com/office/officeart/2008/layout/NameandTitleOrganizationalChart"/>
+    <dgm:cxn modelId="{B189DA45-9B57-4607-8E09-488D87181374}" type="presParOf" srcId="{0DD87EFB-551F-4B11-9D7B-2CB9A0328738}" destId="{8F579B91-5136-439A-9D6B-641793EEBC97}" srcOrd="1" destOrd="0" presId="urn:microsoft.com/office/officeart/2008/layout/NameandTitleOrganizationalChart"/>
+    <dgm:cxn modelId="{513442FF-E771-4B4D-BE62-C4C25D4605EC}" type="presParOf" srcId="{8F579B91-5136-439A-9D6B-641793EEBC97}" destId="{7AAA2233-EFFA-4110-99FF-A2FA4918FF09}" srcOrd="0" destOrd="0" presId="urn:microsoft.com/office/officeart/2008/layout/NameandTitleOrganizationalChart"/>
+    <dgm:cxn modelId="{38E877D7-D2D8-4538-86C6-493C7BA75655}" type="presParOf" srcId="{7AAA2233-EFFA-4110-99FF-A2FA4918FF09}" destId="{BF1EA690-780A-44C3-9D1D-1D757C3BA9AF}" srcOrd="0" destOrd="0" presId="urn:microsoft.com/office/officeart/2008/layout/NameandTitleOrganizationalChart"/>
+    <dgm:cxn modelId="{9F53D740-8B9B-4558-B7E2-2362EDDB664C}" type="presParOf" srcId="{7AAA2233-EFFA-4110-99FF-A2FA4918FF09}" destId="{CC473E9B-CEDB-4D69-948D-F3C81E0ACF84}" srcOrd="1" destOrd="0" presId="urn:microsoft.com/office/officeart/2008/layout/NameandTitleOrganizationalChart"/>
+    <dgm:cxn modelId="{497F151C-B5E5-4988-A3DE-58AD16206CCC}" type="presParOf" srcId="{7AAA2233-EFFA-4110-99FF-A2FA4918FF09}" destId="{8FFF5A0C-D89E-4B6E-B1A4-FDD695D4649C}" srcOrd="2" destOrd="0" presId="urn:microsoft.com/office/officeart/2008/layout/NameandTitleOrganizationalChart"/>
+    <dgm:cxn modelId="{9E47B729-9276-4CBD-A419-21996425B087}" type="presParOf" srcId="{8F579B91-5136-439A-9D6B-641793EEBC97}" destId="{9F49B73D-5F09-4264-9577-192DA4F2381E}" srcOrd="1" destOrd="0" presId="urn:microsoft.com/office/officeart/2008/layout/NameandTitleOrganizationalChart"/>
+    <dgm:cxn modelId="{5011F83D-D0BB-4385-B4FE-DA899966F5C6}" type="presParOf" srcId="{8F579B91-5136-439A-9D6B-641793EEBC97}" destId="{200A702B-C231-42BC-AB9B-A673F5CD7B04}" srcOrd="2" destOrd="0" presId="urn:microsoft.com/office/officeart/2008/layout/NameandTitleOrganizationalChart"/>
+    <dgm:cxn modelId="{39874FB0-642F-4F62-8CA6-60B39349BA54}" type="presParOf" srcId="{0DD87EFB-551F-4B11-9D7B-2CB9A0328738}" destId="{BA0D3B27-D8D2-459F-BC3A-835125273025}" srcOrd="2" destOrd="0" presId="urn:microsoft.com/office/officeart/2008/layout/NameandTitleOrganizationalChart"/>
+    <dgm:cxn modelId="{48E1F55C-473F-4768-B304-9B3774BA0F80}" type="presParOf" srcId="{0DD87EFB-551F-4B11-9D7B-2CB9A0328738}" destId="{072C6810-538A-48C0-8A82-D6621FB7F362}" srcOrd="3" destOrd="0" presId="urn:microsoft.com/office/officeart/2008/layout/NameandTitleOrganizationalChart"/>
+    <dgm:cxn modelId="{B981E593-266B-43C9-B8A6-82BAB613DFAE}" type="presParOf" srcId="{072C6810-538A-48C0-8A82-D6621FB7F362}" destId="{DCF45E16-CCA2-4DAD-B619-83FB25C22847}" srcOrd="0" destOrd="0" presId="urn:microsoft.com/office/officeart/2008/layout/NameandTitleOrganizationalChart"/>
+    <dgm:cxn modelId="{D614FFFB-6CA3-498E-BC2E-5D35000D9179}" type="presParOf" srcId="{DCF45E16-CCA2-4DAD-B619-83FB25C22847}" destId="{936B8E1C-AE89-470A-9370-0F5C9FAA8B98}" srcOrd="0" destOrd="0" presId="urn:microsoft.com/office/officeart/2008/layout/NameandTitleOrganizationalChart"/>
+    <dgm:cxn modelId="{E3833787-8677-4FFC-AB92-199DE275D1F9}" type="presParOf" srcId="{DCF45E16-CCA2-4DAD-B619-83FB25C22847}" destId="{D19A578E-A245-414A-9C62-15D37D814853}" srcOrd="1" destOrd="0" presId="urn:microsoft.com/office/officeart/2008/layout/NameandTitleOrganizationalChart"/>
+    <dgm:cxn modelId="{CA9985CE-5C13-4186-A1BB-9D71C95FA593}" type="presParOf" srcId="{DCF45E16-CCA2-4DAD-B619-83FB25C22847}" destId="{DCB15E52-79E8-491A-AE3B-1B49B6695ABF}" srcOrd="2" destOrd="0" presId="urn:microsoft.com/office/officeart/2008/layout/NameandTitleOrganizationalChart"/>
+    <dgm:cxn modelId="{DDDD0351-15BA-4CA6-A285-6B180E239B1F}" type="presParOf" srcId="{072C6810-538A-48C0-8A82-D6621FB7F362}" destId="{40494542-2771-4086-8CF6-434DB12C6218}" srcOrd="1" destOrd="0" presId="urn:microsoft.com/office/officeart/2008/layout/NameandTitleOrganizationalChart"/>
+    <dgm:cxn modelId="{71763E67-80FC-4ECA-8A03-C77250DD17E3}" type="presParOf" srcId="{072C6810-538A-48C0-8A82-D6621FB7F362}" destId="{71D0E2A5-3946-4212-8DF8-5ADD0DBD7E32}" srcOrd="2" destOrd="0" presId="urn:microsoft.com/office/officeart/2008/layout/NameandTitleOrganizationalChart"/>
+    <dgm:cxn modelId="{4AF9F2DF-74C5-4D18-8753-0A8FED0422F9}" type="presParOf" srcId="{0DD87EFB-551F-4B11-9D7B-2CB9A0328738}" destId="{8C926603-2224-44F7-95F7-61A92CB501D1}" srcOrd="4" destOrd="0" presId="urn:microsoft.com/office/officeart/2008/layout/NameandTitleOrganizationalChart"/>
+    <dgm:cxn modelId="{053F63A0-921D-40EE-B9FE-B7592BE6BD85}" type="presParOf" srcId="{0DD87EFB-551F-4B11-9D7B-2CB9A0328738}" destId="{68F123F5-DF2C-4048-8DB6-0009C5A96276}" srcOrd="5" destOrd="0" presId="urn:microsoft.com/office/officeart/2008/layout/NameandTitleOrganizationalChart"/>
+    <dgm:cxn modelId="{B72E6B27-2D91-4143-9D73-BC909CC40E31}" type="presParOf" srcId="{68F123F5-DF2C-4048-8DB6-0009C5A96276}" destId="{D7855712-2866-4384-A385-249F7C5A3C1B}" srcOrd="0" destOrd="0" presId="urn:microsoft.com/office/officeart/2008/layout/NameandTitleOrganizationalChart"/>
+    <dgm:cxn modelId="{7E1AD97B-C552-4906-A7A5-904CC456CD8E}" type="presParOf" srcId="{D7855712-2866-4384-A385-249F7C5A3C1B}" destId="{AE333CCA-9B6A-42D1-895E-DE6FBFD2DB96}" srcOrd="0" destOrd="0" presId="urn:microsoft.com/office/officeart/2008/layout/NameandTitleOrganizationalChart"/>
+    <dgm:cxn modelId="{435D35F0-79FE-4B3C-BC3C-56B44FCC4488}" type="presParOf" srcId="{D7855712-2866-4384-A385-249F7C5A3C1B}" destId="{8508A163-ABFD-4730-893E-600790472B4F}" srcOrd="1" destOrd="0" presId="urn:microsoft.com/office/officeart/2008/layout/NameandTitleOrganizationalChart"/>
+    <dgm:cxn modelId="{C625BC23-467E-4BCE-9F11-A95C6D9A76F7}" type="presParOf" srcId="{D7855712-2866-4384-A385-249F7C5A3C1B}" destId="{D1F46193-4C90-40E4-BF62-3EBF4EB4629A}" srcOrd="2" destOrd="0" presId="urn:microsoft.com/office/officeart/2008/layout/NameandTitleOrganizationalChart"/>
+    <dgm:cxn modelId="{91CA358B-6F4B-47F9-96D6-265735C27F41}" type="presParOf" srcId="{68F123F5-DF2C-4048-8DB6-0009C5A96276}" destId="{3D86329C-FF19-4A30-8247-D410473C7669}" srcOrd="1" destOrd="0" presId="urn:microsoft.com/office/officeart/2008/layout/NameandTitleOrganizationalChart"/>
+    <dgm:cxn modelId="{094B4B0D-ED2F-4B74-9C8E-0FC908A3C694}" type="presParOf" srcId="{68F123F5-DF2C-4048-8DB6-0009C5A96276}" destId="{6D6EA0D6-E9FE-4BC5-A811-57DC471D6EB3}" srcOrd="2" destOrd="0" presId="urn:microsoft.com/office/officeart/2008/layout/NameandTitleOrganizationalChart"/>
+    <dgm:cxn modelId="{BEB0322E-6411-4EA5-BEE9-1267C228A781}" type="presParOf" srcId="{0DD87EFB-551F-4B11-9D7B-2CB9A0328738}" destId="{3666D745-93E6-4ABF-95B9-94E0C678F32D}" srcOrd="6" destOrd="0" presId="urn:microsoft.com/office/officeart/2008/layout/NameandTitleOrganizationalChart"/>
+    <dgm:cxn modelId="{328EF905-B7A7-47AF-A69F-8948EAC6B317}" type="presParOf" srcId="{0DD87EFB-551F-4B11-9D7B-2CB9A0328738}" destId="{77EA4D23-CFEC-4A54-ADD8-4FD33F3DA37C}" srcOrd="7" destOrd="0" presId="urn:microsoft.com/office/officeart/2008/layout/NameandTitleOrganizationalChart"/>
+    <dgm:cxn modelId="{62A648F2-06DB-474E-8141-3B9424F9A906}" type="presParOf" srcId="{77EA4D23-CFEC-4A54-ADD8-4FD33F3DA37C}" destId="{63EA7EF9-2486-495C-B1A4-F06CDD0EE590}" srcOrd="0" destOrd="0" presId="urn:microsoft.com/office/officeart/2008/layout/NameandTitleOrganizationalChart"/>
+    <dgm:cxn modelId="{31D60FBF-4811-4AFA-915E-75E83377FA32}" type="presParOf" srcId="{63EA7EF9-2486-495C-B1A4-F06CDD0EE590}" destId="{1785C501-1EC8-4649-A052-E2CD4BA94323}" srcOrd="0" destOrd="0" presId="urn:microsoft.com/office/officeart/2008/layout/NameandTitleOrganizationalChart"/>
+    <dgm:cxn modelId="{C2203292-FAD2-45D5-B597-0356034714C1}" type="presParOf" srcId="{63EA7EF9-2486-495C-B1A4-F06CDD0EE590}" destId="{ED306078-2E3A-4C99-ACB6-C8936C15CAB7}" srcOrd="1" destOrd="0" presId="urn:microsoft.com/office/officeart/2008/layout/NameandTitleOrganizationalChart"/>
+    <dgm:cxn modelId="{5417C17D-7625-41B3-AE0F-A976E2BDAEE2}" type="presParOf" srcId="{63EA7EF9-2486-495C-B1A4-F06CDD0EE590}" destId="{6DB85DD1-0D2F-4939-9814-C13391EA2948}" srcOrd="2" destOrd="0" presId="urn:microsoft.com/office/officeart/2008/layout/NameandTitleOrganizationalChart"/>
+    <dgm:cxn modelId="{E1C6B31D-6625-4DC1-B23D-588A678A3CDE}" type="presParOf" srcId="{77EA4D23-CFEC-4A54-ADD8-4FD33F3DA37C}" destId="{695A74C9-2848-4FCF-B86B-1B196427F0B2}" srcOrd="1" destOrd="0" presId="urn:microsoft.com/office/officeart/2008/layout/NameandTitleOrganizationalChart"/>
+    <dgm:cxn modelId="{AD37FA87-17F9-4582-A5A0-589146F04495}" type="presParOf" srcId="{77EA4D23-CFEC-4A54-ADD8-4FD33F3DA37C}" destId="{7253D96A-B5E4-46C0-8EB5-D47CBF00CFC8}" srcOrd="2" destOrd="0" presId="urn:microsoft.com/office/officeart/2008/layout/NameandTitleOrganizationalChart"/>
+    <dgm:cxn modelId="{9CDBB70E-A282-4413-907A-D106C6C02E4D}" type="presParOf" srcId="{FA21EA4B-462A-4C99-8CDA-876BE5122513}" destId="{76D3ADEF-ACF9-43E0-9781-3F3254462553}" srcOrd="2" destOrd="0" presId="urn:microsoft.com/office/officeart/2008/layout/NameandTitleOrganizationalChart"/>
+    <dgm:cxn modelId="{202C9EC2-E7C6-4941-BB21-9CC349C04DC1}" type="presParOf" srcId="{76D3ADEF-ACF9-43E0-9781-3F3254462553}" destId="{0BDE6D8E-6D2D-4DF9-A2E7-FE11086916AD}" srcOrd="0" destOrd="0" presId="urn:microsoft.com/office/officeart/2008/layout/NameandTitleOrganizationalChart"/>
+    <dgm:cxn modelId="{E642F1D2-1953-483D-B592-F44566CA7B42}" type="presParOf" srcId="{76D3ADEF-ACF9-43E0-9781-3F3254462553}" destId="{541C6C7C-F288-4A05-BCB8-2E1F6583BBA9}" srcOrd="1" destOrd="0" presId="urn:microsoft.com/office/officeart/2008/layout/NameandTitleOrganizationalChart"/>
+    <dgm:cxn modelId="{F411B7EA-C6B6-4D13-97CC-01770C3AE167}" type="presParOf" srcId="{541C6C7C-F288-4A05-BCB8-2E1F6583BBA9}" destId="{581147DC-5490-4576-AFBA-064F9E53E524}" srcOrd="0" destOrd="0" presId="urn:microsoft.com/office/officeart/2008/layout/NameandTitleOrganizationalChart"/>
+    <dgm:cxn modelId="{B1ECCF41-DE33-4328-9FE9-7C40611719F2}" type="presParOf" srcId="{581147DC-5490-4576-AFBA-064F9E53E524}" destId="{185CB762-7F7F-4E52-9C3A-4B5E7244C072}" srcOrd="0" destOrd="0" presId="urn:microsoft.com/office/officeart/2008/layout/NameandTitleOrganizationalChart"/>
+    <dgm:cxn modelId="{BDEFDF06-783D-4221-904E-8C3997B495CE}" type="presParOf" srcId="{581147DC-5490-4576-AFBA-064F9E53E524}" destId="{31DE2AFF-39D1-4A7A-AF0A-5DAC596CCF68}" srcOrd="1" destOrd="0" presId="urn:microsoft.com/office/officeart/2008/layout/NameandTitleOrganizationalChart"/>
+    <dgm:cxn modelId="{25763A1F-F296-44D9-B344-4C4258AC942C}" type="presParOf" srcId="{581147DC-5490-4576-AFBA-064F9E53E524}" destId="{6CF36DCA-D614-47E8-9145-ADFB737DA66F}" srcOrd="2" destOrd="0" presId="urn:microsoft.com/office/officeart/2008/layout/NameandTitleOrganizationalChart"/>
+    <dgm:cxn modelId="{8183FD0E-00C0-40FE-B341-A9318E2C2558}" type="presParOf" srcId="{541C6C7C-F288-4A05-BCB8-2E1F6583BBA9}" destId="{2641F4EE-F3E7-44FD-B37A-83ADBF60D224}" srcOrd="1" destOrd="0" presId="urn:microsoft.com/office/officeart/2008/layout/NameandTitleOrganizationalChart"/>
+    <dgm:cxn modelId="{FE2DBF89-C764-407F-87F0-ABC67A90F4C2}" type="presParOf" srcId="{541C6C7C-F288-4A05-BCB8-2E1F6583BBA9}" destId="{B1193731-9F05-4C29-87FA-D07D76AFEB1F}" srcOrd="2" destOrd="0" presId="urn:microsoft.com/office/officeart/2008/layout/NameandTitleOrganizationalChart"/>
+  </dgm:cxnLst>
+  <dgm:bg/>
+  <dgm:whole/>
+  <dgm:extLst>
+    <a:ext uri="http://schemas.microsoft.com/office/drawing/2008/diagram">
+      <dsp:dataModelExt xmlns:dsp="http://schemas.microsoft.com/office/drawing/2008/diagram" relId="rId6" minVer="http://schemas.openxmlformats.org/drawingml/2006/diagram"/>
+    </a:ext>
+  </dgm:extLst>
+</dgm:dataModel>
+</file>
+
+<file path=ppt/diagrams/drawing1.xml><?xml version="1.0" encoding="utf-8"?>
+<dsp:drawing xmlns:dgm="http://schemas.openxmlformats.org/drawingml/2006/diagram" xmlns:dsp="http://schemas.microsoft.com/office/drawing/2008/diagram" xmlns:a="http://schemas.openxmlformats.org/drawingml/2006/main">
+  <dsp:spTree>
+    <dsp:nvGrpSpPr>
+      <dsp:cNvPr id="0" name=""/>
+      <dsp:cNvGrpSpPr/>
+    </dsp:nvGrpSpPr>
+    <dsp:grpSpPr/>
+    <dsp:sp modelId="{0BDE6D8E-6D2D-4DF9-A2E7-FE11086916AD}">
+      <dsp:nvSpPr>
+        <dsp:cNvPr id="0" name=""/>
+        <dsp:cNvSpPr/>
+      </dsp:nvSpPr>
+      <dsp:spPr>
+        <a:xfrm>
+          <a:off x="4021524" y="1822495"/>
+          <a:ext cx="286963" cy="937492"/>
+        </a:xfrm>
+        <a:custGeom>
+          <a:avLst/>
+          <a:gdLst/>
+          <a:ahLst/>
+          <a:cxnLst/>
+          <a:rect l="0" t="0" r="0" b="0"/>
+          <a:pathLst>
+            <a:path>
+              <a:moveTo>
+                <a:pt x="286963" y="0"/>
+              </a:moveTo>
+              <a:lnTo>
+                <a:pt x="286963" y="937492"/>
+              </a:lnTo>
+              <a:lnTo>
+                <a:pt x="0" y="937492"/>
+              </a:lnTo>
+            </a:path>
+          </a:pathLst>
+        </a:custGeom>
+        <a:noFill/>
+        <a:ln w="25400" cap="flat" cmpd="sng" algn="ctr">
+          <a:solidFill>
+            <a:schemeClr val="dk1">
+              <a:shade val="60000"/>
+              <a:hueOff val="0"/>
+              <a:satOff val="0"/>
+              <a:lumOff val="0"/>
+              <a:alphaOff val="0"/>
+            </a:schemeClr>
+          </a:solidFill>
+          <a:prstDash val="solid"/>
+        </a:ln>
+        <a:effectLst/>
+      </dsp:spPr>
+      <dsp:style>
+        <a:lnRef idx="2">
+          <a:scrgbClr r="0" g="0" b="0"/>
+        </a:lnRef>
+        <a:fillRef idx="0">
+          <a:scrgbClr r="0" g="0" b="0"/>
+        </a:fillRef>
+        <a:effectRef idx="0">
+          <a:scrgbClr r="0" g="0" b="0"/>
+        </a:effectRef>
+        <a:fontRef idx="minor"/>
+      </dsp:style>
+    </dsp:sp>
+    <dsp:sp modelId="{3666D745-93E6-4ABF-95B9-94E0C678F32D}">
+      <dsp:nvSpPr>
+        <dsp:cNvPr id="0" name=""/>
+        <dsp:cNvSpPr/>
+      </dsp:nvSpPr>
+      <dsp:spPr>
+        <a:xfrm>
+          <a:off x="4308487" y="1822495"/>
+          <a:ext cx="3380913" cy="1874984"/>
+        </a:xfrm>
+        <a:custGeom>
+          <a:avLst/>
+          <a:gdLst/>
+          <a:ahLst/>
+          <a:cxnLst/>
+          <a:rect l="0" t="0" r="0" b="0"/>
+          <a:pathLst>
+            <a:path>
+              <a:moveTo>
+                <a:pt x="0" y="0"/>
+              </a:moveTo>
+              <a:lnTo>
+                <a:pt x="0" y="1672022"/>
+              </a:lnTo>
+              <a:lnTo>
+                <a:pt x="3380913" y="1672022"/>
+              </a:lnTo>
+              <a:lnTo>
+                <a:pt x="3380913" y="1874984"/>
+              </a:lnTo>
+            </a:path>
+          </a:pathLst>
+        </a:custGeom>
+        <a:noFill/>
+        <a:ln w="25400" cap="flat" cmpd="sng" algn="ctr">
+          <a:solidFill>
+            <a:schemeClr val="dk1">
+              <a:shade val="60000"/>
+              <a:hueOff val="0"/>
+              <a:satOff val="0"/>
+              <a:lumOff val="0"/>
+              <a:alphaOff val="0"/>
+            </a:schemeClr>
+          </a:solidFill>
+          <a:prstDash val="solid"/>
+        </a:ln>
+        <a:effectLst/>
+      </dsp:spPr>
+      <dsp:style>
+        <a:lnRef idx="2">
+          <a:scrgbClr r="0" g="0" b="0"/>
+        </a:lnRef>
+        <a:fillRef idx="0">
+          <a:scrgbClr r="0" g="0" b="0"/>
+        </a:fillRef>
+        <a:effectRef idx="0">
+          <a:scrgbClr r="0" g="0" b="0"/>
+        </a:effectRef>
+        <a:fontRef idx="minor"/>
+      </dsp:style>
+    </dsp:sp>
+    <dsp:sp modelId="{8C926603-2224-44F7-95F7-61A92CB501D1}">
+      <dsp:nvSpPr>
+        <dsp:cNvPr id="0" name=""/>
+        <dsp:cNvSpPr/>
+      </dsp:nvSpPr>
+      <dsp:spPr>
+        <a:xfrm>
+          <a:off x="4308487" y="1822495"/>
+          <a:ext cx="1126971" cy="1874984"/>
+        </a:xfrm>
+        <a:custGeom>
+          <a:avLst/>
+          <a:gdLst/>
+          <a:ahLst/>
+          <a:cxnLst/>
+          <a:rect l="0" t="0" r="0" b="0"/>
+          <a:pathLst>
+            <a:path>
+              <a:moveTo>
+                <a:pt x="0" y="0"/>
+              </a:moveTo>
+              <a:lnTo>
+                <a:pt x="0" y="1672022"/>
+              </a:lnTo>
+              <a:lnTo>
+                <a:pt x="1126971" y="1672022"/>
+              </a:lnTo>
+              <a:lnTo>
+                <a:pt x="1126971" y="1874984"/>
+              </a:lnTo>
+            </a:path>
+          </a:pathLst>
+        </a:custGeom>
+        <a:noFill/>
+        <a:ln w="25400" cap="flat" cmpd="sng" algn="ctr">
+          <a:solidFill>
+            <a:schemeClr val="dk1">
+              <a:shade val="60000"/>
+              <a:hueOff val="0"/>
+              <a:satOff val="0"/>
+              <a:lumOff val="0"/>
+              <a:alphaOff val="0"/>
+            </a:schemeClr>
+          </a:solidFill>
+          <a:prstDash val="solid"/>
+        </a:ln>
+        <a:effectLst/>
+      </dsp:spPr>
+      <dsp:style>
+        <a:lnRef idx="2">
+          <a:scrgbClr r="0" g="0" b="0"/>
+        </a:lnRef>
+        <a:fillRef idx="0">
+          <a:scrgbClr r="0" g="0" b="0"/>
+        </a:fillRef>
+        <a:effectRef idx="0">
+          <a:scrgbClr r="0" g="0" b="0"/>
+        </a:effectRef>
+        <a:fontRef idx="minor"/>
+      </dsp:style>
+    </dsp:sp>
+    <dsp:sp modelId="{BA0D3B27-D8D2-459F-BC3A-835125273025}">
+      <dsp:nvSpPr>
+        <dsp:cNvPr id="0" name=""/>
+        <dsp:cNvSpPr/>
+      </dsp:nvSpPr>
+      <dsp:spPr>
+        <a:xfrm>
+          <a:off x="3181515" y="1822495"/>
+          <a:ext cx="1126971" cy="1874984"/>
+        </a:xfrm>
+        <a:custGeom>
+          <a:avLst/>
+          <a:gdLst/>
+          <a:ahLst/>
+          <a:cxnLst/>
+          <a:rect l="0" t="0" r="0" b="0"/>
+          <a:pathLst>
+            <a:path>
+              <a:moveTo>
+                <a:pt x="1126971" y="0"/>
+              </a:moveTo>
+              <a:lnTo>
+                <a:pt x="1126971" y="1672022"/>
+              </a:lnTo>
+              <a:lnTo>
+                <a:pt x="0" y="1672022"/>
+              </a:lnTo>
+              <a:lnTo>
+                <a:pt x="0" y="1874984"/>
+              </a:lnTo>
+            </a:path>
+          </a:pathLst>
+        </a:custGeom>
+        <a:noFill/>
+        <a:ln w="25400" cap="flat" cmpd="sng" algn="ctr">
+          <a:solidFill>
+            <a:schemeClr val="dk1">
+              <a:shade val="60000"/>
+              <a:hueOff val="0"/>
+              <a:satOff val="0"/>
+              <a:lumOff val="0"/>
+              <a:alphaOff val="0"/>
+            </a:schemeClr>
+          </a:solidFill>
+          <a:prstDash val="solid"/>
+        </a:ln>
+        <a:effectLst/>
+      </dsp:spPr>
+      <dsp:style>
+        <a:lnRef idx="2">
+          <a:scrgbClr r="0" g="0" b="0"/>
+        </a:lnRef>
+        <a:fillRef idx="0">
+          <a:scrgbClr r="0" g="0" b="0"/>
+        </a:fillRef>
+        <a:effectRef idx="0">
+          <a:scrgbClr r="0" g="0" b="0"/>
+        </a:effectRef>
+        <a:fontRef idx="minor"/>
+      </dsp:style>
+    </dsp:sp>
+    <dsp:sp modelId="{BD452632-A25A-46FE-8690-ED19D933D1C4}">
+      <dsp:nvSpPr>
+        <dsp:cNvPr id="0" name=""/>
+        <dsp:cNvSpPr/>
+      </dsp:nvSpPr>
+      <dsp:spPr>
+        <a:xfrm>
+          <a:off x="927573" y="1822495"/>
+          <a:ext cx="3380913" cy="1874984"/>
+        </a:xfrm>
+        <a:custGeom>
+          <a:avLst/>
+          <a:gdLst/>
+          <a:ahLst/>
+          <a:cxnLst/>
+          <a:rect l="0" t="0" r="0" b="0"/>
+          <a:pathLst>
+            <a:path>
+              <a:moveTo>
+                <a:pt x="3380913" y="0"/>
+              </a:moveTo>
+              <a:lnTo>
+                <a:pt x="3380913" y="1672022"/>
+              </a:lnTo>
+              <a:lnTo>
+                <a:pt x="0" y="1672022"/>
+              </a:lnTo>
+              <a:lnTo>
+                <a:pt x="0" y="1874984"/>
+              </a:lnTo>
+            </a:path>
+          </a:pathLst>
+        </a:custGeom>
+        <a:noFill/>
+        <a:ln w="25400" cap="flat" cmpd="sng" algn="ctr">
+          <a:solidFill>
+            <a:schemeClr val="dk1">
+              <a:shade val="60000"/>
+              <a:hueOff val="0"/>
+              <a:satOff val="0"/>
+              <a:lumOff val="0"/>
+              <a:alphaOff val="0"/>
+            </a:schemeClr>
+          </a:solidFill>
+          <a:prstDash val="solid"/>
+        </a:ln>
+        <a:effectLst/>
+      </dsp:spPr>
+      <dsp:style>
+        <a:lnRef idx="2">
+          <a:scrgbClr r="0" g="0" b="0"/>
+        </a:lnRef>
+        <a:fillRef idx="0">
+          <a:scrgbClr r="0" g="0" b="0"/>
+        </a:fillRef>
+        <a:effectRef idx="0">
+          <a:scrgbClr r="0" g="0" b="0"/>
+        </a:effectRef>
+        <a:fontRef idx="minor"/>
+      </dsp:style>
+    </dsp:sp>
+    <dsp:sp modelId="{AC10FA49-5CFE-44D4-88FE-FDD71266B81A}">
+      <dsp:nvSpPr>
+        <dsp:cNvPr id="0" name=""/>
+        <dsp:cNvSpPr/>
+      </dsp:nvSpPr>
+      <dsp:spPr>
+        <a:xfrm>
+          <a:off x="3468478" y="952657"/>
+          <a:ext cx="1680016" cy="869838"/>
+        </a:xfrm>
+        <a:prstGeom prst="rect">
+          <a:avLst/>
+        </a:prstGeom>
+        <a:solidFill>
+          <a:schemeClr val="lt1">
+            <a:hueOff val="0"/>
+            <a:satOff val="0"/>
+            <a:lumOff val="0"/>
+            <a:alphaOff val="0"/>
+          </a:schemeClr>
+        </a:solidFill>
+        <a:ln w="25400" cap="flat" cmpd="sng" algn="ctr">
+          <a:solidFill>
+            <a:schemeClr val="dk1">
+              <a:shade val="80000"/>
+              <a:hueOff val="0"/>
+              <a:satOff val="0"/>
+              <a:lumOff val="0"/>
+              <a:alphaOff val="0"/>
+            </a:schemeClr>
+          </a:solidFill>
+          <a:prstDash val="solid"/>
+        </a:ln>
+        <a:effectLst/>
+      </dsp:spPr>
+      <dsp:style>
+        <a:lnRef idx="2">
+          <a:scrgbClr r="0" g="0" b="0"/>
+        </a:lnRef>
+        <a:fillRef idx="1">
+          <a:scrgbClr r="0" g="0" b="0"/>
+        </a:fillRef>
+        <a:effectRef idx="0">
+          <a:scrgbClr r="0" g="0" b="0"/>
+        </a:effectRef>
+        <a:fontRef idx="minor">
+          <a:schemeClr val="lt1"/>
+        </a:fontRef>
+      </dsp:style>
+      <dsp:txBody>
+        <a:bodyPr spcFirstLastPara="0" vert="horz" wrap="square" lIns="14605" tIns="14605" rIns="14605" bIns="122744" numCol="1" spcCol="1270" anchor="ctr" anchorCtr="0">
+          <a:noAutofit/>
+        </a:bodyPr>
+        <a:lstStyle/>
+        <a:p>
+          <a:pPr lvl="0" algn="ctr" defTabSz="1022350">
+            <a:lnSpc>
+              <a:spcPct val="90000"/>
+            </a:lnSpc>
+            <a:spcBef>
+              <a:spcPct val="0"/>
+            </a:spcBef>
+            <a:spcAft>
+              <a:spcPct val="35000"/>
+            </a:spcAft>
+          </a:pPr>
+          <a:r>
+            <a:rPr kumimoji="1" lang="ja-JP" altLang="en-US" sz="2300" kern="1200" dirty="0"/>
+            <a:t>プロジェクト責任者</a:t>
+          </a:r>
+        </a:p>
+      </dsp:txBody>
+      <dsp:txXfrm>
+        <a:off x="3468478" y="952657"/>
+        <a:ext cx="1680016" cy="869838"/>
+      </dsp:txXfrm>
+    </dsp:sp>
+    <dsp:sp modelId="{24FF90D0-4482-4A15-BDDE-C29A6433E6E2}">
+      <dsp:nvSpPr>
+        <dsp:cNvPr id="0" name=""/>
+        <dsp:cNvSpPr/>
+      </dsp:nvSpPr>
+      <dsp:spPr>
+        <a:xfrm>
+          <a:off x="3804482" y="1629198"/>
+          <a:ext cx="1512014" cy="289946"/>
+        </a:xfrm>
+        <a:prstGeom prst="rect">
+          <a:avLst/>
+        </a:prstGeom>
+        <a:solidFill>
+          <a:schemeClr val="dk1">
+            <a:alpha val="90000"/>
+            <a:tint val="40000"/>
+            <a:hueOff val="0"/>
+            <a:satOff val="0"/>
+            <a:lumOff val="0"/>
+            <a:alphaOff val="0"/>
+          </a:schemeClr>
+        </a:solidFill>
+        <a:ln w="25400" cap="flat" cmpd="sng" algn="ctr">
+          <a:solidFill>
+            <a:schemeClr val="dk1">
+              <a:hueOff val="0"/>
+              <a:satOff val="0"/>
+              <a:lumOff val="0"/>
+              <a:alphaOff val="0"/>
+            </a:schemeClr>
+          </a:solidFill>
+          <a:prstDash val="solid"/>
+        </a:ln>
+        <a:effectLst/>
+      </dsp:spPr>
+      <dsp:style>
+        <a:lnRef idx="2">
+          <a:scrgbClr r="0" g="0" b="0"/>
+        </a:lnRef>
+        <a:fillRef idx="1">
+          <a:scrgbClr r="0" g="0" b="0"/>
+        </a:fillRef>
+        <a:effectRef idx="0">
+          <a:scrgbClr r="0" g="0" b="0"/>
+        </a:effectRef>
+        <a:fontRef idx="minor"/>
+      </dsp:style>
+      <dsp:txBody>
+        <a:bodyPr spcFirstLastPara="0" vert="horz" wrap="square" lIns="43180" tIns="10795" rIns="43180" bIns="10795" numCol="1" spcCol="1270" anchor="ctr" anchorCtr="0">
+          <a:noAutofit/>
+        </a:bodyPr>
+        <a:lstStyle/>
+        <a:p>
+          <a:pPr lvl="0" algn="r" defTabSz="755650">
+            <a:lnSpc>
+              <a:spcPct val="90000"/>
+            </a:lnSpc>
+            <a:spcBef>
+              <a:spcPct val="0"/>
+            </a:spcBef>
+            <a:spcAft>
+              <a:spcPct val="35000"/>
+            </a:spcAft>
+          </a:pPr>
+          <a:r>
+            <a:rPr kumimoji="1" lang="ja-JP" altLang="en-US" sz="1700" kern="1200"/>
+            <a:t>星野 圭亮</a:t>
+          </a:r>
+          <a:endParaRPr kumimoji="1" lang="en-US" altLang="ja-JP" sz="1700" kern="1200"/>
+        </a:p>
+      </dsp:txBody>
+      <dsp:txXfrm>
+        <a:off x="3804482" y="1629198"/>
+        <a:ext cx="1512014" cy="289946"/>
+      </dsp:txXfrm>
+    </dsp:sp>
+    <dsp:sp modelId="{BF1EA690-780A-44C3-9D1D-1D757C3BA9AF}">
+      <dsp:nvSpPr>
+        <dsp:cNvPr id="0" name=""/>
+        <dsp:cNvSpPr/>
+      </dsp:nvSpPr>
+      <dsp:spPr>
+        <a:xfrm>
+          <a:off x="87565" y="3697479"/>
+          <a:ext cx="1680016" cy="869838"/>
+        </a:xfrm>
+        <a:prstGeom prst="rect">
+          <a:avLst/>
+        </a:prstGeom>
+        <a:solidFill>
+          <a:schemeClr val="lt1">
+            <a:hueOff val="0"/>
+            <a:satOff val="0"/>
+            <a:lumOff val="0"/>
+            <a:alphaOff val="0"/>
+          </a:schemeClr>
+        </a:solidFill>
+        <a:ln w="25400" cap="flat" cmpd="sng" algn="ctr">
+          <a:solidFill>
+            <a:schemeClr val="dk1">
+              <a:shade val="80000"/>
+              <a:hueOff val="0"/>
+              <a:satOff val="0"/>
+              <a:lumOff val="0"/>
+              <a:alphaOff val="0"/>
+            </a:schemeClr>
+          </a:solidFill>
+          <a:prstDash val="solid"/>
+        </a:ln>
+        <a:effectLst/>
+      </dsp:spPr>
+      <dsp:style>
+        <a:lnRef idx="2">
+          <a:scrgbClr r="0" g="0" b="0"/>
+        </a:lnRef>
+        <a:fillRef idx="1">
+          <a:scrgbClr r="0" g="0" b="0"/>
+        </a:fillRef>
+        <a:effectRef idx="0">
+          <a:scrgbClr r="0" g="0" b="0"/>
+        </a:effectRef>
+        <a:fontRef idx="minor">
+          <a:schemeClr val="lt1"/>
+        </a:fontRef>
+      </dsp:style>
+      <dsp:txBody>
+        <a:bodyPr spcFirstLastPara="0" vert="horz" wrap="square" lIns="14605" tIns="14605" rIns="14605" bIns="122744" numCol="1" spcCol="1270" anchor="ctr" anchorCtr="0">
+          <a:noAutofit/>
+        </a:bodyPr>
+        <a:lstStyle/>
+        <a:p>
+          <a:pPr lvl="0" algn="ctr" defTabSz="1022350">
+            <a:lnSpc>
+              <a:spcPct val="90000"/>
+            </a:lnSpc>
+            <a:spcBef>
+              <a:spcPct val="0"/>
+            </a:spcBef>
+            <a:spcAft>
+              <a:spcPct val="35000"/>
+            </a:spcAft>
+          </a:pPr>
+          <a:r>
+            <a:rPr kumimoji="1" lang="ja-JP" altLang="en-US" sz="2300" kern="1200"/>
+            <a:t>プロジェクトサブリーダー</a:t>
+          </a:r>
+        </a:p>
+      </dsp:txBody>
+      <dsp:txXfrm>
+        <a:off x="87565" y="3697479"/>
+        <a:ext cx="1680016" cy="869838"/>
+      </dsp:txXfrm>
+    </dsp:sp>
+    <dsp:sp modelId="{CC473E9B-CEDB-4D69-948D-F3C81E0ACF84}">
+      <dsp:nvSpPr>
+        <dsp:cNvPr id="0" name=""/>
+        <dsp:cNvSpPr/>
+      </dsp:nvSpPr>
+      <dsp:spPr>
+        <a:xfrm>
+          <a:off x="423568" y="4374020"/>
+          <a:ext cx="1512014" cy="289946"/>
+        </a:xfrm>
+        <a:prstGeom prst="rect">
+          <a:avLst/>
+        </a:prstGeom>
+        <a:solidFill>
+          <a:schemeClr val="dk1">
+            <a:alpha val="90000"/>
+            <a:tint val="40000"/>
+            <a:hueOff val="0"/>
+            <a:satOff val="0"/>
+            <a:lumOff val="0"/>
+            <a:alphaOff val="0"/>
+          </a:schemeClr>
+        </a:solidFill>
+        <a:ln w="25400" cap="flat" cmpd="sng" algn="ctr">
+          <a:solidFill>
+            <a:schemeClr val="dk1">
+              <a:hueOff val="0"/>
+              <a:satOff val="0"/>
+              <a:lumOff val="0"/>
+              <a:alphaOff val="0"/>
+            </a:schemeClr>
+          </a:solidFill>
+          <a:prstDash val="solid"/>
+        </a:ln>
+        <a:effectLst/>
+      </dsp:spPr>
+      <dsp:style>
+        <a:lnRef idx="2">
+          <a:scrgbClr r="0" g="0" b="0"/>
+        </a:lnRef>
+        <a:fillRef idx="1">
+          <a:scrgbClr r="0" g="0" b="0"/>
+        </a:fillRef>
+        <a:effectRef idx="0">
+          <a:scrgbClr r="0" g="0" b="0"/>
+        </a:effectRef>
+        <a:fontRef idx="minor"/>
+      </dsp:style>
+      <dsp:txBody>
+        <a:bodyPr spcFirstLastPara="0" vert="horz" wrap="square" lIns="43180" tIns="10795" rIns="43180" bIns="10795" numCol="1" spcCol="1270" anchor="ctr" anchorCtr="0">
+          <a:noAutofit/>
+        </a:bodyPr>
+        <a:lstStyle/>
+        <a:p>
+          <a:pPr lvl="0" algn="r" defTabSz="755650">
+            <a:lnSpc>
+              <a:spcPct val="90000"/>
+            </a:lnSpc>
+            <a:spcBef>
+              <a:spcPct val="0"/>
+            </a:spcBef>
+            <a:spcAft>
+              <a:spcPct val="35000"/>
+            </a:spcAft>
+          </a:pPr>
+          <a:r>
+            <a:rPr kumimoji="1" lang="ja-JP" altLang="en-US" sz="1700" kern="1200"/>
+            <a:t>越 貴章</a:t>
+          </a:r>
+        </a:p>
+      </dsp:txBody>
+      <dsp:txXfrm>
+        <a:off x="423568" y="4374020"/>
+        <a:ext cx="1512014" cy="289946"/>
+      </dsp:txXfrm>
+    </dsp:sp>
+    <dsp:sp modelId="{936B8E1C-AE89-470A-9370-0F5C9FAA8B98}">
+      <dsp:nvSpPr>
+        <dsp:cNvPr id="0" name=""/>
+        <dsp:cNvSpPr/>
+      </dsp:nvSpPr>
+      <dsp:spPr>
+        <a:xfrm>
+          <a:off x="2341507" y="3697479"/>
+          <a:ext cx="1680016" cy="869838"/>
+        </a:xfrm>
+        <a:prstGeom prst="rect">
+          <a:avLst/>
+        </a:prstGeom>
+        <a:solidFill>
+          <a:schemeClr val="lt1">
+            <a:hueOff val="0"/>
+            <a:satOff val="0"/>
+            <a:lumOff val="0"/>
+            <a:alphaOff val="0"/>
+          </a:schemeClr>
+        </a:solidFill>
+        <a:ln w="25400" cap="flat" cmpd="sng" algn="ctr">
+          <a:solidFill>
+            <a:schemeClr val="dk1">
+              <a:shade val="80000"/>
+              <a:hueOff val="0"/>
+              <a:satOff val="0"/>
+              <a:lumOff val="0"/>
+              <a:alphaOff val="0"/>
+            </a:schemeClr>
+          </a:solidFill>
+          <a:prstDash val="solid"/>
+        </a:ln>
+        <a:effectLst/>
+      </dsp:spPr>
+      <dsp:style>
+        <a:lnRef idx="2">
+          <a:scrgbClr r="0" g="0" b="0"/>
+        </a:lnRef>
+        <a:fillRef idx="1">
+          <a:scrgbClr r="0" g="0" b="0"/>
+        </a:fillRef>
+        <a:effectRef idx="0">
+          <a:scrgbClr r="0" g="0" b="0"/>
+        </a:effectRef>
+        <a:fontRef idx="minor">
+          <a:schemeClr val="lt1"/>
+        </a:fontRef>
+      </dsp:style>
+      <dsp:txBody>
+        <a:bodyPr spcFirstLastPara="0" vert="horz" wrap="square" lIns="14605" tIns="14605" rIns="14605" bIns="122744" numCol="1" spcCol="1270" anchor="ctr" anchorCtr="0">
+          <a:noAutofit/>
+        </a:bodyPr>
+        <a:lstStyle/>
+        <a:p>
+          <a:pPr lvl="0" algn="ctr" defTabSz="1022350">
+            <a:lnSpc>
+              <a:spcPct val="90000"/>
+            </a:lnSpc>
+            <a:spcBef>
+              <a:spcPct val="0"/>
+            </a:spcBef>
+            <a:spcAft>
+              <a:spcPct val="35000"/>
+            </a:spcAft>
+          </a:pPr>
+          <a:r>
+            <a:rPr kumimoji="1" lang="ja-JP" altLang="en-US" sz="2300" kern="1200"/>
+            <a:t>テクニカル</a:t>
+          </a:r>
+          <a:r>
+            <a:rPr kumimoji="1" lang="en-US" altLang="ja-JP" sz="2300" kern="1200"/>
+            <a:t/>
+          </a:r>
+          <a:br>
+            <a:rPr kumimoji="1" lang="en-US" altLang="ja-JP" sz="2300" kern="1200"/>
+          </a:br>
+          <a:r>
+            <a:rPr kumimoji="1" lang="ja-JP" altLang="en-US" sz="2300" kern="1200"/>
+            <a:t>リーダー</a:t>
+          </a:r>
+        </a:p>
+      </dsp:txBody>
+      <dsp:txXfrm>
+        <a:off x="2341507" y="3697479"/>
+        <a:ext cx="1680016" cy="869838"/>
+      </dsp:txXfrm>
+    </dsp:sp>
+    <dsp:sp modelId="{D19A578E-A245-414A-9C62-15D37D814853}">
+      <dsp:nvSpPr>
+        <dsp:cNvPr id="0" name=""/>
+        <dsp:cNvSpPr/>
+      </dsp:nvSpPr>
+      <dsp:spPr>
+        <a:xfrm>
+          <a:off x="2677510" y="4374020"/>
+          <a:ext cx="1512014" cy="289946"/>
+        </a:xfrm>
+        <a:prstGeom prst="rect">
+          <a:avLst/>
+        </a:prstGeom>
+        <a:solidFill>
+          <a:schemeClr val="dk1">
+            <a:alpha val="90000"/>
+            <a:tint val="40000"/>
+            <a:hueOff val="0"/>
+            <a:satOff val="0"/>
+            <a:lumOff val="0"/>
+            <a:alphaOff val="0"/>
+          </a:schemeClr>
+        </a:solidFill>
+        <a:ln w="25400" cap="flat" cmpd="sng" algn="ctr">
+          <a:solidFill>
+            <a:schemeClr val="dk1">
+              <a:hueOff val="0"/>
+              <a:satOff val="0"/>
+              <a:lumOff val="0"/>
+              <a:alphaOff val="0"/>
+            </a:schemeClr>
+          </a:solidFill>
+          <a:prstDash val="solid"/>
+        </a:ln>
+        <a:effectLst/>
+      </dsp:spPr>
+      <dsp:style>
+        <a:lnRef idx="2">
+          <a:scrgbClr r="0" g="0" b="0"/>
+        </a:lnRef>
+        <a:fillRef idx="1">
+          <a:scrgbClr r="0" g="0" b="0"/>
+        </a:fillRef>
+        <a:effectRef idx="0">
+          <a:scrgbClr r="0" g="0" b="0"/>
+        </a:effectRef>
+        <a:fontRef idx="minor"/>
+      </dsp:style>
+      <dsp:txBody>
+        <a:bodyPr spcFirstLastPara="0" vert="horz" wrap="square" lIns="43180" tIns="10795" rIns="43180" bIns="10795" numCol="1" spcCol="1270" anchor="ctr" anchorCtr="0">
+          <a:noAutofit/>
+        </a:bodyPr>
+        <a:lstStyle/>
+        <a:p>
+          <a:pPr lvl="0" algn="r" defTabSz="755650">
+            <a:lnSpc>
+              <a:spcPct val="90000"/>
+            </a:lnSpc>
+            <a:spcBef>
+              <a:spcPct val="0"/>
+            </a:spcBef>
+            <a:spcAft>
+              <a:spcPct val="35000"/>
+            </a:spcAft>
+          </a:pPr>
+          <a:r>
+            <a:rPr kumimoji="1" lang="ja-JP" altLang="en-US" sz="1700" kern="1200"/>
+            <a:t>ムン アヒョン</a:t>
+          </a:r>
+        </a:p>
+      </dsp:txBody>
+      <dsp:txXfrm>
+        <a:off x="2677510" y="4374020"/>
+        <a:ext cx="1512014" cy="289946"/>
+      </dsp:txXfrm>
+    </dsp:sp>
+    <dsp:sp modelId="{AE333CCA-9B6A-42D1-895E-DE6FBFD2DB96}">
+      <dsp:nvSpPr>
+        <dsp:cNvPr id="0" name=""/>
+        <dsp:cNvSpPr/>
+      </dsp:nvSpPr>
+      <dsp:spPr>
+        <a:xfrm>
+          <a:off x="4595450" y="3697479"/>
+          <a:ext cx="1680016" cy="869838"/>
+        </a:xfrm>
+        <a:prstGeom prst="rect">
+          <a:avLst/>
+        </a:prstGeom>
+        <a:solidFill>
+          <a:schemeClr val="lt1">
+            <a:hueOff val="0"/>
+            <a:satOff val="0"/>
+            <a:lumOff val="0"/>
+            <a:alphaOff val="0"/>
+          </a:schemeClr>
+        </a:solidFill>
+        <a:ln w="25400" cap="flat" cmpd="sng" algn="ctr">
+          <a:solidFill>
+            <a:schemeClr val="dk1">
+              <a:shade val="80000"/>
+              <a:hueOff val="0"/>
+              <a:satOff val="0"/>
+              <a:lumOff val="0"/>
+              <a:alphaOff val="0"/>
+            </a:schemeClr>
+          </a:solidFill>
+          <a:prstDash val="solid"/>
+        </a:ln>
+        <a:effectLst/>
+      </dsp:spPr>
+      <dsp:style>
+        <a:lnRef idx="2">
+          <a:scrgbClr r="0" g="0" b="0"/>
+        </a:lnRef>
+        <a:fillRef idx="1">
+          <a:scrgbClr r="0" g="0" b="0"/>
+        </a:fillRef>
+        <a:effectRef idx="0">
+          <a:scrgbClr r="0" g="0" b="0"/>
+        </a:effectRef>
+        <a:fontRef idx="minor">
+          <a:schemeClr val="lt1"/>
+        </a:fontRef>
+      </dsp:style>
+      <dsp:txBody>
+        <a:bodyPr spcFirstLastPara="0" vert="horz" wrap="square" lIns="14605" tIns="14605" rIns="14605" bIns="122744" numCol="1" spcCol="1270" anchor="ctr" anchorCtr="0">
+          <a:noAutofit/>
+        </a:bodyPr>
+        <a:lstStyle/>
+        <a:p>
+          <a:pPr lvl="0" algn="ctr" defTabSz="1022350">
+            <a:lnSpc>
+              <a:spcPct val="90000"/>
+            </a:lnSpc>
+            <a:spcBef>
+              <a:spcPct val="0"/>
+            </a:spcBef>
+            <a:spcAft>
+              <a:spcPct val="35000"/>
+            </a:spcAft>
+          </a:pPr>
+          <a:r>
+            <a:rPr kumimoji="1" lang="ja-JP" altLang="en-US" sz="2300" kern="1200"/>
+            <a:t>品質管理</a:t>
+          </a:r>
+        </a:p>
+      </dsp:txBody>
+      <dsp:txXfrm>
+        <a:off x="4595450" y="3697479"/>
+        <a:ext cx="1680016" cy="869838"/>
+      </dsp:txXfrm>
+    </dsp:sp>
+    <dsp:sp modelId="{8508A163-ABFD-4730-893E-600790472B4F}">
+      <dsp:nvSpPr>
+        <dsp:cNvPr id="0" name=""/>
+        <dsp:cNvSpPr/>
+      </dsp:nvSpPr>
+      <dsp:spPr>
+        <a:xfrm>
+          <a:off x="4931453" y="4374020"/>
+          <a:ext cx="1512014" cy="289946"/>
+        </a:xfrm>
+        <a:prstGeom prst="rect">
+          <a:avLst/>
+        </a:prstGeom>
+        <a:solidFill>
+          <a:schemeClr val="dk1">
+            <a:alpha val="90000"/>
+            <a:tint val="40000"/>
+            <a:hueOff val="0"/>
+            <a:satOff val="0"/>
+            <a:lumOff val="0"/>
+            <a:alphaOff val="0"/>
+          </a:schemeClr>
+        </a:solidFill>
+        <a:ln w="25400" cap="flat" cmpd="sng" algn="ctr">
+          <a:solidFill>
+            <a:schemeClr val="dk1">
+              <a:hueOff val="0"/>
+              <a:satOff val="0"/>
+              <a:lumOff val="0"/>
+              <a:alphaOff val="0"/>
+            </a:schemeClr>
+          </a:solidFill>
+          <a:prstDash val="solid"/>
+        </a:ln>
+        <a:effectLst/>
+      </dsp:spPr>
+      <dsp:style>
+        <a:lnRef idx="2">
+          <a:scrgbClr r="0" g="0" b="0"/>
+        </a:lnRef>
+        <a:fillRef idx="1">
+          <a:scrgbClr r="0" g="0" b="0"/>
+        </a:fillRef>
+        <a:effectRef idx="0">
+          <a:scrgbClr r="0" g="0" b="0"/>
+        </a:effectRef>
+        <a:fontRef idx="minor"/>
+      </dsp:style>
+      <dsp:txBody>
+        <a:bodyPr spcFirstLastPara="0" vert="horz" wrap="square" lIns="43180" tIns="10795" rIns="43180" bIns="10795" numCol="1" spcCol="1270" anchor="ctr" anchorCtr="0">
+          <a:noAutofit/>
+        </a:bodyPr>
+        <a:lstStyle/>
+        <a:p>
+          <a:pPr lvl="0" algn="r" defTabSz="755650">
+            <a:lnSpc>
+              <a:spcPct val="90000"/>
+            </a:lnSpc>
+            <a:spcBef>
+              <a:spcPct val="0"/>
+            </a:spcBef>
+            <a:spcAft>
+              <a:spcPct val="35000"/>
+            </a:spcAft>
+          </a:pPr>
+          <a:r>
+            <a:rPr kumimoji="1" lang="ja-JP" altLang="en-US" sz="1700" kern="1200"/>
+            <a:t>香川 遼太</a:t>
+          </a:r>
+        </a:p>
+      </dsp:txBody>
+      <dsp:txXfrm>
+        <a:off x="4931453" y="4374020"/>
+        <a:ext cx="1512014" cy="289946"/>
+      </dsp:txXfrm>
+    </dsp:sp>
+    <dsp:sp modelId="{1785C501-1EC8-4649-A052-E2CD4BA94323}">
+      <dsp:nvSpPr>
+        <dsp:cNvPr id="0" name=""/>
+        <dsp:cNvSpPr/>
+      </dsp:nvSpPr>
+      <dsp:spPr>
+        <a:xfrm>
+          <a:off x="6849392" y="3697479"/>
+          <a:ext cx="1680016" cy="869838"/>
+        </a:xfrm>
+        <a:prstGeom prst="rect">
+          <a:avLst/>
+        </a:prstGeom>
+        <a:solidFill>
+          <a:schemeClr val="lt1">
+            <a:hueOff val="0"/>
+            <a:satOff val="0"/>
+            <a:lumOff val="0"/>
+            <a:alphaOff val="0"/>
+          </a:schemeClr>
+        </a:solidFill>
+        <a:ln w="25400" cap="flat" cmpd="sng" algn="ctr">
+          <a:solidFill>
+            <a:schemeClr val="dk1">
+              <a:shade val="80000"/>
+              <a:hueOff val="0"/>
+              <a:satOff val="0"/>
+              <a:lumOff val="0"/>
+              <a:alphaOff val="0"/>
+            </a:schemeClr>
+          </a:solidFill>
+          <a:prstDash val="solid"/>
+        </a:ln>
+        <a:effectLst/>
+      </dsp:spPr>
+      <dsp:style>
+        <a:lnRef idx="2">
+          <a:scrgbClr r="0" g="0" b="0"/>
+        </a:lnRef>
+        <a:fillRef idx="1">
+          <a:scrgbClr r="0" g="0" b="0"/>
+        </a:fillRef>
+        <a:effectRef idx="0">
+          <a:scrgbClr r="0" g="0" b="0"/>
+        </a:effectRef>
+        <a:fontRef idx="minor">
+          <a:schemeClr val="lt1"/>
+        </a:fontRef>
+      </dsp:style>
+      <dsp:txBody>
+        <a:bodyPr spcFirstLastPara="0" vert="horz" wrap="square" lIns="14605" tIns="14605" rIns="14605" bIns="122744" numCol="1" spcCol="1270" anchor="ctr" anchorCtr="0">
+          <a:noAutofit/>
+        </a:bodyPr>
+        <a:lstStyle/>
+        <a:p>
+          <a:pPr lvl="0" algn="ctr" defTabSz="1022350">
+            <a:lnSpc>
+              <a:spcPct val="90000"/>
+            </a:lnSpc>
+            <a:spcBef>
+              <a:spcPct val="0"/>
+            </a:spcBef>
+            <a:spcAft>
+              <a:spcPct val="35000"/>
+            </a:spcAft>
+          </a:pPr>
+          <a:r>
+            <a:rPr kumimoji="1" lang="ja-JP" altLang="en-US" sz="2300" kern="1200"/>
+            <a:t>ライブラリ</a:t>
+          </a:r>
+          <a:r>
+            <a:rPr kumimoji="1" lang="en-US" altLang="ja-JP" sz="2300" kern="1200"/>
+            <a:t/>
+          </a:r>
+          <a:br>
+            <a:rPr kumimoji="1" lang="en-US" altLang="ja-JP" sz="2300" kern="1200"/>
+          </a:br>
+          <a:r>
+            <a:rPr kumimoji="1" lang="ja-JP" altLang="en-US" sz="2300" kern="1200"/>
+            <a:t>リーダー</a:t>
+          </a:r>
+        </a:p>
+      </dsp:txBody>
+      <dsp:txXfrm>
+        <a:off x="6849392" y="3697479"/>
+        <a:ext cx="1680016" cy="869838"/>
+      </dsp:txXfrm>
+    </dsp:sp>
+    <dsp:sp modelId="{ED306078-2E3A-4C99-ACB6-C8936C15CAB7}">
+      <dsp:nvSpPr>
+        <dsp:cNvPr id="0" name=""/>
+        <dsp:cNvSpPr/>
+      </dsp:nvSpPr>
+      <dsp:spPr>
+        <a:xfrm>
+          <a:off x="7185396" y="4374020"/>
+          <a:ext cx="1512014" cy="289946"/>
+        </a:xfrm>
+        <a:prstGeom prst="rect">
+          <a:avLst/>
+        </a:prstGeom>
+        <a:solidFill>
+          <a:schemeClr val="dk1">
+            <a:alpha val="90000"/>
+            <a:tint val="40000"/>
+            <a:hueOff val="0"/>
+            <a:satOff val="0"/>
+            <a:lumOff val="0"/>
+            <a:alphaOff val="0"/>
+          </a:schemeClr>
+        </a:solidFill>
+        <a:ln w="25400" cap="flat" cmpd="sng" algn="ctr">
+          <a:solidFill>
+            <a:schemeClr val="dk1">
+              <a:hueOff val="0"/>
+              <a:satOff val="0"/>
+              <a:lumOff val="0"/>
+              <a:alphaOff val="0"/>
+            </a:schemeClr>
+          </a:solidFill>
+          <a:prstDash val="solid"/>
+        </a:ln>
+        <a:effectLst/>
+      </dsp:spPr>
+      <dsp:style>
+        <a:lnRef idx="2">
+          <a:scrgbClr r="0" g="0" b="0"/>
+        </a:lnRef>
+        <a:fillRef idx="1">
+          <a:scrgbClr r="0" g="0" b="0"/>
+        </a:fillRef>
+        <a:effectRef idx="0">
+          <a:scrgbClr r="0" g="0" b="0"/>
+        </a:effectRef>
+        <a:fontRef idx="minor"/>
+      </dsp:style>
+      <dsp:txBody>
+        <a:bodyPr spcFirstLastPara="0" vert="horz" wrap="square" lIns="43180" tIns="10795" rIns="43180" bIns="10795" numCol="1" spcCol="1270" anchor="ctr" anchorCtr="0">
+          <a:noAutofit/>
+        </a:bodyPr>
+        <a:lstStyle/>
+        <a:p>
+          <a:pPr lvl="0" algn="r" defTabSz="755650">
+            <a:lnSpc>
+              <a:spcPct val="90000"/>
+            </a:lnSpc>
+            <a:spcBef>
+              <a:spcPct val="0"/>
+            </a:spcBef>
+            <a:spcAft>
+              <a:spcPct val="35000"/>
+            </a:spcAft>
+          </a:pPr>
+          <a:r>
+            <a:rPr kumimoji="1" lang="ja-JP" altLang="en-US" sz="1700" kern="1200"/>
+            <a:t>鳥海 大海</a:t>
+          </a:r>
+        </a:p>
+      </dsp:txBody>
+      <dsp:txXfrm>
+        <a:off x="7185396" y="4374020"/>
+        <a:ext cx="1512014" cy="289946"/>
+      </dsp:txXfrm>
+    </dsp:sp>
+    <dsp:sp modelId="{185CB762-7F7F-4E52-9C3A-4B5E7244C072}">
+      <dsp:nvSpPr>
+        <dsp:cNvPr id="0" name=""/>
+        <dsp:cNvSpPr/>
+      </dsp:nvSpPr>
+      <dsp:spPr>
+        <a:xfrm>
+          <a:off x="2341507" y="2325068"/>
+          <a:ext cx="1680016" cy="869838"/>
+        </a:xfrm>
+        <a:prstGeom prst="rect">
+          <a:avLst/>
+        </a:prstGeom>
+        <a:solidFill>
+          <a:schemeClr val="lt1">
+            <a:hueOff val="0"/>
+            <a:satOff val="0"/>
+            <a:lumOff val="0"/>
+            <a:alphaOff val="0"/>
+          </a:schemeClr>
+        </a:solidFill>
+        <a:ln w="25400" cap="flat" cmpd="sng" algn="ctr">
+          <a:solidFill>
+            <a:schemeClr val="dk1">
+              <a:shade val="80000"/>
+              <a:hueOff val="0"/>
+              <a:satOff val="0"/>
+              <a:lumOff val="0"/>
+              <a:alphaOff val="0"/>
+            </a:schemeClr>
+          </a:solidFill>
+          <a:prstDash val="solid"/>
+        </a:ln>
+        <a:effectLst/>
+      </dsp:spPr>
+      <dsp:style>
+        <a:lnRef idx="2">
+          <a:scrgbClr r="0" g="0" b="0"/>
+        </a:lnRef>
+        <a:fillRef idx="1">
+          <a:scrgbClr r="0" g="0" b="0"/>
+        </a:fillRef>
+        <a:effectRef idx="0">
+          <a:scrgbClr r="0" g="0" b="0"/>
+        </a:effectRef>
+        <a:fontRef idx="minor">
+          <a:schemeClr val="lt1"/>
+        </a:fontRef>
+      </dsp:style>
+      <dsp:txBody>
+        <a:bodyPr spcFirstLastPara="0" vert="horz" wrap="square" lIns="14605" tIns="14605" rIns="14605" bIns="122744" numCol="1" spcCol="1270" anchor="ctr" anchorCtr="0">
+          <a:noAutofit/>
+        </a:bodyPr>
+        <a:lstStyle/>
+        <a:p>
+          <a:pPr lvl="0" algn="ctr" defTabSz="1022350">
+            <a:lnSpc>
+              <a:spcPct val="90000"/>
+            </a:lnSpc>
+            <a:spcBef>
+              <a:spcPct val="0"/>
+            </a:spcBef>
+            <a:spcAft>
+              <a:spcPct val="35000"/>
+            </a:spcAft>
+          </a:pPr>
+          <a:r>
+            <a:rPr kumimoji="1" lang="ja-JP" altLang="en-US" sz="2300" kern="1200"/>
+            <a:t>プロジェクトリーダー</a:t>
+          </a:r>
+        </a:p>
+      </dsp:txBody>
+      <dsp:txXfrm>
+        <a:off x="2341507" y="2325068"/>
+        <a:ext cx="1680016" cy="869838"/>
+      </dsp:txXfrm>
+    </dsp:sp>
+    <dsp:sp modelId="{31DE2AFF-39D1-4A7A-AF0A-5DAC596CCF68}">
+      <dsp:nvSpPr>
+        <dsp:cNvPr id="0" name=""/>
+        <dsp:cNvSpPr/>
+      </dsp:nvSpPr>
+      <dsp:spPr>
+        <a:xfrm>
+          <a:off x="2677510" y="3001609"/>
+          <a:ext cx="1512014" cy="289946"/>
+        </a:xfrm>
+        <a:prstGeom prst="rect">
+          <a:avLst/>
+        </a:prstGeom>
+        <a:solidFill>
+          <a:schemeClr val="dk1">
+            <a:alpha val="90000"/>
+            <a:tint val="40000"/>
+            <a:hueOff val="0"/>
+            <a:satOff val="0"/>
+            <a:lumOff val="0"/>
+            <a:alphaOff val="0"/>
+          </a:schemeClr>
+        </a:solidFill>
+        <a:ln w="25400" cap="flat" cmpd="sng" algn="ctr">
+          <a:solidFill>
+            <a:schemeClr val="dk1">
+              <a:hueOff val="0"/>
+              <a:satOff val="0"/>
+              <a:lumOff val="0"/>
+              <a:alphaOff val="0"/>
+            </a:schemeClr>
+          </a:solidFill>
+          <a:prstDash val="solid"/>
+        </a:ln>
+        <a:effectLst/>
+      </dsp:spPr>
+      <dsp:style>
+        <a:lnRef idx="2">
+          <a:scrgbClr r="0" g="0" b="0"/>
+        </a:lnRef>
+        <a:fillRef idx="1">
+          <a:scrgbClr r="0" g="0" b="0"/>
+        </a:fillRef>
+        <a:effectRef idx="0">
+          <a:scrgbClr r="0" g="0" b="0"/>
+        </a:effectRef>
+        <a:fontRef idx="minor"/>
+      </dsp:style>
+      <dsp:txBody>
+        <a:bodyPr spcFirstLastPara="0" vert="horz" wrap="square" lIns="43180" tIns="10795" rIns="43180" bIns="10795" numCol="1" spcCol="1270" anchor="ctr" anchorCtr="0">
+          <a:noAutofit/>
+        </a:bodyPr>
+        <a:lstStyle/>
+        <a:p>
+          <a:pPr lvl="0" algn="r" defTabSz="755650">
+            <a:lnSpc>
+              <a:spcPct val="90000"/>
+            </a:lnSpc>
+            <a:spcBef>
+              <a:spcPct val="0"/>
+            </a:spcBef>
+            <a:spcAft>
+              <a:spcPct val="35000"/>
+            </a:spcAft>
+          </a:pPr>
+          <a:r>
+            <a:rPr kumimoji="1" lang="ja-JP" altLang="en-US" sz="1700" kern="1200"/>
+            <a:t>駒木 康宏</a:t>
+          </a:r>
+        </a:p>
+      </dsp:txBody>
+      <dsp:txXfrm>
+        <a:off x="2677510" y="3001609"/>
+        <a:ext cx="1512014" cy="289946"/>
+      </dsp:txXfrm>
+    </dsp:sp>
+  </dsp:spTree>
+</dsp:drawing>
+</file>
+
+<file path=ppt/diagrams/layout1.xml><?xml version="1.0" encoding="utf-8"?>
+<dgm:layoutDef xmlns:dgm="http://schemas.openxmlformats.org/drawingml/2006/diagram" xmlns:a="http://schemas.openxmlformats.org/drawingml/2006/main" uniqueId="urn:microsoft.com/office/officeart/2008/layout/NameandTitleOrganizationalChart">
+  <dgm:title val=""/>
+  <dgm:desc val=""/>
+  <dgm:catLst>
+    <dgm:cat type="hierarchy" pri="1250"/>
+  </dgm:catLst>
+  <dgm:sampData>
+    <dgm:dataModel>
+      <dgm:ptLst>
+        <dgm:pt modelId="0" type="doc"/>
+        <dgm:pt modelId="1">
+          <dgm:prSet phldr="1"/>
+        </dgm:pt>
+        <dgm:pt modelId="2" type="asst">
+          <dgm:prSet phldr="1"/>
+        </dgm:pt>
+        <dgm:pt modelId="3">
+          <dgm:prSet phldr="1"/>
+        </dgm:pt>
+        <dgm:pt modelId="4">
+          <dgm:prSet phldr="1"/>
+        </dgm:pt>
+        <dgm:pt modelId="5">
+          <dgm:prSet phldr="1"/>
+        </dgm:pt>
+      </dgm:ptLst>
+      <dgm:cxnLst>
+        <dgm:cxn modelId="5" srcId="0" destId="1" srcOrd="0" destOrd="0"/>
+        <dgm:cxn modelId="6" srcId="1" destId="2" srcOrd="0" destOrd="0"/>
+        <dgm:cxn modelId="7" srcId="1" destId="3" srcOrd="1" destOrd="0"/>
+        <dgm:cxn modelId="8" srcId="1" destId="4" srcOrd="2" destOrd="0"/>
+        <dgm:cxn modelId="9" srcId="1" destId="5" srcOrd="3" destOrd="0"/>
+      </dgm:cxnLst>
+      <dgm:bg/>
+      <dgm:whole/>
+    </dgm:dataModel>
+  </dgm:sampData>
+  <dgm:styleData>
+    <dgm:dataModel>
+      <dgm:ptLst>
+        <dgm:pt modelId="0" type="doc"/>
+        <dgm:pt modelId="1"/>
+        <dgm:pt modelId="12"/>
+        <dgm:pt modelId="13"/>
+      </dgm:ptLst>
+      <dgm:cxnLst>
+        <dgm:cxn modelId="2" srcId="0" destId="1" srcOrd="0" destOrd="0"/>
+        <dgm:cxn modelId="16" srcId="1" destId="12" srcOrd="1" destOrd="0"/>
+        <dgm:cxn modelId="17" srcId="1" destId="13" srcOrd="2" destOrd="0"/>
+      </dgm:cxnLst>
+      <dgm:bg/>
+      <dgm:whole/>
+    </dgm:dataModel>
+  </dgm:styleData>
+  <dgm:clrData>
+    <dgm:dataModel>
+      <dgm:ptLst>
+        <dgm:pt modelId="0" type="doc"/>
+        <dgm:pt modelId="1"/>
+        <dgm:pt modelId="11" type="asst"/>
+        <dgm:pt modelId="12"/>
+        <dgm:pt modelId="13"/>
+        <dgm:pt modelId="14"/>
+      </dgm:ptLst>
+      <dgm:cxnLst>
+        <dgm:cxn modelId="2" srcId="0" destId="1" srcOrd="0" destOrd="0"/>
+        <dgm:cxn modelId="15" srcId="1" destId="11" srcOrd="0" destOrd="0"/>
+        <dgm:cxn modelId="16" srcId="1" destId="12" srcOrd="1" destOrd="0"/>
+        <dgm:cxn modelId="17" srcId="1" destId="13" srcOrd="2" destOrd="0"/>
+        <dgm:cxn modelId="18" srcId="1" destId="14" srcOrd="2" destOrd="0"/>
+      </dgm:cxnLst>
+      <dgm:bg/>
+      <dgm:whole/>
+    </dgm:dataModel>
+  </dgm:clrData>
+  <dgm:layoutNode name="hierChild1">
+    <dgm:varLst>
+      <dgm:orgChart val="1"/>
+      <dgm:chPref val="1"/>
+      <dgm:dir/>
+      <dgm:animOne val="branch"/>
+      <dgm:animLvl val="lvl"/>
+      <dgm:resizeHandles/>
+    </dgm:varLst>
+    <dgm:choose name="Name0">
+      <dgm:if name="Name1" func="var" arg="dir" op="equ" val="norm">
+        <dgm:alg type="hierChild">
+          <dgm:param type="linDir" val="fromL"/>
+        </dgm:alg>
+      </dgm:if>
+      <dgm:else name="Name2">
+        <dgm:alg type="hierChild">
+          <dgm:param type="linDir" val="fromR"/>
+        </dgm:alg>
+      </dgm:else>
+    </dgm:choose>
+    <dgm:shape xmlns:r="http://schemas.openxmlformats.org/officeDocument/2006/relationships" r:blip="">
+      <dgm:adjLst/>
+    </dgm:shape>
+    <dgm:presOf/>
+    <dgm:constrLst>
+      <dgm:constr type="w" for="des" forName="rootComposite1" refType="w" fact="10"/>
+      <dgm:constr type="h" for="des" forName="rootComposite1" refType="w" refFor="des" refForName="rootComposite1" fact="0.5"/>
+      <dgm:constr type="w" for="des" forName="rootComposite" refType="w" fact="10"/>
+      <dgm:constr type="h" for="des" forName="rootComposite" refType="w" refFor="des" refForName="rootComposite1" fact="0.5"/>
+      <dgm:constr type="w" for="des" forName="rootComposite3" refType="w" fact="10"/>
+      <dgm:constr type="h" for="des" forName="rootComposite3" refType="w" refFor="des" refForName="rootComposite1" fact="0.5"/>
+      <dgm:constr type="primFontSz" for="des" ptType="node" op="equ"/>
+      <dgm:constr type="sp" for="des" op="equ"/>
+      <dgm:constr type="sp" for="des" forName="hierRoot1" refType="w" refFor="des" refForName="rootComposite1" fact="0.21"/>
+      <dgm:constr type="sp" for="des" forName="hierRoot2" refType="sp" refFor="des" refForName="hierRoot1"/>
+      <dgm:constr type="sp" for="des" forName="hierRoot3" refType="sp" refFor="des" refForName="hierRoot1"/>
+      <dgm:constr type="sibSp" refType="w" refFor="des" refForName="rootComposite1" fact="0.21"/>
+      <dgm:constr type="sibSp" for="des" forName="hierChild2" refType="sibSp"/>
+      <dgm:constr type="sibSp" for="des" forName="hierChild3" refType="sibSp"/>
+      <dgm:constr type="sibSp" for="des" forName="hierChild4" refType="sibSp"/>
+      <dgm:constr type="sibSp" for="des" forName="hierChild5" refType="sibSp"/>
+      <dgm:constr type="sibSp" for="des" forName="hierChild6" refType="sibSp"/>
+      <dgm:constr type="sibSp" for="des" forName="hierChild7" refType="sibSp"/>
+      <dgm:constr type="secSibSp" refType="w" refFor="des" refForName="rootComposite1" fact="0.21"/>
+      <dgm:constr type="secSibSp" for="des" forName="hierChild2" refType="secSibSp"/>
+      <dgm:constr type="secSibSp" for="des" forName="hierChild3" refType="secSibSp"/>
+      <dgm:constr type="secSibSp" for="des" forName="hierChild4" refType="secSibSp"/>
+      <dgm:constr type="secSibSp" for="des" forName="hierChild5" refType="secSibSp"/>
+      <dgm:constr type="secSibSp" for="des" forName="hierChild6" refType="secSibSp"/>
+      <dgm:constr type="secSibSp" for="des" forName="hierChild7" refType="secSibSp"/>
+    </dgm:constrLst>
+    <dgm:ruleLst/>
+    <dgm:forEach name="Name3" axis="ch">
+      <dgm:forEach name="Name4" axis="self" ptType="node">
+        <dgm:layoutNode name="hierRoot1">
+          <dgm:varLst>
+            <dgm:hierBranch val="init"/>
+          </dgm:varLst>
+          <dgm:choose name="Name5">
+            <dgm:if name="Name6" func="var" arg="hierBranch" op="equ" val="l">
+              <dgm:choose name="Name7">
+                <dgm:if name="Name8" axis="ch" ptType="asst" func="cnt" op="gte" val="1">
+                  <dgm:alg type="hierRoot">
+                    <dgm:param type="hierAlign" val="tR"/>
+                  </dgm:alg>
+                  <dgm:constrLst>
+                    <dgm:constr type="alignOff" val="0.65"/>
+                  </dgm:constrLst>
+                </dgm:if>
+                <dgm:else name="Name9">
+                  <dgm:alg type="hierRoot">
+                    <dgm:param type="hierAlign" val="tR"/>
+                  </dgm:alg>
+                  <dgm:constrLst>
+                    <dgm:constr type="alignOff" val="0.25"/>
+                  </dgm:constrLst>
+                </dgm:else>
+              </dgm:choose>
+            </dgm:if>
+            <dgm:if name="Name10" func="var" arg="hierBranch" op="equ" val="r">
+              <dgm:choose name="Name11">
+                <dgm:if name="Name12" axis="ch" ptType="asst" func="cnt" op="gte" val="1">
+                  <dgm:alg type="hierRoot">
+                    <dgm:param type="hierAlign" val="tL"/>
+                  </dgm:alg>
+                  <dgm:constrLst>
+                    <dgm:constr type="alignOff" val="0.65"/>
+                  </dgm:constrLst>
+                </dgm:if>
+                <dgm:else name="Name13">
+                  <dgm:alg type="hierRoot">
+                    <dgm:param type="hierAlign" val="tL"/>
+                  </dgm:alg>
+                  <dgm:constrLst>
+                    <dgm:constr type="alignOff" val="0.25"/>
+                  </dgm:constrLst>
+                </dgm:else>
+              </dgm:choose>
+            </dgm:if>
+            <dgm:if name="Name14" func="var" arg="hierBranch" op="equ" val="hang">
+              <dgm:alg type="hierRoot"/>
+              <dgm:constrLst>
+                <dgm:constr type="alignOff" val="0.65"/>
+              </dgm:constrLst>
+            </dgm:if>
+            <dgm:else name="Name15">
+              <dgm:alg type="hierRoot"/>
+              <dgm:constrLst>
+                <dgm:constr type="alignOff"/>
+                <dgm:constr type="bendDist" for="des" ptType="parTrans" refType="sp" fact="0.5"/>
+              </dgm:constrLst>
+            </dgm:else>
+          </dgm:choose>
+          <dgm:shape xmlns:r="http://schemas.openxmlformats.org/officeDocument/2006/relationships" r:blip="">
+            <dgm:adjLst/>
+          </dgm:shape>
+          <dgm:presOf/>
+          <dgm:ruleLst/>
+          <dgm:layoutNode name="rootComposite1">
+            <dgm:alg type="composite"/>
+            <dgm:shape xmlns:r="http://schemas.openxmlformats.org/officeDocument/2006/relationships" r:blip="">
+              <dgm:adjLst/>
+            </dgm:shape>
+            <dgm:presOf axis="self" ptType="node" cnt="1"/>
+            <dgm:choose name="Name16">
+              <dgm:if name="Name17" func="var" arg="hierBranch" op="equ" val="init">
+                <dgm:constrLst>
+                  <dgm:constr type="l" for="ch" forName="rootText1"/>
+                  <dgm:constr type="t" for="ch" forName="rootText1"/>
+                  <dgm:constr type="w" for="ch" forName="rootText1" refType="w"/>
+                  <dgm:constr type="h" for="ch" forName="rootText1" refType="h" fact="0.9"/>
+                  <dgm:constr type="l" for="ch" forName="titleText1" refType="w" fact="0.2"/>
+                  <dgm:constr type="t" for="ch" forName="titleText1" refType="h" fact="0.7"/>
+                  <dgm:constr type="w" for="ch" forName="titleText1" refType="w" fact="0.9"/>
+                  <dgm:constr type="h" for="ch" forName="titleText1" refType="h" fact="0.3"/>
+                  <dgm:constr type="primFontSz" for="des" forName="titleText1" refType="primFontSz" refFor="des" refForName="rootText1" op="lte"/>
+                  <dgm:constr type="l" for="ch" forName="rootConnector1"/>
+                  <dgm:constr type="t" for="ch" forName="rootConnector1"/>
+                  <dgm:constr type="w" for="ch" forName="rootConnector1" refType="w" refFor="ch" refForName="rootText1" fact="0.2"/>
+                  <dgm:constr type="h" for="ch" forName="rootConnector1" refType="h" refFor="ch" refForName="rootText1"/>
+                </dgm:constrLst>
+              </dgm:if>
+              <dgm:if name="Name18" func="var" arg="hierBranch" op="equ" val="l">
+                <dgm:constrLst>
+                  <dgm:constr type="l" for="ch" forName="rootText1"/>
+                  <dgm:constr type="t" for="ch" forName="rootText1"/>
+                  <dgm:constr type="w" for="ch" forName="rootText1" refType="w"/>
+                  <dgm:constr type="h" for="ch" forName="rootText1" refType="h" fact="0.9"/>
+                  <dgm:constr type="l" for="ch" forName="titleText1" refType="w" fact="0.2"/>
+                  <dgm:constr type="t" for="ch" forName="titleText1" refType="h" fact="0.7"/>
+                  <dgm:constr type="w" for="ch" forName="titleText1" refType="w" fact="0.9"/>
+                  <dgm:constr type="h" for="ch" forName="titleText1" refType="h" fact="0.3"/>
+                  <dgm:constr type="primFontSz" for="des" forName="titleText1" refType="primFontSz" refFor="des" refForName="rootText1" op="lte"/>
+                  <dgm:constr type="r" for="ch" forName="rootConnector1" refType="w"/>
+                  <dgm:constr type="t" for="ch" forName="rootConnector1"/>
+                  <dgm:constr type="w" for="ch" forName="rootConnector1" refType="w" refFor="ch" refForName="rootText1" fact="0.2"/>
+                  <dgm:constr type="h" for="ch" forName="rootConnector1" refType="h" refFor="ch" refForName="rootText1"/>
+                </dgm:constrLst>
+              </dgm:if>
+              <dgm:if name="Name19" func="var" arg="hierBranch" op="equ" val="r">
+                <dgm:constrLst>
+                  <dgm:constr type="l" for="ch" forName="rootText1"/>
+                  <dgm:constr type="t" for="ch" forName="rootText1"/>
+                  <dgm:constr type="w" for="ch" forName="rootText1" refType="w"/>
+                  <dgm:constr type="h" for="ch" forName="rootText1" refType="h" fact="0.9"/>
+                  <dgm:constr type="l" for="ch" forName="titleText1" refType="w" fact="0.2"/>
+                  <dgm:constr type="t" for="ch" forName="titleText1" refType="h" fact="0.7"/>
+                  <dgm:constr type="w" for="ch" forName="titleText1" refType="w" fact="0.9"/>
+                  <dgm:constr type="h" for="ch" forName="titleText1" refType="h" fact="0.3"/>
+                  <dgm:constr type="primFontSz" for="des" forName="titleText1" refType="primFontSz" refFor="des" refForName="rootText1" op="lte"/>
+                  <dgm:constr type="l" for="ch" forName="rootConnector1"/>
+                  <dgm:constr type="t" for="ch" forName="rootConnector1"/>
+                  <dgm:constr type="w" for="ch" forName="rootConnector1" refType="w" refFor="ch" refForName="rootText1" fact="0.2"/>
+                  <dgm:constr type="h" for="ch" forName="rootConnector1" refType="h" refFor="ch" refForName="rootText1"/>
+                </dgm:constrLst>
+              </dgm:if>
+              <dgm:else name="Name20">
+                <dgm:constrLst>
+                  <dgm:constr type="l" for="ch" forName="rootText1"/>
+                  <dgm:constr type="t" for="ch" forName="rootText1"/>
+                  <dgm:constr type="w" for="ch" forName="rootText1" refType="w"/>
+                  <dgm:constr type="h" for="ch" forName="rootText1" refType="h" fact="0.9"/>
+                  <dgm:constr type="l" for="ch" forName="titleText1" refType="w" fact="0.2"/>
+                  <dgm:constr type="t" for="ch" forName="titleText1" refType="h" fact="0.7"/>
+                  <dgm:constr type="w" for="ch" forName="titleText1" refType="w" fact="0.9"/>
+                  <dgm:constr type="h" for="ch" forName="titleText1" refType="h" fact="0.3"/>
+                  <dgm:constr type="primFontSz" for="des" forName="titleText1" refType="primFontSz" refFor="des" refForName="rootText1" op="lte"/>
+                  <dgm:constr type="r" for="ch" forName="rootConnector1" refType="w"/>
+                  <dgm:constr type="t" for="ch" forName="rootConnector1"/>
+                  <dgm:constr type="w" for="ch" forName="rootConnector1" refType="w" refFor="ch" refForName="rootText1" fact="0.2"/>
+                  <dgm:constr type="h" for="ch" forName="rootConnector1" refType="h" refFor="ch" refForName="rootText1"/>
+                </dgm:constrLst>
+              </dgm:else>
+            </dgm:choose>
+            <dgm:ruleLst/>
+            <dgm:layoutNode name="rootText1" styleLbl="node0">
+              <dgm:varLst>
+                <dgm:chMax/>
+                <dgm:chPref val="3"/>
+              </dgm:varLst>
+              <dgm:alg type="tx"/>
+              <dgm:shape xmlns:r="http://schemas.openxmlformats.org/officeDocument/2006/relationships" type="rect" r:blip="">
+                <dgm:adjLst/>
+              </dgm:shape>
+              <dgm:presOf axis="self" ptType="node" cnt="1"/>
+              <dgm:constrLst>
+                <dgm:constr type="primFontSz" val="65"/>
+                <dgm:constr type="lMarg" refType="primFontSz" fact="0.05"/>
+                <dgm:constr type="rMarg" refType="primFontSz" fact="0.05"/>
+                <dgm:constr type="tMarg" refType="primFontSz" fact="0.05"/>
+                <dgm:constr type="bMarg" refType="h" fact="0.4"/>
+              </dgm:constrLst>
+              <dgm:ruleLst>
+                <dgm:rule type="primFontSz" val="5" fact="NaN" max="NaN"/>
+              </dgm:ruleLst>
+            </dgm:layoutNode>
+            <dgm:layoutNode name="titleText1" styleLbl="fgAcc0">
+              <dgm:varLst>
+                <dgm:chMax val="0"/>
+                <dgm:chPref val="0"/>
+              </dgm:varLst>
+              <dgm:alg type="tx">
+                <dgm:param type="parTxLTRAlign" val="r"/>
+              </dgm:alg>
+              <dgm:shape xmlns:r="http://schemas.openxmlformats.org/officeDocument/2006/relationships" type="rect" r:blip="">
+                <dgm:adjLst/>
+              </dgm:shape>
+              <dgm:presOf axis="followSib" ptType="sibTrans" hideLastTrans="0" cnt="1"/>
+              <dgm:constrLst>
+                <dgm:constr type="primFontSz" val="65"/>
+                <dgm:constr type="lMarg" refType="primFontSz" fact="0.2"/>
+                <dgm:constr type="rMarg" refType="primFontSz" fact="0.2"/>
+                <dgm:constr type="tMarg" refType="primFontSz" fact="0.05"/>
+                <dgm:constr type="bMarg" refType="primFontSz" fact="0.05"/>
+              </dgm:constrLst>
+              <dgm:ruleLst>
+                <dgm:rule type="primFontSz" val="5" fact="NaN" max="NaN"/>
+              </dgm:ruleLst>
+            </dgm:layoutNode>
+            <dgm:layoutNode name="rootConnector1" moveWith="rootText1">
+              <dgm:alg type="sp"/>
+              <dgm:shape xmlns:r="http://schemas.openxmlformats.org/officeDocument/2006/relationships" type="rect" r:blip="" hideGeom="1">
+                <dgm:adjLst/>
+              </dgm:shape>
+              <dgm:presOf axis="self" ptType="node" cnt="1"/>
+              <dgm:constrLst/>
+              <dgm:ruleLst/>
+            </dgm:layoutNode>
+          </dgm:layoutNode>
+          <dgm:layoutNode name="hierChild2">
+            <dgm:choose name="Name21">
+              <dgm:if name="Name22" func="var" arg="hierBranch" op="equ" val="l">
+                <dgm:alg type="hierChild">
+                  <dgm:param type="chAlign" val="r"/>
+                  <dgm:param type="linDir" val="fromT"/>
+                </dgm:alg>
+              </dgm:if>
+              <dgm:if name="Name23" func="var" arg="hierBranch" op="equ" val="r">
+                <dgm:alg type="hierChild">
+                  <dgm:param type="chAlign" val="l"/>
+                  <dgm:param type="linDir" val="fromT"/>
+                </dgm:alg>
+              </dgm:if>
+              <dgm:if name="Name24" func="var" arg="hierBranch" op="equ" val="hang">
+                <dgm:choose name="Name25">
+                  <dgm:if name="Name26" func="var" arg="dir" op="equ" val="norm">
+                    <dgm:alg type="hierChild">
+                      <dgm:param type="chAlign" val="l"/>
+                      <dgm:param type="linDir" val="fromL"/>
+                      <dgm:param type="secChAlign" val="t"/>
+                      <dgm:param type="secLinDir" val="fromT"/>
+                    </dgm:alg>
+                  </dgm:if>
+                  <dgm:else name="Name27">
+                    <dgm:alg type="hierChild">
+                      <dgm:param type="chAlign" val="l"/>
+                      <dgm:param type="linDir" val="fromR"/>
+                      <dgm:param type="secChAlign" val="t"/>
+                      <dgm:param type="secLinDir" val="fromT"/>
+                    </dgm:alg>
+                  </dgm:else>
+                </dgm:choose>
+              </dgm:if>
+              <dgm:else name="Name28">
+                <dgm:choose name="Name29">
+                  <dgm:if name="Name30" func="var" arg="dir" op="equ" val="norm">
+                    <dgm:alg type="hierChild"/>
+                  </dgm:if>
+                  <dgm:else name="Name31">
+                    <dgm:alg type="hierChild">
+                      <dgm:param type="linDir" val="fromR"/>
+                    </dgm:alg>
+                  </dgm:else>
+                </dgm:choose>
+              </dgm:else>
+            </dgm:choose>
+            <dgm:shape xmlns:r="http://schemas.openxmlformats.org/officeDocument/2006/relationships" r:blip="">
+              <dgm:adjLst/>
+            </dgm:shape>
+            <dgm:presOf/>
+            <dgm:constrLst/>
+            <dgm:ruleLst/>
+            <dgm:forEach name="rep2a" axis="ch" ptType="nonAsst">
+              <dgm:forEach name="Name32" axis="precedSib" ptType="parTrans" st="-1" cnt="1">
+                <dgm:choose name="Name33">
+                  <dgm:if name="Name34" func="var" arg="hierBranch" op="equ" val="std">
+                    <dgm:layoutNode name="Name35">
+                      <dgm:alg type="conn">
+                        <dgm:param type="connRout" val="bend"/>
+                        <dgm:param type="dim" val="1D"/>
+                        <dgm:param type="endSty" val="noArr"/>
+                        <dgm:param type="begPts" val="bCtr"/>
+                        <dgm:param type="endPts" val="tCtr"/>
+                        <dgm:param type="bendPt" val="end"/>
+                      </dgm:alg>
+                      <dgm:shape xmlns:r="http://schemas.openxmlformats.org/officeDocument/2006/relationships" type="conn" r:blip="" zOrderOff="-99999">
+                        <dgm:adjLst/>
+                      </dgm:shape>
+                      <dgm:presOf axis="self"/>
+                      <dgm:constrLst>
+                        <dgm:constr type="begPad"/>
+                        <dgm:constr type="endPad"/>
+                      </dgm:constrLst>
+                      <dgm:ruleLst/>
+                    </dgm:layoutNode>
+                  </dgm:if>
+                  <dgm:if name="Name36" func="var" arg="hierBranch" op="equ" val="init">
+                    <dgm:layoutNode name="Name37">
+                      <dgm:choose name="Name38">
+                        <dgm:if name="Name39" axis="self" func="depth" op="lte" val="2">
+                          <dgm:alg type="conn">
+                            <dgm:param type="connRout" val="bend"/>
+                            <dgm:param type="dim" val="1D"/>
+                            <dgm:param type="endSty" val="noArr"/>
+                            <dgm:param type="begPts" val="bCtr"/>
+                            <dgm:param type="endPts" val="tCtr"/>
+                            <dgm:param type="bendPt" val="end"/>
+                          </dgm:alg>
+                        </dgm:if>
+                        <dgm:else name="Name40">
+                          <dgm:alg type="conn">
+                            <dgm:param type="connRout" val="bend"/>
+                            <dgm:param type="dim" val="1D"/>
+                            <dgm:param type="endSty" val="noArr"/>
+                            <dgm:param type="begPts" val="bCtr"/>
+                            <dgm:param type="endPts" val="tCtr"/>
+                            <dgm:param type="bendPt" val="end"/>
+                          </dgm:alg>
+                        </dgm:else>
+                      </dgm:choose>
+                      <dgm:shape xmlns:r="http://schemas.openxmlformats.org/officeDocument/2006/relationships" type="conn" r:blip="" zOrderOff="-99999">
+                        <dgm:adjLst/>
+                      </dgm:shape>
+                      <dgm:presOf axis="self"/>
+                      <dgm:constrLst>
+                        <dgm:constr type="begPad"/>
+                        <dgm:constr type="endPad"/>
+                      </dgm:constrLst>
+                      <dgm:ruleLst/>
+                    </dgm:layoutNode>
+                  </dgm:if>
+                  <dgm:if name="Name41" func="var" arg="hierBranch" op="equ" val="hang">
+                    <dgm:layoutNode name="Name42">
+                      <dgm:alg type="conn">
+                        <dgm:param type="connRout" val="bend"/>
+                        <dgm:param type="dim" val="1D"/>
+                        <dgm:param type="endSty" val="noArr"/>
+                        <dgm:param type="begPts" val="bCtr"/>
+                        <dgm:param type="endPts" val="midL midR"/>
+                      </dgm:alg>
+                      <dgm:shape xmlns:r="http://schemas.openxmlformats.org/officeDocument/2006/relationships" type="conn" r:blip="" zOrderOff="-99999">
+                        <dgm:adjLst/>
+                      </dgm:shape>
+                      <dgm:presOf axis="self"/>
+                      <dgm:constrLst>
+                        <dgm:constr type="begPad"/>
+                        <dgm:constr type="endPad"/>
+                      </dgm:constrLst>
+                      <dgm:ruleLst/>
+                    </dgm:layoutNode>
+                  </dgm:if>
+                  <dgm:else name="Name43">
+                    <dgm:layoutNode name="Name44">
+                      <dgm:choose name="Name45">
+                        <dgm:if name="Name46" axis="self" func="depth" op="lte" val="2">
+                          <dgm:choose name="Name47">
+                            <dgm:if name="Name48" axis="par ch" ptType="node asst" func="cnt" op="gte" val="1">
+                              <dgm:alg type="conn">
+                                <dgm:param type="connRout" val="bend"/>
+                                <dgm:param type="dim" val="1D"/>
+                                <dgm:param type="endSty" val="noArr"/>
+                                <dgm:param type="begPts" val="bCtr"/>
+                                <dgm:param type="endPts" val="midL midR"/>
+                              </dgm:alg>
+                            </dgm:if>
+                            <dgm:else name="Name49">
+                              <dgm:alg type="conn">
+                                <dgm:param type="connRout" val="bend"/>
+                                <dgm:param type="dim" val="1D"/>
+                                <dgm:param type="endSty" val="noArr"/>
+                                <dgm:param type="begPts" val="bCtr"/>
+                                <dgm:param type="endPts" val="midL midR"/>
+                                <dgm:param type="srcNode" val="rootConnector1"/>
+                              </dgm:alg>
+                            </dgm:else>
+                          </dgm:choose>
+                        </dgm:if>
+                        <dgm:else name="Name50">
+                          <dgm:choose name="Name51">
+                            <dgm:if name="Name52" axis="par ch" ptType="node asst" func="cnt" op="gte" val="1">
+                              <dgm:alg type="conn">
+                                <dgm:param type="connRout" val="bend"/>
+                                <dgm:param type="dim" val="1D"/>
+                                <dgm:param type="endSty" val="noArr"/>
+                                <dgm:param type="begPts" val="bCtr"/>
+                                <dgm:param type="endPts" val="midL midR"/>
+                              </dgm:alg>
+                            </dgm:if>
+                            <dgm:else name="Name53">
+                              <dgm:alg type="conn">
+                                <dgm:param type="connRout" val="bend"/>
+                                <dgm:param type="dim" val="1D"/>
+                                <dgm:param type="endSty" val="noArr"/>
+                                <dgm:param type="begPts" val="bCtr"/>
+                                <dgm:param type="endPts" val="midL midR"/>
+                                <dgm:param type="srcNode" val="rootConnector"/>
+                              </dgm:alg>
+                            </dgm:else>
+                          </dgm:choose>
+                        </dgm:else>
+                      </dgm:choose>
+                      <dgm:shape xmlns:r="http://schemas.openxmlformats.org/officeDocument/2006/relationships" type="conn" r:blip="" zOrderOff="-99999">
+                        <dgm:adjLst/>
+                      </dgm:shape>
+                      <dgm:presOf axis="self"/>
+                      <dgm:constrLst>
+                        <dgm:constr type="begPad"/>
+                        <dgm:constr type="endPad"/>
+                      </dgm:constrLst>
+                      <dgm:ruleLst/>
+                    </dgm:layoutNode>
+                  </dgm:else>
+                </dgm:choose>
+              </dgm:forEach>
+              <dgm:layoutNode name="hierRoot2">
+                <dgm:varLst>
+                  <dgm:hierBranch val="init"/>
+                </dgm:varLst>
+                <dgm:choose name="Name54">
+                  <dgm:if name="Name55" func="var" arg="hierBranch" op="equ" val="l">
+                    <dgm:choose name="Name56">
+                      <dgm:if name="Name57" axis="ch" ptType="asst" func="cnt" op="gte" val="1">
+                        <dgm:alg type="hierRoot">
+                          <dgm:param type="hierAlign" val="tR"/>
+                        </dgm:alg>
+                        <dgm:shape xmlns:r="http://schemas.openxmlformats.org/officeDocument/2006/relationships" r:blip="">
+                          <dgm:adjLst/>
+                        </dgm:shape>
+                        <dgm:presOf/>
+                        <dgm:constrLst>
+                          <dgm:constr type="alignOff" val="0.65"/>
+                        </dgm:constrLst>
+                      </dgm:if>
+                      <dgm:else name="Name58">
+                        <dgm:alg type="hierRoot">
+                          <dgm:param type="hierAlign" val="tR"/>
+                        </dgm:alg>
+                        <dgm:shape xmlns:r="http://schemas.openxmlformats.org/officeDocument/2006/relationships" r:blip="">
+                          <dgm:adjLst/>
+                        </dgm:shape>
+                        <dgm:presOf/>
+                        <dgm:constrLst>
+                          <dgm:constr type="alignOff" val="0.25"/>
+                        </dgm:constrLst>
+                      </dgm:else>
+                    </dgm:choose>
+                  </dgm:if>
+                  <dgm:if name="Name59" func="var" arg="hierBranch" op="equ" val="r">
+                    <dgm:choose name="Name60">
+                      <dgm:if name="Name61" axis="ch" ptType="asst" func="cnt" op="gte" val="1">
+                        <dgm:alg type="hierRoot">
+                          <dgm:param type="hierAlign" val="tL"/>
+                        </dgm:alg>
+                        <dgm:shape xmlns:r="http://schemas.openxmlformats.org/officeDocument/2006/relationships" r:blip="">
+                          <dgm:adjLst/>
+                        </dgm:shape>
+                        <dgm:presOf/>
+                        <dgm:constrLst>
+                          <dgm:constr type="alignOff" val="0.65"/>
+                        </dgm:constrLst>
+                      </dgm:if>
+                      <dgm:else name="Name62">
+                        <dgm:alg type="hierRoot">
+                          <dgm:param type="hierAlign" val="tL"/>
+                        </dgm:alg>
+                        <dgm:shape xmlns:r="http://schemas.openxmlformats.org/officeDocument/2006/relationships" r:blip="">
+                          <dgm:adjLst/>
+                        </dgm:shape>
+                        <dgm:presOf/>
+                        <dgm:constrLst>
+                          <dgm:constr type="alignOff" val="0.25"/>
+                        </dgm:constrLst>
+                      </dgm:else>
+                    </dgm:choose>
+                  </dgm:if>
+                  <dgm:if name="Name63" func="var" arg="hierBranch" op="equ" val="std">
+                    <dgm:alg type="hierRoot"/>
+                    <dgm:shape xmlns:r="http://schemas.openxmlformats.org/officeDocument/2006/relationships" r:blip="">
+                      <dgm:adjLst/>
+                    </dgm:shape>
+                    <dgm:presOf/>
+                    <dgm:constrLst>
+                      <dgm:constr type="alignOff"/>
+                      <dgm:constr type="bendDist" for="des" ptType="parTrans" refType="sp" fact="0.5"/>
+                    </dgm:constrLst>
+                  </dgm:if>
+                  <dgm:if name="Name64" func="var" arg="hierBranch" op="equ" val="init">
+                    <dgm:alg type="hierRoot"/>
+                    <dgm:shape xmlns:r="http://schemas.openxmlformats.org/officeDocument/2006/relationships" r:blip="">
+                      <dgm:adjLst/>
+                    </dgm:shape>
+                    <dgm:presOf/>
+                    <dgm:constrLst>
+                      <dgm:constr type="alignOff"/>
+                      <dgm:constr type="bendDist" for="des" ptType="parTrans" refType="sp" fact="0.5"/>
+                    </dgm:constrLst>
+                  </dgm:if>
+                  <dgm:else name="Name65">
+                    <dgm:alg type="hierRoot"/>
+                    <dgm:shape xmlns:r="http://schemas.openxmlformats.org/officeDocument/2006/relationships" r:blip="">
+                      <dgm:adjLst/>
+                    </dgm:shape>
+                    <dgm:presOf/>
+                    <dgm:constrLst>
+                      <dgm:constr type="alignOff" val="0.65"/>
+                    </dgm:constrLst>
+                  </dgm:else>
+                </dgm:choose>
+                <dgm:ruleLst/>
+                <dgm:layoutNode name="rootComposite">
+                  <dgm:alg type="composite"/>
+                  <dgm:shape xmlns:r="http://schemas.openxmlformats.org/officeDocument/2006/relationships" r:blip="">
+                    <dgm:adjLst/>
+                  </dgm:shape>
+                  <dgm:presOf axis="self" ptType="node" cnt="1"/>
+                  <dgm:choose name="Name66">
+                    <dgm:if name="Name67" func="var" arg="hierBranch" op="equ" val="init">
+                      <dgm:constrLst>
+                        <dgm:constr type="l" for="ch" forName="rootText"/>
+                        <dgm:constr type="t" for="ch" forName="rootText"/>
+                        <dgm:constr type="w" for="ch" forName="rootText" refType="w"/>
+                        <dgm:constr type="h" for="ch" forName="rootText" refType="h" fact="0.9"/>
+                        <dgm:constr type="l" for="ch" forName="titleText2" refType="w" fact="0.2"/>
+                        <dgm:constr type="t" for="ch" forName="titleText2" refType="h" fact="0.7"/>
+                        <dgm:constr type="w" for="ch" forName="titleText2" refType="w" fact="0.9"/>
+                        <dgm:constr type="h" for="ch" forName="titleText2" refType="h" fact="0.3"/>
+                        <dgm:constr type="primFontSz" for="des" forName="titleText2" refType="primFontSz" refFor="des" refForName="rootText1" op="lte"/>
+                        <dgm:constr type="l" for="ch" forName="rootConnector"/>
+                        <dgm:constr type="t" for="ch" forName="rootConnector"/>
+                        <dgm:constr type="w" for="ch" forName="rootConnector" refType="w" refFor="ch" refForName="rootText" fact="0.2"/>
+                        <dgm:constr type="h" for="ch" forName="rootConnector" refType="h" refFor="ch" refForName="rootText"/>
+                      </dgm:constrLst>
+                    </dgm:if>
+                    <dgm:if name="Name68" func="var" arg="hierBranch" op="equ" val="l">
+                      <dgm:constrLst>
+                        <dgm:constr type="l" for="ch" forName="rootText"/>
+                        <dgm:constr type="t" for="ch" forName="rootText"/>
+                        <dgm:constr type="w" for="ch" forName="rootText" refType="w"/>
+                        <dgm:constr type="h" for="ch" forName="rootText" refType="h" fact="0.9"/>
+                        <dgm:constr type="l" for="ch" forName="titleText2" refType="w" fact="0.2"/>
+                        <dgm:constr type="t" for="ch" forName="titleText2" refType="h" fact="0.7"/>
+                        <dgm:constr type="w" for="ch" forName="titleText2" refType="w" fact="0.9"/>
+                        <dgm:constr type="h" for="ch" forName="titleText2" refType="h" fact="0.3"/>
+                        <dgm:constr type="primFontSz" for="des" forName="titleText2" refType="primFontSz" refFor="des" refForName="rootText1" op="lte"/>
+                        <dgm:constr type="r" for="ch" forName="rootConnector" refType="w"/>
+                        <dgm:constr type="t" for="ch" forName="rootConnector"/>
+                        <dgm:constr type="w" for="ch" forName="rootConnector" refType="w" refFor="ch" refForName="rootText" fact="0.2"/>
+                        <dgm:constr type="h" for="ch" forName="rootConnector" refType="h" refFor="ch" refForName="rootText"/>
+                      </dgm:constrLst>
+                    </dgm:if>
+                    <dgm:if name="Name69" func="var" arg="hierBranch" op="equ" val="r">
+                      <dgm:constrLst>
+                        <dgm:constr type="l" for="ch" forName="rootText"/>
+                        <dgm:constr type="t" for="ch" forName="rootText"/>
+                        <dgm:constr type="w" for="ch" forName="rootText" refType="w"/>
+                        <dgm:constr type="h" for="ch" forName="rootText" refType="h" fact="0.9"/>
+                        <dgm:constr type="l" for="ch" forName="titleText2" refType="w" fact="0.2"/>
+                        <dgm:constr type="t" for="ch" forName="titleText2" refType="h" fact="0.7"/>
+                        <dgm:constr type="w" for="ch" forName="titleText2" refType="w" fact="0.9"/>
+                        <dgm:constr type="h" for="ch" forName="titleText2" refType="h" fact="0.3"/>
+                        <dgm:constr type="primFontSz" for="des" forName="titleText2" refType="primFontSz" refFor="des" refForName="rootText1" op="lte"/>
+                        <dgm:constr type="l" for="ch" forName="rootConnector"/>
+                        <dgm:constr type="t" for="ch" forName="rootConnector"/>
+                        <dgm:constr type="w" for="ch" forName="rootConnector" refType="w" refFor="ch" refForName="rootText" fact="0.2"/>
+                        <dgm:constr type="h" for="ch" forName="rootConnector" refType="h" refFor="ch" refForName="rootText"/>
+                      </dgm:constrLst>
+                    </dgm:if>
+                    <dgm:else name="Name70">
+                      <dgm:constrLst>
+                        <dgm:constr type="l" for="ch" forName="rootText"/>
+                        <dgm:constr type="t" for="ch" forName="rootText"/>
+                        <dgm:constr type="w" for="ch" forName="rootText" refType="w"/>
+                        <dgm:constr type="h" for="ch" forName="rootText" refType="h" fact="0.9"/>
+                        <dgm:constr type="l" for="ch" forName="titleText2" refType="w" fact="0.2"/>
+                        <dgm:constr type="t" for="ch" forName="titleText2" refType="h" fact="0.7"/>
+                        <dgm:constr type="w" for="ch" forName="titleText2" refType="w" fact="0.9"/>
+                        <dgm:constr type="h" for="ch" forName="titleText2" refType="h" fact="0.3"/>
+                        <dgm:constr type="primFontSz" for="des" forName="titleText2" refType="primFontSz" refFor="des" refForName="rootText1" op="lte"/>
+                        <dgm:constr type="r" for="ch" forName="rootConnector" refType="w"/>
+                        <dgm:constr type="t" for="ch" forName="rootConnector"/>
+                        <dgm:constr type="w" for="ch" forName="rootConnector" refType="w" refFor="ch" refForName="rootText" fact="0.2"/>
+                        <dgm:constr type="h" for="ch" forName="rootConnector" refType="h" refFor="ch" refForName="rootText"/>
+                      </dgm:constrLst>
+                    </dgm:else>
+                  </dgm:choose>
+                  <dgm:ruleLst/>
+                  <dgm:layoutNode name="rootText" styleLbl="node1">
+                    <dgm:varLst>
+                      <dgm:chMax/>
+                      <dgm:chPref val="3"/>
+                    </dgm:varLst>
+                    <dgm:alg type="tx"/>
+                    <dgm:shape xmlns:r="http://schemas.openxmlformats.org/officeDocument/2006/relationships" type="rect" r:blip="">
+                      <dgm:adjLst/>
+                    </dgm:shape>
+                    <dgm:presOf axis="self" ptType="node" cnt="1"/>
+                    <dgm:constrLst>
+                      <dgm:constr type="primFontSz" val="65"/>
+                      <dgm:constr type="lMarg" refType="primFontSz" fact="0.05"/>
+                      <dgm:constr type="rMarg" refType="primFontSz" fact="0.05"/>
+                      <dgm:constr type="tMarg" refType="primFontSz" fact="0.05"/>
+                      <dgm:constr type="bMarg" refType="h" fact="0.4"/>
+                    </dgm:constrLst>
+                    <dgm:ruleLst>
+                      <dgm:rule type="primFontSz" val="5" fact="NaN" max="NaN"/>
+                    </dgm:ruleLst>
+                  </dgm:layoutNode>
+                  <dgm:layoutNode name="titleText2" styleLbl="fgAcc1">
+                    <dgm:varLst>
+                      <dgm:chMax val="0"/>
+                      <dgm:chPref val="0"/>
+                    </dgm:varLst>
+                    <dgm:alg type="tx">
+                      <dgm:param type="parTxLTRAlign" val="r"/>
+                    </dgm:alg>
+                    <dgm:shape xmlns:r="http://schemas.openxmlformats.org/officeDocument/2006/relationships" type="rect" r:blip="">
+                      <dgm:adjLst/>
+                    </dgm:shape>
+                    <dgm:presOf axis="followSib" ptType="sibTrans" hideLastTrans="0" cnt="1"/>
+                    <dgm:constrLst>
+                      <dgm:constr type="primFontSz" val="65"/>
+                      <dgm:constr type="lMarg" refType="primFontSz" fact="0.2"/>
+                      <dgm:constr type="rMarg" refType="primFontSz" fact="0.2"/>
+                      <dgm:constr type="tMarg" refType="primFontSz" fact="0.05"/>
+                      <dgm:constr type="bMarg" refType="primFontSz" fact="0.05"/>
+                    </dgm:constrLst>
+                    <dgm:ruleLst>
+                      <dgm:rule type="primFontSz" val="5" fact="NaN" max="NaN"/>
+                    </dgm:ruleLst>
+                  </dgm:layoutNode>
+                  <dgm:layoutNode name="rootConnector" moveWith="rootText">
+                    <dgm:alg type="sp"/>
+                    <dgm:shape xmlns:r="http://schemas.openxmlformats.org/officeDocument/2006/relationships" type="rect" r:blip="" hideGeom="1">
+                      <dgm:adjLst/>
+                    </dgm:shape>
+                    <dgm:presOf axis="self" ptType="node" cnt="1"/>
+                    <dgm:constrLst/>
+                    <dgm:ruleLst/>
+                  </dgm:layoutNode>
+                </dgm:layoutNode>
+                <dgm:layoutNode name="hierChild4">
+                  <dgm:choose name="Name71">
+                    <dgm:if name="Name72" func="var" arg="hierBranch" op="equ" val="l">
+                      <dgm:alg type="hierChild">
+                        <dgm:param type="chAlign" val="r"/>
+                        <dgm:param type="linDir" val="fromT"/>
+                      </dgm:alg>
+                    </dgm:if>
+                    <dgm:if name="Name73" func="var" arg="hierBranch" op="equ" val="r">
+                      <dgm:alg type="hierChild">
+                        <dgm:param type="chAlign" val="l"/>
+                        <dgm:param type="linDir" val="fromT"/>
+                      </dgm:alg>
+                    </dgm:if>
+                    <dgm:if name="Name74" func="var" arg="hierBranch" op="equ" val="hang">
+                      <dgm:choose name="Name75">
+                        <dgm:if name="Name76" func="var" arg="dir" op="equ" val="norm">
+                          <dgm:alg type="hierChild">
+                            <dgm:param type="chAlign" val="l"/>
+                            <dgm:param type="linDir" val="fromL"/>
+                            <dgm:param type="secChAlign" val="t"/>
+                            <dgm:param type="secLinDir" val="fromT"/>
+                          </dgm:alg>
+                        </dgm:if>
+                        <dgm:else name="Name77">
+                          <dgm:alg type="hierChild">
+                            <dgm:param type="chAlign" val="l"/>
+                            <dgm:param type="linDir" val="fromR"/>
+                            <dgm:param type="secChAlign" val="t"/>
+                            <dgm:param type="secLinDir" val="fromT"/>
+                          </dgm:alg>
+                        </dgm:else>
+                      </dgm:choose>
+                    </dgm:if>
+                    <dgm:if name="Name78" func="var" arg="hierBranch" op="equ" val="std">
+                      <dgm:choose name="Name79">
+                        <dgm:if name="Name80" func="var" arg="dir" op="equ" val="norm">
+                          <dgm:alg type="hierChild"/>
+                        </dgm:if>
+                        <dgm:else name="Name81">
+                          <dgm:alg type="hierChild">
+                            <dgm:param type="linDir" val="fromR"/>
+                          </dgm:alg>
+                        </dgm:else>
+                      </dgm:choose>
+                    </dgm:if>
+                    <dgm:if name="Name82" func="var" arg="hierBranch" op="equ" val="init">
+                      <dgm:choose name="Name83">
+                        <dgm:if name="Name84" func="var" arg="dir" op="equ" val="norm">
+                          <dgm:alg type="hierChild"/>
+                        </dgm:if>
+                        <dgm:else name="Name85">
+                          <dgm:alg type="hierChild">
+                            <dgm:param type="linDir" val="fromR"/>
+                          </dgm:alg>
+                        </dgm:else>
+                      </dgm:choose>
+                    </dgm:if>
+                    <dgm:else name="Name86"/>
+                  </dgm:choose>
+                  <dgm:shape xmlns:r="http://schemas.openxmlformats.org/officeDocument/2006/relationships" r:blip="">
+                    <dgm:adjLst/>
+                  </dgm:shape>
+                  <dgm:presOf/>
+                  <dgm:constrLst/>
+                  <dgm:ruleLst/>
+                  <dgm:forEach name="Name87" ref="rep2a"/>
+                </dgm:layoutNode>
+                <dgm:layoutNode name="hierChild5">
+                  <dgm:choose name="Name88">
+                    <dgm:if name="Name89" func="var" arg="dir" op="equ" val="norm">
+                      <dgm:alg type="hierChild">
+                        <dgm:param type="chAlign" val="l"/>
+                        <dgm:param type="linDir" val="fromL"/>
+                        <dgm:param type="secChAlign" val="t"/>
+                        <dgm:param type="secLinDir" val="fromT"/>
+                      </dgm:alg>
+                    </dgm:if>
+                    <dgm:else name="Name90">
+                      <dgm:alg type="hierChild">
+                        <dgm:param type="chAlign" val="l"/>
+                        <dgm:param type="linDir" val="fromR"/>
+                        <dgm:param type="secChAlign" val="t"/>
+                        <dgm:param type="secLinDir" val="fromT"/>
+                      </dgm:alg>
+                    </dgm:else>
+                  </dgm:choose>
+                  <dgm:shape xmlns:r="http://schemas.openxmlformats.org/officeDocument/2006/relationships" r:blip="">
+                    <dgm:adjLst/>
+                  </dgm:shape>
+                  <dgm:presOf/>
+                  <dgm:constrLst/>
+                  <dgm:ruleLst/>
+                  <dgm:forEach name="Name91" ref="rep2b"/>
+                </dgm:layoutNode>
+              </dgm:layoutNode>
+            </dgm:forEach>
+          </dgm:layoutNode>
+          <dgm:layoutNode name="hierChild3">
+            <dgm:choose name="Name92">
+              <dgm:if name="Name93" func="var" arg="dir" op="equ" val="norm">
+                <dgm:alg type="hierChild">
+                  <dgm:param type="chAlign" val="l"/>
+                  <dgm:param type="linDir" val="fromL"/>
+                  <dgm:param type="secChAlign" val="t"/>
+                  <dgm:param type="secLinDir" val="fromT"/>
+                </dgm:alg>
+              </dgm:if>
+              <dgm:else name="Name94">
+                <dgm:alg type="hierChild">
+                  <dgm:param type="chAlign" val="l"/>
+                  <dgm:param type="linDir" val="fromR"/>
+                  <dgm:param type="secChAlign" val="t"/>
+                  <dgm:param type="secLinDir" val="fromT"/>
+                </dgm:alg>
+              </dgm:else>
+            </dgm:choose>
+            <dgm:shape xmlns:r="http://schemas.openxmlformats.org/officeDocument/2006/relationships" r:blip="">
+              <dgm:adjLst/>
+            </dgm:shape>
+            <dgm:presOf/>
+            <dgm:constrLst/>
+            <dgm:ruleLst/>
+            <dgm:forEach name="rep2b" axis="ch" ptType="asst">
+              <dgm:forEach name="Name95" axis="precedSib" ptType="parTrans" st="-1" cnt="1">
+                <dgm:layoutNode name="Name96">
+                  <dgm:alg type="conn">
+                    <dgm:param type="connRout" val="bend"/>
+                    <dgm:param type="dim" val="1D"/>
+                    <dgm:param type="endSty" val="noArr"/>
+                    <dgm:param type="begPts" val="bCtr"/>
+                    <dgm:param type="endPts" val="midL midR"/>
+                  </dgm:alg>
+                  <dgm:shape xmlns:r="http://schemas.openxmlformats.org/officeDocument/2006/relationships" type="conn" r:blip="" zOrderOff="-99999">
+                    <dgm:adjLst/>
+                  </dgm:shape>
+                  <dgm:presOf axis="self"/>
+                  <dgm:constrLst>
+                    <dgm:constr type="begPad"/>
+                    <dgm:constr type="endPad"/>
+                  </dgm:constrLst>
+                  <dgm:ruleLst/>
+                </dgm:layoutNode>
+              </dgm:forEach>
+              <dgm:layoutNode name="hierRoot3">
+                <dgm:varLst>
+                  <dgm:hierBranch val="init"/>
+                </dgm:varLst>
+                <dgm:choose name="Name97">
+                  <dgm:if name="Name98" func="var" arg="hierBranch" op="equ" val="l">
+                    <dgm:alg type="hierRoot">
+                      <dgm:param type="hierAlign" val="tR"/>
+                    </dgm:alg>
+                    <dgm:shape xmlns:r="http://schemas.openxmlformats.org/officeDocument/2006/relationships" r:blip="">
+                      <dgm:adjLst/>
+                    </dgm:shape>
+                    <dgm:presOf/>
+                    <dgm:constrLst>
+                      <dgm:constr type="alignOff" val="0.65"/>
+                    </dgm:constrLst>
+                  </dgm:if>
+                  <dgm:if name="Name99" func="var" arg="hierBranch" op="equ" val="r">
+                    <dgm:alg type="hierRoot">
+                      <dgm:param type="hierAlign" val="tL"/>
+                    </dgm:alg>
+                    <dgm:shape xmlns:r="http://schemas.openxmlformats.org/officeDocument/2006/relationships" r:blip="">
+                      <dgm:adjLst/>
+                    </dgm:shape>
+                    <dgm:presOf/>
+                    <dgm:constrLst>
+                      <dgm:constr type="alignOff" val="0.65"/>
+                    </dgm:constrLst>
+                  </dgm:if>
+                  <dgm:if name="Name100" func="var" arg="hierBranch" op="equ" val="hang">
+                    <dgm:alg type="hierRoot"/>
+                    <dgm:shape xmlns:r="http://schemas.openxmlformats.org/officeDocument/2006/relationships" r:blip="">
+                      <dgm:adjLst/>
+                    </dgm:shape>
+                    <dgm:presOf/>
+                    <dgm:constrLst>
+                      <dgm:constr type="alignOff" val="0.65"/>
+                    </dgm:constrLst>
+                  </dgm:if>
+                  <dgm:if name="Name101" func="var" arg="hierBranch" op="equ" val="std">
+                    <dgm:alg type="hierRoot"/>
+                    <dgm:shape xmlns:r="http://schemas.openxmlformats.org/officeDocument/2006/relationships" r:blip="">
+                      <dgm:adjLst/>
+                    </dgm:shape>
+                    <dgm:presOf/>
+                    <dgm:constrLst>
+                      <dgm:constr type="alignOff"/>
+                      <dgm:constr type="bendDist" for="des" ptType="parTrans" refType="sp" fact="0.5"/>
+                    </dgm:constrLst>
+                  </dgm:if>
+                  <dgm:if name="Name102" func="var" arg="hierBranch" op="equ" val="init">
+                    <dgm:alg type="hierRoot"/>
+                    <dgm:shape xmlns:r="http://schemas.openxmlformats.org/officeDocument/2006/relationships" r:blip="">
+                      <dgm:adjLst/>
+                    </dgm:shape>
+                    <dgm:presOf/>
+                    <dgm:constrLst>
+                      <dgm:constr type="alignOff"/>
+                      <dgm:constr type="bendDist" for="des" ptType="parTrans" refType="sp" fact="0.5"/>
+                    </dgm:constrLst>
+                  </dgm:if>
+                  <dgm:else name="Name103"/>
+                </dgm:choose>
+                <dgm:ruleLst/>
+                <dgm:layoutNode name="rootComposite3">
+                  <dgm:alg type="composite"/>
+                  <dgm:shape xmlns:r="http://schemas.openxmlformats.org/officeDocument/2006/relationships" r:blip="">
+                    <dgm:adjLst/>
+                  </dgm:shape>
+                  <dgm:presOf axis="self" ptType="node" cnt="1"/>
+                  <dgm:choose name="Name104">
+                    <dgm:if name="Name105" func="var" arg="hierBranch" op="equ" val="init">
+                      <dgm:constrLst>
+                        <dgm:constr type="l" for="ch" forName="rootText3"/>
+                        <dgm:constr type="t" for="ch" forName="rootText3"/>
+                        <dgm:constr type="w" for="ch" forName="rootText3" refType="w"/>
+                        <dgm:constr type="h" for="ch" forName="rootText3" refType="h" fact="0.9"/>
+                        <dgm:constr type="l" for="ch" forName="titleText3" refType="w" fact="0.2"/>
+                        <dgm:constr type="t" for="ch" forName="titleText3" refType="h" fact="0.7"/>
+                        <dgm:constr type="w" for="ch" forName="titleText3" refType="w" fact="0.9"/>
+                        <dgm:constr type="h" for="ch" forName="titleText3" refType="h" fact="0.3"/>
+                        <dgm:constr type="primFontSz" for="des" forName="titleText3" refType="primFontSz" refFor="des" refForName="rootText3" op="lte"/>
+                        <dgm:constr type="l" for="ch" forName="rootConnector3"/>
+                        <dgm:constr type="t" for="ch" forName="rootConnector3"/>
+                        <dgm:constr type="w" for="ch" forName="rootConnector3" refType="w" refFor="ch" refForName="rootText3" fact="0.2"/>
+                        <dgm:constr type="h" for="ch" forName="rootConnector3" refType="h" refFor="ch" refForName="rootText3"/>
+                      </dgm:constrLst>
+                    </dgm:if>
+                    <dgm:if name="Name106" func="var" arg="hierBranch" op="equ" val="l">
+                      <dgm:constrLst>
+                        <dgm:constr type="l" for="ch" forName="rootText3"/>
+                        <dgm:constr type="t" for="ch" forName="rootText3"/>
+                        <dgm:constr type="w" for="ch" forName="rootText3" refType="w"/>
+                        <dgm:constr type="h" for="ch" forName="rootText3" refType="h" fact="0.9"/>
+                        <dgm:constr type="l" for="ch" forName="titleText3" refType="w" fact="0.2"/>
+                        <dgm:constr type="t" for="ch" forName="titleText3" refType="h" fact="0.7"/>
+                        <dgm:constr type="w" for="ch" forName="titleText3" refType="w" fact="0.9"/>
+                        <dgm:constr type="h" for="ch" forName="titleText3" refType="h" fact="0.3"/>
+                        <dgm:constr type="primFontSz" for="des" forName="titleText3" refType="primFontSz" refFor="des" refForName="rootText3" op="lte"/>
+                        <dgm:constr type="r" for="ch" forName="rootConnector3" refType="w"/>
+                        <dgm:constr type="t" for="ch" forName="rootConnector3"/>
+                        <dgm:constr type="w" for="ch" forName="rootConnector3" refType="w" refFor="ch" refForName="rootText3" fact="0.2"/>
+                        <dgm:constr type="h" for="ch" forName="rootConnector3" refType="h" refFor="ch" refForName="rootText3"/>
+                      </dgm:constrLst>
+                    </dgm:if>
+                    <dgm:if name="Name107" func="var" arg="hierBranch" op="equ" val="r">
+                      <dgm:constrLst>
+                        <dgm:constr type="l" for="ch" forName="rootText3"/>
+                        <dgm:constr type="t" for="ch" forName="rootText3"/>
+                        <dgm:constr type="w" for="ch" forName="rootText3" refType="w"/>
+                        <dgm:constr type="h" for="ch" forName="rootText3" refType="h" fact="0.9"/>
+                        <dgm:constr type="l" for="ch" forName="titleText3" refType="w" fact="0.2"/>
+                        <dgm:constr type="t" for="ch" forName="titleText3" refType="h" fact="0.7"/>
+                        <dgm:constr type="w" for="ch" forName="titleText3" refType="w" fact="0.9"/>
+                        <dgm:constr type="h" for="ch" forName="titleText3" refType="h" fact="0.3"/>
+                        <dgm:constr type="primFontSz" for="des" forName="titleText3" refType="primFontSz" refFor="des" refForName="rootText3" op="lte"/>
+                        <dgm:constr type="l" for="ch" forName="rootConnector3"/>
+                        <dgm:constr type="t" for="ch" forName="rootConnector3"/>
+                        <dgm:constr type="w" for="ch" forName="rootConnector3" refType="w" refFor="ch" refForName="rootText3" fact="0.2"/>
+                        <dgm:constr type="h" for="ch" forName="rootConnector3" refType="h" refFor="ch" refForName="rootText3"/>
+                      </dgm:constrLst>
+                    </dgm:if>
+                    <dgm:else name="Name108">
+                      <dgm:constrLst>
+                        <dgm:constr type="l" for="ch" forName="rootText3"/>
+                        <dgm:constr type="t" for="ch" forName="rootText3"/>
+                        <dgm:constr type="w" for="ch" forName="rootText3" refType="w"/>
+                        <dgm:constr type="h" for="ch" forName="rootText3" refType="h" fact="0.9"/>
+                        <dgm:constr type="l" for="ch" forName="titleText3" refType="w" fact="0.2"/>
+                        <dgm:constr type="t" for="ch" forName="titleText3" refType="h" fact="0.7"/>
+                        <dgm:constr type="w" for="ch" forName="titleText3" refType="w" fact="0.9"/>
+                        <dgm:constr type="h" for="ch" forName="titleText3" refType="h" fact="0.3"/>
+                        <dgm:constr type="primFontSz" for="des" forName="titleText3" refType="primFontSz" refFor="des" refForName="rootText3" op="lte"/>
+                        <dgm:constr type="r" for="ch" forName="rootConnector3" refType="w"/>
+                        <dgm:constr type="t" for="ch" forName="rootConnector3"/>
+                        <dgm:constr type="w" for="ch" forName="rootConnector3" refType="w" refFor="ch" refForName="rootText3" fact="0.2"/>
+                        <dgm:constr type="h" for="ch" forName="rootConnector3" refType="h" refFor="ch" refForName="rootText3"/>
+                      </dgm:constrLst>
+                    </dgm:else>
+                  </dgm:choose>
+                  <dgm:ruleLst/>
+                  <dgm:layoutNode name="rootText3" styleLbl="asst1">
+                    <dgm:varLst>
+                      <dgm:chPref val="3"/>
+                    </dgm:varLst>
+                    <dgm:alg type="tx"/>
+                    <dgm:shape xmlns:r="http://schemas.openxmlformats.org/officeDocument/2006/relationships" type="rect" r:blip="">
+                      <dgm:adjLst/>
+                    </dgm:shape>
+                    <dgm:presOf axis="self" ptType="node" cnt="1"/>
+                    <dgm:constrLst>
+                      <dgm:constr type="primFontSz" val="65"/>
+                      <dgm:constr type="lMarg" refType="primFontSz" fact="0.05"/>
+                      <dgm:constr type="rMarg" refType="primFontSz" fact="0.05"/>
+                      <dgm:constr type="tMarg" refType="primFontSz" fact="0.05"/>
+                      <dgm:constr type="bMarg" refType="h" fact="0.4"/>
+                    </dgm:constrLst>
+                    <dgm:ruleLst>
+                      <dgm:rule type="primFontSz" val="5" fact="NaN" max="NaN"/>
+                    </dgm:ruleLst>
+                  </dgm:layoutNode>
+                  <dgm:layoutNode name="titleText3" styleLbl="fgAcc2">
+                    <dgm:varLst>
+                      <dgm:chMax val="0"/>
+                      <dgm:chPref val="0"/>
+                    </dgm:varLst>
+                    <dgm:alg type="tx">
+                      <dgm:param type="parTxLTRAlign" val="r"/>
+                    </dgm:alg>
+                    <dgm:shape xmlns:r="http://schemas.openxmlformats.org/officeDocument/2006/relationships" type="rect" r:blip="">
+                      <dgm:adjLst/>
+                    </dgm:shape>
+                    <dgm:presOf axis="followSib" ptType="sibTrans" hideLastTrans="0" cnt="1"/>
+                    <dgm:constrLst>
+                      <dgm:constr type="primFontSz" val="65"/>
+                      <dgm:constr type="lMarg" refType="primFontSz" fact="0.2"/>
+                      <dgm:constr type="rMarg" refType="primFontSz" fact="0.2"/>
+                      <dgm:constr type="tMarg" refType="primFontSz" fact="0.05"/>
+                      <dgm:constr type="bMarg" refType="primFontSz" fact="0.05"/>
+                    </dgm:constrLst>
+                    <dgm:ruleLst>
+                      <dgm:rule type="primFontSz" val="5" fact="NaN" max="NaN"/>
+                    </dgm:ruleLst>
+                  </dgm:layoutNode>
+                  <dgm:layoutNode name="rootConnector3" moveWith="rootText1">
+                    <dgm:alg type="sp"/>
+                    <dgm:shape xmlns:r="http://schemas.openxmlformats.org/officeDocument/2006/relationships" type="rect" r:blip="" hideGeom="1">
+                      <dgm:adjLst/>
+                    </dgm:shape>
+                    <dgm:presOf axis="self" ptType="node" cnt="1"/>
+                    <dgm:constrLst/>
+                    <dgm:ruleLst/>
+                  </dgm:layoutNode>
+                </dgm:layoutNode>
+                <dgm:layoutNode name="hierChild6">
+                  <dgm:choose name="Name109">
+                    <dgm:if name="Name110" func="var" arg="hierBranch" op="equ" val="l">
+                      <dgm:alg type="hierChild">
+                        <dgm:param type="chAlign" val="r"/>
+                        <dgm:param type="linDir" val="fromT"/>
+                      </dgm:alg>
+                    </dgm:if>
+                    <dgm:if name="Name111" func="var" arg="hierBranch" op="equ" val="r">
+                      <dgm:alg type="hierChild">
+                        <dgm:param type="chAlign" val="l"/>
+                        <dgm:param type="linDir" val="fromT"/>
+                      </dgm:alg>
+                    </dgm:if>
+                    <dgm:if name="Name112" func="var" arg="hierBranch" op="equ" val="hang">
+                      <dgm:choose name="Name113">
+                        <dgm:if name="Name114" func="var" arg="dir" op="equ" val="norm">
+                          <dgm:alg type="hierChild">
+                            <dgm:param type="chAlign" val="l"/>
+                            <dgm:param type="linDir" val="fromL"/>
+                            <dgm:param type="secChAlign" val="t"/>
+                            <dgm:param type="secLinDir" val="fromT"/>
+                          </dgm:alg>
+                        </dgm:if>
+                        <dgm:else name="Name115">
+                          <dgm:alg type="hierChild">
+                            <dgm:param type="chAlign" val="l"/>
+                            <dgm:param type="linDir" val="fromR"/>
+                            <dgm:param type="secChAlign" val="t"/>
+                            <dgm:param type="secLinDir" val="fromT"/>
+                          </dgm:alg>
+                        </dgm:else>
+                      </dgm:choose>
+                    </dgm:if>
+                    <dgm:if name="Name116" func="var" arg="hierBranch" op="equ" val="std">
+                      <dgm:choose name="Name117">
+                        <dgm:if name="Name118" func="var" arg="dir" op="equ" val="norm">
+                          <dgm:alg type="hierChild"/>
+                        </dgm:if>
+                        <dgm:else name="Name119">
+                          <dgm:alg type="hierChild">
+                            <dgm:param type="linDir" val="fromR"/>
+                          </dgm:alg>
+                        </dgm:else>
+                      </dgm:choose>
+                    </dgm:if>
+                    <dgm:if name="Name120" func="var" arg="hierBranch" op="equ" val="init">
+                      <dgm:alg type="hierChild"/>
+                    </dgm:if>
+                    <dgm:else name="Name121"/>
+                  </dgm:choose>
+                  <dgm:shape xmlns:r="http://schemas.openxmlformats.org/officeDocument/2006/relationships" r:blip="">
+                    <dgm:adjLst/>
+                  </dgm:shape>
+                  <dgm:presOf/>
+                  <dgm:constrLst/>
+                  <dgm:ruleLst/>
+                  <dgm:forEach name="Name122" ref="rep2a"/>
+                </dgm:layoutNode>
+                <dgm:layoutNode name="hierChild7">
+                  <dgm:choose name="Name123">
+                    <dgm:if name="Name124" func="var" arg="dir" op="equ" val="norm">
+                      <dgm:alg type="hierChild">
+                        <dgm:param type="chAlign" val="l"/>
+                        <dgm:param type="linDir" val="fromL"/>
+                        <dgm:param type="secChAlign" val="t"/>
+                        <dgm:param type="secLinDir" val="fromT"/>
+                      </dgm:alg>
+                    </dgm:if>
+                    <dgm:else name="Name125">
+                      <dgm:alg type="hierChild">
+                        <dgm:param type="chAlign" val="l"/>
+                        <dgm:param type="linDir" val="fromR"/>
+                        <dgm:param type="secChAlign" val="t"/>
+                        <dgm:param type="secLinDir" val="fromT"/>
+                      </dgm:alg>
+                    </dgm:else>
+                  </dgm:choose>
+                  <dgm:shape xmlns:r="http://schemas.openxmlformats.org/officeDocument/2006/relationships" r:blip="">
+                    <dgm:adjLst/>
+                  </dgm:shape>
+                  <dgm:presOf/>
+                  <dgm:constrLst/>
+                  <dgm:ruleLst/>
+                  <dgm:forEach name="Name126" ref="rep2b"/>
+                </dgm:layoutNode>
+              </dgm:layoutNode>
+            </dgm:forEach>
+          </dgm:layoutNode>
+        </dgm:layoutNode>
+      </dgm:forEach>
+    </dgm:forEach>
+  </dgm:layoutNode>
+</dgm:layoutDef>
+</file>
+
+<file path=ppt/diagrams/quickStyle1.xml><?xml version="1.0" encoding="utf-8"?>
+<dgm:styleDef xmlns:dgm="http://schemas.openxmlformats.org/drawingml/2006/diagram" xmlns:a="http://schemas.openxmlformats.org/drawingml/2006/main" uniqueId="urn:microsoft.com/office/officeart/2005/8/quickstyle/simple1">
+  <dgm:title val=""/>
+  <dgm:desc val=""/>
+  <dgm:catLst>
+    <dgm:cat type="simple" pri="10100"/>
+  </dgm:catLst>
+  <dgm:scene3d>
+    <a:camera prst="orthographicFront"/>
+    <a:lightRig rig="threePt" dir="t"/>
+  </dgm:scene3d>
+  <dgm:styleLbl name="node0">
+    <dgm:scene3d>
+      <a:camera prst="orthographicFront"/>
+      <a:lightRig rig="threePt" dir="t"/>
+    </dgm:scene3d>
+    <dgm:sp3d/>
+    <dgm:txPr/>
+    <dgm:style>
+      <a:lnRef idx="2">
+        <a:scrgbClr r="0" g="0" b="0"/>
+      </a:lnRef>
+      <a:fillRef idx="1">
+        <a:scrgbClr r="0" g="0" b="0"/>
+      </a:fillRef>
+      <a:effectRef idx="0">
+        <a:scrgbClr r="0" g="0" b="0"/>
+      </a:effectRef>
+      <a:fontRef idx="minor">
+        <a:schemeClr val="lt1"/>
+      </a:fontRef>
+    </dgm:style>
+  </dgm:styleLbl>
+  <dgm:styleLbl name="lnNode1">
+    <dgm:scene3d>
+      <a:camera prst="orthographicFront"/>
+      <a:lightRig rig="threePt" dir="t"/>
+    </dgm:scene3d>
+    <dgm:sp3d/>
+    <dgm:txPr/>
+    <dgm:style>
+      <a:lnRef idx="2">
+        <a:scrgbClr r="0" g="0" b="0"/>
+      </a:lnRef>
+      <a:fillRef idx="1">
+        <a:scrgbClr r="0" g="0" b="0"/>
+      </a:fillRef>
+      <a:effectRef idx="0">
+        <a:scrgbClr r="0" g="0" b="0"/>
+      </a:effectRef>
+      <a:fontRef idx="minor">
+        <a:schemeClr val="lt1"/>
+      </a:fontRef>
+    </dgm:style>
+  </dgm:styleLbl>
+  <dgm:styleLbl name="vennNode1">
+    <dgm:scene3d>
+      <a:camera prst="orthographicFront"/>
+      <a:lightRig rig="threePt" dir="t"/>
+    </dgm:scene3d>
+    <dgm:sp3d/>
+    <dgm:txPr/>
+    <dgm:style>
+      <a:lnRef idx="2">
+        <a:scrgbClr r="0" g="0" b="0"/>
+      </a:lnRef>
+      <a:fillRef idx="1">
+        <a:scrgbClr r="0" g="0" b="0"/>
+      </a:fillRef>
+      <a:effectRef idx="0">
+        <a:scrgbClr r="0" g="0" b="0"/>
+      </a:effectRef>
+      <a:fontRef idx="minor">
+        <a:schemeClr val="tx1"/>
+      </a:fontRef>
+    </dgm:style>
+  </dgm:styleLbl>
+  <dgm:styleLbl name="alignNode1">
+    <dgm:scene3d>
+      <a:camera prst="orthographicFront"/>
+      <a:lightRig rig="threePt" dir="t"/>
+    </dgm:scene3d>
+    <dgm:sp3d/>
+    <dgm:txPr/>
+    <dgm:style>
+      <a:lnRef idx="2">
+        <a:scrgbClr r="0" g="0" b="0"/>
+      </a:lnRef>
+      <a:fillRef idx="1">
+        <a:scrgbClr r="0" g="0" b="0"/>
+      </a:fillRef>
+      <a:effectRef idx="0">
+        <a:scrgbClr r="0" g="0" b="0"/>
+      </a:effectRef>
+      <a:fontRef idx="minor">
+        <a:schemeClr val="lt1"/>
+      </a:fontRef>
+    </dgm:style>
+  </dgm:styleLbl>
+  <dgm:styleLbl name="node1">
+    <dgm:scene3d>
+      <a:camera prst="orthographicFront"/>
+      <a:lightRig rig="threePt" dir="t"/>
+    </dgm:scene3d>
+    <dgm:sp3d/>
+    <dgm:txPr/>
+    <dgm:style>
+      <a:lnRef idx="2">
+        <a:scrgbClr r="0" g="0" b="0"/>
+      </a:lnRef>
+      <a:fillRef idx="1">
+        <a:scrgbClr r="0" g="0" b="0"/>
+      </a:fillRef>
+      <a:effectRef idx="0">
+        <a:scrgbClr r="0" g="0" b="0"/>
+      </a:effectRef>
+      <a:fontRef idx="minor">
+        <a:schemeClr val="lt1"/>
+      </a:fontRef>
+    </dgm:style>
+  </dgm:styleLbl>
+  <dgm:styleLbl name="node2">
+    <dgm:scene3d>
+      <a:camera prst="orthographicFront"/>
+      <a:lightRig rig="threePt" dir="t"/>
+    </dgm:scene3d>
+    <dgm:sp3d/>
+    <dgm:txPr/>
+    <dgm:style>
+      <a:lnRef idx="2">
+        <a:scrgbClr r="0" g="0" b="0"/>
+      </a:lnRef>
+      <a:fillRef idx="1">
+        <a:scrgbClr r="0" g="0" b="0"/>
+      </a:fillRef>
+      <a:effectRef idx="0">
+        <a:scrgbClr r="0" g="0" b="0"/>
+      </a:effectRef>
+      <a:fontRef idx="minor">
+        <a:schemeClr val="lt1"/>
+      </a:fontRef>
+    </dgm:style>
+  </dgm:styleLbl>
+  <dgm:styleLbl name="node3">
+    <dgm:scene3d>
+      <a:camera prst="orthographicFront"/>
+      <a:lightRig rig="threePt" dir="t"/>
+    </dgm:scene3d>
+    <dgm:sp3d/>
+    <dgm:txPr/>
+    <dgm:style>
+      <a:lnRef idx="2">
+        <a:scrgbClr r="0" g="0" b="0"/>
+      </a:lnRef>
+      <a:fillRef idx="1">
+        <a:scrgbClr r="0" g="0" b="0"/>
+      </a:fillRef>
+      <a:effectRef idx="0">
+        <a:scrgbClr r="0" g="0" b="0"/>
+      </a:effectRef>
+      <a:fontRef idx="minor">
+        <a:schemeClr val="lt1"/>
+      </a:fontRef>
+    </dgm:style>
+  </dgm:styleLbl>
+  <dgm:styleLbl name="node4">
+    <dgm:scene3d>
+      <a:camera prst="orthographicFront"/>
+      <a:lightRig rig="threePt" dir="t"/>
+    </dgm:scene3d>
+    <dgm:sp3d/>
+    <dgm:txPr/>
+    <dgm:style>
+      <a:lnRef idx="2">
+        <a:scrgbClr r="0" g="0" b="0"/>
+      </a:lnRef>
+      <a:fillRef idx="1">
+        <a:scrgbClr r="0" g="0" b="0"/>
+      </a:fillRef>
+      <a:effectRef idx="0">
+        <a:scrgbClr r="0" g="0" b="0"/>
+      </a:effectRef>
+      <a:fontRef idx="minor">
+        <a:schemeClr val="lt1"/>
+      </a:fontRef>
+    </dgm:style>
+  </dgm:styleLbl>
+  <dgm:styleLbl name="fgImgPlace1">
+    <dgm:scene3d>
+      <a:camera prst="orthographicFront"/>
+      <a:lightRig rig="threePt" dir="t"/>
+    </dgm:scene3d>
+    <dgm:sp3d/>
+    <dgm:txPr/>
+    <dgm:style>
+      <a:lnRef idx="2">
+        <a:scrgbClr r="0" g="0" b="0"/>
+      </a:lnRef>
+      <a:fillRef idx="1">
+        <a:scrgbClr r="0" g="0" b="0"/>
+      </a:fillRef>
+      <a:effectRef idx="0">
+        <a:scrgbClr r="0" g="0" b="0"/>
+      </a:effectRef>
+      <a:fontRef idx="minor"/>
+    </dgm:style>
+  </dgm:styleLbl>
+  <dgm:styleLbl name="alignImgPlace1">
+    <dgm:scene3d>
+      <a:camera prst="orthographicFront"/>
+      <a:lightRig rig="threePt" dir="t"/>
+    </dgm:scene3d>
+    <dgm:sp3d/>
+    <dgm:txPr/>
+    <dgm:style>
+      <a:lnRef idx="2">
+        <a:scrgbClr r="0" g="0" b="0"/>
+      </a:lnRef>
+      <a:fillRef idx="1">
+        <a:scrgbClr r="0" g="0" b="0"/>
+      </a:fillRef>
+      <a:effectRef idx="0">
+        <a:scrgbClr r="0" g="0" b="0"/>
+      </a:effectRef>
+      <a:fontRef idx="minor"/>
+    </dgm:style>
+  </dgm:styleLbl>
+  <dgm:styleLbl name="bgImgPlace1">
+    <dgm:scene3d>
+      <a:camera prst="orthographicFront"/>
+      <a:lightRig rig="threePt" dir="t"/>
+    </dgm:scene3d>
+    <dgm:sp3d/>
+    <dgm:txPr/>
+    <dgm:style>
+      <a:lnRef idx="2">
+        <a:scrgbClr r="0" g="0" b="0"/>
+      </a:lnRef>
+      <a:fillRef idx="1">
+        <a:scrgbClr r="0" g="0" b="0"/>
+      </a:fillRef>
+      <a:effectRef idx="0">
+        <a:scrgbClr r="0" g="0" b="0"/>
+      </a:effectRef>
+      <a:fontRef idx="minor"/>
+    </dgm:style>
+  </dgm:styleLbl>
+  <dgm:styleLbl name="sibTrans2D1">
+    <dgm:scene3d>
+      <a:camera prst="orthographicFront"/>
+      <a:lightRig rig="threePt" dir="t"/>
+    </dgm:scene3d>
+    <dgm:sp3d/>
+    <dgm:txPr/>
+    <dgm:style>
+      <a:lnRef idx="0">
+        <a:scrgbClr r="0" g="0" b="0"/>
+      </a:lnRef>
+      <a:fillRef idx="1">
+        <a:scrgbClr r="0" g="0" b="0"/>
+      </a:fillRef>
+      <a:effectRef idx="0">
+        <a:scrgbClr r="0" g="0" b="0"/>
+      </a:effectRef>
+      <a:fontRef idx="minor">
+        <a:schemeClr val="lt1"/>
+      </a:fontRef>
+    </dgm:style>
+  </dgm:styleLbl>
+  <dgm:styleLbl name="fgSibTrans2D1">
+    <dgm:scene3d>
+      <a:camera prst="orthographicFront"/>
+      <a:lightRig rig="threePt" dir="t"/>
+    </dgm:scene3d>
+    <dgm:sp3d/>
+    <dgm:txPr/>
+    <dgm:style>
+      <a:lnRef idx="0">
+        <a:scrgbClr r="0" g="0" b="0"/>
+      </a:lnRef>
+      <a:fillRef idx="1">
+        <a:scrgbClr r="0" g="0" b="0"/>
+      </a:fillRef>
+      <a:effectRef idx="0">
+        <a:scrgbClr r="0" g="0" b="0"/>
+      </a:effectRef>
+      <a:fontRef idx="minor">
+        <a:schemeClr val="lt1"/>
+      </a:fontRef>
+    </dgm:style>
+  </dgm:styleLbl>
+  <dgm:styleLbl name="bgSibTrans2D1">
+    <dgm:scene3d>
+      <a:camera prst="orthographicFront"/>
+      <a:lightRig rig="threePt" dir="t"/>
+    </dgm:scene3d>
+    <dgm:sp3d/>
+    <dgm:txPr/>
+    <dgm:style>
+      <a:lnRef idx="0">
+        <a:scrgbClr r="0" g="0" b="0"/>
+      </a:lnRef>
+      <a:fillRef idx="1">
+        <a:scrgbClr r="0" g="0" b="0"/>
+      </a:fillRef>
+      <a:effectRef idx="0">
+        <a:scrgbClr r="0" g="0" b="0"/>
+      </a:effectRef>
+      <a:fontRef idx="minor">
+        <a:schemeClr val="lt1"/>
+      </a:fontRef>
+    </dgm:style>
+  </dgm:styleLbl>
+  <dgm:styleLbl name="sibTrans1D1">
+    <dgm:scene3d>
+      <a:camera prst="orthographicFront"/>
+      <a:lightRig rig="threePt" dir="t"/>
+    </dgm:scene3d>
+    <dgm:sp3d/>
+    <dgm:txPr/>
+    <dgm:style>
+      <a:lnRef idx="1">
+        <a:scrgbClr r="0" g="0" b="0"/>
+      </a:lnRef>
+      <a:fillRef idx="0">
+        <a:scrgbClr r="0" g="0" b="0"/>
+      </a:fillRef>
+      <a:effectRef idx="0">
+        <a:scrgbClr r="0" g="0" b="0"/>
+      </a:effectRef>
+      <a:fontRef idx="minor"/>
+    </dgm:style>
+  </dgm:styleLbl>
+  <dgm:styleLbl name="callout">
+    <dgm:scene3d>
+      <a:camera prst="orthographicFront"/>
+      <a:lightRig rig="threePt" dir="t"/>
+    </dgm:scene3d>
+    <dgm:sp3d/>
+    <dgm:txPr/>
+    <dgm:style>
+      <a:lnRef idx="2">
+        <a:scrgbClr r="0" g="0" b="0"/>
+      </a:lnRef>
+      <a:fillRef idx="1">
+        <a:scrgbClr r="0" g="0" b="0"/>
+      </a:fillRef>
+      <a:effectRef idx="0">
+        <a:scrgbClr r="0" g="0" b="0"/>
+      </a:effectRef>
+      <a:fontRef idx="minor"/>
+    </dgm:style>
+  </dgm:styleLbl>
+  <dgm:styleLbl name="asst0">
+    <dgm:scene3d>
+      <a:camera prst="orthographicFront"/>
+      <a:lightRig rig="threePt" dir="t"/>
+    </dgm:scene3d>
+    <dgm:sp3d/>
+    <dgm:txPr/>
+    <dgm:style>
+      <a:lnRef idx="2">
+        <a:scrgbClr r="0" g="0" b="0"/>
+      </a:lnRef>
+      <a:fillRef idx="1">
+        <a:scrgbClr r="0" g="0" b="0"/>
+      </a:fillRef>
+      <a:effectRef idx="0">
+        <a:scrgbClr r="0" g="0" b="0"/>
+      </a:effectRef>
+      <a:fontRef idx="minor">
+        <a:schemeClr val="lt1"/>
+      </a:fontRef>
+    </dgm:style>
+  </dgm:styleLbl>
+  <dgm:styleLbl name="asst1">
+    <dgm:scene3d>
+      <a:camera prst="orthographicFront"/>
+      <a:lightRig rig="threePt" dir="t"/>
+    </dgm:scene3d>
+    <dgm:sp3d/>
+    <dgm:txPr/>
+    <dgm:style>
+      <a:lnRef idx="2">
+        <a:scrgbClr r="0" g="0" b="0"/>
+      </a:lnRef>
+      <a:fillRef idx="1">
+        <a:scrgbClr r="0" g="0" b="0"/>
+      </a:fillRef>
+      <a:effectRef idx="0">
+        <a:scrgbClr r="0" g="0" b="0"/>
+      </a:effectRef>
+      <a:fontRef idx="minor">
+        <a:schemeClr val="lt1"/>
+      </a:fontRef>
+    </dgm:style>
+  </dgm:styleLbl>
+  <dgm:styleLbl name="asst2">
+    <dgm:scene3d>
+      <a:camera prst="orthographicFront"/>
+      <a:lightRig rig="threePt" dir="t"/>
+    </dgm:scene3d>
+    <dgm:sp3d/>
+    <dgm:txPr/>
+    <dgm:style>
+      <a:lnRef idx="2">
+        <a:scrgbClr r="0" g="0" b="0"/>
+      </a:lnRef>
+      <a:fillRef idx="1">
+        <a:scrgbClr r="0" g="0" b="0"/>
+      </a:fillRef>
+      <a:effectRef idx="0">
+        <a:scrgbClr r="0" g="0" b="0"/>
+      </a:effectRef>
+      <a:fontRef idx="minor">
+        <a:schemeClr val="lt1"/>
+      </a:fontRef>
+    </dgm:style>
+  </dgm:styleLbl>
+  <dgm:styleLbl name="asst3">
+    <dgm:scene3d>
+      <a:camera prst="orthographicFront"/>
+      <a:lightRig rig="threePt" dir="t"/>
+    </dgm:scene3d>
+    <dgm:sp3d/>
+    <dgm:txPr/>
+    <dgm:style>
+      <a:lnRef idx="2">
+        <a:scrgbClr r="0" g="0" b="0"/>
+      </a:lnRef>
+      <a:fillRef idx="1">
+        <a:scrgbClr r="0" g="0" b="0"/>
+      </a:fillRef>
+      <a:effectRef idx="0">
+        <a:scrgbClr r="0" g="0" b="0"/>
+      </a:effectRef>
+      <a:fontRef idx="minor">
+        <a:schemeClr val="lt1"/>
+      </a:fontRef>
+    </dgm:style>
+  </dgm:styleLbl>
+  <dgm:styleLbl name="asst4">
+    <dgm:scene3d>
+      <a:camera prst="orthographicFront"/>
+      <a:lightRig rig="threePt" dir="t"/>
+    </dgm:scene3d>
+    <dgm:sp3d/>
+    <dgm:txPr/>
+    <dgm:style>
+      <a:lnRef idx="2">
+        <a:scrgbClr r="0" g="0" b="0"/>
+      </a:lnRef>
+      <a:fillRef idx="1">
+        <a:scrgbClr r="0" g="0" b="0"/>
+      </a:fillRef>
+      <a:effectRef idx="0">
+        <a:scrgbClr r="0" g="0" b="0"/>
+      </a:effectRef>
+      <a:fontRef idx="minor">
+        <a:schemeClr val="lt1"/>
+      </a:fontRef>
+    </dgm:style>
+  </dgm:styleLbl>
+  <dgm:styleLbl name="parChTrans2D1">
+    <dgm:scene3d>
+      <a:camera prst="orthographicFront"/>
+      <a:lightRig rig="threePt" dir="t"/>
+    </dgm:scene3d>
+    <dgm:sp3d/>
+    <dgm:txPr/>
+    <dgm:style>
+      <a:lnRef idx="2">
+        <a:scrgbClr r="0" g="0" b="0"/>
+      </a:lnRef>
+      <a:fillRef idx="1">
+        <a:scrgbClr r="0" g="0" b="0"/>
+      </a:fillRef>
+      <a:effectRef idx="0">
+        <a:scrgbClr r="0" g="0" b="0"/>
+      </a:effectRef>
+      <a:fontRef idx="minor">
+        <a:schemeClr val="lt1"/>
+      </a:fontRef>
+    </dgm:style>
+  </dgm:styleLbl>
+  <dgm:styleLbl name="parChTrans2D2">
+    <dgm:scene3d>
+      <a:camera prst="orthographicFront"/>
+      <a:lightRig rig="threePt" dir="t"/>
+    </dgm:scene3d>
+    <dgm:sp3d/>
+    <dgm:txPr/>
+    <dgm:style>
+      <a:lnRef idx="2">
+        <a:scrgbClr r="0" g="0" b="0"/>
+      </a:lnRef>
+      <a:fillRef idx="1">
+        <a:scrgbClr r="0" g="0" b="0"/>
+      </a:fillRef>
+      <a:effectRef idx="0">
+        <a:scrgbClr r="0" g="0" b="0"/>
+      </a:effectRef>
+      <a:fontRef idx="minor">
+        <a:schemeClr val="lt1"/>
+      </a:fontRef>
+    </dgm:style>
+  </dgm:styleLbl>
+  <dgm:styleLbl name="parChTrans2D3">
+    <dgm:scene3d>
+      <a:camera prst="orthographicFront"/>
+      <a:lightRig rig="threePt" dir="t"/>
+    </dgm:scene3d>
+    <dgm:sp3d/>
+    <dgm:txPr/>
+    <dgm:style>
+      <a:lnRef idx="2">
+        <a:scrgbClr r="0" g="0" b="0"/>
+      </a:lnRef>
+      <a:fillRef idx="1">
+        <a:scrgbClr r="0" g="0" b="0"/>
+      </a:fillRef>
+      <a:effectRef idx="0">
+        <a:scrgbClr r="0" g="0" b="0"/>
+      </a:effectRef>
+      <a:fontRef idx="minor">
+        <a:schemeClr val="lt1"/>
+      </a:fontRef>
+    </dgm:style>
+  </dgm:styleLbl>
+  <dgm:styleLbl name="parChTrans2D4">
+    <dgm:scene3d>
+      <a:camera prst="orthographicFront"/>
+      <a:lightRig rig="threePt" dir="t"/>
+    </dgm:scene3d>
+    <dgm:sp3d/>
+    <dgm:txPr/>
+    <dgm:style>
+      <a:lnRef idx="2">
+        <a:scrgbClr r="0" g="0" b="0"/>
+      </a:lnRef>
+      <a:fillRef idx="1">
+        <a:scrgbClr r="0" g="0" b="0"/>
+      </a:fillRef>
+      <a:effectRef idx="0">
+        <a:scrgbClr r="0" g="0" b="0"/>
+      </a:effectRef>
+      <a:fontRef idx="minor">
+        <a:schemeClr val="lt1"/>
+      </a:fontRef>
+    </dgm:style>
+  </dgm:styleLbl>
+  <dgm:styleLbl name="parChTrans1D1">
+    <dgm:scene3d>
+      <a:camera prst="orthographicFront"/>
+      <a:lightRig rig="threePt" dir="t"/>
+    </dgm:scene3d>
+    <dgm:sp3d/>
+    <dgm:txPr/>
+    <dgm:style>
+      <a:lnRef idx="2">
+        <a:scrgbClr r="0" g="0" b="0"/>
+      </a:lnRef>
+      <a:fillRef idx="0">
+        <a:scrgbClr r="0" g="0" b="0"/>
+      </a:fillRef>
+      <a:effectRef idx="0">
+        <a:scrgbClr r="0" g="0" b="0"/>
+      </a:effectRef>
+      <a:fontRef idx="minor"/>
+    </dgm:style>
+  </dgm:styleLbl>
+  <dgm:styleLbl name="parChTrans1D2">
+    <dgm:scene3d>
+      <a:camera prst="orthographicFront"/>
+      <a:lightRig rig="threePt" dir="t"/>
+    </dgm:scene3d>
+    <dgm:sp3d/>
+    <dgm:txPr/>
+    <dgm:style>
+      <a:lnRef idx="2">
+        <a:scrgbClr r="0" g="0" b="0"/>
+      </a:lnRef>
+      <a:fillRef idx="0">
+        <a:scrgbClr r="0" g="0" b="0"/>
+      </a:fillRef>
+      <a:effectRef idx="0">
+        <a:scrgbClr r="0" g="0" b="0"/>
+      </a:effectRef>
+      <a:fontRef idx="minor"/>
+    </dgm:style>
+  </dgm:styleLbl>
+  <dgm:styleLbl name="parChTrans1D3">
+    <dgm:scene3d>
+      <a:camera prst="orthographicFront"/>
+      <a:lightRig rig="threePt" dir="t"/>
+    </dgm:scene3d>
+    <dgm:sp3d/>
+    <dgm:txPr/>
+    <dgm:style>
+      <a:lnRef idx="2">
+        <a:scrgbClr r="0" g="0" b="0"/>
+      </a:lnRef>
+      <a:fillRef idx="0">
+        <a:scrgbClr r="0" g="0" b="0"/>
+      </a:fillRef>
+      <a:effectRef idx="0">
+        <a:scrgbClr r="0" g="0" b="0"/>
+      </a:effectRef>
+      <a:fontRef idx="minor"/>
+    </dgm:style>
+  </dgm:styleLbl>
+  <dgm:styleLbl name="parChTrans1D4">
+    <dgm:scene3d>
+      <a:camera prst="orthographicFront"/>
+      <a:lightRig rig="threePt" dir="t"/>
+    </dgm:scene3d>
+    <dgm:sp3d/>
+    <dgm:txPr/>
+    <dgm:style>
+      <a:lnRef idx="2">
+        <a:scrgbClr r="0" g="0" b="0"/>
+      </a:lnRef>
+      <a:fillRef idx="0">
+        <a:scrgbClr r="0" g="0" b="0"/>
+      </a:fillRef>
+      <a:effectRef idx="0">
+        <a:scrgbClr r="0" g="0" b="0"/>
+      </a:effectRef>
+      <a:fontRef idx="minor"/>
+    </dgm:style>
+  </dgm:styleLbl>
+  <dgm:styleLbl name="fgAcc1">
+    <dgm:scene3d>
+      <a:camera prst="orthographicFront"/>
+      <a:lightRig rig="threePt" dir="t"/>
+    </dgm:scene3d>
+    <dgm:sp3d/>
+    <dgm:txPr/>
+    <dgm:style>
+      <a:lnRef idx="2">
+        <a:scrgbClr r="0" g="0" b="0"/>
+      </a:lnRef>
+      <a:fillRef idx="1">
+        <a:scrgbClr r="0" g="0" b="0"/>
+      </a:fillRef>
+      <a:effectRef idx="0">
+        <a:scrgbClr r="0" g="0" b="0"/>
+      </a:effectRef>
+      <a:fontRef idx="minor"/>
+    </dgm:style>
+  </dgm:styleLbl>
+  <dgm:styleLbl name="conFgAcc1">
+    <dgm:scene3d>
+      <a:camera prst="orthographicFront"/>
+      <a:lightRig rig="threePt" dir="t"/>
+    </dgm:scene3d>
+    <dgm:sp3d/>
+    <dgm:txPr/>
+    <dgm:style>
+      <a:lnRef idx="2">
+        <a:scrgbClr r="0" g="0" b="0"/>
+      </a:lnRef>
+      <a:fillRef idx="1">
+        <a:scrgbClr r="0" g="0" b="0"/>
+      </a:fillRef>
+      <a:effectRef idx="0">
+        <a:scrgbClr r="0" g="0" b="0"/>
+      </a:effectRef>
+      <a:fontRef idx="minor"/>
+    </dgm:style>
+  </dgm:styleLbl>
+  <dgm:styleLbl name="alignAcc1">
+    <dgm:scene3d>
+      <a:camera prst="orthographicFront"/>
+      <a:lightRig rig="threePt" dir="t"/>
+    </dgm:scene3d>
+    <dgm:sp3d/>
+    <dgm:txPr/>
+    <dgm:style>
+      <a:lnRef idx="2">
+        <a:scrgbClr r="0" g="0" b="0"/>
+      </a:lnRef>
+      <a:fillRef idx="1">
+        <a:scrgbClr r="0" g="0" b="0"/>
+      </a:fillRef>
+      <a:effectRef idx="0">
+        <a:scrgbClr r="0" g="0" b="0"/>
+      </a:effectRef>
+      <a:fontRef idx="minor"/>
+    </dgm:style>
+  </dgm:styleLbl>
+  <dgm:styleLbl name="trAlignAcc1">
+    <dgm:scene3d>
+      <a:camera prst="orthographicFront"/>
+      <a:lightRig rig="threePt" dir="t"/>
+    </dgm:scene3d>
+    <dgm:sp3d/>
+    <dgm:txPr/>
+    <dgm:style>
+      <a:lnRef idx="1">
+        <a:scrgbClr r="0" g="0" b="0"/>
+      </a:lnRef>
+      <a:fillRef idx="1">
+        <a:scrgbClr r="0" g="0" b="0"/>
+      </a:fillRef>
+      <a:effectRef idx="0">
+        <a:scrgbClr r="0" g="0" b="0"/>
+      </a:effectRef>
+      <a:fontRef idx="minor"/>
+    </dgm:style>
+  </dgm:styleLbl>
+  <dgm:styleLbl name="bgAcc1">
+    <dgm:scene3d>
+      <a:camera prst="orthographicFront"/>
+      <a:lightRig rig="threePt" dir="t"/>
+    </dgm:scene3d>
+    <dgm:sp3d/>
+    <dgm:txPr/>
+    <dgm:style>
+      <a:lnRef idx="2">
+        <a:scrgbClr r="0" g="0" b="0"/>
+      </a:lnRef>
+      <a:fillRef idx="1">
+        <a:scrgbClr r="0" g="0" b="0"/>
+      </a:fillRef>
+      <a:effectRef idx="0">
+        <a:scrgbClr r="0" g="0" b="0"/>
+      </a:effectRef>
+      <a:fontRef idx="minor"/>
+    </dgm:style>
+  </dgm:styleLbl>
+  <dgm:styleLbl name="solidFgAcc1">
+    <dgm:scene3d>
+      <a:camera prst="orthographicFront"/>
+      <a:lightRig rig="threePt" dir="t"/>
+    </dgm:scene3d>
+    <dgm:sp3d/>
+    <dgm:txPr/>
+    <dgm:style>
+      <a:lnRef idx="2">
+        <a:scrgbClr r="0" g="0" b="0"/>
+      </a:lnRef>
+      <a:fillRef idx="1">
+        <a:scrgbClr r="0" g="0" b="0"/>
+      </a:fillRef>
+      <a:effectRef idx="0">
+        <a:scrgbClr r="0" g="0" b="0"/>
+      </a:effectRef>
+      <a:fontRef idx="minor"/>
+    </dgm:style>
+  </dgm:styleLbl>
+  <dgm:styleLbl name="solidAlignAcc1">
+    <dgm:scene3d>
+      <a:camera prst="orthographicFront"/>
+      <a:lightRig rig="threePt" dir="t"/>
+    </dgm:scene3d>
+    <dgm:sp3d/>
+    <dgm:txPr/>
+    <dgm:style>
+      <a:lnRef idx="2">
+        <a:scrgbClr r="0" g="0" b="0"/>
+      </a:lnRef>
+      <a:fillRef idx="1">
+        <a:scrgbClr r="0" g="0" b="0"/>
+      </a:fillRef>
+      <a:effectRef idx="0">
+        <a:scrgbClr r="0" g="0" b="0"/>
+      </a:effectRef>
+      <a:fontRef idx="minor"/>
+    </dgm:style>
+  </dgm:styleLbl>
+  <dgm:styleLbl name="solidBgAcc1">
+    <dgm:scene3d>
+      <a:camera prst="orthographicFront"/>
+      <a:lightRig rig="threePt" dir="t"/>
+    </dgm:scene3d>
+    <dgm:sp3d/>
+    <dgm:txPr/>
+    <dgm:style>
+      <a:lnRef idx="2">
+        <a:scrgbClr r="0" g="0" b="0"/>
+      </a:lnRef>
+      <a:fillRef idx="1">
+        <a:scrgbClr r="0" g="0" b="0"/>
+      </a:fillRef>
+      <a:effectRef idx="0">
+        <a:scrgbClr r="0" g="0" b="0"/>
+      </a:effectRef>
+      <a:fontRef idx="minor"/>
+    </dgm:style>
+  </dgm:styleLbl>
+  <dgm:styleLbl name="fgAccFollowNode1">
+    <dgm:scene3d>
+      <a:camera prst="orthographicFront"/>
+      <a:lightRig rig="threePt" dir="t"/>
+    </dgm:scene3d>
+    <dgm:sp3d/>
+    <dgm:txPr/>
+    <dgm:style>
+      <a:lnRef idx="2">
+        <a:scrgbClr r="0" g="0" b="0"/>
+      </a:lnRef>
+      <a:fillRef idx="1">
+        <a:scrgbClr r="0" g="0" b="0"/>
+      </a:fillRef>
+      <a:effectRef idx="0">
+        <a:scrgbClr r="0" g="0" b="0"/>
+      </a:effectRef>
+      <a:fontRef idx="minor"/>
+    </dgm:style>
+  </dgm:styleLbl>
+  <dgm:styleLbl name="alignAccFollowNode1">
+    <dgm:scene3d>
+      <a:camera prst="orthographicFront"/>
+      <a:lightRig rig="threePt" dir="t"/>
+    </dgm:scene3d>
+    <dgm:sp3d/>
+    <dgm:txPr/>
+    <dgm:style>
+      <a:lnRef idx="2">
+        <a:scrgbClr r="0" g="0" b="0"/>
+      </a:lnRef>
+      <a:fillRef idx="1">
+        <a:scrgbClr r="0" g="0" b="0"/>
+      </a:fillRef>
+      <a:effectRef idx="0">
+        <a:scrgbClr r="0" g="0" b="0"/>
+      </a:effectRef>
+      <a:fontRef idx="minor"/>
+    </dgm:style>
+  </dgm:styleLbl>
+  <dgm:styleLbl name="bgAccFollowNode1">
+    <dgm:scene3d>
+      <a:camera prst="orthographicFront"/>
+      <a:lightRig rig="threePt" dir="t"/>
+    </dgm:scene3d>
+    <dgm:sp3d/>
+    <dgm:txPr/>
+    <dgm:style>
+      <a:lnRef idx="2">
+        <a:scrgbClr r="0" g="0" b="0"/>
+      </a:lnRef>
+      <a:fillRef idx="1">
+        <a:scrgbClr r="0" g="0" b="0"/>
+      </a:fillRef>
+      <a:effectRef idx="0">
+        <a:scrgbClr r="0" g="0" b="0"/>
+      </a:effectRef>
+      <a:fontRef idx="minor"/>
+    </dgm:style>
+  </dgm:styleLbl>
+  <dgm:styleLbl name="fgAcc0">
+    <dgm:scene3d>
+      <a:camera prst="orthographicFront"/>
+      <a:lightRig rig="threePt" dir="t"/>
+    </dgm:scene3d>
+    <dgm:sp3d/>
+    <dgm:txPr/>
+    <dgm:style>
+      <a:lnRef idx="2">
+        <a:scrgbClr r="0" g="0" b="0"/>
+      </a:lnRef>
+      <a:fillRef idx="1">
+        <a:scrgbClr r="0" g="0" b="0"/>
+      </a:fillRef>
+      <a:effectRef idx="0">
+        <a:scrgbClr r="0" g="0" b="0"/>
+      </a:effectRef>
+      <a:fontRef idx="minor"/>
+    </dgm:style>
+  </dgm:styleLbl>
+  <dgm:styleLbl name="fgAcc2">
+    <dgm:scene3d>
+      <a:camera prst="orthographicFront"/>
+      <a:lightRig rig="threePt" dir="t"/>
+    </dgm:scene3d>
+    <dgm:sp3d/>
+    <dgm:txPr/>
+    <dgm:style>
+      <a:lnRef idx="2">
+        <a:scrgbClr r="0" g="0" b="0"/>
+      </a:lnRef>
+      <a:fillRef idx="1">
+        <a:scrgbClr r="0" g="0" b="0"/>
+      </a:fillRef>
+      <a:effectRef idx="0">
+        <a:scrgbClr r="0" g="0" b="0"/>
+      </a:effectRef>
+      <a:fontRef idx="minor"/>
+    </dgm:style>
+  </dgm:styleLbl>
+  <dgm:styleLbl name="fgAcc3">
+    <dgm:scene3d>
+      <a:camera prst="orthographicFront"/>
+      <a:lightRig rig="threePt" dir="t"/>
+    </dgm:scene3d>
+    <dgm:sp3d/>
+    <dgm:txPr/>
+    <dgm:style>
+      <a:lnRef idx="2">
+        <a:scrgbClr r="0" g="0" b="0"/>
+      </a:lnRef>
+      <a:fillRef idx="1">
+        <a:scrgbClr r="0" g="0" b="0"/>
+      </a:fillRef>
+      <a:effectRef idx="0">
+        <a:scrgbClr r="0" g="0" b="0"/>
+      </a:effectRef>
+      <a:fontRef idx="minor"/>
+    </dgm:style>
+  </dgm:styleLbl>
+  <dgm:styleLbl name="fgAcc4">
+    <dgm:scene3d>
+      <a:camera prst="orthographicFront"/>
+      <a:lightRig rig="threePt" dir="t"/>
+    </dgm:scene3d>
+    <dgm:sp3d/>
+    <dgm:txPr/>
+    <dgm:style>
+      <a:lnRef idx="2">
+        <a:scrgbClr r="0" g="0" b="0"/>
+      </a:lnRef>
+      <a:fillRef idx="1">
+        <a:scrgbClr r="0" g="0" b="0"/>
+      </a:fillRef>
+      <a:effectRef idx="0">
+        <a:scrgbClr r="0" g="0" b="0"/>
+      </a:effectRef>
+      <a:fontRef idx="minor"/>
+    </dgm:style>
+  </dgm:styleLbl>
+  <dgm:styleLbl name="bgShp">
+    <dgm:scene3d>
+      <a:camera prst="orthographicFront"/>
+      <a:lightRig rig="threePt" dir="t"/>
+    </dgm:scene3d>
+    <dgm:sp3d/>
+    <dgm:txPr/>
+    <dgm:style>
+      <a:lnRef idx="0">
+        <a:scrgbClr r="0" g="0" b="0"/>
+      </a:lnRef>
+      <a:fillRef idx="1">
+        <a:scrgbClr r="0" g="0" b="0"/>
+      </a:fillRef>
+      <a:effectRef idx="0">
+        <a:scrgbClr r="0" g="0" b="0"/>
+      </a:effectRef>
+      <a:fontRef idx="minor"/>
+    </dgm:style>
+  </dgm:styleLbl>
+  <dgm:styleLbl name="dkBgShp">
+    <dgm:scene3d>
+      <a:camera prst="orthographicFront"/>
+      <a:lightRig rig="threePt" dir="t"/>
+    </dgm:scene3d>
+    <dgm:sp3d/>
+    <dgm:txPr/>
+    <dgm:style>
+      <a:lnRef idx="0">
+        <a:scrgbClr r="0" g="0" b="0"/>
+      </a:lnRef>
+      <a:fillRef idx="1">
+        <a:scrgbClr r="0" g="0" b="0"/>
+      </a:fillRef>
+      <a:effectRef idx="0">
+        <a:scrgbClr r="0" g="0" b="0"/>
+      </a:effectRef>
+      <a:fontRef idx="minor"/>
+    </dgm:style>
+  </dgm:styleLbl>
+  <dgm:styleLbl name="trBgShp">
+    <dgm:scene3d>
+      <a:camera prst="orthographicFront"/>
+      <a:lightRig rig="threePt" dir="t"/>
+    </dgm:scene3d>
+    <dgm:sp3d/>
+    <dgm:txPr/>
+    <dgm:style>
+      <a:lnRef idx="0">
+        <a:scrgbClr r="0" g="0" b="0"/>
+      </a:lnRef>
+      <a:fillRef idx="1">
+        <a:scrgbClr r="0" g="0" b="0"/>
+      </a:fillRef>
+      <a:effectRef idx="0">
+        <a:scrgbClr r="0" g="0" b="0"/>
+      </a:effectRef>
+      <a:fontRef idx="minor"/>
+    </dgm:style>
+  </dgm:styleLbl>
+  <dgm:styleLbl name="fgShp">
+    <dgm:scene3d>
+      <a:camera prst="orthographicFront"/>
+      <a:lightRig rig="threePt" dir="t"/>
+    </dgm:scene3d>
+    <dgm:sp3d/>
+    <dgm:txPr/>
+    <dgm:style>
+      <a:lnRef idx="2">
+        <a:scrgbClr r="0" g="0" b="0"/>
+      </a:lnRef>
+      <a:fillRef idx="1">
+        <a:scrgbClr r="0" g="0" b="0"/>
+      </a:fillRef>
+      <a:effectRef idx="0">
+        <a:scrgbClr r="0" g="0" b="0"/>
+      </a:effectRef>
+      <a:fontRef idx="minor"/>
+    </dgm:style>
+  </dgm:styleLbl>
+  <dgm:styleLbl name="revTx">
+    <dgm:scene3d>
+      <a:camera prst="orthographicFront"/>
+      <a:lightRig rig="threePt" dir="t"/>
+    </dgm:scene3d>
+    <dgm:sp3d/>
+    <dgm:txPr/>
+    <dgm:style>
+      <a:lnRef idx="0">
+        <a:scrgbClr r="0" g="0" b="0"/>
+      </a:lnRef>
+      <a:fillRef idx="0">
+        <a:scrgbClr r="0" g="0" b="0"/>
+      </a:fillRef>
+      <a:effectRef idx="0">
+        <a:scrgbClr r="0" g="0" b="0"/>
+      </a:effectRef>
+      <a:fontRef idx="minor"/>
+    </dgm:style>
+  </dgm:styleLbl>
+</dgm:styleDef>
 </file>
 
 <file path=ppt/handoutMasters/handoutMaster1.xml><?xml version="1.0" encoding="utf-8"?>
@@ -738,174 +5995,6 @@
     <p:extLst>
       <p:ext uri="{BB962C8B-B14F-4D97-AF65-F5344CB8AC3E}">
         <p14:creationId xmlns:p14="http://schemas.microsoft.com/office/powerpoint/2010/main" val="3638179263"/>
-      </p:ext>
-    </p:extLst>
-  </p:cSld>
-  <p:clrMapOvr>
-    <a:masterClrMapping/>
-  </p:clrMapOvr>
-</p:notes>
-</file>
-
-<file path=ppt/notesSlides/notesSlide2.xml><?xml version="1.0" encoding="utf-8"?>
-<p:notes xmlns:a="http://schemas.openxmlformats.org/drawingml/2006/main" xmlns:r="http://schemas.openxmlformats.org/officeDocument/2006/relationships" xmlns:p="http://schemas.openxmlformats.org/presentationml/2006/main">
-  <p:cSld>
-    <p:spTree>
-      <p:nvGrpSpPr>
-        <p:cNvPr id="1" name=""/>
-        <p:cNvGrpSpPr/>
-        <p:nvPr/>
-      </p:nvGrpSpPr>
-      <p:grpSpPr>
-        <a:xfrm>
-          <a:off x="0" y="0"/>
-          <a:ext cx="0" cy="0"/>
-          <a:chOff x="0" y="0"/>
-          <a:chExt cx="0" cy="0"/>
-        </a:xfrm>
-      </p:grpSpPr>
-      <p:sp>
-        <p:nvSpPr>
-          <p:cNvPr id="2" name="スライド イメージ プレースホルダー 1"/>
-          <p:cNvSpPr>
-            <a:spLocks noGrp="1" noRot="1" noChangeAspect="1"/>
-          </p:cNvSpPr>
-          <p:nvPr>
-            <p:ph type="sldImg"/>
-          </p:nvPr>
-        </p:nvSpPr>
-        <p:spPr/>
-      </p:sp>
-      <p:sp>
-        <p:nvSpPr>
-          <p:cNvPr id="3" name="ノート プレースホルダー 2"/>
-          <p:cNvSpPr>
-            <a:spLocks noGrp="1"/>
-          </p:cNvSpPr>
-          <p:nvPr>
-            <p:ph type="body" idx="1"/>
-          </p:nvPr>
-        </p:nvSpPr>
-        <p:spPr/>
-        <p:txBody>
-          <a:bodyPr/>
-          <a:lstStyle/>
-          <a:p>
-            <a:endParaRPr kumimoji="1" lang="ja-JP" altLang="en-US" dirty="0"/>
-          </a:p>
-        </p:txBody>
-      </p:sp>
-      <p:sp>
-        <p:nvSpPr>
-          <p:cNvPr id="4" name="スライド番号プレースホルダー 3"/>
-          <p:cNvSpPr>
-            <a:spLocks noGrp="1"/>
-          </p:cNvSpPr>
-          <p:nvPr>
-            <p:ph type="sldNum" sz="quarter" idx="10"/>
-          </p:nvPr>
-        </p:nvSpPr>
-        <p:spPr/>
-        <p:txBody>
-          <a:bodyPr/>
-          <a:lstStyle/>
-          <a:p>
-            <a:fld id="{14A987AB-81A9-4606-8B21-8C126C6E3A1D}" type="slidenum">
-              <a:rPr kumimoji="1" lang="ja-JP" altLang="en-US" smtClean="0"/>
-              <a:t>3</a:t>
-            </a:fld>
-            <a:endParaRPr kumimoji="1" lang="ja-JP" altLang="en-US"/>
-          </a:p>
-        </p:txBody>
-      </p:sp>
-    </p:spTree>
-    <p:extLst>
-      <p:ext uri="{BB962C8B-B14F-4D97-AF65-F5344CB8AC3E}">
-        <p14:creationId xmlns:p14="http://schemas.microsoft.com/office/powerpoint/2010/main" val="2607329666"/>
-      </p:ext>
-    </p:extLst>
-  </p:cSld>
-  <p:clrMapOvr>
-    <a:masterClrMapping/>
-  </p:clrMapOvr>
-</p:notes>
-</file>
-
-<file path=ppt/notesSlides/notesSlide3.xml><?xml version="1.0" encoding="utf-8"?>
-<p:notes xmlns:a="http://schemas.openxmlformats.org/drawingml/2006/main" xmlns:r="http://schemas.openxmlformats.org/officeDocument/2006/relationships" xmlns:p="http://schemas.openxmlformats.org/presentationml/2006/main">
-  <p:cSld>
-    <p:spTree>
-      <p:nvGrpSpPr>
-        <p:cNvPr id="1" name=""/>
-        <p:cNvGrpSpPr/>
-        <p:nvPr/>
-      </p:nvGrpSpPr>
-      <p:grpSpPr>
-        <a:xfrm>
-          <a:off x="0" y="0"/>
-          <a:ext cx="0" cy="0"/>
-          <a:chOff x="0" y="0"/>
-          <a:chExt cx="0" cy="0"/>
-        </a:xfrm>
-      </p:grpSpPr>
-      <p:sp>
-        <p:nvSpPr>
-          <p:cNvPr id="2" name="スライド イメージ プレースホルダー 1"/>
-          <p:cNvSpPr>
-            <a:spLocks noGrp="1" noRot="1" noChangeAspect="1"/>
-          </p:cNvSpPr>
-          <p:nvPr>
-            <p:ph type="sldImg"/>
-          </p:nvPr>
-        </p:nvSpPr>
-        <p:spPr/>
-      </p:sp>
-      <p:sp>
-        <p:nvSpPr>
-          <p:cNvPr id="3" name="ノート プレースホルダー 2"/>
-          <p:cNvSpPr>
-            <a:spLocks noGrp="1"/>
-          </p:cNvSpPr>
-          <p:nvPr>
-            <p:ph type="body" idx="1"/>
-          </p:nvPr>
-        </p:nvSpPr>
-        <p:spPr/>
-        <p:txBody>
-          <a:bodyPr/>
-          <a:lstStyle/>
-          <a:p>
-            <a:endParaRPr kumimoji="1" lang="ja-JP" altLang="en-US" dirty="0"/>
-          </a:p>
-        </p:txBody>
-      </p:sp>
-      <p:sp>
-        <p:nvSpPr>
-          <p:cNvPr id="4" name="スライド番号プレースホルダー 3"/>
-          <p:cNvSpPr>
-            <a:spLocks noGrp="1"/>
-          </p:cNvSpPr>
-          <p:nvPr>
-            <p:ph type="sldNum" sz="quarter" idx="10"/>
-          </p:nvPr>
-        </p:nvSpPr>
-        <p:spPr/>
-        <p:txBody>
-          <a:bodyPr/>
-          <a:lstStyle/>
-          <a:p>
-            <a:fld id="{14A987AB-81A9-4606-8B21-8C126C6E3A1D}" type="slidenum">
-              <a:rPr kumimoji="1" lang="ja-JP" altLang="en-US" smtClean="0"/>
-              <a:t>4</a:t>
-            </a:fld>
-            <a:endParaRPr kumimoji="1" lang="ja-JP" altLang="en-US"/>
-          </a:p>
-        </p:txBody>
-      </p:sp>
-    </p:spTree>
-    <p:extLst>
-      <p:ext uri="{BB962C8B-B14F-4D97-AF65-F5344CB8AC3E}">
-        <p14:creationId xmlns:p14="http://schemas.microsoft.com/office/powerpoint/2010/main" val="2607329666"/>
       </p:ext>
     </p:extLst>
   </p:cSld>
@@ -4170,7 +9259,7 @@
           <p:nvPr>
             <p:extLst>
               <p:ext uri="{D42A27DB-BD31-4B8C-83A1-F6EECF244321}">
-                <p14:modId xmlns:p14="http://schemas.microsoft.com/office/powerpoint/2010/main" val="717265689"/>
+                <p14:modId xmlns:p14="http://schemas.microsoft.com/office/powerpoint/2010/main" val="1531622993"/>
               </p:ext>
             </p:extLst>
           </p:nvPr>
@@ -4183,7 +9272,7 @@
           <a:graphicData uri="http://schemas.openxmlformats.org/presentationml/2006/ole">
             <mc:AlternateContent xmlns:mc="http://schemas.openxmlformats.org/markup-compatibility/2006">
               <mc:Choice xmlns:v="urn:schemas-microsoft-com:vml" Requires="v">
-                <p:oleObj spid="_x0000_s1051" name="ワークシート" r:id="rId4" imgW="2943165" imgH="3781500" progId="Excel.Sheet.12">
+                <p:oleObj spid="_x0000_s1056" name="ワークシート" r:id="rId4" imgW="2943165" imgH="3781500" progId="Excel.Sheet.12">
                   <p:embed/>
                 </p:oleObj>
               </mc:Choice>
@@ -4650,7 +9739,7 @@
       </p:grpSpPr>
       <p:sp>
         <p:nvSpPr>
-          <p:cNvPr id="4" name="タイトル 3"/>
+          <p:cNvPr id="2" name="タイトル 1"/>
           <p:cNvSpPr>
             <a:spLocks noGrp="1"/>
           </p:cNvSpPr>
@@ -4658,19 +9747,14 @@
             <p:ph type="title"/>
           </p:nvPr>
         </p:nvSpPr>
-        <p:spPr>
-          <a:xfrm>
-            <a:off x="539552" y="-18256"/>
-            <a:ext cx="8229600" cy="850106"/>
-          </a:xfrm>
-        </p:spPr>
+        <p:spPr/>
         <p:txBody>
           <a:bodyPr/>
           <a:lstStyle/>
           <a:p>
             <a:r>
-              <a:rPr kumimoji="1" lang="ja-JP" altLang="en-US" dirty="0" smtClean="0"/>
-              <a:t>開発分担</a:t>
+              <a:rPr lang="ja-JP" altLang="en-US" dirty="0"/>
+              <a:t>体制図</a:t>
             </a:r>
             <a:endParaRPr kumimoji="1" lang="ja-JP" altLang="en-US" dirty="0"/>
           </a:p>
@@ -4678,346 +9762,36 @@
       </p:sp>
       <p:graphicFrame>
         <p:nvGraphicFramePr>
-          <p:cNvPr id="6" name="オブジェクト 5"/>
-          <p:cNvGraphicFramePr>
-            <a:graphicFrameLocks noChangeAspect="1"/>
-          </p:cNvGraphicFramePr>
+          <p:cNvPr id="3" name="図表 2"/>
+          <p:cNvGraphicFramePr/>
           <p:nvPr>
             <p:extLst>
               <p:ext uri="{D42A27DB-BD31-4B8C-83A1-F6EECF244321}">
-                <p14:modId xmlns:p14="http://schemas.microsoft.com/office/powerpoint/2010/main" val="2850868961"/>
+                <p14:modId xmlns:p14="http://schemas.microsoft.com/office/powerpoint/2010/main" val="3879965464"/>
               </p:ext>
             </p:extLst>
           </p:nvPr>
         </p:nvGraphicFramePr>
         <p:xfrm>
-          <a:off x="683568" y="823813"/>
-          <a:ext cx="8031162" cy="5786437"/>
+          <a:off x="179512" y="836712"/>
+          <a:ext cx="8784976" cy="5616624"/>
         </p:xfrm>
         <a:graphic>
-          <a:graphicData uri="http://schemas.openxmlformats.org/presentationml/2006/ole">
-            <mc:AlternateContent xmlns:mc="http://schemas.openxmlformats.org/markup-compatibility/2006">
-              <mc:Choice xmlns:v="urn:schemas-microsoft-com:vml" Requires="v">
-                <p:oleObj spid="_x0000_s2062" name="ワークシート" r:id="rId3" imgW="7086625" imgH="5105524" progId="Excel.Sheet.12">
-                  <p:embed/>
-                </p:oleObj>
-              </mc:Choice>
-              <mc:Fallback>
-                <p:oleObj name="ワークシート" r:id="rId3" imgW="7086625" imgH="5105524" progId="Excel.Sheet.12">
-                  <p:embed/>
-                  <p:pic>
-                    <p:nvPicPr>
-                      <p:cNvPr id="0" name=""/>
-                      <p:cNvPicPr/>
-                      <p:nvPr/>
-                    </p:nvPicPr>
-                    <p:blipFill>
-                      <a:blip r:embed="rId4"/>
-                      <a:stretch>
-                        <a:fillRect/>
-                      </a:stretch>
-                    </p:blipFill>
-                    <p:spPr>
-                      <a:xfrm>
-                        <a:off x="683568" y="823813"/>
-                        <a:ext cx="8031162" cy="5786437"/>
-                      </a:xfrm>
-                      <a:prstGeom prst="rect">
-                        <a:avLst/>
-                      </a:prstGeom>
-                    </p:spPr>
-                  </p:pic>
-                </p:oleObj>
-              </mc:Fallback>
-            </mc:AlternateContent>
+          <a:graphicData uri="http://schemas.openxmlformats.org/drawingml/2006/diagram">
+            <dgm:relIds xmlns:dgm="http://schemas.openxmlformats.org/drawingml/2006/diagram" xmlns:r="http://schemas.openxmlformats.org/officeDocument/2006/relationships" r:dm="rId2" r:lo="rId3" r:qs="rId4" r:cs="rId5"/>
           </a:graphicData>
         </a:graphic>
       </p:graphicFrame>
-      <p:sp>
-        <p:nvSpPr>
-          <p:cNvPr id="2" name="角丸四角形吹き出し 1"/>
-          <p:cNvSpPr/>
-          <p:nvPr/>
-        </p:nvSpPr>
-        <p:spPr>
-          <a:xfrm>
-            <a:off x="5472100" y="2471192"/>
-            <a:ext cx="3168352" cy="2016224"/>
-          </a:xfrm>
-          <a:prstGeom prst="wedgeRoundRectCallout">
-            <a:avLst>
-              <a:gd name="adj1" fmla="val -49360"/>
-              <a:gd name="adj2" fmla="val -84894"/>
-              <a:gd name="adj3" fmla="val 16667"/>
-            </a:avLst>
-          </a:prstGeom>
-          <a:solidFill>
-            <a:schemeClr val="accent2">
-              <a:lumMod val="20000"/>
-              <a:lumOff val="80000"/>
-            </a:schemeClr>
-          </a:solidFill>
-          <a:ln>
-            <a:solidFill>
-              <a:schemeClr val="tx1"/>
-            </a:solidFill>
-          </a:ln>
-        </p:spPr>
-        <p:style>
-          <a:lnRef idx="2">
-            <a:schemeClr val="accent1">
-              <a:shade val="50000"/>
-            </a:schemeClr>
-          </a:lnRef>
-          <a:fillRef idx="1">
-            <a:schemeClr val="accent1"/>
-          </a:fillRef>
-          <a:effectRef idx="0">
-            <a:schemeClr val="accent1"/>
-          </a:effectRef>
-          <a:fontRef idx="minor">
-            <a:schemeClr val="lt1"/>
-          </a:fontRef>
-        </p:style>
-        <p:txBody>
-          <a:bodyPr rtlCol="0" anchor="ctr"/>
-          <a:lstStyle/>
-          <a:p>
-            <a:r>
-              <a:rPr lang="ja-JP" altLang="en-US" dirty="0">
-                <a:solidFill>
-                  <a:schemeClr val="tx1"/>
-                </a:solidFill>
-              </a:rPr>
-              <a:t>● </a:t>
-            </a:r>
-            <a:r>
-              <a:rPr lang="en-US" altLang="ja-JP" dirty="0">
-                <a:solidFill>
-                  <a:schemeClr val="tx1"/>
-                </a:solidFill>
-              </a:rPr>
-              <a:t>1</a:t>
-            </a:r>
-            <a:r>
-              <a:rPr lang="ja-JP" altLang="en-US" dirty="0">
-                <a:solidFill>
-                  <a:schemeClr val="tx1"/>
-                </a:solidFill>
-              </a:rPr>
-              <a:t>次で完成済み</a:t>
-            </a:r>
-          </a:p>
-          <a:p>
-            <a:r>
-              <a:rPr lang="ja-JP" altLang="en-US" dirty="0" smtClean="0">
-                <a:solidFill>
-                  <a:schemeClr val="tx1"/>
-                </a:solidFill>
-              </a:rPr>
-              <a:t>▲ </a:t>
-            </a:r>
-            <a:r>
-              <a:rPr lang="ja-JP" altLang="en-US" dirty="0">
-                <a:solidFill>
-                  <a:schemeClr val="tx1"/>
-                </a:solidFill>
-              </a:rPr>
-              <a:t>１次の結合</a:t>
-            </a:r>
-            <a:r>
-              <a:rPr lang="ja-JP" altLang="en-US" dirty="0" smtClean="0">
-                <a:solidFill>
-                  <a:schemeClr val="tx1"/>
-                </a:solidFill>
-              </a:rPr>
-              <a:t>テスト</a:t>
-            </a:r>
-            <a:endParaRPr lang="en-US" altLang="ja-JP" dirty="0" smtClean="0">
-              <a:solidFill>
-                <a:schemeClr val="tx1"/>
-              </a:solidFill>
-            </a:endParaRPr>
-          </a:p>
-          <a:p>
-            <a:r>
-              <a:rPr lang="ja-JP" altLang="en-US" dirty="0">
-                <a:solidFill>
-                  <a:schemeClr val="tx1"/>
-                </a:solidFill>
-              </a:rPr>
-              <a:t>　</a:t>
-            </a:r>
-            <a:r>
-              <a:rPr lang="ja-JP" altLang="en-US" dirty="0" smtClean="0">
-                <a:solidFill>
-                  <a:schemeClr val="tx1"/>
-                </a:solidFill>
-              </a:rPr>
-              <a:t>　システムテスト</a:t>
-            </a:r>
-            <a:r>
-              <a:rPr lang="ja-JP" altLang="en-US" dirty="0">
-                <a:solidFill>
-                  <a:schemeClr val="tx1"/>
-                </a:solidFill>
-              </a:rPr>
-              <a:t>実施</a:t>
-            </a:r>
-          </a:p>
-          <a:p>
-            <a:r>
-              <a:rPr lang="ja-JP" altLang="en-US" dirty="0">
-                <a:solidFill>
-                  <a:schemeClr val="tx1"/>
-                </a:solidFill>
-              </a:rPr>
-              <a:t>★ </a:t>
-            </a:r>
-            <a:r>
-              <a:rPr lang="en-US" altLang="ja-JP" dirty="0">
-                <a:solidFill>
-                  <a:schemeClr val="tx1"/>
-                </a:solidFill>
-              </a:rPr>
-              <a:t>1</a:t>
-            </a:r>
-            <a:r>
-              <a:rPr lang="ja-JP" altLang="en-US" dirty="0">
-                <a:solidFill>
-                  <a:schemeClr val="tx1"/>
-                </a:solidFill>
-              </a:rPr>
-              <a:t>次未納品を２次で開発</a:t>
-            </a:r>
-          </a:p>
-          <a:p>
-            <a:r>
-              <a:rPr lang="ja-JP" altLang="en-US" dirty="0" smtClean="0">
-                <a:solidFill>
-                  <a:schemeClr val="tx1"/>
-                </a:solidFill>
-              </a:rPr>
-              <a:t>○ </a:t>
-            </a:r>
-            <a:r>
-              <a:rPr lang="en-US" altLang="ja-JP" dirty="0">
-                <a:solidFill>
-                  <a:schemeClr val="tx1"/>
-                </a:solidFill>
-              </a:rPr>
-              <a:t>2</a:t>
-            </a:r>
-            <a:r>
-              <a:rPr lang="ja-JP" altLang="en-US" dirty="0">
-                <a:solidFill>
-                  <a:schemeClr val="tx1"/>
-                </a:solidFill>
-              </a:rPr>
-              <a:t>次開発対象</a:t>
-            </a:r>
-          </a:p>
-        </p:txBody>
-      </p:sp>
-      <p:sp>
-        <p:nvSpPr>
-          <p:cNvPr id="5" name="角丸四角形吹き出し 4"/>
-          <p:cNvSpPr/>
-          <p:nvPr/>
-        </p:nvSpPr>
-        <p:spPr>
-          <a:xfrm>
-            <a:off x="4211960" y="5445224"/>
-            <a:ext cx="2520280" cy="1008112"/>
-          </a:xfrm>
-          <a:prstGeom prst="wedgeRoundRectCallout">
-            <a:avLst>
-              <a:gd name="adj1" fmla="val -67501"/>
-              <a:gd name="adj2" fmla="val -96232"/>
-              <a:gd name="adj3" fmla="val 16667"/>
-            </a:avLst>
-          </a:prstGeom>
-          <a:solidFill>
-            <a:schemeClr val="accent2">
-              <a:lumMod val="20000"/>
-              <a:lumOff val="80000"/>
-            </a:schemeClr>
-          </a:solidFill>
-          <a:ln>
-            <a:solidFill>
-              <a:schemeClr val="tx1"/>
-            </a:solidFill>
-          </a:ln>
-        </p:spPr>
-        <p:style>
-          <a:lnRef idx="2">
-            <a:schemeClr val="accent1">
-              <a:shade val="50000"/>
-            </a:schemeClr>
-          </a:lnRef>
-          <a:fillRef idx="1">
-            <a:schemeClr val="accent1"/>
-          </a:fillRef>
-          <a:effectRef idx="0">
-            <a:schemeClr val="accent1"/>
-          </a:effectRef>
-          <a:fontRef idx="minor">
-            <a:schemeClr val="lt1"/>
-          </a:fontRef>
-        </p:style>
-        <p:txBody>
-          <a:bodyPr rtlCol="0" anchor="ctr"/>
-          <a:lstStyle/>
-          <a:p>
-            <a:r>
-              <a:rPr kumimoji="1" lang="ja-JP" altLang="en-US" dirty="0" smtClean="0">
-                <a:solidFill>
-                  <a:schemeClr val="tx1"/>
-                </a:solidFill>
-              </a:rPr>
-              <a:t>追加した機能はユースケース</a:t>
-            </a:r>
-            <a:r>
-              <a:rPr kumimoji="1" lang="en-US" altLang="ja-JP" dirty="0" smtClean="0">
-                <a:solidFill>
-                  <a:schemeClr val="tx1"/>
-                </a:solidFill>
-              </a:rPr>
-              <a:t>ID</a:t>
-            </a:r>
-            <a:r>
-              <a:rPr kumimoji="1" lang="ja-JP" altLang="en-US" dirty="0" smtClean="0">
-                <a:solidFill>
-                  <a:schemeClr val="tx1"/>
-                </a:solidFill>
-              </a:rPr>
-              <a:t>なしで追加</a:t>
-            </a:r>
-            <a:endParaRPr kumimoji="1" lang="ja-JP" altLang="en-US" dirty="0">
-              <a:solidFill>
-                <a:schemeClr val="tx1"/>
-              </a:solidFill>
-            </a:endParaRPr>
-          </a:p>
-        </p:txBody>
-      </p:sp>
     </p:spTree>
     <p:extLst>
       <p:ext uri="{BB962C8B-B14F-4D97-AF65-F5344CB8AC3E}">
-        <p14:creationId xmlns:p14="http://schemas.microsoft.com/office/powerpoint/2010/main" val="4060159766"/>
+        <p14:creationId xmlns:p14="http://schemas.microsoft.com/office/powerpoint/2010/main" val="1787024540"/>
       </p:ext>
     </p:extLst>
   </p:cSld>
   <p:clrMapOvr>
     <a:masterClrMapping/>
   </p:clrMapOvr>
-  <p:timing>
-    <p:tnLst>
-      <p:par>
-        <p:cTn id="1" dur="indefinite" restart="never" nodeType="tmRoot"/>
-      </p:par>
-    </p:tnLst>
-  </p:timing>
 </p:sld>
 </file>
 
@@ -5048,19 +9822,14 @@
             <p:ph type="title"/>
           </p:nvPr>
         </p:nvSpPr>
-        <p:spPr>
-          <a:xfrm>
-            <a:off x="457200" y="274638"/>
-            <a:ext cx="8229600" cy="922114"/>
-          </a:xfrm>
-        </p:spPr>
+        <p:spPr/>
         <p:txBody>
           <a:bodyPr/>
           <a:lstStyle/>
           <a:p>
             <a:r>
               <a:rPr kumimoji="1" lang="ja-JP" altLang="en-US" dirty="0" smtClean="0"/>
-              <a:t>コスト（原価）の実績</a:t>
+              <a:t>チームのルール</a:t>
             </a:r>
             <a:endParaRPr kumimoji="1" lang="ja-JP" altLang="en-US" dirty="0"/>
           </a:p>
@@ -5075,369 +9844,37 @@
           <p:nvPr>
             <p:extLst>
               <p:ext uri="{D42A27DB-BD31-4B8C-83A1-F6EECF244321}">
-                <p14:modId xmlns:p14="http://schemas.microsoft.com/office/powerpoint/2010/main" val="3458400689"/>
+                <p14:modId xmlns:p14="http://schemas.microsoft.com/office/powerpoint/2010/main" val="302424339"/>
               </p:ext>
             </p:extLst>
           </p:nvPr>
         </p:nvGraphicFramePr>
         <p:xfrm>
-          <a:off x="395536" y="1268760"/>
-          <a:ext cx="8280919" cy="4002008"/>
+          <a:off x="1115616" y="3429000"/>
+          <a:ext cx="6428254" cy="2225040"/>
         </p:xfrm>
         <a:graphic>
           <a:graphicData uri="http://schemas.openxmlformats.org/drawingml/2006/table">
             <a:tbl>
               <a:tblPr firstRow="1" bandRow="1">
-                <a:tableStyleId>{5940675A-B579-460E-94D1-54222C63F5DA}</a:tableStyleId>
+                <a:tableStyleId>{5C22544A-7EE6-4342-B048-85BDC9FD1C3A}</a:tableStyleId>
               </a:tblPr>
               <a:tblGrid>
-                <a:gridCol w="244756"/>
-                <a:gridCol w="1411428"/>
-                <a:gridCol w="1656184"/>
-                <a:gridCol w="1584176"/>
-                <a:gridCol w="1656184"/>
-                <a:gridCol w="1728191"/>
+                <a:gridCol w="1463824"/>
+                <a:gridCol w="2932430"/>
+                <a:gridCol w="2032000"/>
               </a:tblGrid>
-              <a:tr h="216024">
-                <a:tc rowSpan="2" gridSpan="2">
+              <a:tr h="370840">
+                <a:tc>
                   <a:txBody>
                     <a:bodyPr/>
                     <a:lstStyle/>
                     <a:p>
-                      <a:endParaRPr kumimoji="1" lang="ja-JP" altLang="en-US" sz="2800" b="1" dirty="0"/>
-                    </a:p>
-                  </a:txBody>
-                  <a:tcPr anchor="ctr">
-                    <a:lnL w="38100" cap="flat" cmpd="sng" algn="ctr">
-                      <a:solidFill>
-                        <a:schemeClr val="tx1"/>
-                      </a:solidFill>
-                      <a:prstDash val="solid"/>
-                      <a:round/>
-                      <a:headEnd type="none" w="med" len="med"/>
-                      <a:tailEnd type="none" w="med" len="med"/>
-                    </a:lnL>
-                    <a:lnR w="38100" cap="flat" cmpd="sng" algn="ctr">
-                      <a:solidFill>
-                        <a:schemeClr val="tx1"/>
-                      </a:solidFill>
-                      <a:prstDash val="solid"/>
-                      <a:round/>
-                      <a:headEnd type="none" w="med" len="med"/>
-                      <a:tailEnd type="none" w="med" len="med"/>
-                    </a:lnR>
-                    <a:lnT w="38100" cap="flat" cmpd="sng" algn="ctr">
-                      <a:solidFill>
-                        <a:schemeClr val="tx1"/>
-                      </a:solidFill>
-                      <a:prstDash val="solid"/>
-                      <a:round/>
-                      <a:headEnd type="none" w="med" len="med"/>
-                      <a:tailEnd type="none" w="med" len="med"/>
-                    </a:lnT>
-                    <a:lnB w="38100" cap="flat" cmpd="sng" algn="ctr">
-                      <a:solidFill>
-                        <a:schemeClr val="tx1"/>
-                      </a:solidFill>
-                      <a:prstDash val="solid"/>
-                      <a:round/>
-                      <a:headEnd type="none" w="med" len="med"/>
-                      <a:tailEnd type="none" w="med" len="med"/>
-                    </a:lnB>
-                    <a:solidFill>
-                      <a:schemeClr val="accent5">
-                        <a:lumMod val="20000"/>
-                        <a:lumOff val="80000"/>
-                      </a:schemeClr>
-                    </a:solidFill>
-                  </a:tcPr>
-                </a:tc>
-                <a:tc rowSpan="2" hMerge="1">
-                  <a:txBody>
-                    <a:bodyPr/>
-                    <a:lstStyle/>
-                    <a:p>
-                      <a:endParaRPr kumimoji="1" lang="ja-JP" altLang="en-US"/>
-                    </a:p>
-                  </a:txBody>
-                  <a:tcPr/>
-                </a:tc>
-                <a:tc gridSpan="2">
-                  <a:txBody>
-                    <a:bodyPr/>
-                    <a:lstStyle/>
-                    <a:p>
-                      <a:pPr algn="ctr"/>
                       <a:r>
-                        <a:rPr kumimoji="1" lang="ja-JP" altLang="en-US" sz="2800" b="1" dirty="0" smtClean="0"/>
-                        <a:t>一次開発</a:t>
+                        <a:rPr kumimoji="1" lang="ja-JP" altLang="en-US" dirty="0" smtClean="0"/>
+                        <a:t>名前</a:t>
                       </a:r>
-                      <a:endParaRPr kumimoji="1" lang="ja-JP" altLang="en-US" sz="2800" b="1" dirty="0"/>
-                    </a:p>
-                  </a:txBody>
-                  <a:tcPr anchor="ctr">
-                    <a:lnL w="38100" cap="flat" cmpd="sng" algn="ctr">
-                      <a:solidFill>
-                        <a:schemeClr val="tx1"/>
-                      </a:solidFill>
-                      <a:prstDash val="solid"/>
-                      <a:round/>
-                      <a:headEnd type="none" w="med" len="med"/>
-                      <a:tailEnd type="none" w="med" len="med"/>
-                    </a:lnL>
-                    <a:lnR w="38100" cap="flat" cmpd="sng" algn="ctr">
-                      <a:solidFill>
-                        <a:schemeClr val="tx1"/>
-                      </a:solidFill>
-                      <a:prstDash val="solid"/>
-                      <a:round/>
-                      <a:headEnd type="none" w="med" len="med"/>
-                      <a:tailEnd type="none" w="med" len="med"/>
-                    </a:lnR>
-                    <a:lnT w="38100" cap="flat" cmpd="sng" algn="ctr">
-                      <a:solidFill>
-                        <a:schemeClr val="tx1"/>
-                      </a:solidFill>
-                      <a:prstDash val="solid"/>
-                      <a:round/>
-                      <a:headEnd type="none" w="med" len="med"/>
-                      <a:tailEnd type="none" w="med" len="med"/>
-                    </a:lnT>
-                    <a:lnB w="38100" cap="flat" cmpd="sng" algn="ctr">
-                      <a:solidFill>
-                        <a:schemeClr val="tx1"/>
-                      </a:solidFill>
-                      <a:prstDash val="solid"/>
-                      <a:round/>
-                      <a:headEnd type="none" w="med" len="med"/>
-                      <a:tailEnd type="none" w="med" len="med"/>
-                    </a:lnB>
-                    <a:solidFill>
-                      <a:schemeClr val="accent5">
-                        <a:lumMod val="20000"/>
-                        <a:lumOff val="80000"/>
-                      </a:schemeClr>
-                    </a:solidFill>
-                  </a:tcPr>
-                </a:tc>
-                <a:tc hMerge="1">
-                  <a:txBody>
-                    <a:bodyPr/>
-                    <a:lstStyle/>
-                    <a:p>
-                      <a:pPr algn="ctr"/>
-                      <a:endParaRPr kumimoji="1" lang="ja-JP" altLang="en-US" sz="2800" b="1" dirty="0"/>
-                    </a:p>
-                  </a:txBody>
-                  <a:tcPr anchor="ctr">
-                    <a:lnL w="38100" cap="flat" cmpd="sng" algn="ctr">
-                      <a:solidFill>
-                        <a:schemeClr val="tx1"/>
-                      </a:solidFill>
-                      <a:prstDash val="solid"/>
-                      <a:round/>
-                      <a:headEnd type="none" w="med" len="med"/>
-                      <a:tailEnd type="none" w="med" len="med"/>
-                    </a:lnL>
-                    <a:lnR w="38100" cap="flat" cmpd="sng" algn="ctr">
-                      <a:solidFill>
-                        <a:schemeClr val="tx1"/>
-                      </a:solidFill>
-                      <a:prstDash val="solid"/>
-                      <a:round/>
-                      <a:headEnd type="none" w="med" len="med"/>
-                      <a:tailEnd type="none" w="med" len="med"/>
-                    </a:lnR>
-                    <a:lnT w="38100" cap="flat" cmpd="sng" algn="ctr">
-                      <a:solidFill>
-                        <a:schemeClr val="tx1"/>
-                      </a:solidFill>
-                      <a:prstDash val="solid"/>
-                      <a:round/>
-                      <a:headEnd type="none" w="med" len="med"/>
-                      <a:tailEnd type="none" w="med" len="med"/>
-                    </a:lnT>
-                    <a:lnB w="38100" cap="flat" cmpd="sng" algn="ctr">
-                      <a:solidFill>
-                        <a:schemeClr val="tx1"/>
-                      </a:solidFill>
-                      <a:prstDash val="solid"/>
-                      <a:round/>
-                      <a:headEnd type="none" w="med" len="med"/>
-                      <a:tailEnd type="none" w="med" len="med"/>
-                    </a:lnB>
-                    <a:solidFill>
-                      <a:schemeClr val="accent5">
-                        <a:lumMod val="20000"/>
-                        <a:lumOff val="80000"/>
-                      </a:schemeClr>
-                    </a:solidFill>
-                  </a:tcPr>
-                </a:tc>
-                <a:tc gridSpan="2">
-                  <a:txBody>
-                    <a:bodyPr/>
-                    <a:lstStyle/>
-                    <a:p>
-                      <a:pPr algn="ctr"/>
-                      <a:r>
-                        <a:rPr kumimoji="1" lang="ja-JP" altLang="en-US" sz="2800" b="1" dirty="0" smtClean="0"/>
-                        <a:t>二次開発</a:t>
-                      </a:r>
-                      <a:endParaRPr kumimoji="1" lang="ja-JP" altLang="en-US" sz="2800" b="1" dirty="0"/>
-                    </a:p>
-                  </a:txBody>
-                  <a:tcPr anchor="ctr">
-                    <a:lnL w="38100" cap="flat" cmpd="sng" algn="ctr">
-                      <a:solidFill>
-                        <a:schemeClr val="tx1"/>
-                      </a:solidFill>
-                      <a:prstDash val="solid"/>
-                      <a:round/>
-                      <a:headEnd type="none" w="med" len="med"/>
-                      <a:tailEnd type="none" w="med" len="med"/>
-                    </a:lnL>
-                    <a:lnR w="38100" cap="flat" cmpd="sng" algn="ctr">
-                      <a:solidFill>
-                        <a:schemeClr val="tx1"/>
-                      </a:solidFill>
-                      <a:prstDash val="solid"/>
-                      <a:round/>
-                      <a:headEnd type="none" w="med" len="med"/>
-                      <a:tailEnd type="none" w="med" len="med"/>
-                    </a:lnR>
-                    <a:lnT w="38100" cap="flat" cmpd="sng" algn="ctr">
-                      <a:solidFill>
-                        <a:schemeClr val="tx1"/>
-                      </a:solidFill>
-                      <a:prstDash val="solid"/>
-                      <a:round/>
-                      <a:headEnd type="none" w="med" len="med"/>
-                      <a:tailEnd type="none" w="med" len="med"/>
-                    </a:lnT>
-                    <a:lnB w="38100" cap="flat" cmpd="sng" algn="ctr">
-                      <a:solidFill>
-                        <a:schemeClr val="tx1"/>
-                      </a:solidFill>
-                      <a:prstDash val="solid"/>
-                      <a:round/>
-                      <a:headEnd type="none" w="med" len="med"/>
-                      <a:tailEnd type="none" w="med" len="med"/>
-                    </a:lnB>
-                    <a:solidFill>
-                      <a:schemeClr val="accent5">
-                        <a:lumMod val="20000"/>
-                        <a:lumOff val="80000"/>
-                      </a:schemeClr>
-                    </a:solidFill>
-                  </a:tcPr>
-                </a:tc>
-                <a:tc hMerge="1">
-                  <a:txBody>
-                    <a:bodyPr/>
-                    <a:lstStyle/>
-                    <a:p>
-                      <a:pPr algn="ctr"/>
-                      <a:endParaRPr kumimoji="1" lang="ja-JP" altLang="en-US" sz="2800" b="1" dirty="0"/>
-                    </a:p>
-                  </a:txBody>
-                  <a:tcPr anchor="ctr">
-                    <a:lnR w="38100" cap="flat" cmpd="sng" algn="ctr">
-                      <a:solidFill>
-                        <a:schemeClr val="tx1"/>
-                      </a:solidFill>
-                      <a:prstDash val="solid"/>
-                      <a:round/>
-                      <a:headEnd type="none" w="med" len="med"/>
-                      <a:tailEnd type="none" w="med" len="med"/>
-                    </a:lnR>
-                    <a:lnT w="38100" cap="flat" cmpd="sng" algn="ctr">
-                      <a:solidFill>
-                        <a:schemeClr val="tx1"/>
-                      </a:solidFill>
-                      <a:prstDash val="solid"/>
-                      <a:round/>
-                      <a:headEnd type="none" w="med" len="med"/>
-                      <a:tailEnd type="none" w="med" len="med"/>
-                    </a:lnT>
-                    <a:lnB w="38100" cap="flat" cmpd="sng" algn="ctr">
-                      <a:solidFill>
-                        <a:schemeClr val="tx1"/>
-                      </a:solidFill>
-                      <a:prstDash val="solid"/>
-                      <a:round/>
-                      <a:headEnd type="none" w="med" len="med"/>
-                      <a:tailEnd type="none" w="med" len="med"/>
-                    </a:lnB>
-                    <a:solidFill>
-                      <a:schemeClr val="accent5">
-                        <a:lumMod val="20000"/>
-                        <a:lumOff val="80000"/>
-                      </a:schemeClr>
-                    </a:solidFill>
-                  </a:tcPr>
-                </a:tc>
-              </a:tr>
-              <a:tr h="273928">
-                <a:tc gridSpan="2" vMerge="1">
-                  <a:txBody>
-                    <a:bodyPr/>
-                    <a:lstStyle/>
-                    <a:p>
-                      <a:endParaRPr kumimoji="1" lang="ja-JP" altLang="en-US" sz="2800" b="1" dirty="0"/>
-                    </a:p>
-                  </a:txBody>
-                  <a:tcPr anchor="ctr">
-                    <a:lnL w="38100" cap="flat" cmpd="sng" algn="ctr">
-                      <a:solidFill>
-                        <a:schemeClr val="tx1"/>
-                      </a:solidFill>
-                      <a:prstDash val="solid"/>
-                      <a:round/>
-                      <a:headEnd type="none" w="med" len="med"/>
-                      <a:tailEnd type="none" w="med" len="med"/>
-                    </a:lnL>
-                    <a:lnR w="38100" cap="flat" cmpd="sng" algn="ctr">
-                      <a:solidFill>
-                        <a:schemeClr val="tx1"/>
-                      </a:solidFill>
-                      <a:prstDash val="solid"/>
-                      <a:round/>
-                      <a:headEnd type="none" w="med" len="med"/>
-                      <a:tailEnd type="none" w="med" len="med"/>
-                    </a:lnR>
-                    <a:lnT w="38100" cap="flat" cmpd="sng" algn="ctr">
-                      <a:solidFill>
-                        <a:schemeClr val="tx1"/>
-                      </a:solidFill>
-                      <a:prstDash val="solid"/>
-                      <a:round/>
-                      <a:headEnd type="none" w="med" len="med"/>
-                      <a:tailEnd type="none" w="med" len="med"/>
-                    </a:lnT>
-                    <a:lnB w="38100" cap="flat" cmpd="sng" algn="ctr">
-                      <a:solidFill>
-                        <a:schemeClr val="tx1"/>
-                      </a:solidFill>
-                      <a:prstDash val="solid"/>
-                      <a:round/>
-                      <a:headEnd type="none" w="med" len="med"/>
-                      <a:tailEnd type="none" w="med" len="med"/>
-                    </a:lnB>
-                    <a:solidFill>
-                      <a:schemeClr val="accent5">
-                        <a:lumMod val="20000"/>
-                        <a:lumOff val="80000"/>
-                      </a:schemeClr>
-                    </a:solidFill>
-                  </a:tcPr>
-                </a:tc>
-                <a:tc hMerge="1" vMerge="1">
-                  <a:txBody>
-                    <a:bodyPr/>
-                    <a:lstStyle/>
-                    <a:p>
-                      <a:endParaRPr kumimoji="1" lang="ja-JP" altLang="en-US"/>
+                      <a:endParaRPr kumimoji="1" lang="ja-JP" altLang="en-US" dirty="0"/>
                     </a:p>
                   </a:txBody>
                   <a:tcPr/>
@@ -5447,1406 +9884,11 @@
                     <a:bodyPr/>
                     <a:lstStyle/>
                     <a:p>
-                      <a:pPr algn="ctr"/>
                       <a:r>
-                        <a:rPr kumimoji="1" lang="ja-JP" altLang="en-US" sz="2800" b="1" dirty="0" smtClean="0"/>
-                        <a:t>予定</a:t>
+                        <a:rPr kumimoji="1" lang="ja-JP" altLang="en-US" dirty="0" smtClean="0"/>
+                        <a:t>作業</a:t>
                       </a:r>
-                      <a:endParaRPr kumimoji="1" lang="ja-JP" altLang="en-US" sz="2800" b="1" dirty="0"/>
-                    </a:p>
-                  </a:txBody>
-                  <a:tcPr anchor="ctr">
-                    <a:lnL w="38100" cap="flat" cmpd="sng" algn="ctr">
-                      <a:solidFill>
-                        <a:schemeClr val="tx1"/>
-                      </a:solidFill>
-                      <a:prstDash val="solid"/>
-                      <a:round/>
-                      <a:headEnd type="none" w="med" len="med"/>
-                      <a:tailEnd type="none" w="med" len="med"/>
-                    </a:lnL>
-                    <a:lnR w="38100" cap="flat" cmpd="sng" algn="ctr">
-                      <a:solidFill>
-                        <a:schemeClr val="tx1"/>
-                      </a:solidFill>
-                      <a:prstDash val="solid"/>
-                      <a:round/>
-                      <a:headEnd type="none" w="med" len="med"/>
-                      <a:tailEnd type="none" w="med" len="med"/>
-                    </a:lnR>
-                    <a:lnT w="38100" cap="flat" cmpd="sng" algn="ctr">
-                      <a:solidFill>
-                        <a:schemeClr val="tx1"/>
-                      </a:solidFill>
-                      <a:prstDash val="solid"/>
-                      <a:round/>
-                      <a:headEnd type="none" w="med" len="med"/>
-                      <a:tailEnd type="none" w="med" len="med"/>
-                    </a:lnT>
-                    <a:lnB w="38100" cap="flat" cmpd="sng" algn="ctr">
-                      <a:solidFill>
-                        <a:schemeClr val="tx1"/>
-                      </a:solidFill>
-                      <a:prstDash val="solid"/>
-                      <a:round/>
-                      <a:headEnd type="none" w="med" len="med"/>
-                      <a:tailEnd type="none" w="med" len="med"/>
-                    </a:lnB>
-                    <a:solidFill>
-                      <a:schemeClr val="accent5">
-                        <a:lumMod val="20000"/>
-                        <a:lumOff val="80000"/>
-                      </a:schemeClr>
-                    </a:solidFill>
-                  </a:tcPr>
-                </a:tc>
-                <a:tc>
-                  <a:txBody>
-                    <a:bodyPr/>
-                    <a:lstStyle/>
-                    <a:p>
-                      <a:pPr algn="ctr"/>
-                      <a:r>
-                        <a:rPr kumimoji="1" lang="ja-JP" altLang="en-US" sz="2800" b="1" dirty="0" smtClean="0"/>
-                        <a:t>実績</a:t>
-                      </a:r>
-                      <a:endParaRPr kumimoji="1" lang="ja-JP" altLang="en-US" sz="2800" b="1" dirty="0"/>
-                    </a:p>
-                  </a:txBody>
-                  <a:tcPr anchor="ctr">
-                    <a:lnL w="38100" cap="flat" cmpd="sng" algn="ctr">
-                      <a:solidFill>
-                        <a:schemeClr val="tx1"/>
-                      </a:solidFill>
-                      <a:prstDash val="solid"/>
-                      <a:round/>
-                      <a:headEnd type="none" w="med" len="med"/>
-                      <a:tailEnd type="none" w="med" len="med"/>
-                    </a:lnL>
-                    <a:lnR w="38100" cap="flat" cmpd="sng" algn="ctr">
-                      <a:solidFill>
-                        <a:schemeClr val="tx1"/>
-                      </a:solidFill>
-                      <a:prstDash val="solid"/>
-                      <a:round/>
-                      <a:headEnd type="none" w="med" len="med"/>
-                      <a:tailEnd type="none" w="med" len="med"/>
-                    </a:lnR>
-                    <a:lnT w="38100" cap="flat" cmpd="sng" algn="ctr">
-                      <a:solidFill>
-                        <a:schemeClr val="tx1"/>
-                      </a:solidFill>
-                      <a:prstDash val="solid"/>
-                      <a:round/>
-                      <a:headEnd type="none" w="med" len="med"/>
-                      <a:tailEnd type="none" w="med" len="med"/>
-                    </a:lnT>
-                    <a:lnB w="38100" cap="flat" cmpd="sng" algn="ctr">
-                      <a:solidFill>
-                        <a:schemeClr val="tx1"/>
-                      </a:solidFill>
-                      <a:prstDash val="solid"/>
-                      <a:round/>
-                      <a:headEnd type="none" w="med" len="med"/>
-                      <a:tailEnd type="none" w="med" len="med"/>
-                    </a:lnB>
-                    <a:solidFill>
-                      <a:schemeClr val="accent5">
-                        <a:lumMod val="20000"/>
-                        <a:lumOff val="80000"/>
-                      </a:schemeClr>
-                    </a:solidFill>
-                  </a:tcPr>
-                </a:tc>
-                <a:tc>
-                  <a:txBody>
-                    <a:bodyPr/>
-                    <a:lstStyle/>
-                    <a:p>
-                      <a:pPr algn="ctr"/>
-                      <a:r>
-                        <a:rPr kumimoji="1" lang="ja-JP" altLang="en-US" sz="2800" b="1" dirty="0" smtClean="0"/>
-                        <a:t>予定</a:t>
-                      </a:r>
-                      <a:endParaRPr kumimoji="1" lang="ja-JP" altLang="en-US" sz="2800" b="1" dirty="0"/>
-                    </a:p>
-                  </a:txBody>
-                  <a:tcPr anchor="ctr">
-                    <a:lnL w="38100" cap="flat" cmpd="sng" algn="ctr">
-                      <a:solidFill>
-                        <a:schemeClr val="tx1"/>
-                      </a:solidFill>
-                      <a:prstDash val="solid"/>
-                      <a:round/>
-                      <a:headEnd type="none" w="med" len="med"/>
-                      <a:tailEnd type="none" w="med" len="med"/>
-                    </a:lnL>
-                    <a:lnR w="38100" cap="flat" cmpd="sng" algn="ctr">
-                      <a:solidFill>
-                        <a:schemeClr val="tx1"/>
-                      </a:solidFill>
-                      <a:prstDash val="solid"/>
-                      <a:round/>
-                      <a:headEnd type="none" w="med" len="med"/>
-                      <a:tailEnd type="none" w="med" len="med"/>
-                    </a:lnR>
-                    <a:lnT w="38100" cap="flat" cmpd="sng" algn="ctr">
-                      <a:solidFill>
-                        <a:schemeClr val="tx1"/>
-                      </a:solidFill>
-                      <a:prstDash val="solid"/>
-                      <a:round/>
-                      <a:headEnd type="none" w="med" len="med"/>
-                      <a:tailEnd type="none" w="med" len="med"/>
-                    </a:lnT>
-                    <a:lnB w="38100" cap="flat" cmpd="sng" algn="ctr">
-                      <a:solidFill>
-                        <a:schemeClr val="tx1"/>
-                      </a:solidFill>
-                      <a:prstDash val="solid"/>
-                      <a:round/>
-                      <a:headEnd type="none" w="med" len="med"/>
-                      <a:tailEnd type="none" w="med" len="med"/>
-                    </a:lnB>
-                    <a:solidFill>
-                      <a:schemeClr val="accent5">
-                        <a:lumMod val="20000"/>
-                        <a:lumOff val="80000"/>
-                      </a:schemeClr>
-                    </a:solidFill>
-                  </a:tcPr>
-                </a:tc>
-                <a:tc>
-                  <a:txBody>
-                    <a:bodyPr/>
-                    <a:lstStyle/>
-                    <a:p>
-                      <a:pPr algn="ctr"/>
-                      <a:r>
-                        <a:rPr kumimoji="1" lang="ja-JP" altLang="en-US" sz="2800" b="1" dirty="0" smtClean="0"/>
-                        <a:t>実績</a:t>
-                      </a:r>
-                      <a:endParaRPr kumimoji="1" lang="ja-JP" altLang="en-US" sz="2800" b="1" dirty="0"/>
-                    </a:p>
-                  </a:txBody>
-                  <a:tcPr anchor="ctr">
-                    <a:lnL w="38100" cap="flat" cmpd="sng" algn="ctr">
-                      <a:solidFill>
-                        <a:schemeClr val="tx1"/>
-                      </a:solidFill>
-                      <a:prstDash val="solid"/>
-                      <a:round/>
-                      <a:headEnd type="none" w="med" len="med"/>
-                      <a:tailEnd type="none" w="med" len="med"/>
-                    </a:lnL>
-                    <a:lnR w="38100" cap="flat" cmpd="sng" algn="ctr">
-                      <a:solidFill>
-                        <a:schemeClr val="tx1"/>
-                      </a:solidFill>
-                      <a:prstDash val="solid"/>
-                      <a:round/>
-                      <a:headEnd type="none" w="med" len="med"/>
-                      <a:tailEnd type="none" w="med" len="med"/>
-                    </a:lnR>
-                    <a:lnT w="38100" cap="flat" cmpd="sng" algn="ctr">
-                      <a:solidFill>
-                        <a:schemeClr val="tx1"/>
-                      </a:solidFill>
-                      <a:prstDash val="solid"/>
-                      <a:round/>
-                      <a:headEnd type="none" w="med" len="med"/>
-                      <a:tailEnd type="none" w="med" len="med"/>
-                    </a:lnT>
-                    <a:lnB w="38100" cap="flat" cmpd="sng" algn="ctr">
-                      <a:solidFill>
-                        <a:schemeClr val="tx1"/>
-                      </a:solidFill>
-                      <a:prstDash val="solid"/>
-                      <a:round/>
-                      <a:headEnd type="none" w="med" len="med"/>
-                      <a:tailEnd type="none" w="med" len="med"/>
-                    </a:lnB>
-                    <a:solidFill>
-                      <a:schemeClr val="accent5">
-                        <a:lumMod val="20000"/>
-                        <a:lumOff val="80000"/>
-                      </a:schemeClr>
-                    </a:solidFill>
-                  </a:tcPr>
-                </a:tc>
-              </a:tr>
-              <a:tr h="493256">
-                <a:tc rowSpan="2">
-                  <a:txBody>
-                    <a:bodyPr/>
-                    <a:lstStyle/>
-                    <a:p>
-                      <a:pPr algn="ctr"/>
-                      <a:r>
-                        <a:rPr kumimoji="1" lang="en-US" altLang="ja-JP" sz="2000" b="1" dirty="0" smtClean="0"/>
-                        <a:t>SE</a:t>
-                      </a:r>
-                      <a:endParaRPr kumimoji="1" lang="ja-JP" altLang="en-US" sz="2000" b="1" dirty="0"/>
-                    </a:p>
-                  </a:txBody>
-                  <a:tcPr anchor="ctr">
-                    <a:lnL w="38100" cap="flat" cmpd="sng" algn="ctr">
-                      <a:solidFill>
-                        <a:schemeClr val="tx1"/>
-                      </a:solidFill>
-                      <a:prstDash val="solid"/>
-                      <a:round/>
-                      <a:headEnd type="none" w="med" len="med"/>
-                      <a:tailEnd type="none" w="med" len="med"/>
-                    </a:lnL>
-                    <a:lnT w="38100" cap="flat" cmpd="sng" algn="ctr">
-                      <a:solidFill>
-                        <a:schemeClr val="tx1"/>
-                      </a:solidFill>
-                      <a:prstDash val="solid"/>
-                      <a:round/>
-                      <a:headEnd type="none" w="med" len="med"/>
-                      <a:tailEnd type="none" w="med" len="med"/>
-                    </a:lnT>
-                    <a:lnB w="38100" cap="flat" cmpd="sng" algn="ctr">
-                      <a:solidFill>
-                        <a:schemeClr val="tx1"/>
-                      </a:solidFill>
-                      <a:prstDash val="solid"/>
-                      <a:round/>
-                      <a:headEnd type="none" w="med" len="med"/>
-                      <a:tailEnd type="none" w="med" len="med"/>
-                    </a:lnB>
-                    <a:solidFill>
-                      <a:schemeClr val="accent5">
-                        <a:lumMod val="20000"/>
-                        <a:lumOff val="80000"/>
-                      </a:schemeClr>
-                    </a:solidFill>
-                  </a:tcPr>
-                </a:tc>
-                <a:tc>
-                  <a:txBody>
-                    <a:bodyPr/>
-                    <a:lstStyle/>
-                    <a:p>
-                      <a:r>
-                        <a:rPr kumimoji="1" lang="ja-JP" altLang="en-US" sz="2000" b="1" dirty="0" smtClean="0"/>
-                        <a:t>費用</a:t>
-                      </a:r>
-                      <a:endParaRPr kumimoji="1" lang="ja-JP" altLang="en-US" sz="2000" b="1" dirty="0"/>
-                    </a:p>
-                  </a:txBody>
-                  <a:tcPr anchor="ctr">
-                    <a:lnR w="38100" cap="flat" cmpd="sng" algn="ctr">
-                      <a:solidFill>
-                        <a:schemeClr val="tx1"/>
-                      </a:solidFill>
-                      <a:prstDash val="solid"/>
-                      <a:round/>
-                      <a:headEnd type="none" w="med" len="med"/>
-                      <a:tailEnd type="none" w="med" len="med"/>
-                    </a:lnR>
-                    <a:lnT w="38100" cap="flat" cmpd="sng" algn="ctr">
-                      <a:solidFill>
-                        <a:schemeClr val="tx1"/>
-                      </a:solidFill>
-                      <a:prstDash val="solid"/>
-                      <a:round/>
-                      <a:headEnd type="none" w="med" len="med"/>
-                      <a:tailEnd type="none" w="med" len="med"/>
-                    </a:lnT>
-                    <a:solidFill>
-                      <a:schemeClr val="accent5">
-                        <a:lumMod val="20000"/>
-                        <a:lumOff val="80000"/>
-                      </a:schemeClr>
-                    </a:solidFill>
-                  </a:tcPr>
-                </a:tc>
-                <a:tc>
-                  <a:txBody>
-                    <a:bodyPr/>
-                    <a:lstStyle/>
-                    <a:p>
-                      <a:pPr algn="r"/>
-                      <a:r>
-                        <a:rPr kumimoji="1" lang="en-US" altLang="ja-JP" sz="2000" b="0" dirty="0" smtClean="0"/>
-                        <a:t>2700,000</a:t>
-                      </a:r>
-                      <a:r>
-                        <a:rPr kumimoji="1" lang="ja-JP" altLang="en-US" sz="2000" b="0" dirty="0" smtClean="0"/>
-                        <a:t>円</a:t>
-                      </a:r>
-                      <a:endParaRPr kumimoji="1" lang="ja-JP" altLang="en-US" sz="2000" b="0" dirty="0"/>
-                    </a:p>
-                  </a:txBody>
-                  <a:tcPr anchor="ctr">
-                    <a:lnL w="38100" cap="flat" cmpd="sng" algn="ctr">
-                      <a:solidFill>
-                        <a:schemeClr val="tx1"/>
-                      </a:solidFill>
-                      <a:prstDash val="solid"/>
-                      <a:round/>
-                      <a:headEnd type="none" w="med" len="med"/>
-                      <a:tailEnd type="none" w="med" len="med"/>
-                    </a:lnL>
-                    <a:lnR w="38100" cap="flat" cmpd="sng" algn="ctr">
-                      <a:solidFill>
-                        <a:schemeClr val="tx1"/>
-                      </a:solidFill>
-                      <a:prstDash val="solid"/>
-                      <a:round/>
-                      <a:headEnd type="none" w="med" len="med"/>
-                      <a:tailEnd type="none" w="med" len="med"/>
-                    </a:lnR>
-                    <a:lnT w="38100" cap="flat" cmpd="sng" algn="ctr">
-                      <a:solidFill>
-                        <a:schemeClr val="tx1"/>
-                      </a:solidFill>
-                      <a:prstDash val="solid"/>
-                      <a:round/>
-                      <a:headEnd type="none" w="med" len="med"/>
-                      <a:tailEnd type="none" w="med" len="med"/>
-                    </a:lnT>
-                  </a:tcPr>
-                </a:tc>
-                <a:tc>
-                  <a:txBody>
-                    <a:bodyPr/>
-                    <a:lstStyle/>
-                    <a:p>
-                      <a:pPr algn="r"/>
-                      <a:r>
-                        <a:rPr kumimoji="1" lang="en-US" altLang="ja-JP" sz="2000" b="0" dirty="0" smtClean="0"/>
-                        <a:t>2700,000</a:t>
-                      </a:r>
-                      <a:r>
-                        <a:rPr kumimoji="1" lang="ja-JP" altLang="en-US" sz="2000" b="0" dirty="0" smtClean="0"/>
-                        <a:t>円</a:t>
-                      </a:r>
-                      <a:endParaRPr kumimoji="1" lang="ja-JP" altLang="en-US" sz="2000" b="0" dirty="0"/>
-                    </a:p>
-                  </a:txBody>
-                  <a:tcPr anchor="ctr">
-                    <a:lnL w="38100" cap="flat" cmpd="sng" algn="ctr">
-                      <a:solidFill>
-                        <a:schemeClr val="tx1"/>
-                      </a:solidFill>
-                      <a:prstDash val="solid"/>
-                      <a:round/>
-                      <a:headEnd type="none" w="med" len="med"/>
-                      <a:tailEnd type="none" w="med" len="med"/>
-                    </a:lnL>
-                    <a:lnR w="38100" cap="flat" cmpd="sng" algn="ctr">
-                      <a:solidFill>
-                        <a:schemeClr val="tx1"/>
-                      </a:solidFill>
-                      <a:prstDash val="solid"/>
-                      <a:round/>
-                      <a:headEnd type="none" w="med" len="med"/>
-                      <a:tailEnd type="none" w="med" len="med"/>
-                    </a:lnR>
-                    <a:lnT w="38100" cap="flat" cmpd="sng" algn="ctr">
-                      <a:solidFill>
-                        <a:schemeClr val="tx1"/>
-                      </a:solidFill>
-                      <a:prstDash val="solid"/>
-                      <a:round/>
-                      <a:headEnd type="none" w="med" len="med"/>
-                      <a:tailEnd type="none" w="med" len="med"/>
-                    </a:lnT>
-                  </a:tcPr>
-                </a:tc>
-                <a:tc>
-                  <a:txBody>
-                    <a:bodyPr/>
-                    <a:lstStyle/>
-                    <a:p>
-                      <a:pPr algn="r"/>
-                      <a:r>
-                        <a:rPr kumimoji="1" lang="en-US" altLang="ja-JP" sz="2000" b="0" dirty="0" smtClean="0"/>
-                        <a:t>2700,000</a:t>
-                      </a:r>
-                      <a:r>
-                        <a:rPr kumimoji="1" lang="ja-JP" altLang="en-US" sz="2000" b="0" dirty="0" smtClean="0"/>
-                        <a:t>円</a:t>
-                      </a:r>
-                      <a:endParaRPr kumimoji="1" lang="ja-JP" altLang="en-US" sz="2000" b="0" dirty="0"/>
-                    </a:p>
-                  </a:txBody>
-                  <a:tcPr anchor="ctr">
-                    <a:lnL w="38100" cap="flat" cmpd="sng" algn="ctr">
-                      <a:solidFill>
-                        <a:schemeClr val="tx1"/>
-                      </a:solidFill>
-                      <a:prstDash val="solid"/>
-                      <a:round/>
-                      <a:headEnd type="none" w="med" len="med"/>
-                      <a:tailEnd type="none" w="med" len="med"/>
-                    </a:lnL>
-                    <a:lnR w="38100" cap="flat" cmpd="sng" algn="ctr">
-                      <a:solidFill>
-                        <a:schemeClr val="tx1"/>
-                      </a:solidFill>
-                      <a:prstDash val="solid"/>
-                      <a:round/>
-                      <a:headEnd type="none" w="med" len="med"/>
-                      <a:tailEnd type="none" w="med" len="med"/>
-                    </a:lnR>
-                    <a:lnT w="38100" cap="flat" cmpd="sng" algn="ctr">
-                      <a:solidFill>
-                        <a:schemeClr val="tx1"/>
-                      </a:solidFill>
-                      <a:prstDash val="solid"/>
-                      <a:round/>
-                      <a:headEnd type="none" w="med" len="med"/>
-                      <a:tailEnd type="none" w="med" len="med"/>
-                    </a:lnT>
-                  </a:tcPr>
-                </a:tc>
-                <a:tc>
-                  <a:txBody>
-                    <a:bodyPr/>
-                    <a:lstStyle/>
-                    <a:p>
-                      <a:pPr algn="r"/>
-                      <a:r>
-                        <a:rPr kumimoji="1" lang="en-US" altLang="ja-JP" sz="2000" b="0" dirty="0" smtClean="0"/>
-                        <a:t>2700,000</a:t>
-                      </a:r>
-                      <a:r>
-                        <a:rPr kumimoji="1" lang="ja-JP" altLang="en-US" sz="2000" b="0" dirty="0" smtClean="0"/>
-                        <a:t>円</a:t>
-                      </a:r>
-                      <a:endParaRPr kumimoji="1" lang="ja-JP" altLang="en-US" sz="2000" b="0" dirty="0"/>
-                    </a:p>
-                  </a:txBody>
-                  <a:tcPr anchor="ctr">
-                    <a:lnL w="38100" cap="flat" cmpd="sng" algn="ctr">
-                      <a:solidFill>
-                        <a:schemeClr val="tx1"/>
-                      </a:solidFill>
-                      <a:prstDash val="solid"/>
-                      <a:round/>
-                      <a:headEnd type="none" w="med" len="med"/>
-                      <a:tailEnd type="none" w="med" len="med"/>
-                    </a:lnL>
-                    <a:lnR w="38100" cap="flat" cmpd="sng" algn="ctr">
-                      <a:solidFill>
-                        <a:schemeClr val="tx1"/>
-                      </a:solidFill>
-                      <a:prstDash val="solid"/>
-                      <a:round/>
-                      <a:headEnd type="none" w="med" len="med"/>
-                      <a:tailEnd type="none" w="med" len="med"/>
-                    </a:lnR>
-                    <a:lnT w="38100" cap="flat" cmpd="sng" algn="ctr">
-                      <a:solidFill>
-                        <a:schemeClr val="tx1"/>
-                      </a:solidFill>
-                      <a:prstDash val="solid"/>
-                      <a:round/>
-                      <a:headEnd type="none" w="med" len="med"/>
-                      <a:tailEnd type="none" w="med" len="med"/>
-                    </a:lnT>
-                  </a:tcPr>
-                </a:tc>
-              </a:tr>
-              <a:tr h="442848">
-                <a:tc vMerge="1">
-                  <a:txBody>
-                    <a:bodyPr/>
-                    <a:lstStyle/>
-                    <a:p>
-                      <a:endParaRPr kumimoji="1" lang="ja-JP" altLang="en-US" sz="2800" b="1" dirty="0"/>
-                    </a:p>
-                  </a:txBody>
-                  <a:tcPr anchor="ctr">
-                    <a:solidFill>
-                      <a:schemeClr val="accent5">
-                        <a:lumMod val="20000"/>
-                        <a:lumOff val="80000"/>
-                      </a:schemeClr>
-                    </a:solidFill>
-                  </a:tcPr>
-                </a:tc>
-                <a:tc>
-                  <a:txBody>
-                    <a:bodyPr/>
-                    <a:lstStyle/>
-                    <a:p>
-                      <a:r>
-                        <a:rPr kumimoji="1" lang="ja-JP" altLang="en-US" sz="2000" b="1" dirty="0" smtClean="0"/>
-                        <a:t>作業時間</a:t>
-                      </a:r>
-                      <a:endParaRPr kumimoji="1" lang="ja-JP" altLang="en-US" sz="2000" b="1" dirty="0"/>
-                    </a:p>
-                  </a:txBody>
-                  <a:tcPr anchor="ctr">
-                    <a:lnR w="38100" cap="flat" cmpd="sng" algn="ctr">
-                      <a:solidFill>
-                        <a:schemeClr val="tx1"/>
-                      </a:solidFill>
-                      <a:prstDash val="solid"/>
-                      <a:round/>
-                      <a:headEnd type="none" w="med" len="med"/>
-                      <a:tailEnd type="none" w="med" len="med"/>
-                    </a:lnR>
-                    <a:lnB w="38100" cap="flat" cmpd="sng" algn="ctr">
-                      <a:solidFill>
-                        <a:schemeClr val="tx1"/>
-                      </a:solidFill>
-                      <a:prstDash val="solid"/>
-                      <a:round/>
-                      <a:headEnd type="none" w="med" len="med"/>
-                      <a:tailEnd type="none" w="med" len="med"/>
-                    </a:lnB>
-                    <a:solidFill>
-                      <a:schemeClr val="accent5">
-                        <a:lumMod val="20000"/>
-                        <a:lumOff val="80000"/>
-                      </a:schemeClr>
-                    </a:solidFill>
-                  </a:tcPr>
-                </a:tc>
-                <a:tc>
-                  <a:txBody>
-                    <a:bodyPr/>
-                    <a:lstStyle/>
-                    <a:p>
-                      <a:pPr algn="r"/>
-                      <a:r>
-                        <a:rPr kumimoji="1" lang="en-US" altLang="ja-JP" sz="2000" b="0" dirty="0" smtClean="0"/>
-                        <a:t>2.7</a:t>
-                      </a:r>
-                      <a:r>
-                        <a:rPr kumimoji="1" lang="ja-JP" altLang="en-US" sz="2000" b="0" dirty="0" smtClean="0"/>
-                        <a:t>人月</a:t>
-                      </a:r>
-                      <a:endParaRPr kumimoji="1" lang="ja-JP" altLang="en-US" sz="2000" b="0" dirty="0"/>
-                    </a:p>
-                  </a:txBody>
-                  <a:tcPr anchor="ctr">
-                    <a:lnL w="38100" cap="flat" cmpd="sng" algn="ctr">
-                      <a:solidFill>
-                        <a:schemeClr val="tx1"/>
-                      </a:solidFill>
-                      <a:prstDash val="solid"/>
-                      <a:round/>
-                      <a:headEnd type="none" w="med" len="med"/>
-                      <a:tailEnd type="none" w="med" len="med"/>
-                    </a:lnL>
-                    <a:lnR w="38100" cap="flat" cmpd="sng" algn="ctr">
-                      <a:solidFill>
-                        <a:schemeClr val="tx1"/>
-                      </a:solidFill>
-                      <a:prstDash val="solid"/>
-                      <a:round/>
-                      <a:headEnd type="none" w="med" len="med"/>
-                      <a:tailEnd type="none" w="med" len="med"/>
-                    </a:lnR>
-                    <a:lnB w="38100" cap="flat" cmpd="sng" algn="ctr">
-                      <a:solidFill>
-                        <a:schemeClr val="tx1"/>
-                      </a:solidFill>
-                      <a:prstDash val="solid"/>
-                      <a:round/>
-                      <a:headEnd type="none" w="med" len="med"/>
-                      <a:tailEnd type="none" w="med" len="med"/>
-                    </a:lnB>
-                  </a:tcPr>
-                </a:tc>
-                <a:tc>
-                  <a:txBody>
-                    <a:bodyPr/>
-                    <a:lstStyle/>
-                    <a:p>
-                      <a:pPr algn="r"/>
-                      <a:r>
-                        <a:rPr kumimoji="1" lang="en-US" altLang="ja-JP" sz="2000" b="0" dirty="0" smtClean="0"/>
-                        <a:t>2.7</a:t>
-                      </a:r>
-                      <a:r>
-                        <a:rPr kumimoji="1" lang="ja-JP" altLang="en-US" sz="2000" b="0" dirty="0" smtClean="0"/>
-                        <a:t>人月</a:t>
-                      </a:r>
-                      <a:endParaRPr kumimoji="1" lang="ja-JP" altLang="en-US" sz="2000" b="0" dirty="0"/>
-                    </a:p>
-                  </a:txBody>
-                  <a:tcPr anchor="ctr">
-                    <a:lnL w="38100" cap="flat" cmpd="sng" algn="ctr">
-                      <a:solidFill>
-                        <a:schemeClr val="tx1"/>
-                      </a:solidFill>
-                      <a:prstDash val="solid"/>
-                      <a:round/>
-                      <a:headEnd type="none" w="med" len="med"/>
-                      <a:tailEnd type="none" w="med" len="med"/>
-                    </a:lnL>
-                    <a:lnR w="38100" cap="flat" cmpd="sng" algn="ctr">
-                      <a:solidFill>
-                        <a:schemeClr val="tx1"/>
-                      </a:solidFill>
-                      <a:prstDash val="solid"/>
-                      <a:round/>
-                      <a:headEnd type="none" w="med" len="med"/>
-                      <a:tailEnd type="none" w="med" len="med"/>
-                    </a:lnR>
-                    <a:lnB w="38100" cap="flat" cmpd="sng" algn="ctr">
-                      <a:solidFill>
-                        <a:schemeClr val="tx1"/>
-                      </a:solidFill>
-                      <a:prstDash val="solid"/>
-                      <a:round/>
-                      <a:headEnd type="none" w="med" len="med"/>
-                      <a:tailEnd type="none" w="med" len="med"/>
-                    </a:lnB>
-                  </a:tcPr>
-                </a:tc>
-                <a:tc>
-                  <a:txBody>
-                    <a:bodyPr/>
-                    <a:lstStyle/>
-                    <a:p>
-                      <a:pPr algn="r"/>
-                      <a:r>
-                        <a:rPr kumimoji="1" lang="en-US" altLang="ja-JP" sz="2000" b="0" dirty="0" smtClean="0"/>
-                        <a:t>2.7</a:t>
-                      </a:r>
-                      <a:r>
-                        <a:rPr kumimoji="1" lang="ja-JP" altLang="en-US" sz="2000" b="0" dirty="0" smtClean="0"/>
-                        <a:t>人月</a:t>
-                      </a:r>
-                      <a:endParaRPr kumimoji="1" lang="ja-JP" altLang="en-US" sz="2000" b="0" dirty="0"/>
-                    </a:p>
-                  </a:txBody>
-                  <a:tcPr anchor="ctr">
-                    <a:lnL w="38100" cap="flat" cmpd="sng" algn="ctr">
-                      <a:solidFill>
-                        <a:schemeClr val="tx1"/>
-                      </a:solidFill>
-                      <a:prstDash val="solid"/>
-                      <a:round/>
-                      <a:headEnd type="none" w="med" len="med"/>
-                      <a:tailEnd type="none" w="med" len="med"/>
-                    </a:lnL>
-                    <a:lnR w="38100" cap="flat" cmpd="sng" algn="ctr">
-                      <a:solidFill>
-                        <a:schemeClr val="tx1"/>
-                      </a:solidFill>
-                      <a:prstDash val="solid"/>
-                      <a:round/>
-                      <a:headEnd type="none" w="med" len="med"/>
-                      <a:tailEnd type="none" w="med" len="med"/>
-                    </a:lnR>
-                    <a:lnB w="38100" cap="flat" cmpd="sng" algn="ctr">
-                      <a:solidFill>
-                        <a:schemeClr val="tx1"/>
-                      </a:solidFill>
-                      <a:prstDash val="solid"/>
-                      <a:round/>
-                      <a:headEnd type="none" w="med" len="med"/>
-                      <a:tailEnd type="none" w="med" len="med"/>
-                    </a:lnB>
-                  </a:tcPr>
-                </a:tc>
-                <a:tc>
-                  <a:txBody>
-                    <a:bodyPr/>
-                    <a:lstStyle/>
-                    <a:p>
-                      <a:pPr algn="r"/>
-                      <a:r>
-                        <a:rPr kumimoji="1" lang="en-US" altLang="ja-JP" sz="2000" b="0" dirty="0" smtClean="0"/>
-                        <a:t>2.7</a:t>
-                      </a:r>
-                      <a:r>
-                        <a:rPr kumimoji="1" lang="ja-JP" altLang="en-US" sz="2000" b="0" dirty="0" smtClean="0"/>
-                        <a:t>人月</a:t>
-                      </a:r>
-                      <a:endParaRPr kumimoji="1" lang="ja-JP" altLang="en-US" sz="2000" b="0" dirty="0"/>
-                    </a:p>
-                  </a:txBody>
-                  <a:tcPr anchor="ctr">
-                    <a:lnL w="38100" cap="flat" cmpd="sng" algn="ctr">
-                      <a:solidFill>
-                        <a:schemeClr val="tx1"/>
-                      </a:solidFill>
-                      <a:prstDash val="solid"/>
-                      <a:round/>
-                      <a:headEnd type="none" w="med" len="med"/>
-                      <a:tailEnd type="none" w="med" len="med"/>
-                    </a:lnL>
-                    <a:lnR w="38100" cap="flat" cmpd="sng" algn="ctr">
-                      <a:solidFill>
-                        <a:schemeClr val="tx1"/>
-                      </a:solidFill>
-                      <a:prstDash val="solid"/>
-                      <a:round/>
-                      <a:headEnd type="none" w="med" len="med"/>
-                      <a:tailEnd type="none" w="med" len="med"/>
-                    </a:lnR>
-                    <a:lnB w="38100" cap="flat" cmpd="sng" algn="ctr">
-                      <a:solidFill>
-                        <a:schemeClr val="tx1"/>
-                      </a:solidFill>
-                      <a:prstDash val="solid"/>
-                      <a:round/>
-                      <a:headEnd type="none" w="med" len="med"/>
-                      <a:tailEnd type="none" w="med" len="med"/>
-                    </a:lnB>
-                  </a:tcPr>
-                </a:tc>
-              </a:tr>
-              <a:tr h="442848">
-                <a:tc rowSpan="2">
-                  <a:txBody>
-                    <a:bodyPr/>
-                    <a:lstStyle/>
-                    <a:p>
-                      <a:pPr algn="ctr"/>
-                      <a:r>
-                        <a:rPr kumimoji="1" lang="en-US" altLang="ja-JP" sz="2000" b="1" dirty="0" smtClean="0"/>
-                        <a:t>PG</a:t>
-                      </a:r>
-                      <a:endParaRPr kumimoji="1" lang="ja-JP" altLang="en-US" sz="2000" b="1" dirty="0"/>
-                    </a:p>
-                  </a:txBody>
-                  <a:tcPr anchor="ctr">
-                    <a:lnL w="38100" cap="flat" cmpd="sng" algn="ctr">
-                      <a:solidFill>
-                        <a:schemeClr val="tx1"/>
-                      </a:solidFill>
-                      <a:prstDash val="solid"/>
-                      <a:round/>
-                      <a:headEnd type="none" w="med" len="med"/>
-                      <a:tailEnd type="none" w="med" len="med"/>
-                    </a:lnL>
-                    <a:lnT w="38100" cap="flat" cmpd="sng" algn="ctr">
-                      <a:solidFill>
-                        <a:schemeClr val="tx1"/>
-                      </a:solidFill>
-                      <a:prstDash val="solid"/>
-                      <a:round/>
-                      <a:headEnd type="none" w="med" len="med"/>
-                      <a:tailEnd type="none" w="med" len="med"/>
-                    </a:lnT>
-                    <a:lnB w="38100" cap="flat" cmpd="sng" algn="ctr">
-                      <a:solidFill>
-                        <a:schemeClr val="tx1"/>
-                      </a:solidFill>
-                      <a:prstDash val="solid"/>
-                      <a:round/>
-                      <a:headEnd type="none" w="med" len="med"/>
-                      <a:tailEnd type="none" w="med" len="med"/>
-                    </a:lnB>
-                    <a:solidFill>
-                      <a:schemeClr val="accent5">
-                        <a:lumMod val="20000"/>
-                        <a:lumOff val="80000"/>
-                      </a:schemeClr>
-                    </a:solidFill>
-                  </a:tcPr>
-                </a:tc>
-                <a:tc>
-                  <a:txBody>
-                    <a:bodyPr/>
-                    <a:lstStyle/>
-                    <a:p>
-                      <a:r>
-                        <a:rPr kumimoji="1" lang="ja-JP" altLang="en-US" sz="2000" b="1" dirty="0" smtClean="0"/>
-                        <a:t>費用</a:t>
-                      </a:r>
-                      <a:endParaRPr kumimoji="1" lang="ja-JP" altLang="en-US" sz="2000" b="1" dirty="0"/>
-                    </a:p>
-                  </a:txBody>
-                  <a:tcPr anchor="ctr">
-                    <a:lnR w="38100" cap="flat" cmpd="sng" algn="ctr">
-                      <a:solidFill>
-                        <a:schemeClr val="tx1"/>
-                      </a:solidFill>
-                      <a:prstDash val="solid"/>
-                      <a:round/>
-                      <a:headEnd type="none" w="med" len="med"/>
-                      <a:tailEnd type="none" w="med" len="med"/>
-                    </a:lnR>
-                    <a:lnT w="38100" cap="flat" cmpd="sng" algn="ctr">
-                      <a:solidFill>
-                        <a:schemeClr val="tx1"/>
-                      </a:solidFill>
-                      <a:prstDash val="solid"/>
-                      <a:round/>
-                      <a:headEnd type="none" w="med" len="med"/>
-                      <a:tailEnd type="none" w="med" len="med"/>
-                    </a:lnT>
-                    <a:solidFill>
-                      <a:schemeClr val="accent5">
-                        <a:lumMod val="20000"/>
-                        <a:lumOff val="80000"/>
-                      </a:schemeClr>
-                    </a:solidFill>
-                  </a:tcPr>
-                </a:tc>
-                <a:tc>
-                  <a:txBody>
-                    <a:bodyPr/>
-                    <a:lstStyle/>
-                    <a:p>
-                      <a:pPr marL="0" marR="0" indent="0" algn="r" defTabSz="914400" rtl="0" eaLnBrk="1" fontAlgn="auto" latinLnBrk="0" hangingPunct="1">
-                        <a:lnSpc>
-                          <a:spcPct val="100000"/>
-                        </a:lnSpc>
-                        <a:spcBef>
-                          <a:spcPts val="0"/>
-                        </a:spcBef>
-                        <a:spcAft>
-                          <a:spcPts val="0"/>
-                        </a:spcAft>
-                        <a:buClrTx/>
-                        <a:buSzTx/>
-                        <a:buFontTx/>
-                        <a:buNone/>
-                        <a:tabLst/>
-                        <a:defRPr/>
-                      </a:pPr>
-                      <a:r>
-                        <a:rPr kumimoji="1" lang="en-US" altLang="ja-JP" sz="2000" b="0" dirty="0" smtClean="0"/>
-                        <a:t>37,5000</a:t>
-                      </a:r>
-                      <a:r>
-                        <a:rPr kumimoji="1" lang="ja-JP" altLang="en-US" sz="2000" b="0" dirty="0" smtClean="0"/>
-                        <a:t>円</a:t>
-                      </a:r>
-                    </a:p>
-                  </a:txBody>
-                  <a:tcPr anchor="ctr">
-                    <a:lnL w="38100" cap="flat" cmpd="sng" algn="ctr">
-                      <a:solidFill>
-                        <a:schemeClr val="tx1"/>
-                      </a:solidFill>
-                      <a:prstDash val="solid"/>
-                      <a:round/>
-                      <a:headEnd type="none" w="med" len="med"/>
-                      <a:tailEnd type="none" w="med" len="med"/>
-                    </a:lnL>
-                    <a:lnR w="38100" cap="flat" cmpd="sng" algn="ctr">
-                      <a:solidFill>
-                        <a:schemeClr val="tx1"/>
-                      </a:solidFill>
-                      <a:prstDash val="solid"/>
-                      <a:round/>
-                      <a:headEnd type="none" w="med" len="med"/>
-                      <a:tailEnd type="none" w="med" len="med"/>
-                    </a:lnR>
-                    <a:lnT w="38100" cap="flat" cmpd="sng" algn="ctr">
-                      <a:solidFill>
-                        <a:schemeClr val="tx1"/>
-                      </a:solidFill>
-                      <a:prstDash val="solid"/>
-                      <a:round/>
-                      <a:headEnd type="none" w="med" len="med"/>
-                      <a:tailEnd type="none" w="med" len="med"/>
-                    </a:lnT>
-                  </a:tcPr>
-                </a:tc>
-                <a:tc>
-                  <a:txBody>
-                    <a:bodyPr/>
-                    <a:lstStyle/>
-                    <a:p>
-                      <a:pPr marL="0" marR="0" indent="0" algn="r" defTabSz="914400" rtl="0" eaLnBrk="1" fontAlgn="auto" latinLnBrk="0" hangingPunct="1">
-                        <a:lnSpc>
-                          <a:spcPct val="100000"/>
-                        </a:lnSpc>
-                        <a:spcBef>
-                          <a:spcPts val="0"/>
-                        </a:spcBef>
-                        <a:spcAft>
-                          <a:spcPts val="0"/>
-                        </a:spcAft>
-                        <a:buClrTx/>
-                        <a:buSzTx/>
-                        <a:buFontTx/>
-                        <a:buNone/>
-                        <a:tabLst/>
-                        <a:defRPr/>
-                      </a:pPr>
-                      <a:r>
-                        <a:rPr kumimoji="1" lang="en-US" altLang="ja-JP" sz="2000" b="0" dirty="0" smtClean="0"/>
-                        <a:t>37,5000</a:t>
-                      </a:r>
-                      <a:r>
-                        <a:rPr kumimoji="1" lang="ja-JP" altLang="en-US" sz="2000" b="0" dirty="0" smtClean="0"/>
-                        <a:t>円</a:t>
-                      </a:r>
-                    </a:p>
-                  </a:txBody>
-                  <a:tcPr anchor="ctr">
-                    <a:lnL w="38100" cap="flat" cmpd="sng" algn="ctr">
-                      <a:solidFill>
-                        <a:schemeClr val="tx1"/>
-                      </a:solidFill>
-                      <a:prstDash val="solid"/>
-                      <a:round/>
-                      <a:headEnd type="none" w="med" len="med"/>
-                      <a:tailEnd type="none" w="med" len="med"/>
-                    </a:lnL>
-                    <a:lnR w="38100" cap="flat" cmpd="sng" algn="ctr">
-                      <a:solidFill>
-                        <a:schemeClr val="tx1"/>
-                      </a:solidFill>
-                      <a:prstDash val="solid"/>
-                      <a:round/>
-                      <a:headEnd type="none" w="med" len="med"/>
-                      <a:tailEnd type="none" w="med" len="med"/>
-                    </a:lnR>
-                    <a:lnT w="38100" cap="flat" cmpd="sng" algn="ctr">
-                      <a:solidFill>
-                        <a:schemeClr val="tx1"/>
-                      </a:solidFill>
-                      <a:prstDash val="solid"/>
-                      <a:round/>
-                      <a:headEnd type="none" w="med" len="med"/>
-                      <a:tailEnd type="none" w="med" len="med"/>
-                    </a:lnT>
-                  </a:tcPr>
-                </a:tc>
-                <a:tc>
-                  <a:txBody>
-                    <a:bodyPr/>
-                    <a:lstStyle/>
-                    <a:p>
-                      <a:pPr marL="0" marR="0" indent="0" algn="r" defTabSz="914400" rtl="0" eaLnBrk="1" fontAlgn="auto" latinLnBrk="0" hangingPunct="1">
-                        <a:lnSpc>
-                          <a:spcPct val="100000"/>
-                        </a:lnSpc>
-                        <a:spcBef>
-                          <a:spcPts val="0"/>
-                        </a:spcBef>
-                        <a:spcAft>
-                          <a:spcPts val="0"/>
-                        </a:spcAft>
-                        <a:buClrTx/>
-                        <a:buSzTx/>
-                        <a:buFontTx/>
-                        <a:buNone/>
-                        <a:tabLst/>
-                        <a:defRPr/>
-                      </a:pPr>
-                      <a:r>
-                        <a:rPr kumimoji="1" lang="en-US" altLang="ja-JP" sz="2000" b="0" dirty="0" smtClean="0"/>
-                        <a:t>37,5000</a:t>
-                      </a:r>
-                      <a:r>
-                        <a:rPr kumimoji="1" lang="ja-JP" altLang="en-US" sz="2000" b="0" dirty="0" smtClean="0"/>
-                        <a:t>円</a:t>
-                      </a:r>
-                    </a:p>
-                  </a:txBody>
-                  <a:tcPr anchor="ctr">
-                    <a:lnL w="38100" cap="flat" cmpd="sng" algn="ctr">
-                      <a:solidFill>
-                        <a:schemeClr val="tx1"/>
-                      </a:solidFill>
-                      <a:prstDash val="solid"/>
-                      <a:round/>
-                      <a:headEnd type="none" w="med" len="med"/>
-                      <a:tailEnd type="none" w="med" len="med"/>
-                    </a:lnL>
-                    <a:lnR w="38100" cap="flat" cmpd="sng" algn="ctr">
-                      <a:solidFill>
-                        <a:schemeClr val="tx1"/>
-                      </a:solidFill>
-                      <a:prstDash val="solid"/>
-                      <a:round/>
-                      <a:headEnd type="none" w="med" len="med"/>
-                      <a:tailEnd type="none" w="med" len="med"/>
-                    </a:lnR>
-                    <a:lnT w="38100" cap="flat" cmpd="sng" algn="ctr">
-                      <a:solidFill>
-                        <a:schemeClr val="tx1"/>
-                      </a:solidFill>
-                      <a:prstDash val="solid"/>
-                      <a:round/>
-                      <a:headEnd type="none" w="med" len="med"/>
-                      <a:tailEnd type="none" w="med" len="med"/>
-                    </a:lnT>
-                  </a:tcPr>
-                </a:tc>
-                <a:tc>
-                  <a:txBody>
-                    <a:bodyPr/>
-                    <a:lstStyle/>
-                    <a:p>
-                      <a:pPr marL="0" marR="0" indent="0" algn="r" defTabSz="914400" rtl="0" eaLnBrk="1" fontAlgn="auto" latinLnBrk="0" hangingPunct="1">
-                        <a:lnSpc>
-                          <a:spcPct val="100000"/>
-                        </a:lnSpc>
-                        <a:spcBef>
-                          <a:spcPts val="0"/>
-                        </a:spcBef>
-                        <a:spcAft>
-                          <a:spcPts val="0"/>
-                        </a:spcAft>
-                        <a:buClrTx/>
-                        <a:buSzTx/>
-                        <a:buFontTx/>
-                        <a:buNone/>
-                        <a:tabLst/>
-                        <a:defRPr/>
-                      </a:pPr>
-                      <a:r>
-                        <a:rPr kumimoji="1" lang="en-US" altLang="ja-JP" sz="2000" b="0" dirty="0" smtClean="0"/>
-                        <a:t>37,5000</a:t>
-                      </a:r>
-                      <a:r>
-                        <a:rPr kumimoji="1" lang="ja-JP" altLang="en-US" sz="2000" b="0" dirty="0" smtClean="0"/>
-                        <a:t>円</a:t>
-                      </a:r>
-                    </a:p>
-                  </a:txBody>
-                  <a:tcPr anchor="ctr">
-                    <a:lnL w="38100" cap="flat" cmpd="sng" algn="ctr">
-                      <a:solidFill>
-                        <a:schemeClr val="tx1"/>
-                      </a:solidFill>
-                      <a:prstDash val="solid"/>
-                      <a:round/>
-                      <a:headEnd type="none" w="med" len="med"/>
-                      <a:tailEnd type="none" w="med" len="med"/>
-                    </a:lnL>
-                    <a:lnR w="38100" cap="flat" cmpd="sng" algn="ctr">
-                      <a:solidFill>
-                        <a:schemeClr val="tx1"/>
-                      </a:solidFill>
-                      <a:prstDash val="solid"/>
-                      <a:round/>
-                      <a:headEnd type="none" w="med" len="med"/>
-                      <a:tailEnd type="none" w="med" len="med"/>
-                    </a:lnR>
-                    <a:lnT w="38100" cap="flat" cmpd="sng" algn="ctr">
-                      <a:solidFill>
-                        <a:schemeClr val="tx1"/>
-                      </a:solidFill>
-                      <a:prstDash val="solid"/>
-                      <a:round/>
-                      <a:headEnd type="none" w="med" len="med"/>
-                      <a:tailEnd type="none" w="med" len="med"/>
-                    </a:lnT>
-                  </a:tcPr>
-                </a:tc>
-              </a:tr>
-              <a:tr h="442848">
-                <a:tc vMerge="1">
-                  <a:txBody>
-                    <a:bodyPr/>
-                    <a:lstStyle/>
-                    <a:p>
-                      <a:endParaRPr kumimoji="1" lang="ja-JP" altLang="en-US" sz="2800" b="1" dirty="0"/>
-                    </a:p>
-                  </a:txBody>
-                  <a:tcPr anchor="ctr">
-                    <a:solidFill>
-                      <a:schemeClr val="accent5">
-                        <a:lumMod val="20000"/>
-                        <a:lumOff val="80000"/>
-                      </a:schemeClr>
-                    </a:solidFill>
-                  </a:tcPr>
-                </a:tc>
-                <a:tc>
-                  <a:txBody>
-                    <a:bodyPr/>
-                    <a:lstStyle/>
-                    <a:p>
-                      <a:r>
-                        <a:rPr kumimoji="1" lang="ja-JP" altLang="en-US" sz="2000" b="1" dirty="0" smtClean="0"/>
-                        <a:t>作業時間</a:t>
-                      </a:r>
-                      <a:endParaRPr kumimoji="1" lang="ja-JP" altLang="en-US" sz="2000" b="1" dirty="0"/>
-                    </a:p>
-                  </a:txBody>
-                  <a:tcPr anchor="ctr">
-                    <a:lnR w="38100" cap="flat" cmpd="sng" algn="ctr">
-                      <a:solidFill>
-                        <a:schemeClr val="tx1"/>
-                      </a:solidFill>
-                      <a:prstDash val="solid"/>
-                      <a:round/>
-                      <a:headEnd type="none" w="med" len="med"/>
-                      <a:tailEnd type="none" w="med" len="med"/>
-                    </a:lnR>
-                    <a:lnB w="38100" cap="flat" cmpd="sng" algn="ctr">
-                      <a:solidFill>
-                        <a:schemeClr val="tx1"/>
-                      </a:solidFill>
-                      <a:prstDash val="solid"/>
-                      <a:round/>
-                      <a:headEnd type="none" w="med" len="med"/>
-                      <a:tailEnd type="none" w="med" len="med"/>
-                    </a:lnB>
-                    <a:solidFill>
-                      <a:schemeClr val="accent5">
-                        <a:lumMod val="20000"/>
-                        <a:lumOff val="80000"/>
-                      </a:schemeClr>
-                    </a:solidFill>
-                  </a:tcPr>
-                </a:tc>
-                <a:tc>
-                  <a:txBody>
-                    <a:bodyPr/>
-                    <a:lstStyle/>
-                    <a:p>
-                      <a:pPr algn="r"/>
-                      <a:r>
-                        <a:rPr kumimoji="1" lang="en-US" altLang="ja-JP" sz="2000" b="0" dirty="0" smtClean="0"/>
-                        <a:t>0.6</a:t>
-                      </a:r>
-                      <a:r>
-                        <a:rPr kumimoji="1" lang="ja-JP" altLang="en-US" sz="2000" b="0" dirty="0" smtClean="0"/>
-                        <a:t>人月</a:t>
-                      </a:r>
-                      <a:endParaRPr kumimoji="1" lang="ja-JP" altLang="en-US" sz="2000" b="0" dirty="0"/>
-                    </a:p>
-                  </a:txBody>
-                  <a:tcPr anchor="ctr">
-                    <a:lnL w="38100" cap="flat" cmpd="sng" algn="ctr">
-                      <a:solidFill>
-                        <a:schemeClr val="tx1"/>
-                      </a:solidFill>
-                      <a:prstDash val="solid"/>
-                      <a:round/>
-                      <a:headEnd type="none" w="med" len="med"/>
-                      <a:tailEnd type="none" w="med" len="med"/>
-                    </a:lnL>
-                    <a:lnR w="38100" cap="flat" cmpd="sng" algn="ctr">
-                      <a:solidFill>
-                        <a:schemeClr val="tx1"/>
-                      </a:solidFill>
-                      <a:prstDash val="solid"/>
-                      <a:round/>
-                      <a:headEnd type="none" w="med" len="med"/>
-                      <a:tailEnd type="none" w="med" len="med"/>
-                    </a:lnR>
-                    <a:lnB w="38100" cap="flat" cmpd="sng" algn="ctr">
-                      <a:solidFill>
-                        <a:schemeClr val="tx1"/>
-                      </a:solidFill>
-                      <a:prstDash val="solid"/>
-                      <a:round/>
-                      <a:headEnd type="none" w="med" len="med"/>
-                      <a:tailEnd type="none" w="med" len="med"/>
-                    </a:lnB>
-                  </a:tcPr>
-                </a:tc>
-                <a:tc>
-                  <a:txBody>
-                    <a:bodyPr/>
-                    <a:lstStyle/>
-                    <a:p>
-                      <a:pPr algn="r"/>
-                      <a:r>
-                        <a:rPr kumimoji="1" lang="en-US" altLang="ja-JP" sz="2000" b="0" dirty="0" smtClean="0"/>
-                        <a:t>0.6</a:t>
-                      </a:r>
-                      <a:r>
-                        <a:rPr kumimoji="1" lang="ja-JP" altLang="en-US" sz="2000" b="0" dirty="0" smtClean="0"/>
-                        <a:t>人月</a:t>
-                      </a:r>
-                      <a:endParaRPr kumimoji="1" lang="ja-JP" altLang="en-US" sz="2000" b="0" dirty="0"/>
-                    </a:p>
-                  </a:txBody>
-                  <a:tcPr anchor="ctr">
-                    <a:lnL w="38100" cap="flat" cmpd="sng" algn="ctr">
-                      <a:solidFill>
-                        <a:schemeClr val="tx1"/>
-                      </a:solidFill>
-                      <a:prstDash val="solid"/>
-                      <a:round/>
-                      <a:headEnd type="none" w="med" len="med"/>
-                      <a:tailEnd type="none" w="med" len="med"/>
-                    </a:lnL>
-                    <a:lnR w="38100" cap="flat" cmpd="sng" algn="ctr">
-                      <a:solidFill>
-                        <a:schemeClr val="tx1"/>
-                      </a:solidFill>
-                      <a:prstDash val="solid"/>
-                      <a:round/>
-                      <a:headEnd type="none" w="med" len="med"/>
-                      <a:tailEnd type="none" w="med" len="med"/>
-                    </a:lnR>
-                    <a:lnB w="38100" cap="flat" cmpd="sng" algn="ctr">
-                      <a:solidFill>
-                        <a:schemeClr val="tx1"/>
-                      </a:solidFill>
-                      <a:prstDash val="solid"/>
-                      <a:round/>
-                      <a:headEnd type="none" w="med" len="med"/>
-                      <a:tailEnd type="none" w="med" len="med"/>
-                    </a:lnB>
-                  </a:tcPr>
-                </a:tc>
-                <a:tc>
-                  <a:txBody>
-                    <a:bodyPr/>
-                    <a:lstStyle/>
-                    <a:p>
-                      <a:pPr algn="r"/>
-                      <a:r>
-                        <a:rPr kumimoji="1" lang="en-US" altLang="ja-JP" sz="2000" b="0" dirty="0" smtClean="0"/>
-                        <a:t>0.6</a:t>
-                      </a:r>
-                      <a:r>
-                        <a:rPr kumimoji="1" lang="ja-JP" altLang="en-US" sz="2000" b="0" dirty="0" smtClean="0"/>
-                        <a:t>人月</a:t>
-                      </a:r>
-                      <a:endParaRPr kumimoji="1" lang="ja-JP" altLang="en-US" sz="2000" b="0" dirty="0"/>
-                    </a:p>
-                  </a:txBody>
-                  <a:tcPr anchor="ctr">
-                    <a:lnL w="38100" cap="flat" cmpd="sng" algn="ctr">
-                      <a:solidFill>
-                        <a:schemeClr val="tx1"/>
-                      </a:solidFill>
-                      <a:prstDash val="solid"/>
-                      <a:round/>
-                      <a:headEnd type="none" w="med" len="med"/>
-                      <a:tailEnd type="none" w="med" len="med"/>
-                    </a:lnL>
-                    <a:lnR w="38100" cap="flat" cmpd="sng" algn="ctr">
-                      <a:solidFill>
-                        <a:schemeClr val="tx1"/>
-                      </a:solidFill>
-                      <a:prstDash val="solid"/>
-                      <a:round/>
-                      <a:headEnd type="none" w="med" len="med"/>
-                      <a:tailEnd type="none" w="med" len="med"/>
-                    </a:lnR>
-                    <a:lnB w="38100" cap="flat" cmpd="sng" algn="ctr">
-                      <a:solidFill>
-                        <a:schemeClr val="tx1"/>
-                      </a:solidFill>
-                      <a:prstDash val="solid"/>
-                      <a:round/>
-                      <a:headEnd type="none" w="med" len="med"/>
-                      <a:tailEnd type="none" w="med" len="med"/>
-                    </a:lnB>
-                  </a:tcPr>
-                </a:tc>
-                <a:tc>
-                  <a:txBody>
-                    <a:bodyPr/>
-                    <a:lstStyle/>
-                    <a:p>
-                      <a:pPr algn="r"/>
-                      <a:r>
-                        <a:rPr kumimoji="1" lang="en-US" altLang="ja-JP" sz="2000" b="0" dirty="0" smtClean="0"/>
-                        <a:t>0.6</a:t>
-                      </a:r>
-                      <a:r>
-                        <a:rPr kumimoji="1" lang="ja-JP" altLang="en-US" sz="2000" b="0" dirty="0" smtClean="0"/>
-                        <a:t>人月</a:t>
-                      </a:r>
-                      <a:endParaRPr kumimoji="1" lang="ja-JP" altLang="en-US" sz="2000" b="0" dirty="0"/>
-                    </a:p>
-                  </a:txBody>
-                  <a:tcPr anchor="ctr">
-                    <a:lnL w="38100" cap="flat" cmpd="sng" algn="ctr">
-                      <a:solidFill>
-                        <a:schemeClr val="tx1"/>
-                      </a:solidFill>
-                      <a:prstDash val="solid"/>
-                      <a:round/>
-                      <a:headEnd type="none" w="med" len="med"/>
-                      <a:tailEnd type="none" w="med" len="med"/>
-                    </a:lnL>
-                    <a:lnR w="38100" cap="flat" cmpd="sng" algn="ctr">
-                      <a:solidFill>
-                        <a:schemeClr val="tx1"/>
-                      </a:solidFill>
-                      <a:prstDash val="solid"/>
-                      <a:round/>
-                      <a:headEnd type="none" w="med" len="med"/>
-                      <a:tailEnd type="none" w="med" len="med"/>
-                    </a:lnR>
-                    <a:lnB w="38100" cap="flat" cmpd="sng" algn="ctr">
-                      <a:solidFill>
-                        <a:schemeClr val="tx1"/>
-                      </a:solidFill>
-                      <a:prstDash val="solid"/>
-                      <a:round/>
-                      <a:headEnd type="none" w="med" len="med"/>
-                      <a:tailEnd type="none" w="med" len="med"/>
-                    </a:lnB>
-                  </a:tcPr>
-                </a:tc>
-              </a:tr>
-              <a:tr h="442848">
-                <a:tc gridSpan="2">
-                  <a:txBody>
-                    <a:bodyPr/>
-                    <a:lstStyle/>
-                    <a:p>
-                      <a:r>
-                        <a:rPr kumimoji="1" lang="ja-JP" altLang="en-US" sz="2000" b="1" dirty="0" smtClean="0"/>
-                        <a:t>その他</a:t>
-                      </a:r>
-                      <a:endParaRPr kumimoji="1" lang="en-US" altLang="ja-JP" sz="2000" b="1" dirty="0" smtClean="0"/>
-                    </a:p>
-                  </a:txBody>
-                  <a:tcPr anchor="ctr">
-                    <a:lnL w="38100" cap="flat" cmpd="sng" algn="ctr">
-                      <a:solidFill>
-                        <a:schemeClr val="tx1"/>
-                      </a:solidFill>
-                      <a:prstDash val="solid"/>
-                      <a:round/>
-                      <a:headEnd type="none" w="med" len="med"/>
-                      <a:tailEnd type="none" w="med" len="med"/>
-                    </a:lnL>
-                    <a:lnR w="38100" cap="flat" cmpd="sng" algn="ctr">
-                      <a:solidFill>
-                        <a:schemeClr val="tx1"/>
-                      </a:solidFill>
-                      <a:prstDash val="solid"/>
-                      <a:round/>
-                      <a:headEnd type="none" w="med" len="med"/>
-                      <a:tailEnd type="none" w="med" len="med"/>
-                    </a:lnR>
-                    <a:lnT w="38100" cap="flat" cmpd="sng" algn="ctr">
-                      <a:solidFill>
-                        <a:schemeClr val="tx1"/>
-                      </a:solidFill>
-                      <a:prstDash val="solid"/>
-                      <a:round/>
-                      <a:headEnd type="none" w="med" len="med"/>
-                      <a:tailEnd type="none" w="med" len="med"/>
-                    </a:lnT>
-                    <a:lnB w="38100" cap="flat" cmpd="sng" algn="ctr">
-                      <a:solidFill>
-                        <a:schemeClr val="tx1"/>
-                      </a:solidFill>
-                      <a:prstDash val="solid"/>
-                      <a:round/>
-                      <a:headEnd type="none" w="med" len="med"/>
-                      <a:tailEnd type="none" w="med" len="med"/>
-                    </a:lnB>
-                    <a:solidFill>
-                      <a:schemeClr val="accent5">
-                        <a:lumMod val="20000"/>
-                        <a:lumOff val="80000"/>
-                      </a:schemeClr>
-                    </a:solidFill>
-                  </a:tcPr>
-                </a:tc>
-                <a:tc hMerge="1">
-                  <a:txBody>
-                    <a:bodyPr/>
-                    <a:lstStyle/>
-                    <a:p>
-                      <a:endParaRPr kumimoji="1" lang="ja-JP" altLang="en-US"/>
+                      <a:endParaRPr kumimoji="1" lang="ja-JP" altLang="en-US" dirty="0"/>
                     </a:p>
                   </a:txBody>
                   <a:tcPr/>
@@ -6856,290 +9898,27 @@
                     <a:bodyPr/>
                     <a:lstStyle/>
                     <a:p>
-                      <a:pPr algn="r"/>
                       <a:r>
-                        <a:rPr kumimoji="1" lang="en-US" altLang="ja-JP" sz="2000" b="0" dirty="0" smtClean="0"/>
-                        <a:t>210,000</a:t>
+                        <a:rPr kumimoji="1" lang="ja-JP" altLang="en-US" dirty="0" smtClean="0"/>
+                        <a:t>開始時間</a:t>
                       </a:r>
-                      <a:r>
-                        <a:rPr kumimoji="1" lang="ja-JP" altLang="en-US" sz="2000" b="0" dirty="0" smtClean="0"/>
-                        <a:t>円</a:t>
-                      </a:r>
-                      <a:endParaRPr kumimoji="1" lang="ja-JP" altLang="en-US" sz="2000" b="0" dirty="0"/>
+                      <a:endParaRPr kumimoji="1" lang="ja-JP" altLang="en-US" dirty="0"/>
                     </a:p>
                   </a:txBody>
-                  <a:tcPr anchor="ctr">
-                    <a:lnL w="38100" cap="flat" cmpd="sng" algn="ctr">
-                      <a:solidFill>
-                        <a:schemeClr val="tx1"/>
-                      </a:solidFill>
-                      <a:prstDash val="solid"/>
-                      <a:round/>
-                      <a:headEnd type="none" w="med" len="med"/>
-                      <a:tailEnd type="none" w="med" len="med"/>
-                    </a:lnL>
-                    <a:lnR w="38100" cap="flat" cmpd="sng" algn="ctr">
-                      <a:solidFill>
-                        <a:schemeClr val="tx1"/>
-                      </a:solidFill>
-                      <a:prstDash val="solid"/>
-                      <a:round/>
-                      <a:headEnd type="none" w="med" len="med"/>
-                      <a:tailEnd type="none" w="med" len="med"/>
-                    </a:lnR>
-                    <a:lnT w="38100" cap="flat" cmpd="sng" algn="ctr">
-                      <a:solidFill>
-                        <a:schemeClr val="tx1"/>
-                      </a:solidFill>
-                      <a:prstDash val="solid"/>
-                      <a:round/>
-                      <a:headEnd type="none" w="med" len="med"/>
-                      <a:tailEnd type="none" w="med" len="med"/>
-                    </a:lnT>
-                    <a:lnB w="38100" cap="flat" cmpd="sng" algn="ctr">
-                      <a:solidFill>
-                        <a:schemeClr val="tx1"/>
-                      </a:solidFill>
-                      <a:prstDash val="solid"/>
-                      <a:round/>
-                      <a:headEnd type="none" w="med" len="med"/>
-                      <a:tailEnd type="none" w="med" len="med"/>
-                    </a:lnB>
-                  </a:tcPr>
+                  <a:tcPr/>
                 </a:tc>
+              </a:tr>
+              <a:tr h="370840">
                 <a:tc>
                   <a:txBody>
                     <a:bodyPr/>
                     <a:lstStyle/>
                     <a:p>
-                      <a:pPr algn="r"/>
                       <a:r>
-                        <a:rPr kumimoji="1" lang="en-US" altLang="ja-JP" sz="2000" b="0" dirty="0" smtClean="0"/>
-                        <a:t>210,000</a:t>
+                        <a:rPr kumimoji="1" lang="ja-JP" altLang="en-US" dirty="0" smtClean="0"/>
+                        <a:t>駒木</a:t>
                       </a:r>
-                      <a:r>
-                        <a:rPr kumimoji="1" lang="ja-JP" altLang="en-US" sz="2000" b="0" dirty="0" smtClean="0"/>
-                        <a:t>円</a:t>
-                      </a:r>
-                      <a:endParaRPr kumimoji="1" lang="ja-JP" altLang="en-US" sz="2000" b="0" dirty="0"/>
-                    </a:p>
-                  </a:txBody>
-                  <a:tcPr anchor="ctr">
-                    <a:lnL w="38100" cap="flat" cmpd="sng" algn="ctr">
-                      <a:solidFill>
-                        <a:schemeClr val="tx1"/>
-                      </a:solidFill>
-                      <a:prstDash val="solid"/>
-                      <a:round/>
-                      <a:headEnd type="none" w="med" len="med"/>
-                      <a:tailEnd type="none" w="med" len="med"/>
-                    </a:lnL>
-                    <a:lnR w="38100" cap="flat" cmpd="sng" algn="ctr">
-                      <a:solidFill>
-                        <a:schemeClr val="tx1"/>
-                      </a:solidFill>
-                      <a:prstDash val="solid"/>
-                      <a:round/>
-                      <a:headEnd type="none" w="med" len="med"/>
-                      <a:tailEnd type="none" w="med" len="med"/>
-                    </a:lnR>
-                    <a:lnT w="38100" cap="flat" cmpd="sng" algn="ctr">
-                      <a:solidFill>
-                        <a:schemeClr val="tx1"/>
-                      </a:solidFill>
-                      <a:prstDash val="solid"/>
-                      <a:round/>
-                      <a:headEnd type="none" w="med" len="med"/>
-                      <a:tailEnd type="none" w="med" len="med"/>
-                    </a:lnT>
-                    <a:lnB w="38100" cap="flat" cmpd="sng" algn="ctr">
-                      <a:solidFill>
-                        <a:schemeClr val="tx1"/>
-                      </a:solidFill>
-                      <a:prstDash val="solid"/>
-                      <a:round/>
-                      <a:headEnd type="none" w="med" len="med"/>
-                      <a:tailEnd type="none" w="med" len="med"/>
-                    </a:lnB>
-                  </a:tcPr>
-                </a:tc>
-                <a:tc>
-                  <a:txBody>
-                    <a:bodyPr/>
-                    <a:lstStyle/>
-                    <a:p>
-                      <a:pPr algn="r"/>
-                      <a:r>
-                        <a:rPr kumimoji="1" lang="en-US" altLang="ja-JP" sz="2000" b="0" dirty="0" smtClean="0"/>
-                        <a:t>210,000</a:t>
-                      </a:r>
-                      <a:r>
-                        <a:rPr kumimoji="1" lang="ja-JP" altLang="en-US" sz="2000" b="0" dirty="0" smtClean="0"/>
-                        <a:t>円</a:t>
-                      </a:r>
-                      <a:endParaRPr kumimoji="1" lang="ja-JP" altLang="en-US" sz="2000" b="0" dirty="0"/>
-                    </a:p>
-                  </a:txBody>
-                  <a:tcPr anchor="ctr">
-                    <a:lnL w="38100" cap="flat" cmpd="sng" algn="ctr">
-                      <a:solidFill>
-                        <a:schemeClr val="tx1"/>
-                      </a:solidFill>
-                      <a:prstDash val="solid"/>
-                      <a:round/>
-                      <a:headEnd type="none" w="med" len="med"/>
-                      <a:tailEnd type="none" w="med" len="med"/>
-                    </a:lnL>
-                    <a:lnR w="38100" cap="flat" cmpd="sng" algn="ctr">
-                      <a:solidFill>
-                        <a:schemeClr val="tx1"/>
-                      </a:solidFill>
-                      <a:prstDash val="solid"/>
-                      <a:round/>
-                      <a:headEnd type="none" w="med" len="med"/>
-                      <a:tailEnd type="none" w="med" len="med"/>
-                    </a:lnR>
-                    <a:lnT w="38100" cap="flat" cmpd="sng" algn="ctr">
-                      <a:solidFill>
-                        <a:schemeClr val="tx1"/>
-                      </a:solidFill>
-                      <a:prstDash val="solid"/>
-                      <a:round/>
-                      <a:headEnd type="none" w="med" len="med"/>
-                      <a:tailEnd type="none" w="med" len="med"/>
-                    </a:lnT>
-                    <a:lnB w="38100" cap="flat" cmpd="sng" algn="ctr">
-                      <a:solidFill>
-                        <a:schemeClr val="tx1"/>
-                      </a:solidFill>
-                      <a:prstDash val="solid"/>
-                      <a:round/>
-                      <a:headEnd type="none" w="med" len="med"/>
-                      <a:tailEnd type="none" w="med" len="med"/>
-                    </a:lnB>
-                  </a:tcPr>
-                </a:tc>
-                <a:tc>
-                  <a:txBody>
-                    <a:bodyPr/>
-                    <a:lstStyle/>
-                    <a:p>
-                      <a:pPr algn="r"/>
-                      <a:r>
-                        <a:rPr kumimoji="1" lang="en-US" altLang="ja-JP" sz="2000" b="0" dirty="0" smtClean="0"/>
-                        <a:t>210,000</a:t>
-                      </a:r>
-                      <a:r>
-                        <a:rPr kumimoji="1" lang="ja-JP" altLang="en-US" sz="2000" b="0" dirty="0" smtClean="0"/>
-                        <a:t>円</a:t>
-                      </a:r>
-                      <a:endParaRPr kumimoji="1" lang="ja-JP" altLang="en-US" sz="2000" b="0" dirty="0"/>
-                    </a:p>
-                  </a:txBody>
-                  <a:tcPr anchor="ctr">
-                    <a:lnL w="38100" cap="flat" cmpd="sng" algn="ctr">
-                      <a:solidFill>
-                        <a:schemeClr val="tx1"/>
-                      </a:solidFill>
-                      <a:prstDash val="solid"/>
-                      <a:round/>
-                      <a:headEnd type="none" w="med" len="med"/>
-                      <a:tailEnd type="none" w="med" len="med"/>
-                    </a:lnL>
-                    <a:lnR w="38100" cap="flat" cmpd="sng" algn="ctr">
-                      <a:solidFill>
-                        <a:schemeClr val="tx1"/>
-                      </a:solidFill>
-                      <a:prstDash val="solid"/>
-                      <a:round/>
-                      <a:headEnd type="none" w="med" len="med"/>
-                      <a:tailEnd type="none" w="med" len="med"/>
-                    </a:lnR>
-                    <a:lnT w="38100" cap="flat" cmpd="sng" algn="ctr">
-                      <a:solidFill>
-                        <a:schemeClr val="tx1"/>
-                      </a:solidFill>
-                      <a:prstDash val="solid"/>
-                      <a:round/>
-                      <a:headEnd type="none" w="med" len="med"/>
-                      <a:tailEnd type="none" w="med" len="med"/>
-                    </a:lnT>
-                    <a:lnB w="38100" cap="flat" cmpd="sng" algn="ctr">
-                      <a:solidFill>
-                        <a:schemeClr val="tx1"/>
-                      </a:solidFill>
-                      <a:prstDash val="solid"/>
-                      <a:round/>
-                      <a:headEnd type="none" w="med" len="med"/>
-                      <a:tailEnd type="none" w="med" len="med"/>
-                    </a:lnB>
-                  </a:tcPr>
-                </a:tc>
-              </a:tr>
-              <a:tr h="690696">
-                <a:tc gridSpan="2">
-                  <a:txBody>
-                    <a:bodyPr/>
-                    <a:lstStyle/>
-                    <a:p>
-                      <a:r>
-                        <a:rPr kumimoji="1" lang="ja-JP" altLang="en-US" sz="2000" b="1" dirty="0" smtClean="0"/>
-                        <a:t>開発費合計（原価）</a:t>
-                      </a:r>
-                      <a:endParaRPr kumimoji="1" lang="ja-JP" altLang="en-US" sz="2000" b="1" dirty="0"/>
-                    </a:p>
-                  </a:txBody>
-                  <a:tcPr anchor="ctr">
-                    <a:lnL w="38100" cap="flat" cmpd="sng" algn="ctr">
-                      <a:solidFill>
-                        <a:schemeClr val="tx1"/>
-                      </a:solidFill>
-                      <a:prstDash val="solid"/>
-                      <a:round/>
-                      <a:headEnd type="none" w="med" len="med"/>
-                      <a:tailEnd type="none" w="med" len="med"/>
-                    </a:lnL>
-                    <a:lnR w="38100" cap="flat" cmpd="sng" algn="ctr">
-                      <a:solidFill>
-                        <a:schemeClr val="tx1"/>
-                      </a:solidFill>
-                      <a:prstDash val="solid"/>
-                      <a:round/>
-                      <a:headEnd type="none" w="med" len="med"/>
-                      <a:tailEnd type="none" w="med" len="med"/>
-                    </a:lnR>
-                    <a:lnT w="38100" cap="flat" cmpd="sng" algn="ctr">
-                      <a:solidFill>
-                        <a:schemeClr val="tx1"/>
-                      </a:solidFill>
-                      <a:prstDash val="solid"/>
-                      <a:round/>
-                      <a:headEnd type="none" w="med" len="med"/>
-                      <a:tailEnd type="none" w="med" len="med"/>
-                    </a:lnT>
-                    <a:lnB w="38100" cap="flat" cmpd="sng" algn="ctr">
-                      <a:solidFill>
-                        <a:schemeClr val="tx1"/>
-                      </a:solidFill>
-                      <a:prstDash val="solid"/>
-                      <a:round/>
-                      <a:headEnd type="none" w="med" len="med"/>
-                      <a:tailEnd type="none" w="med" len="med"/>
-                    </a:lnB>
-                    <a:solidFill>
-                      <a:schemeClr val="accent5">
-                        <a:lumMod val="20000"/>
-                        <a:lumOff val="80000"/>
-                      </a:schemeClr>
-                    </a:solidFill>
-                  </a:tcPr>
-                </a:tc>
-                <a:tc hMerge="1">
-                  <a:txBody>
-                    <a:bodyPr/>
-                    <a:lstStyle/>
-                    <a:p>
-                      <a:endParaRPr kumimoji="1" lang="ja-JP" altLang="en-US"/>
+                      <a:endParaRPr kumimoji="1" lang="ja-JP" altLang="en-US" dirty="0"/>
                     </a:p>
                   </a:txBody>
                   <a:tcPr/>
@@ -7149,224 +9928,236 @@
                     <a:bodyPr/>
                     <a:lstStyle/>
                     <a:p>
-                      <a:pPr algn="r"/>
                       <a:r>
-                        <a:rPr kumimoji="1" lang="en-US" altLang="ja-JP" sz="2000" dirty="0" smtClean="0"/>
-                        <a:t>3,260,000</a:t>
+                        <a:rPr kumimoji="1" lang="ja-JP" altLang="en-US" dirty="0" smtClean="0"/>
+                        <a:t>注文取消</a:t>
                       </a:r>
                       <a:r>
-                        <a:rPr kumimoji="1" lang="ja-JP" altLang="en-US" sz="2000" dirty="0" smtClean="0"/>
-                        <a:t>円</a:t>
+                        <a:rPr kumimoji="1" lang="en-US" altLang="ja-JP" dirty="0" smtClean="0"/>
+                        <a:t>Logic</a:t>
                       </a:r>
-                      <a:endParaRPr kumimoji="1" lang="ja-JP" altLang="en-US" sz="2000" dirty="0"/>
+                      <a:endParaRPr kumimoji="1" lang="ja-JP" altLang="en-US" dirty="0"/>
                     </a:p>
                   </a:txBody>
-                  <a:tcPr anchor="ctr">
-                    <a:lnL w="38100" cap="flat" cmpd="sng" algn="ctr">
-                      <a:solidFill>
-                        <a:schemeClr val="tx1"/>
-                      </a:solidFill>
-                      <a:prstDash val="solid"/>
-                      <a:round/>
-                      <a:headEnd type="none" w="med" len="med"/>
-                      <a:tailEnd type="none" w="med" len="med"/>
-                    </a:lnL>
-                    <a:lnR w="38100" cap="flat" cmpd="sng" algn="ctr">
-                      <a:solidFill>
-                        <a:schemeClr val="tx1"/>
-                      </a:solidFill>
-                      <a:prstDash val="solid"/>
-                      <a:round/>
-                      <a:headEnd type="none" w="med" len="med"/>
-                      <a:tailEnd type="none" w="med" len="med"/>
-                    </a:lnR>
-                    <a:lnT w="38100" cap="flat" cmpd="sng" algn="ctr">
-                      <a:solidFill>
-                        <a:schemeClr val="tx1"/>
-                      </a:solidFill>
-                      <a:prstDash val="solid"/>
-                      <a:round/>
-                      <a:headEnd type="none" w="med" len="med"/>
-                      <a:tailEnd type="none" w="med" len="med"/>
-                    </a:lnT>
-                    <a:lnB w="38100" cap="flat" cmpd="sng" algn="ctr">
-                      <a:solidFill>
-                        <a:schemeClr val="tx1"/>
-                      </a:solidFill>
-                      <a:prstDash val="solid"/>
-                      <a:round/>
-                      <a:headEnd type="none" w="med" len="med"/>
-                      <a:tailEnd type="none" w="med" len="med"/>
-                    </a:lnB>
-                  </a:tcPr>
+                  <a:tcPr/>
                 </a:tc>
                 <a:tc>
                   <a:txBody>
                     <a:bodyPr/>
                     <a:lstStyle/>
                     <a:p>
-                      <a:pPr algn="r"/>
                       <a:r>
-                        <a:rPr kumimoji="1" lang="en-US" altLang="ja-JP" sz="2000" dirty="0" smtClean="0"/>
-                        <a:t>3,260,000</a:t>
+                        <a:rPr kumimoji="1" lang="en-US" altLang="ja-JP" dirty="0" smtClean="0"/>
+                        <a:t>10:30</a:t>
                       </a:r>
                       <a:r>
-                        <a:rPr kumimoji="1" lang="ja-JP" altLang="en-US" sz="2000" dirty="0" smtClean="0"/>
-                        <a:t>円</a:t>
+                        <a:rPr kumimoji="1" lang="ja-JP" altLang="en-US" dirty="0" smtClean="0"/>
+                        <a:t>～</a:t>
                       </a:r>
-                      <a:endParaRPr kumimoji="1" lang="ja-JP" altLang="en-US" sz="2000" dirty="0"/>
+                      <a:endParaRPr kumimoji="1" lang="ja-JP" altLang="en-US" dirty="0"/>
                     </a:p>
                   </a:txBody>
-                  <a:tcPr anchor="ctr">
-                    <a:lnL w="38100" cap="flat" cmpd="sng" algn="ctr">
-                      <a:solidFill>
-                        <a:schemeClr val="tx1"/>
-                      </a:solidFill>
-                      <a:prstDash val="solid"/>
-                      <a:round/>
-                      <a:headEnd type="none" w="med" len="med"/>
-                      <a:tailEnd type="none" w="med" len="med"/>
-                    </a:lnL>
-                    <a:lnR w="38100" cap="flat" cmpd="sng" algn="ctr">
-                      <a:solidFill>
-                        <a:schemeClr val="tx1"/>
-                      </a:solidFill>
-                      <a:prstDash val="solid"/>
-                      <a:round/>
-                      <a:headEnd type="none" w="med" len="med"/>
-                      <a:tailEnd type="none" w="med" len="med"/>
-                    </a:lnR>
-                    <a:lnT w="38100" cap="flat" cmpd="sng" algn="ctr">
-                      <a:solidFill>
-                        <a:schemeClr val="tx1"/>
-                      </a:solidFill>
-                      <a:prstDash val="solid"/>
-                      <a:round/>
-                      <a:headEnd type="none" w="med" len="med"/>
-                      <a:tailEnd type="none" w="med" len="med"/>
-                    </a:lnT>
-                    <a:lnB w="38100" cap="flat" cmpd="sng" algn="ctr">
-                      <a:solidFill>
-                        <a:schemeClr val="tx1"/>
-                      </a:solidFill>
-                      <a:prstDash val="solid"/>
-                      <a:round/>
-                      <a:headEnd type="none" w="med" len="med"/>
-                      <a:tailEnd type="none" w="med" len="med"/>
-                    </a:lnB>
-                  </a:tcPr>
+                  <a:tcPr/>
+                </a:tc>
+              </a:tr>
+              <a:tr h="370840">
+                <a:tc>
+                  <a:txBody>
+                    <a:bodyPr/>
+                    <a:lstStyle/>
+                    <a:p>
+                      <a:r>
+                        <a:rPr kumimoji="1" lang="ja-JP" altLang="en-US" dirty="0" smtClean="0"/>
+                        <a:t>ムン</a:t>
+                      </a:r>
+                      <a:endParaRPr kumimoji="1" lang="ja-JP" altLang="en-US" dirty="0"/>
+                    </a:p>
+                  </a:txBody>
+                  <a:tcPr/>
                 </a:tc>
                 <a:tc>
                   <a:txBody>
                     <a:bodyPr/>
                     <a:lstStyle/>
                     <a:p>
-                      <a:pPr algn="r"/>
                       <a:r>
-                        <a:rPr kumimoji="1" lang="en-US" altLang="ja-JP" sz="2000" dirty="0" smtClean="0"/>
-                        <a:t>3,260,000</a:t>
+                        <a:rPr kumimoji="1" lang="en-US" altLang="ja-JP" dirty="0" smtClean="0"/>
+                        <a:t>DAO</a:t>
                       </a:r>
                       <a:r>
-                        <a:rPr kumimoji="1" lang="ja-JP" altLang="en-US" sz="2000" dirty="0" smtClean="0"/>
-                        <a:t>円</a:t>
+                        <a:rPr kumimoji="1" lang="ja-JP" altLang="en-US" dirty="0" smtClean="0"/>
+                        <a:t>の修正</a:t>
                       </a:r>
-                      <a:endParaRPr kumimoji="1" lang="ja-JP" altLang="en-US" sz="2000" dirty="0"/>
+                      <a:endParaRPr kumimoji="1" lang="ja-JP" altLang="en-US" dirty="0"/>
                     </a:p>
                   </a:txBody>
-                  <a:tcPr anchor="ctr">
-                    <a:lnL w="38100" cap="flat" cmpd="sng" algn="ctr">
-                      <a:solidFill>
-                        <a:schemeClr val="tx1"/>
-                      </a:solidFill>
-                      <a:prstDash val="solid"/>
-                      <a:round/>
-                      <a:headEnd type="none" w="med" len="med"/>
-                      <a:tailEnd type="none" w="med" len="med"/>
-                    </a:lnL>
-                    <a:lnR w="38100" cap="flat" cmpd="sng" algn="ctr">
-                      <a:solidFill>
-                        <a:schemeClr val="tx1"/>
-                      </a:solidFill>
-                      <a:prstDash val="solid"/>
-                      <a:round/>
-                      <a:headEnd type="none" w="med" len="med"/>
-                      <a:tailEnd type="none" w="med" len="med"/>
-                    </a:lnR>
-                    <a:lnT w="38100" cap="flat" cmpd="sng" algn="ctr">
-                      <a:solidFill>
-                        <a:schemeClr val="tx1"/>
-                      </a:solidFill>
-                      <a:prstDash val="solid"/>
-                      <a:round/>
-                      <a:headEnd type="none" w="med" len="med"/>
-                      <a:tailEnd type="none" w="med" len="med"/>
-                    </a:lnT>
-                    <a:lnB w="38100" cap="flat" cmpd="sng" algn="ctr">
-                      <a:solidFill>
-                        <a:schemeClr val="tx1"/>
-                      </a:solidFill>
-                      <a:prstDash val="solid"/>
-                      <a:round/>
-                      <a:headEnd type="none" w="med" len="med"/>
-                      <a:tailEnd type="none" w="med" len="med"/>
-                    </a:lnB>
-                  </a:tcPr>
+                  <a:tcPr/>
                 </a:tc>
                 <a:tc>
                   <a:txBody>
                     <a:bodyPr/>
                     <a:lstStyle/>
                     <a:p>
-                      <a:pPr algn="r"/>
                       <a:r>
-                        <a:rPr kumimoji="1" lang="en-US" altLang="ja-JP" sz="2000" dirty="0" smtClean="0"/>
-                        <a:t>3,260,000</a:t>
+                        <a:rPr kumimoji="1" lang="en-US" altLang="ja-JP" dirty="0" smtClean="0"/>
+                        <a:t>13:00</a:t>
                       </a:r>
                       <a:r>
-                        <a:rPr kumimoji="1" lang="ja-JP" altLang="en-US" sz="2000" dirty="0" smtClean="0"/>
-                        <a:t>円</a:t>
+                        <a:rPr kumimoji="1" lang="ja-JP" altLang="en-US" dirty="0" smtClean="0"/>
+                        <a:t>～</a:t>
                       </a:r>
-                      <a:endParaRPr kumimoji="1" lang="ja-JP" altLang="en-US" sz="2000" dirty="0"/>
+                      <a:endParaRPr kumimoji="1" lang="ja-JP" altLang="en-US" dirty="0"/>
                     </a:p>
                   </a:txBody>
-                  <a:tcPr anchor="ctr">
-                    <a:lnL w="38100" cap="flat" cmpd="sng" algn="ctr">
-                      <a:solidFill>
-                        <a:schemeClr val="tx1"/>
-                      </a:solidFill>
-                      <a:prstDash val="solid"/>
-                      <a:round/>
-                      <a:headEnd type="none" w="med" len="med"/>
-                      <a:tailEnd type="none" w="med" len="med"/>
-                    </a:lnL>
-                    <a:lnR w="38100" cap="flat" cmpd="sng" algn="ctr">
-                      <a:solidFill>
-                        <a:schemeClr val="tx1"/>
-                      </a:solidFill>
-                      <a:prstDash val="solid"/>
-                      <a:round/>
-                      <a:headEnd type="none" w="med" len="med"/>
-                      <a:tailEnd type="none" w="med" len="med"/>
-                    </a:lnR>
-                    <a:lnT w="38100" cap="flat" cmpd="sng" algn="ctr">
-                      <a:solidFill>
-                        <a:schemeClr val="tx1"/>
-                      </a:solidFill>
-                      <a:prstDash val="solid"/>
-                      <a:round/>
-                      <a:headEnd type="none" w="med" len="med"/>
-                      <a:tailEnd type="none" w="med" len="med"/>
-                    </a:lnT>
-                    <a:lnB w="38100" cap="flat" cmpd="sng" algn="ctr">
-                      <a:solidFill>
-                        <a:schemeClr val="tx1"/>
-                      </a:solidFill>
-                      <a:prstDash val="solid"/>
-                      <a:round/>
-                      <a:headEnd type="none" w="med" len="med"/>
-                      <a:tailEnd type="none" w="med" len="med"/>
-                    </a:lnB>
-                  </a:tcPr>
+                  <a:tcPr/>
+                </a:tc>
+              </a:tr>
+              <a:tr h="370840">
+                <a:tc>
+                  <a:txBody>
+                    <a:bodyPr/>
+                    <a:lstStyle/>
+                    <a:p>
+                      <a:r>
+                        <a:rPr kumimoji="1" lang="ja-JP" altLang="en-US" dirty="0" smtClean="0"/>
+                        <a:t>香川</a:t>
+                      </a:r>
+                      <a:endParaRPr kumimoji="1" lang="ja-JP" altLang="en-US" dirty="0"/>
+                    </a:p>
+                  </a:txBody>
+                  <a:tcPr/>
+                </a:tc>
+                <a:tc>
+                  <a:txBody>
+                    <a:bodyPr/>
+                    <a:lstStyle/>
+                    <a:p>
+                      <a:r>
+                        <a:rPr kumimoji="1" lang="ja-JP" altLang="en-US" dirty="0" smtClean="0"/>
+                        <a:t>ショッピングカート結合テスト</a:t>
+                      </a:r>
+                      <a:endParaRPr kumimoji="1" lang="ja-JP" altLang="en-US" dirty="0"/>
+                    </a:p>
+                  </a:txBody>
+                  <a:tcPr/>
+                </a:tc>
+                <a:tc>
+                  <a:txBody>
+                    <a:bodyPr/>
+                    <a:lstStyle/>
+                    <a:p>
+                      <a:r>
+                        <a:rPr kumimoji="1" lang="en-US" altLang="ja-JP" dirty="0" smtClean="0"/>
+                        <a:t>11:30</a:t>
+                      </a:r>
+                      <a:r>
+                        <a:rPr kumimoji="1" lang="ja-JP" altLang="en-US" dirty="0" smtClean="0"/>
+                        <a:t>～</a:t>
+                      </a:r>
+                      <a:endParaRPr kumimoji="1" lang="ja-JP" altLang="en-US" dirty="0"/>
+                    </a:p>
+                  </a:txBody>
+                  <a:tcPr/>
+                </a:tc>
+              </a:tr>
+              <a:tr h="370840">
+                <a:tc>
+                  <a:txBody>
+                    <a:bodyPr/>
+                    <a:lstStyle/>
+                    <a:p>
+                      <a:r>
+                        <a:rPr kumimoji="1" lang="ja-JP" altLang="en-US" dirty="0" smtClean="0"/>
+                        <a:t>越</a:t>
+                      </a:r>
+                      <a:endParaRPr kumimoji="1" lang="ja-JP" altLang="en-US" dirty="0"/>
+                    </a:p>
+                  </a:txBody>
+                  <a:tcPr/>
+                </a:tc>
+                <a:tc>
+                  <a:txBody>
+                    <a:bodyPr/>
+                    <a:lstStyle/>
+                    <a:p>
+                      <a:r>
+                        <a:rPr kumimoji="1" lang="ja-JP" altLang="en-US" dirty="0" smtClean="0"/>
+                        <a:t>メンバー登録結合テスト</a:t>
+                      </a:r>
+                      <a:endParaRPr kumimoji="1" lang="ja-JP" altLang="en-US" dirty="0"/>
+                    </a:p>
+                  </a:txBody>
+                  <a:tcPr/>
+                </a:tc>
+                <a:tc>
+                  <a:txBody>
+                    <a:bodyPr/>
+                    <a:lstStyle/>
+                    <a:p>
+                      <a:r>
+                        <a:rPr kumimoji="1" lang="en-US" altLang="ja-JP" dirty="0" smtClean="0"/>
+                        <a:t>12:00</a:t>
+                      </a:r>
+                      <a:r>
+                        <a:rPr kumimoji="1" lang="ja-JP" altLang="en-US" dirty="0" smtClean="0"/>
+                        <a:t>～</a:t>
+                      </a:r>
+                      <a:endParaRPr kumimoji="1" lang="ja-JP" altLang="en-US" dirty="0"/>
+                    </a:p>
+                  </a:txBody>
+                  <a:tcPr/>
+                </a:tc>
+              </a:tr>
+              <a:tr h="370840">
+                <a:tc>
+                  <a:txBody>
+                    <a:bodyPr/>
+                    <a:lstStyle/>
+                    <a:p>
+                      <a:r>
+                        <a:rPr kumimoji="1" lang="ja-JP" altLang="en-US" dirty="0" smtClean="0"/>
+                        <a:t>鳥海</a:t>
+                      </a:r>
+                      <a:endParaRPr kumimoji="1" lang="ja-JP" altLang="en-US" dirty="0"/>
+                    </a:p>
+                  </a:txBody>
+                  <a:tcPr/>
+                </a:tc>
+                <a:tc>
+                  <a:txBody>
+                    <a:bodyPr/>
+                    <a:lstStyle/>
+                    <a:p>
+                      <a:r>
+                        <a:rPr kumimoji="1" lang="ja-JP" altLang="en-US" dirty="0" smtClean="0"/>
+                        <a:t>注文取消</a:t>
+                      </a:r>
+                      <a:r>
+                        <a:rPr kumimoji="1" lang="en-US" altLang="ja-JP" dirty="0" smtClean="0"/>
+                        <a:t>JSP</a:t>
+                      </a:r>
+                      <a:endParaRPr kumimoji="1" lang="ja-JP" altLang="en-US" dirty="0"/>
+                    </a:p>
+                  </a:txBody>
+                  <a:tcPr/>
+                </a:tc>
+                <a:tc>
+                  <a:txBody>
+                    <a:bodyPr/>
+                    <a:lstStyle/>
+                    <a:p>
+                      <a:r>
+                        <a:rPr kumimoji="1" lang="en-US" altLang="ja-JP" dirty="0" smtClean="0"/>
+                        <a:t>11:00</a:t>
+                      </a:r>
+                      <a:r>
+                        <a:rPr kumimoji="1" lang="ja-JP" altLang="en-US" dirty="0" smtClean="0"/>
+                        <a:t>～</a:t>
+                      </a:r>
+                      <a:endParaRPr kumimoji="1" lang="ja-JP" altLang="en-US" dirty="0"/>
+                    </a:p>
+                  </a:txBody>
+                  <a:tcPr/>
                 </a:tc>
               </a:tr>
             </a:tbl>
@@ -7375,14 +10166,14 @@
       </p:graphicFrame>
       <p:sp>
         <p:nvSpPr>
-          <p:cNvPr id="3" name="テキスト ボックス 2"/>
+          <p:cNvPr id="5" name="テキスト ボックス 4"/>
           <p:cNvSpPr txBox="1"/>
           <p:nvPr/>
         </p:nvSpPr>
         <p:spPr>
           <a:xfrm>
-            <a:off x="467544" y="5589240"/>
-            <a:ext cx="7752443" cy="1077218"/>
+            <a:off x="971600" y="1304764"/>
+            <a:ext cx="7056784" cy="2031325"/>
           </a:xfrm>
           <a:prstGeom prst="rect">
             <a:avLst/>
@@ -7390,271 +10181,111 @@
           <a:noFill/>
         </p:spPr>
         <p:txBody>
-          <a:bodyPr wrap="none" rtlCol="0">
+          <a:bodyPr wrap="square" rtlCol="0">
             <a:spAutoFit/>
           </a:bodyPr>
           <a:lstStyle/>
           <a:p>
             <a:r>
-              <a:rPr kumimoji="1" lang="en-US" altLang="ja-JP" sz="3200" dirty="0" smtClean="0"/>
-              <a:t>※</a:t>
-            </a:r>
-            <a:r>
-              <a:rPr kumimoji="1" lang="ja-JP" altLang="en-US" sz="3200" dirty="0" smtClean="0"/>
-              <a:t>人件費単価</a:t>
-            </a:r>
-            <a:endParaRPr kumimoji="1" lang="en-US" altLang="ja-JP" sz="3200" dirty="0" smtClean="0"/>
-          </a:p>
-          <a:p>
-            <a:r>
-              <a:rPr lang="ja-JP" altLang="en-US" sz="3200" dirty="0"/>
+              <a:rPr kumimoji="1" lang="ja-JP" altLang="en-US" dirty="0" smtClean="0"/>
+              <a:t>・</a:t>
+            </a:r>
+            <a:r>
+              <a:rPr kumimoji="1" lang="en-US" altLang="ja-JP" dirty="0" smtClean="0"/>
+              <a:t>1</a:t>
+            </a:r>
+            <a:r>
+              <a:rPr kumimoji="1" lang="ja-JP" altLang="en-US" dirty="0" smtClean="0"/>
+              <a:t>日</a:t>
+            </a:r>
+            <a:r>
+              <a:rPr lang="en-US" altLang="ja-JP" dirty="0"/>
+              <a:t>3</a:t>
+            </a:r>
+            <a:r>
+              <a:rPr kumimoji="1" lang="ja-JP" altLang="en-US" dirty="0" smtClean="0"/>
+              <a:t>回定例共有会を行う。</a:t>
+            </a:r>
+            <a:endParaRPr kumimoji="1" lang="en-US" altLang="ja-JP" dirty="0" smtClean="0"/>
+          </a:p>
+          <a:p>
+            <a:r>
+              <a:rPr lang="ja-JP" altLang="en-US" dirty="0"/>
               <a:t>　</a:t>
             </a:r>
             <a:r>
-              <a:rPr lang="ja-JP" altLang="en-US" sz="3200" dirty="0" smtClean="0"/>
+              <a:rPr lang="ja-JP" altLang="en-US" dirty="0" smtClean="0"/>
+              <a:t>→朝、昼、夕の３回チームミーティングを行い、情報の共有を行う。</a:t>
+            </a:r>
+            <a:endParaRPr lang="en-US" altLang="ja-JP" dirty="0" smtClean="0"/>
+          </a:p>
+          <a:p>
+            <a:r>
+              <a:rPr kumimoji="1" lang="ja-JP" altLang="en-US" dirty="0" smtClean="0"/>
+              <a:t>・プッシュはお昼休憩前、夕方のチームミーティング前後に行う。</a:t>
+            </a:r>
+            <a:endParaRPr kumimoji="1" lang="en-US" altLang="ja-JP" dirty="0" smtClean="0"/>
+          </a:p>
+          <a:p>
+            <a:r>
+              <a:rPr lang="ja-JP" altLang="en-US" dirty="0"/>
               <a:t>　</a:t>
             </a:r>
             <a:r>
-              <a:rPr kumimoji="1" lang="en-US" altLang="ja-JP" sz="3200" dirty="0" smtClean="0"/>
-              <a:t>SE</a:t>
-            </a:r>
-            <a:r>
-              <a:rPr kumimoji="1" lang="ja-JP" altLang="en-US" sz="3200" dirty="0" smtClean="0"/>
-              <a:t>人件費→</a:t>
-            </a:r>
-            <a:r>
-              <a:rPr kumimoji="1" lang="en-US" altLang="ja-JP" sz="3200" dirty="0" smtClean="0"/>
-              <a:t>100</a:t>
-            </a:r>
-            <a:r>
-              <a:rPr kumimoji="1" lang="ja-JP" altLang="en-US" sz="3200" dirty="0" smtClean="0"/>
-              <a:t>万円、</a:t>
-            </a:r>
-            <a:r>
-              <a:rPr kumimoji="1" lang="en-US" altLang="ja-JP" sz="3200" dirty="0" smtClean="0"/>
-              <a:t>PG</a:t>
-            </a:r>
-            <a:r>
-              <a:rPr kumimoji="1" lang="ja-JP" altLang="en-US" sz="3200" dirty="0" smtClean="0"/>
-              <a:t>人件費→</a:t>
-            </a:r>
-            <a:r>
-              <a:rPr kumimoji="1" lang="en-US" altLang="ja-JP" sz="3200" dirty="0" smtClean="0"/>
-              <a:t>75</a:t>
-            </a:r>
-            <a:r>
-              <a:rPr kumimoji="1" lang="ja-JP" altLang="en-US" sz="3200" dirty="0" smtClean="0"/>
-              <a:t>万円</a:t>
-            </a:r>
-            <a:endParaRPr kumimoji="1" lang="ja-JP" altLang="en-US" sz="3200" dirty="0"/>
+              <a:rPr lang="ja-JP" altLang="en-US" dirty="0" smtClean="0"/>
+              <a:t>→作成途中でも必ず、この２回を行う。</a:t>
+            </a:r>
+            <a:endParaRPr lang="en-US" altLang="ja-JP" dirty="0" smtClean="0"/>
+          </a:p>
+          <a:p>
+            <a:r>
+              <a:rPr kumimoji="1" lang="ja-JP" altLang="en-US" dirty="0" smtClean="0"/>
+              <a:t>・</a:t>
+            </a:r>
+            <a:r>
+              <a:rPr kumimoji="1" lang="en-US" altLang="ja-JP" dirty="0" smtClean="0"/>
+              <a:t>1</a:t>
+            </a:r>
+            <a:r>
+              <a:rPr kumimoji="1" lang="ja-JP" altLang="en-US" dirty="0" smtClean="0"/>
+              <a:t>メソッド完成するごとに</a:t>
+            </a:r>
+            <a:r>
+              <a:rPr lang="ja-JP" altLang="en-US" dirty="0" smtClean="0"/>
+              <a:t>プッシュする。</a:t>
+            </a:r>
+            <a:endParaRPr lang="en-US" altLang="ja-JP" dirty="0" smtClean="0"/>
+          </a:p>
+          <a:p>
+            <a:r>
+              <a:rPr kumimoji="1" lang="ja-JP" altLang="en-US" dirty="0"/>
+              <a:t>　</a:t>
+            </a:r>
+            <a:r>
+              <a:rPr kumimoji="1" lang="ja-JP" altLang="en-US" dirty="0" smtClean="0"/>
+              <a:t>→それ以外はコミットを行う。</a:t>
+            </a:r>
+            <a:endParaRPr kumimoji="1" lang="en-US" altLang="ja-JP" dirty="0" smtClean="0"/>
+          </a:p>
+          <a:p>
+            <a:r>
+              <a:rPr lang="ja-JP" altLang="en-US" dirty="0" smtClean="0"/>
+              <a:t>・ホワイトボードに自分の作業と作業の開始時間を書く。</a:t>
+            </a:r>
+            <a:endParaRPr kumimoji="1" lang="ja-JP" altLang="en-US" dirty="0"/>
           </a:p>
         </p:txBody>
       </p:sp>
     </p:spTree>
     <p:extLst>
       <p:ext uri="{BB962C8B-B14F-4D97-AF65-F5344CB8AC3E}">
-        <p14:creationId xmlns:p14="http://schemas.microsoft.com/office/powerpoint/2010/main" val="2649802176"/>
+        <p14:creationId xmlns:p14="http://schemas.microsoft.com/office/powerpoint/2010/main" val="2156742572"/>
       </p:ext>
     </p:extLst>
   </p:cSld>
   <p:clrMapOvr>
     <a:masterClrMapping/>
   </p:clrMapOvr>
-  <p:timing>
-    <p:tnLst>
-      <p:par>
-        <p:cTn id="1" dur="indefinite" restart="never" nodeType="tmRoot"/>
-      </p:par>
-    </p:tnLst>
-  </p:timing>
-</p:sld>
-</file>
-
-<file path=ppt/slides/slide4.xml><?xml version="1.0" encoding="utf-8"?>
-<p:sld xmlns:a="http://schemas.openxmlformats.org/drawingml/2006/main" xmlns:r="http://schemas.openxmlformats.org/officeDocument/2006/relationships" xmlns:p="http://schemas.openxmlformats.org/presentationml/2006/main">
-  <p:cSld>
-    <p:spTree>
-      <p:nvGrpSpPr>
-        <p:cNvPr id="1" name=""/>
-        <p:cNvGrpSpPr/>
-        <p:nvPr/>
-      </p:nvGrpSpPr>
-      <p:grpSpPr>
-        <a:xfrm>
-          <a:off x="0" y="0"/>
-          <a:ext cx="0" cy="0"/>
-          <a:chOff x="0" y="0"/>
-          <a:chExt cx="0" cy="0"/>
-        </a:xfrm>
-      </p:grpSpPr>
-      <p:sp>
-        <p:nvSpPr>
-          <p:cNvPr id="2" name="タイトル 1"/>
-          <p:cNvSpPr>
-            <a:spLocks noGrp="1"/>
-          </p:cNvSpPr>
-          <p:nvPr>
-            <p:ph type="title"/>
-          </p:nvPr>
-        </p:nvSpPr>
-        <p:spPr>
-          <a:xfrm>
-            <a:off x="457200" y="274638"/>
-            <a:ext cx="8229600" cy="922114"/>
-          </a:xfrm>
-        </p:spPr>
-        <p:txBody>
-          <a:bodyPr/>
-          <a:lstStyle/>
-          <a:p>
-            <a:r>
-              <a:rPr kumimoji="1" lang="ja-JP" altLang="en-US" dirty="0" smtClean="0"/>
-              <a:t>品　質</a:t>
-            </a:r>
-            <a:endParaRPr kumimoji="1" lang="ja-JP" altLang="en-US" dirty="0"/>
-          </a:p>
-        </p:txBody>
-      </p:sp>
-      <p:graphicFrame>
-        <p:nvGraphicFramePr>
-          <p:cNvPr id="7" name="オブジェクト 6"/>
-          <p:cNvGraphicFramePr>
-            <a:graphicFrameLocks noChangeAspect="1"/>
-          </p:cNvGraphicFramePr>
-          <p:nvPr>
-            <p:extLst>
-              <p:ext uri="{D42A27DB-BD31-4B8C-83A1-F6EECF244321}">
-                <p14:modId xmlns:p14="http://schemas.microsoft.com/office/powerpoint/2010/main" val="469356301"/>
-              </p:ext>
-            </p:extLst>
-          </p:nvPr>
-        </p:nvGraphicFramePr>
-        <p:xfrm>
-          <a:off x="467544" y="1340768"/>
-          <a:ext cx="8313813" cy="3024336"/>
-        </p:xfrm>
-        <a:graphic>
-          <a:graphicData uri="http://schemas.openxmlformats.org/presentationml/2006/ole">
-            <mc:AlternateContent xmlns:mc="http://schemas.openxmlformats.org/markup-compatibility/2006">
-              <mc:Choice xmlns:v="urn:schemas-microsoft-com:vml" Requires="v">
-                <p:oleObj spid="_x0000_s3084" name="ワークシート" r:id="rId4" imgW="6362806" imgH="2314680" progId="Excel.Sheet.12">
-                  <p:embed/>
-                </p:oleObj>
-              </mc:Choice>
-              <mc:Fallback>
-                <p:oleObj name="ワークシート" r:id="rId4" imgW="6362806" imgH="2314680" progId="Excel.Sheet.12">
-                  <p:embed/>
-                  <p:pic>
-                    <p:nvPicPr>
-                      <p:cNvPr id="0" name=""/>
-                      <p:cNvPicPr/>
-                      <p:nvPr/>
-                    </p:nvPicPr>
-                    <p:blipFill>
-                      <a:blip r:embed="rId5"/>
-                      <a:stretch>
-                        <a:fillRect/>
-                      </a:stretch>
-                    </p:blipFill>
-                    <p:spPr>
-                      <a:xfrm>
-                        <a:off x="467544" y="1340768"/>
-                        <a:ext cx="8313813" cy="3024336"/>
-                      </a:xfrm>
-                      <a:prstGeom prst="rect">
-                        <a:avLst/>
-                      </a:prstGeom>
-                    </p:spPr>
-                  </p:pic>
-                </p:oleObj>
-              </mc:Fallback>
-            </mc:AlternateContent>
-          </a:graphicData>
-        </a:graphic>
-      </p:graphicFrame>
-      <p:sp>
-        <p:nvSpPr>
-          <p:cNvPr id="4" name="角丸四角形吹き出し 3"/>
-          <p:cNvSpPr/>
-          <p:nvPr/>
-        </p:nvSpPr>
-        <p:spPr>
-          <a:xfrm>
-            <a:off x="5364088" y="4653136"/>
-            <a:ext cx="2520280" cy="1008112"/>
-          </a:xfrm>
-          <a:prstGeom prst="wedgeRoundRectCallout">
-            <a:avLst>
-              <a:gd name="adj1" fmla="val -13078"/>
-              <a:gd name="adj2" fmla="val -90563"/>
-              <a:gd name="adj3" fmla="val 16667"/>
-            </a:avLst>
-          </a:prstGeom>
-          <a:solidFill>
-            <a:schemeClr val="accent2">
-              <a:lumMod val="20000"/>
-              <a:lumOff val="80000"/>
-            </a:schemeClr>
-          </a:solidFill>
-          <a:ln>
-            <a:solidFill>
-              <a:schemeClr val="tx1"/>
-            </a:solidFill>
-          </a:ln>
-        </p:spPr>
-        <p:style>
-          <a:lnRef idx="2">
-            <a:schemeClr val="accent1">
-              <a:shade val="50000"/>
-            </a:schemeClr>
-          </a:lnRef>
-          <a:fillRef idx="1">
-            <a:schemeClr val="accent1"/>
-          </a:fillRef>
-          <a:effectRef idx="0">
-            <a:schemeClr val="accent1"/>
-          </a:effectRef>
-          <a:fontRef idx="minor">
-            <a:schemeClr val="lt1"/>
-          </a:fontRef>
-        </p:style>
-        <p:txBody>
-          <a:bodyPr rtlCol="0" anchor="ctr"/>
-          <a:lstStyle/>
-          <a:p>
-            <a:r>
-              <a:rPr kumimoji="1" lang="ja-JP" altLang="en-US" dirty="0" smtClean="0">
-                <a:solidFill>
-                  <a:schemeClr val="tx1"/>
-                </a:solidFill>
-              </a:rPr>
-              <a:t>一次と二次を統合したけ結果を集計する</a:t>
-            </a:r>
-            <a:endParaRPr kumimoji="1" lang="ja-JP" altLang="en-US" dirty="0">
-              <a:solidFill>
-                <a:schemeClr val="tx1"/>
-              </a:solidFill>
-            </a:endParaRPr>
-          </a:p>
-        </p:txBody>
-      </p:sp>
-    </p:spTree>
-    <p:extLst>
-      <p:ext uri="{BB962C8B-B14F-4D97-AF65-F5344CB8AC3E}">
-        <p14:creationId xmlns:p14="http://schemas.microsoft.com/office/powerpoint/2010/main" val="955016388"/>
-      </p:ext>
-    </p:extLst>
-  </p:cSld>
-  <p:clrMapOvr>
-    <a:masterClrMapping/>
-  </p:clrMapOvr>
-  <p:timing>
-    <p:tnLst>
-      <p:par>
-        <p:cTn id="1" dur="indefinite" restart="never" nodeType="tmRoot"/>
-      </p:par>
-    </p:tnLst>
-  </p:timing>
 </p:sld>
 </file>
 

--- a/doc/unfinished/Presentation/5_発表資料.pptx
+++ b/doc/unfinished/Presentation/5_発表資料.pptx
@@ -5,15 +5,16 @@
     <p:sldMasterId id="2147483648" r:id="rId1"/>
   </p:sldMasterIdLst>
   <p:notesMasterIdLst>
-    <p:notesMasterId r:id="rId5"/>
+    <p:notesMasterId r:id="rId6"/>
   </p:notesMasterIdLst>
   <p:handoutMasterIdLst>
-    <p:handoutMasterId r:id="rId6"/>
+    <p:handoutMasterId r:id="rId7"/>
   </p:handoutMasterIdLst>
   <p:sldIdLst>
     <p:sldId id="256" r:id="rId2"/>
     <p:sldId id="262" r:id="rId3"/>
-    <p:sldId id="263" r:id="rId4"/>
+    <p:sldId id="264" r:id="rId4"/>
+    <p:sldId id="263" r:id="rId5"/>
   </p:sldIdLst>
   <p:sldSz cx="9144000" cy="6858000" type="screen4x3"/>
   <p:notesSz cx="6858000" cy="9945688"/>
@@ -5455,7 +5456,7 @@
           <a:p>
             <a:fld id="{4CBDEA40-64DA-4009-9796-2417C3CC28FE}" type="datetimeFigureOut">
               <a:rPr kumimoji="1" lang="ja-JP" altLang="en-US" smtClean="0"/>
-              <a:t>2017/6/28</a:t>
+              <a:t>2017/6/29</a:t>
             </a:fld>
             <a:endParaRPr kumimoji="1" lang="ja-JP" altLang="en-US"/>
           </a:p>
@@ -5620,7 +5621,7 @@
           <a:p>
             <a:fld id="{7DC4FF85-2342-4A6B-A2C7-95FCC06A65F9}" type="datetimeFigureOut">
               <a:rPr kumimoji="1" lang="ja-JP" altLang="en-US" smtClean="0"/>
-              <a:t>2017/6/28</a:t>
+              <a:t>2017/6/29</a:t>
             </a:fld>
             <a:endParaRPr kumimoji="1" lang="ja-JP" altLang="en-US"/>
           </a:p>
@@ -6185,7 +6186,7 @@
           <a:p>
             <a:fld id="{E90ED720-0104-4369-84BC-D37694168613}" type="datetimeFigureOut">
               <a:rPr kumimoji="1" lang="ja-JP" altLang="en-US" smtClean="0"/>
-              <a:t>2017/6/28</a:t>
+              <a:t>2017/6/29</a:t>
             </a:fld>
             <a:endParaRPr kumimoji="1" lang="ja-JP" altLang="en-US"/>
           </a:p>
@@ -6382,7 +6383,7 @@
           <a:p>
             <a:fld id="{E90ED720-0104-4369-84BC-D37694168613}" type="datetimeFigureOut">
               <a:rPr kumimoji="1" lang="ja-JP" altLang="en-US" smtClean="0"/>
-              <a:t>2017/6/28</a:t>
+              <a:t>2017/6/29</a:t>
             </a:fld>
             <a:endParaRPr kumimoji="1" lang="ja-JP" altLang="en-US"/>
           </a:p>
@@ -6589,7 +6590,7 @@
           <a:p>
             <a:fld id="{E90ED720-0104-4369-84BC-D37694168613}" type="datetimeFigureOut">
               <a:rPr kumimoji="1" lang="ja-JP" altLang="en-US" smtClean="0"/>
-              <a:t>2017/6/28</a:t>
+              <a:t>2017/6/29</a:t>
             </a:fld>
             <a:endParaRPr kumimoji="1" lang="ja-JP" altLang="en-US"/>
           </a:p>
@@ -6786,7 +6787,7 @@
           <a:p>
             <a:fld id="{E90ED720-0104-4369-84BC-D37694168613}" type="datetimeFigureOut">
               <a:rPr kumimoji="1" lang="ja-JP" altLang="en-US" smtClean="0"/>
-              <a:t>2017/6/28</a:t>
+              <a:t>2017/6/29</a:t>
             </a:fld>
             <a:endParaRPr kumimoji="1" lang="ja-JP" altLang="en-US"/>
           </a:p>
@@ -7027,7 +7028,7 @@
           <a:p>
             <a:fld id="{E90ED720-0104-4369-84BC-D37694168613}" type="datetimeFigureOut">
               <a:rPr kumimoji="1" lang="ja-JP" altLang="en-US" smtClean="0"/>
-              <a:t>2017/6/28</a:t>
+              <a:t>2017/6/29</a:t>
             </a:fld>
             <a:endParaRPr kumimoji="1" lang="ja-JP" altLang="en-US"/>
           </a:p>
@@ -7374,7 +7375,7 @@
           <a:p>
             <a:fld id="{E90ED720-0104-4369-84BC-D37694168613}" type="datetimeFigureOut">
               <a:rPr kumimoji="1" lang="ja-JP" altLang="en-US" smtClean="0"/>
-              <a:t>2017/6/28</a:t>
+              <a:t>2017/6/29</a:t>
             </a:fld>
             <a:endParaRPr kumimoji="1" lang="ja-JP" altLang="en-US"/>
           </a:p>
@@ -7855,7 +7856,7 @@
           <a:p>
             <a:fld id="{E90ED720-0104-4369-84BC-D37694168613}" type="datetimeFigureOut">
               <a:rPr kumimoji="1" lang="ja-JP" altLang="en-US" smtClean="0"/>
-              <a:t>2017/6/28</a:t>
+              <a:t>2017/6/29</a:t>
             </a:fld>
             <a:endParaRPr kumimoji="1" lang="ja-JP" altLang="en-US"/>
           </a:p>
@@ -7968,7 +7969,7 @@
           <a:p>
             <a:fld id="{E90ED720-0104-4369-84BC-D37694168613}" type="datetimeFigureOut">
               <a:rPr kumimoji="1" lang="ja-JP" altLang="en-US" smtClean="0"/>
-              <a:t>2017/6/28</a:t>
+              <a:t>2017/6/29</a:t>
             </a:fld>
             <a:endParaRPr kumimoji="1" lang="ja-JP" altLang="en-US"/>
           </a:p>
@@ -8058,7 +8059,7 @@
           <a:p>
             <a:fld id="{E90ED720-0104-4369-84BC-D37694168613}" type="datetimeFigureOut">
               <a:rPr kumimoji="1" lang="ja-JP" altLang="en-US" smtClean="0"/>
-              <a:t>2017/6/28</a:t>
+              <a:t>2017/6/29</a:t>
             </a:fld>
             <a:endParaRPr kumimoji="1" lang="ja-JP" altLang="en-US"/>
           </a:p>
@@ -8362,7 +8363,7 @@
           <a:p>
             <a:fld id="{E90ED720-0104-4369-84BC-D37694168613}" type="datetimeFigureOut">
               <a:rPr kumimoji="1" lang="ja-JP" altLang="en-US" smtClean="0"/>
-              <a:t>2017/6/28</a:t>
+              <a:t>2017/6/29</a:t>
             </a:fld>
             <a:endParaRPr kumimoji="1" lang="ja-JP" altLang="en-US"/>
           </a:p>
@@ -8610,7 +8611,7 @@
           <a:p>
             <a:fld id="{E90ED720-0104-4369-84BC-D37694168613}" type="datetimeFigureOut">
               <a:rPr kumimoji="1" lang="ja-JP" altLang="en-US" smtClean="0"/>
-              <a:t>2017/6/28</a:t>
+              <a:t>2017/6/29</a:t>
             </a:fld>
             <a:endParaRPr kumimoji="1" lang="ja-JP" altLang="en-US"/>
           </a:p>
@@ -8850,7 +8851,7 @@
           <a:p>
             <a:fld id="{E90ED720-0104-4369-84BC-D37694168613}" type="datetimeFigureOut">
               <a:rPr kumimoji="1" lang="ja-JP" altLang="en-US" smtClean="0"/>
-              <a:t>2017/6/28</a:t>
+              <a:t>2017/6/29</a:t>
             </a:fld>
             <a:endParaRPr kumimoji="1" lang="ja-JP" altLang="en-US"/>
           </a:p>
@@ -9272,12 +9273,12 @@
           <a:graphicData uri="http://schemas.openxmlformats.org/presentationml/2006/ole">
             <mc:AlternateContent xmlns:mc="http://schemas.openxmlformats.org/markup-compatibility/2006">
               <mc:Choice xmlns:v="urn:schemas-microsoft-com:vml" Requires="v">
-                <p:oleObj spid="_x0000_s1056" name="ワークシート" r:id="rId4" imgW="2943165" imgH="3781500" progId="Excel.Sheet.12">
+                <p:oleObj spid="_x0000_s1057" name="ワークシート" r:id="rId5" imgW="2943165" imgH="3781500" progId="Excel.Sheet.12">
                   <p:embed/>
                 </p:oleObj>
               </mc:Choice>
               <mc:Fallback>
-                <p:oleObj name="ワークシート" r:id="rId4" imgW="2943165" imgH="3781500" progId="Excel.Sheet.12">
+                <p:oleObj name="ワークシート" r:id="rId5" imgW="2943165" imgH="3781500" progId="Excel.Sheet.12">
                   <p:embed/>
                   <p:pic>
                     <p:nvPicPr>
@@ -9286,7 +9287,7 @@
                       <p:nvPr/>
                     </p:nvPicPr>
                     <p:blipFill>
-                      <a:blip r:embed="rId5"/>
+                      <a:blip r:embed="rId6"/>
                       <a:stretch>
                         <a:fillRect/>
                       </a:stretch>
@@ -9796,6 +9797,133 @@
 </file>
 
 <file path=ppt/slides/slide3.xml><?xml version="1.0" encoding="utf-8"?>
+<p:sld xmlns:a="http://schemas.openxmlformats.org/drawingml/2006/main" xmlns:r="http://schemas.openxmlformats.org/officeDocument/2006/relationships" xmlns:p="http://schemas.openxmlformats.org/presentationml/2006/main">
+  <p:cSld>
+    <p:spTree>
+      <p:nvGrpSpPr>
+        <p:cNvPr id="1" name=""/>
+        <p:cNvGrpSpPr/>
+        <p:nvPr/>
+      </p:nvGrpSpPr>
+      <p:grpSpPr>
+        <a:xfrm>
+          <a:off x="0" y="0"/>
+          <a:ext cx="0" cy="0"/>
+          <a:chOff x="0" y="0"/>
+          <a:chExt cx="0" cy="0"/>
+        </a:xfrm>
+      </p:grpSpPr>
+      <p:sp>
+        <p:nvSpPr>
+          <p:cNvPr id="2" name="タイトル 1"/>
+          <p:cNvSpPr>
+            <a:spLocks noGrp="1"/>
+          </p:cNvSpPr>
+          <p:nvPr>
+            <p:ph type="title"/>
+          </p:nvPr>
+        </p:nvSpPr>
+        <p:spPr/>
+        <p:txBody>
+          <a:bodyPr/>
+          <a:lstStyle/>
+          <a:p>
+            <a:r>
+              <a:rPr kumimoji="1" lang="ja-JP" altLang="en-US" dirty="0" smtClean="0"/>
+              <a:t>目標</a:t>
+            </a:r>
+            <a:endParaRPr kumimoji="1" lang="ja-JP" altLang="en-US" dirty="0"/>
+          </a:p>
+        </p:txBody>
+      </p:sp>
+      <p:sp>
+        <p:nvSpPr>
+          <p:cNvPr id="3" name="テキスト ボックス 2"/>
+          <p:cNvSpPr txBox="1"/>
+          <p:nvPr/>
+        </p:nvSpPr>
+        <p:spPr>
+          <a:xfrm>
+            <a:off x="899592" y="1988840"/>
+            <a:ext cx="5099473" cy="1200329"/>
+          </a:xfrm>
+          <a:prstGeom prst="rect">
+            <a:avLst/>
+          </a:prstGeom>
+          <a:noFill/>
+        </p:spPr>
+        <p:txBody>
+          <a:bodyPr wrap="none" rtlCol="0">
+            <a:spAutoFit/>
+          </a:bodyPr>
+          <a:lstStyle/>
+          <a:p>
+            <a:r>
+              <a:rPr lang="ja-JP" altLang="en-US" dirty="0" smtClean="0"/>
+              <a:t>・</a:t>
+            </a:r>
+            <a:r>
+              <a:rPr lang="en-US" altLang="ja-JP" dirty="0" smtClean="0"/>
+              <a:t>1</a:t>
+            </a:r>
+            <a:r>
+              <a:rPr lang="ja-JP" altLang="en-US" dirty="0" smtClean="0"/>
+              <a:t>日</a:t>
+            </a:r>
+            <a:r>
+              <a:rPr lang="en-US" altLang="ja-JP" dirty="0"/>
+              <a:t>3</a:t>
+            </a:r>
+            <a:r>
+              <a:rPr lang="ja-JP" altLang="en-US" dirty="0" smtClean="0"/>
+              <a:t>回定例共有会を行う</a:t>
+            </a:r>
+            <a:endParaRPr lang="en-US" altLang="ja-JP" dirty="0" smtClean="0"/>
+          </a:p>
+          <a:p>
+            <a:r>
+              <a:rPr kumimoji="1" lang="ja-JP" altLang="en-US" dirty="0" smtClean="0"/>
+              <a:t>・障害発生率</a:t>
+            </a:r>
+            <a:r>
+              <a:rPr kumimoji="1" lang="en-US" altLang="ja-JP" dirty="0" smtClean="0"/>
+              <a:t>±10%</a:t>
+            </a:r>
+          </a:p>
+          <a:p>
+            <a:r>
+              <a:rPr lang="ja-JP" altLang="en-US" dirty="0" smtClean="0"/>
+              <a:t>・メンバーの作業状況をお互いが把握しつつ進める</a:t>
+            </a:r>
+            <a:endParaRPr lang="en-US" altLang="ja-JP" dirty="0" smtClean="0"/>
+          </a:p>
+          <a:p>
+            <a:r>
+              <a:rPr kumimoji="1" lang="ja-JP" altLang="en-US" dirty="0" smtClean="0"/>
+              <a:t>・作業時間を明確</a:t>
+            </a:r>
+            <a:r>
+              <a:rPr lang="ja-JP" altLang="en-US" dirty="0" smtClean="0"/>
+              <a:t>に管理する。</a:t>
+            </a:r>
+            <a:endParaRPr kumimoji="1" lang="ja-JP" altLang="en-US" dirty="0"/>
+          </a:p>
+        </p:txBody>
+      </p:sp>
+    </p:spTree>
+    <p:extLst>
+      <p:ext uri="{BB962C8B-B14F-4D97-AF65-F5344CB8AC3E}">
+        <p14:creationId xmlns:p14="http://schemas.microsoft.com/office/powerpoint/2010/main" val="2189902955"/>
+      </p:ext>
+    </p:extLst>
+  </p:cSld>
+  <p:clrMapOvr>
+    <a:masterClrMapping/>
+  </p:clrMapOvr>
+</p:sld>
+</file>
+
+<file path=ppt/slides/slide4.xml><?xml version="1.0" encoding="utf-8"?>
 <p:sld xmlns:a="http://schemas.openxmlformats.org/drawingml/2006/main" xmlns:r="http://schemas.openxmlformats.org/officeDocument/2006/relationships" xmlns:p="http://schemas.openxmlformats.org/presentationml/2006/main">
   <p:cSld>
     <p:spTree>
